--- a/Sprint Cadence Diagrams.pptx
+++ b/Sprint Cadence Diagrams.pptx
@@ -7,6 +7,7 @@
   <p:sldIdLst>
     <p:sldId id="256" r:id="rId2"/>
     <p:sldId id="257" r:id="rId3"/>
+    <p:sldId id="258" r:id="rId4"/>
   </p:sldIdLst>
   <p:sldSz cx="12192000" cy="6858000"/>
   <p:notesSz cx="6858000" cy="9144000"/>
@@ -105,6 +106,11 @@
       </a:defRPr>
     </a:lvl9pPr>
   </p:defaultTextStyle>
+  <p:extLst>
+    <p:ext uri="{EFAFB233-063F-42B5-8137-9DF3F51BA10A}">
+      <p15:sldGuideLst xmlns:p15="http://schemas.microsoft.com/office/powerpoint/2012/main"/>
+    </p:ext>
+  </p:extLst>
 </p:presentation>
 </file>
 
@@ -2769,7 +2775,7 @@
           <a:p>
             <a:fld id="{0C3A9CC2-761E-433C-A323-6D1ABF677EB6}" type="datetimeFigureOut">
               <a:rPr lang="en-US" smtClean="0"/>
-              <a:t>8/20/2020</a:t>
+              <a:t>8/21/2020</a:t>
             </a:fld>
             <a:endParaRPr lang="en-US"/>
           </a:p>
@@ -2967,7 +2973,7 @@
           <a:p>
             <a:fld id="{0C3A9CC2-761E-433C-A323-6D1ABF677EB6}" type="datetimeFigureOut">
               <a:rPr lang="en-US" smtClean="0"/>
-              <a:t>8/20/2020</a:t>
+              <a:t>8/21/2020</a:t>
             </a:fld>
             <a:endParaRPr lang="en-US"/>
           </a:p>
@@ -3175,7 +3181,7 @@
           <a:p>
             <a:fld id="{0C3A9CC2-761E-433C-A323-6D1ABF677EB6}" type="datetimeFigureOut">
               <a:rPr lang="en-US" smtClean="0"/>
-              <a:t>8/20/2020</a:t>
+              <a:t>8/21/2020</a:t>
             </a:fld>
             <a:endParaRPr lang="en-US"/>
           </a:p>
@@ -3373,7 +3379,7 @@
           <a:p>
             <a:fld id="{0C3A9CC2-761E-433C-A323-6D1ABF677EB6}" type="datetimeFigureOut">
               <a:rPr lang="en-US" smtClean="0"/>
-              <a:t>8/20/2020</a:t>
+              <a:t>8/21/2020</a:t>
             </a:fld>
             <a:endParaRPr lang="en-US"/>
           </a:p>
@@ -3648,7 +3654,7 @@
           <a:p>
             <a:fld id="{0C3A9CC2-761E-433C-A323-6D1ABF677EB6}" type="datetimeFigureOut">
               <a:rPr lang="en-US" smtClean="0"/>
-              <a:t>8/20/2020</a:t>
+              <a:t>8/21/2020</a:t>
             </a:fld>
             <a:endParaRPr lang="en-US"/>
           </a:p>
@@ -3913,7 +3919,7 @@
           <a:p>
             <a:fld id="{0C3A9CC2-761E-433C-A323-6D1ABF677EB6}" type="datetimeFigureOut">
               <a:rPr lang="en-US" smtClean="0"/>
-              <a:t>8/20/2020</a:t>
+              <a:t>8/21/2020</a:t>
             </a:fld>
             <a:endParaRPr lang="en-US"/>
           </a:p>
@@ -4325,7 +4331,7 @@
           <a:p>
             <a:fld id="{0C3A9CC2-761E-433C-A323-6D1ABF677EB6}" type="datetimeFigureOut">
               <a:rPr lang="en-US" smtClean="0"/>
-              <a:t>8/20/2020</a:t>
+              <a:t>8/21/2020</a:t>
             </a:fld>
             <a:endParaRPr lang="en-US"/>
           </a:p>
@@ -4466,7 +4472,7 @@
           <a:p>
             <a:fld id="{0C3A9CC2-761E-433C-A323-6D1ABF677EB6}" type="datetimeFigureOut">
               <a:rPr lang="en-US" smtClean="0"/>
-              <a:t>8/20/2020</a:t>
+              <a:t>8/21/2020</a:t>
             </a:fld>
             <a:endParaRPr lang="en-US"/>
           </a:p>
@@ -4579,7 +4585,7 @@
           <a:p>
             <a:fld id="{0C3A9CC2-761E-433C-A323-6D1ABF677EB6}" type="datetimeFigureOut">
               <a:rPr lang="en-US" smtClean="0"/>
-              <a:t>8/20/2020</a:t>
+              <a:t>8/21/2020</a:t>
             </a:fld>
             <a:endParaRPr lang="en-US"/>
           </a:p>
@@ -4890,7 +4896,7 @@
           <a:p>
             <a:fld id="{0C3A9CC2-761E-433C-A323-6D1ABF677EB6}" type="datetimeFigureOut">
               <a:rPr lang="en-US" smtClean="0"/>
-              <a:t>8/20/2020</a:t>
+              <a:t>8/21/2020</a:t>
             </a:fld>
             <a:endParaRPr lang="en-US"/>
           </a:p>
@@ -5178,7 +5184,7 @@
           <a:p>
             <a:fld id="{0C3A9CC2-761E-433C-A323-6D1ABF677EB6}" type="datetimeFigureOut">
               <a:rPr lang="en-US" smtClean="0"/>
-              <a:t>8/20/2020</a:t>
+              <a:t>8/21/2020</a:t>
             </a:fld>
             <a:endParaRPr lang="en-US"/>
           </a:p>
@@ -5419,7 +5425,7 @@
           <a:p>
             <a:fld id="{0C3A9CC2-761E-433C-A323-6D1ABF677EB6}" type="datetimeFigureOut">
               <a:rPr lang="en-US" smtClean="0"/>
-              <a:t>8/20/2020</a:t>
+              <a:t>8/21/2020</a:t>
             </a:fld>
             <a:endParaRPr lang="en-US"/>
           </a:p>
@@ -7019,6 +7025,36 @@
 </p:sld>
 </file>
 
+<file path=ppt/slides/slide3.xml><?xml version="1.0" encoding="utf-8"?>
+<p:sld xmlns:a="http://schemas.openxmlformats.org/drawingml/2006/main" xmlns:r="http://schemas.openxmlformats.org/officeDocument/2006/relationships" xmlns:p="http://schemas.openxmlformats.org/presentationml/2006/main">
+  <p:cSld>
+    <p:spTree>
+      <p:nvGrpSpPr>
+        <p:cNvPr id="1" name=""/>
+        <p:cNvGrpSpPr/>
+        <p:nvPr/>
+      </p:nvGrpSpPr>
+      <p:grpSpPr>
+        <a:xfrm>
+          <a:off x="0" y="0"/>
+          <a:ext cx="0" cy="0"/>
+          <a:chOff x="0" y="0"/>
+          <a:chExt cx="0" cy="0"/>
+        </a:xfrm>
+      </p:grpSpPr>
+    </p:spTree>
+    <p:extLst>
+      <p:ext uri="{BB962C8B-B14F-4D97-AF65-F5344CB8AC3E}">
+        <p14:creationId xmlns:p14="http://schemas.microsoft.com/office/powerpoint/2010/main" val="1447310309"/>
+      </p:ext>
+    </p:extLst>
+  </p:cSld>
+  <p:clrMapOvr>
+    <a:masterClrMapping/>
+  </p:clrMapOvr>
+</p:sld>
+</file>
+
 <file path=ppt/theme/theme1.xml><?xml version="1.0" encoding="utf-8"?>
 <a:theme xmlns:a="http://schemas.openxmlformats.org/drawingml/2006/main" name="Office Theme">
   <a:themeElements>

--- a/Sprint Cadence Diagrams.pptx
+++ b/Sprint Cadence Diagrams.pptx
@@ -7,7 +7,6 @@
   <p:sldIdLst>
     <p:sldId id="256" r:id="rId2"/>
     <p:sldId id="257" r:id="rId3"/>
-    <p:sldId id="258" r:id="rId4"/>
   </p:sldIdLst>
   <p:sldSz cx="12192000" cy="6858000"/>
   <p:notesSz cx="6858000" cy="9144000"/>
@@ -2775,7 +2774,7 @@
           <a:p>
             <a:fld id="{0C3A9CC2-761E-433C-A323-6D1ABF677EB6}" type="datetimeFigureOut">
               <a:rPr lang="en-US" smtClean="0"/>
-              <a:t>8/21/2020</a:t>
+              <a:t>8/22/2020</a:t>
             </a:fld>
             <a:endParaRPr lang="en-US"/>
           </a:p>
@@ -2973,7 +2972,7 @@
           <a:p>
             <a:fld id="{0C3A9CC2-761E-433C-A323-6D1ABF677EB6}" type="datetimeFigureOut">
               <a:rPr lang="en-US" smtClean="0"/>
-              <a:t>8/21/2020</a:t>
+              <a:t>8/22/2020</a:t>
             </a:fld>
             <a:endParaRPr lang="en-US"/>
           </a:p>
@@ -3181,7 +3180,7 @@
           <a:p>
             <a:fld id="{0C3A9CC2-761E-433C-A323-6D1ABF677EB6}" type="datetimeFigureOut">
               <a:rPr lang="en-US" smtClean="0"/>
-              <a:t>8/21/2020</a:t>
+              <a:t>8/22/2020</a:t>
             </a:fld>
             <a:endParaRPr lang="en-US"/>
           </a:p>
@@ -3379,7 +3378,7 @@
           <a:p>
             <a:fld id="{0C3A9CC2-761E-433C-A323-6D1ABF677EB6}" type="datetimeFigureOut">
               <a:rPr lang="en-US" smtClean="0"/>
-              <a:t>8/21/2020</a:t>
+              <a:t>8/22/2020</a:t>
             </a:fld>
             <a:endParaRPr lang="en-US"/>
           </a:p>
@@ -3654,7 +3653,7 @@
           <a:p>
             <a:fld id="{0C3A9CC2-761E-433C-A323-6D1ABF677EB6}" type="datetimeFigureOut">
               <a:rPr lang="en-US" smtClean="0"/>
-              <a:t>8/21/2020</a:t>
+              <a:t>8/22/2020</a:t>
             </a:fld>
             <a:endParaRPr lang="en-US"/>
           </a:p>
@@ -3919,7 +3918,7 @@
           <a:p>
             <a:fld id="{0C3A9CC2-761E-433C-A323-6D1ABF677EB6}" type="datetimeFigureOut">
               <a:rPr lang="en-US" smtClean="0"/>
-              <a:t>8/21/2020</a:t>
+              <a:t>8/22/2020</a:t>
             </a:fld>
             <a:endParaRPr lang="en-US"/>
           </a:p>
@@ -4331,7 +4330,7 @@
           <a:p>
             <a:fld id="{0C3A9CC2-761E-433C-A323-6D1ABF677EB6}" type="datetimeFigureOut">
               <a:rPr lang="en-US" smtClean="0"/>
-              <a:t>8/21/2020</a:t>
+              <a:t>8/22/2020</a:t>
             </a:fld>
             <a:endParaRPr lang="en-US"/>
           </a:p>
@@ -4472,7 +4471,7 @@
           <a:p>
             <a:fld id="{0C3A9CC2-761E-433C-A323-6D1ABF677EB6}" type="datetimeFigureOut">
               <a:rPr lang="en-US" smtClean="0"/>
-              <a:t>8/21/2020</a:t>
+              <a:t>8/22/2020</a:t>
             </a:fld>
             <a:endParaRPr lang="en-US"/>
           </a:p>
@@ -4585,7 +4584,7 @@
           <a:p>
             <a:fld id="{0C3A9CC2-761E-433C-A323-6D1ABF677EB6}" type="datetimeFigureOut">
               <a:rPr lang="en-US" smtClean="0"/>
-              <a:t>8/21/2020</a:t>
+              <a:t>8/22/2020</a:t>
             </a:fld>
             <a:endParaRPr lang="en-US"/>
           </a:p>
@@ -4896,7 +4895,7 @@
           <a:p>
             <a:fld id="{0C3A9CC2-761E-433C-A323-6D1ABF677EB6}" type="datetimeFigureOut">
               <a:rPr lang="en-US" smtClean="0"/>
-              <a:t>8/21/2020</a:t>
+              <a:t>8/22/2020</a:t>
             </a:fld>
             <a:endParaRPr lang="en-US"/>
           </a:p>
@@ -5184,7 +5183,7 @@
           <a:p>
             <a:fld id="{0C3A9CC2-761E-433C-A323-6D1ABF677EB6}" type="datetimeFigureOut">
               <a:rPr lang="en-US" smtClean="0"/>
-              <a:t>8/21/2020</a:t>
+              <a:t>8/22/2020</a:t>
             </a:fld>
             <a:endParaRPr lang="en-US"/>
           </a:p>
@@ -5425,7 +5424,7 @@
           <a:p>
             <a:fld id="{0C3A9CC2-761E-433C-A323-6D1ABF677EB6}" type="datetimeFigureOut">
               <a:rPr lang="en-US" smtClean="0"/>
-              <a:t>8/21/2020</a:t>
+              <a:t>8/22/2020</a:t>
             </a:fld>
             <a:endParaRPr lang="en-US"/>
           </a:p>
@@ -7025,36 +7024,6 @@
 </p:sld>
 </file>
 
-<file path=ppt/slides/slide3.xml><?xml version="1.0" encoding="utf-8"?>
-<p:sld xmlns:a="http://schemas.openxmlformats.org/drawingml/2006/main" xmlns:r="http://schemas.openxmlformats.org/officeDocument/2006/relationships" xmlns:p="http://schemas.openxmlformats.org/presentationml/2006/main">
-  <p:cSld>
-    <p:spTree>
-      <p:nvGrpSpPr>
-        <p:cNvPr id="1" name=""/>
-        <p:cNvGrpSpPr/>
-        <p:nvPr/>
-      </p:nvGrpSpPr>
-      <p:grpSpPr>
-        <a:xfrm>
-          <a:off x="0" y="0"/>
-          <a:ext cx="0" cy="0"/>
-          <a:chOff x="0" y="0"/>
-          <a:chExt cx="0" cy="0"/>
-        </a:xfrm>
-      </p:grpSpPr>
-    </p:spTree>
-    <p:extLst>
-      <p:ext uri="{BB962C8B-B14F-4D97-AF65-F5344CB8AC3E}">
-        <p14:creationId xmlns:p14="http://schemas.microsoft.com/office/powerpoint/2010/main" val="1447310309"/>
-      </p:ext>
-    </p:extLst>
-  </p:cSld>
-  <p:clrMapOvr>
-    <a:masterClrMapping/>
-  </p:clrMapOvr>
-</p:sld>
-</file>
-
 <file path=ppt/theme/theme1.xml><?xml version="1.0" encoding="utf-8"?>
 <a:theme xmlns:a="http://schemas.openxmlformats.org/drawingml/2006/main" name="Office Theme">
   <a:themeElements>

--- a/Sprint Cadence Diagrams.pptx
+++ b/Sprint Cadence Diagrams.pptx
@@ -7,6 +7,7 @@
   <p:sldIdLst>
     <p:sldId id="256" r:id="rId2"/>
     <p:sldId id="257" r:id="rId3"/>
+    <p:sldId id="258" r:id="rId4"/>
   </p:sldIdLst>
   <p:sldSz cx="12192000" cy="6858000"/>
   <p:notesSz cx="6858000" cy="9144000"/>
@@ -2774,7 +2775,7 @@
           <a:p>
             <a:fld id="{0C3A9CC2-761E-433C-A323-6D1ABF677EB6}" type="datetimeFigureOut">
               <a:rPr lang="en-US" smtClean="0"/>
-              <a:t>8/22/2020</a:t>
+              <a:t>8/23/2020</a:t>
             </a:fld>
             <a:endParaRPr lang="en-US"/>
           </a:p>
@@ -2972,7 +2973,7 @@
           <a:p>
             <a:fld id="{0C3A9CC2-761E-433C-A323-6D1ABF677EB6}" type="datetimeFigureOut">
               <a:rPr lang="en-US" smtClean="0"/>
-              <a:t>8/22/2020</a:t>
+              <a:t>8/23/2020</a:t>
             </a:fld>
             <a:endParaRPr lang="en-US"/>
           </a:p>
@@ -3180,7 +3181,7 @@
           <a:p>
             <a:fld id="{0C3A9CC2-761E-433C-A323-6D1ABF677EB6}" type="datetimeFigureOut">
               <a:rPr lang="en-US" smtClean="0"/>
-              <a:t>8/22/2020</a:t>
+              <a:t>8/23/2020</a:t>
             </a:fld>
             <a:endParaRPr lang="en-US"/>
           </a:p>
@@ -3378,7 +3379,7 @@
           <a:p>
             <a:fld id="{0C3A9CC2-761E-433C-A323-6D1ABF677EB6}" type="datetimeFigureOut">
               <a:rPr lang="en-US" smtClean="0"/>
-              <a:t>8/22/2020</a:t>
+              <a:t>8/23/2020</a:t>
             </a:fld>
             <a:endParaRPr lang="en-US"/>
           </a:p>
@@ -3653,7 +3654,7 @@
           <a:p>
             <a:fld id="{0C3A9CC2-761E-433C-A323-6D1ABF677EB6}" type="datetimeFigureOut">
               <a:rPr lang="en-US" smtClean="0"/>
-              <a:t>8/22/2020</a:t>
+              <a:t>8/23/2020</a:t>
             </a:fld>
             <a:endParaRPr lang="en-US"/>
           </a:p>
@@ -3918,7 +3919,7 @@
           <a:p>
             <a:fld id="{0C3A9CC2-761E-433C-A323-6D1ABF677EB6}" type="datetimeFigureOut">
               <a:rPr lang="en-US" smtClean="0"/>
-              <a:t>8/22/2020</a:t>
+              <a:t>8/23/2020</a:t>
             </a:fld>
             <a:endParaRPr lang="en-US"/>
           </a:p>
@@ -4330,7 +4331,7 @@
           <a:p>
             <a:fld id="{0C3A9CC2-761E-433C-A323-6D1ABF677EB6}" type="datetimeFigureOut">
               <a:rPr lang="en-US" smtClean="0"/>
-              <a:t>8/22/2020</a:t>
+              <a:t>8/23/2020</a:t>
             </a:fld>
             <a:endParaRPr lang="en-US"/>
           </a:p>
@@ -4471,7 +4472,7 @@
           <a:p>
             <a:fld id="{0C3A9CC2-761E-433C-A323-6D1ABF677EB6}" type="datetimeFigureOut">
               <a:rPr lang="en-US" smtClean="0"/>
-              <a:t>8/22/2020</a:t>
+              <a:t>8/23/2020</a:t>
             </a:fld>
             <a:endParaRPr lang="en-US"/>
           </a:p>
@@ -4584,7 +4585,7 @@
           <a:p>
             <a:fld id="{0C3A9CC2-761E-433C-A323-6D1ABF677EB6}" type="datetimeFigureOut">
               <a:rPr lang="en-US" smtClean="0"/>
-              <a:t>8/22/2020</a:t>
+              <a:t>8/23/2020</a:t>
             </a:fld>
             <a:endParaRPr lang="en-US"/>
           </a:p>
@@ -4895,7 +4896,7 @@
           <a:p>
             <a:fld id="{0C3A9CC2-761E-433C-A323-6D1ABF677EB6}" type="datetimeFigureOut">
               <a:rPr lang="en-US" smtClean="0"/>
-              <a:t>8/22/2020</a:t>
+              <a:t>8/23/2020</a:t>
             </a:fld>
             <a:endParaRPr lang="en-US"/>
           </a:p>
@@ -5183,7 +5184,7 @@
           <a:p>
             <a:fld id="{0C3A9CC2-761E-433C-A323-6D1ABF677EB6}" type="datetimeFigureOut">
               <a:rPr lang="en-US" smtClean="0"/>
-              <a:t>8/22/2020</a:t>
+              <a:t>8/23/2020</a:t>
             </a:fld>
             <a:endParaRPr lang="en-US"/>
           </a:p>
@@ -5424,7 +5425,7 @@
           <a:p>
             <a:fld id="{0C3A9CC2-761E-433C-A323-6D1ABF677EB6}" type="datetimeFigureOut">
               <a:rPr lang="en-US" smtClean="0"/>
-              <a:t>8/22/2020</a:t>
+              <a:t>8/23/2020</a:t>
             </a:fld>
             <a:endParaRPr lang="en-US"/>
           </a:p>
@@ -7024,6 +7025,36 @@
 </p:sld>
 </file>
 
+<file path=ppt/slides/slide3.xml><?xml version="1.0" encoding="utf-8"?>
+<p:sld xmlns:a="http://schemas.openxmlformats.org/drawingml/2006/main" xmlns:r="http://schemas.openxmlformats.org/officeDocument/2006/relationships" xmlns:p="http://schemas.openxmlformats.org/presentationml/2006/main">
+  <p:cSld>
+    <p:spTree>
+      <p:nvGrpSpPr>
+        <p:cNvPr id="1" name=""/>
+        <p:cNvGrpSpPr/>
+        <p:nvPr/>
+      </p:nvGrpSpPr>
+      <p:grpSpPr>
+        <a:xfrm>
+          <a:off x="0" y="0"/>
+          <a:ext cx="0" cy="0"/>
+          <a:chOff x="0" y="0"/>
+          <a:chExt cx="0" cy="0"/>
+        </a:xfrm>
+      </p:grpSpPr>
+    </p:spTree>
+    <p:extLst>
+      <p:ext uri="{BB962C8B-B14F-4D97-AF65-F5344CB8AC3E}">
+        <p14:creationId xmlns:p14="http://schemas.microsoft.com/office/powerpoint/2010/main" val="2541248605"/>
+      </p:ext>
+    </p:extLst>
+  </p:cSld>
+  <p:clrMapOvr>
+    <a:masterClrMapping/>
+  </p:clrMapOvr>
+</p:sld>
+</file>
+
 <file path=ppt/theme/theme1.xml><?xml version="1.0" encoding="utf-8"?>
 <a:theme xmlns:a="http://schemas.openxmlformats.org/drawingml/2006/main" name="Office Theme">
   <a:themeElements>

--- a/Sprint Cadence Diagrams.pptx
+++ b/Sprint Cadence Diagrams.pptx
@@ -7042,6 +7042,949 @@
           <a:chExt cx="0" cy="0"/>
         </a:xfrm>
       </p:grpSpPr>
+      <p:sp>
+        <p:nvSpPr>
+          <p:cNvPr id="3" name="Rectangle 2">
+            <a:extLst>
+              <a:ext uri="{FF2B5EF4-FFF2-40B4-BE49-F238E27FC236}">
+                <a16:creationId xmlns:a16="http://schemas.microsoft.com/office/drawing/2014/main" id="{CE16256C-BF27-4704-BA87-0CC6B0C94D4A}"/>
+              </a:ext>
+            </a:extLst>
+          </p:cNvPr>
+          <p:cNvSpPr/>
+          <p:nvPr/>
+        </p:nvSpPr>
+        <p:spPr>
+          <a:xfrm>
+            <a:off x="2825578" y="1392195"/>
+            <a:ext cx="2776152" cy="1869989"/>
+          </a:xfrm>
+          <a:prstGeom prst="rect">
+            <a:avLst/>
+          </a:prstGeom>
+        </p:spPr>
+        <p:style>
+          <a:lnRef idx="2">
+            <a:schemeClr val="accent1"/>
+          </a:lnRef>
+          <a:fillRef idx="1">
+            <a:schemeClr val="lt1"/>
+          </a:fillRef>
+          <a:effectRef idx="0">
+            <a:schemeClr val="accent1"/>
+          </a:effectRef>
+          <a:fontRef idx="minor">
+            <a:schemeClr val="dk1"/>
+          </a:fontRef>
+        </p:style>
+        <p:txBody>
+          <a:bodyPr rtlCol="0" anchor="t"/>
+          <a:lstStyle/>
+          <a:p>
+            <a:r>
+              <a:rPr lang="en-US" sz="1000" b="1" u="sng" dirty="0"/>
+              <a:t>Worked Well</a:t>
+            </a:r>
+          </a:p>
+        </p:txBody>
+      </p:sp>
+      <p:sp>
+        <p:nvSpPr>
+          <p:cNvPr id="5" name="Rectangle 4">
+            <a:extLst>
+              <a:ext uri="{FF2B5EF4-FFF2-40B4-BE49-F238E27FC236}">
+                <a16:creationId xmlns:a16="http://schemas.microsoft.com/office/drawing/2014/main" id="{416AF239-DF48-419F-88BF-B52E7956C174}"/>
+              </a:ext>
+            </a:extLst>
+          </p:cNvPr>
+          <p:cNvSpPr/>
+          <p:nvPr/>
+        </p:nvSpPr>
+        <p:spPr>
+          <a:xfrm>
+            <a:off x="5754130" y="1392195"/>
+            <a:ext cx="2776152" cy="1869989"/>
+          </a:xfrm>
+          <a:prstGeom prst="rect">
+            <a:avLst/>
+          </a:prstGeom>
+        </p:spPr>
+        <p:style>
+          <a:lnRef idx="2">
+            <a:schemeClr val="accent1"/>
+          </a:lnRef>
+          <a:fillRef idx="1">
+            <a:schemeClr val="lt1"/>
+          </a:fillRef>
+          <a:effectRef idx="0">
+            <a:schemeClr val="accent1"/>
+          </a:effectRef>
+          <a:fontRef idx="minor">
+            <a:schemeClr val="dk1"/>
+          </a:fontRef>
+        </p:style>
+        <p:txBody>
+          <a:bodyPr rtlCol="0" anchor="t"/>
+          <a:lstStyle/>
+          <a:p>
+            <a:r>
+              <a:rPr lang="en-US" sz="1000" b="1" u="sng" dirty="0"/>
+              <a:t>Needs Improvement</a:t>
+            </a:r>
+          </a:p>
+        </p:txBody>
+      </p:sp>
+      <p:sp>
+        <p:nvSpPr>
+          <p:cNvPr id="7" name="Rectangle 6">
+            <a:extLst>
+              <a:ext uri="{FF2B5EF4-FFF2-40B4-BE49-F238E27FC236}">
+                <a16:creationId xmlns:a16="http://schemas.microsoft.com/office/drawing/2014/main" id="{BC30E2BA-03FB-4BD3-92C8-075FEB5EB2E1}"/>
+              </a:ext>
+            </a:extLst>
+          </p:cNvPr>
+          <p:cNvSpPr/>
+          <p:nvPr/>
+        </p:nvSpPr>
+        <p:spPr>
+          <a:xfrm>
+            <a:off x="5754130" y="3429000"/>
+            <a:ext cx="2776152" cy="1869989"/>
+          </a:xfrm>
+          <a:prstGeom prst="rect">
+            <a:avLst/>
+          </a:prstGeom>
+        </p:spPr>
+        <p:style>
+          <a:lnRef idx="2">
+            <a:schemeClr val="accent1"/>
+          </a:lnRef>
+          <a:fillRef idx="1">
+            <a:schemeClr val="lt1"/>
+          </a:fillRef>
+          <a:effectRef idx="0">
+            <a:schemeClr val="accent1"/>
+          </a:effectRef>
+          <a:fontRef idx="minor">
+            <a:schemeClr val="dk1"/>
+          </a:fontRef>
+        </p:style>
+        <p:txBody>
+          <a:bodyPr rtlCol="0" anchor="t"/>
+          <a:lstStyle/>
+          <a:p>
+            <a:r>
+              <a:rPr lang="en-US" sz="1000" b="1" u="sng" dirty="0"/>
+              <a:t>Actions</a:t>
+            </a:r>
+          </a:p>
+        </p:txBody>
+      </p:sp>
+      <p:sp>
+        <p:nvSpPr>
+          <p:cNvPr id="9" name="Rectangle 8">
+            <a:extLst>
+              <a:ext uri="{FF2B5EF4-FFF2-40B4-BE49-F238E27FC236}">
+                <a16:creationId xmlns:a16="http://schemas.microsoft.com/office/drawing/2014/main" id="{EC5D8ABC-961A-4C48-98CA-4D3BB4A013CE}"/>
+              </a:ext>
+            </a:extLst>
+          </p:cNvPr>
+          <p:cNvSpPr/>
+          <p:nvPr/>
+        </p:nvSpPr>
+        <p:spPr>
+          <a:xfrm>
+            <a:off x="2825578" y="3428999"/>
+            <a:ext cx="2776152" cy="1869989"/>
+          </a:xfrm>
+          <a:prstGeom prst="rect">
+            <a:avLst/>
+          </a:prstGeom>
+        </p:spPr>
+        <p:style>
+          <a:lnRef idx="2">
+            <a:schemeClr val="accent1"/>
+          </a:lnRef>
+          <a:fillRef idx="1">
+            <a:schemeClr val="lt1"/>
+          </a:fillRef>
+          <a:effectRef idx="0">
+            <a:schemeClr val="accent1"/>
+          </a:effectRef>
+          <a:fontRef idx="minor">
+            <a:schemeClr val="dk1"/>
+          </a:fontRef>
+        </p:style>
+        <p:txBody>
+          <a:bodyPr rtlCol="0" anchor="t"/>
+          <a:lstStyle/>
+          <a:p>
+            <a:r>
+              <a:rPr lang="en-US" sz="1000" b="1" u="sng" dirty="0"/>
+              <a:t>Ideas</a:t>
+            </a:r>
+          </a:p>
+        </p:txBody>
+      </p:sp>
+      <p:sp>
+        <p:nvSpPr>
+          <p:cNvPr id="10" name="Flowchart: Document 9">
+            <a:extLst>
+              <a:ext uri="{FF2B5EF4-FFF2-40B4-BE49-F238E27FC236}">
+                <a16:creationId xmlns:a16="http://schemas.microsoft.com/office/drawing/2014/main" id="{9D354E6B-D8AE-4AE0-8949-3E26FEAF2A63}"/>
+              </a:ext>
+            </a:extLst>
+          </p:cNvPr>
+          <p:cNvSpPr/>
+          <p:nvPr/>
+        </p:nvSpPr>
+        <p:spPr>
+          <a:xfrm>
+            <a:off x="3270422" y="1811295"/>
+            <a:ext cx="675502" cy="560173"/>
+          </a:xfrm>
+          <a:prstGeom prst="flowChartDocument">
+            <a:avLst/>
+          </a:prstGeom>
+        </p:spPr>
+        <p:style>
+          <a:lnRef idx="1">
+            <a:schemeClr val="accent4"/>
+          </a:lnRef>
+          <a:fillRef idx="2">
+            <a:schemeClr val="accent4"/>
+          </a:fillRef>
+          <a:effectRef idx="1">
+            <a:schemeClr val="accent4"/>
+          </a:effectRef>
+          <a:fontRef idx="minor">
+            <a:schemeClr val="dk1"/>
+          </a:fontRef>
+        </p:style>
+        <p:txBody>
+          <a:bodyPr rtlCol="0" anchor="ctr"/>
+          <a:lstStyle/>
+          <a:p>
+            <a:pPr algn="ctr"/>
+            <a:endParaRPr lang="en-US"/>
+          </a:p>
+        </p:txBody>
+      </p:sp>
+      <p:sp>
+        <p:nvSpPr>
+          <p:cNvPr id="12" name="Flowchart: Document 11">
+            <a:extLst>
+              <a:ext uri="{FF2B5EF4-FFF2-40B4-BE49-F238E27FC236}">
+                <a16:creationId xmlns:a16="http://schemas.microsoft.com/office/drawing/2014/main" id="{170F15BD-BDBF-4BBC-BD04-9B58DD9BBB16}"/>
+              </a:ext>
+            </a:extLst>
+          </p:cNvPr>
+          <p:cNvSpPr/>
+          <p:nvPr/>
+        </p:nvSpPr>
+        <p:spPr>
+          <a:xfrm>
+            <a:off x="4209535" y="1803056"/>
+            <a:ext cx="675502" cy="560173"/>
+          </a:xfrm>
+          <a:prstGeom prst="flowChartDocument">
+            <a:avLst/>
+          </a:prstGeom>
+        </p:spPr>
+        <p:style>
+          <a:lnRef idx="1">
+            <a:schemeClr val="accent4"/>
+          </a:lnRef>
+          <a:fillRef idx="2">
+            <a:schemeClr val="accent4"/>
+          </a:fillRef>
+          <a:effectRef idx="1">
+            <a:schemeClr val="accent4"/>
+          </a:effectRef>
+          <a:fontRef idx="minor">
+            <a:schemeClr val="dk1"/>
+          </a:fontRef>
+        </p:style>
+        <p:txBody>
+          <a:bodyPr rtlCol="0" anchor="ctr"/>
+          <a:lstStyle/>
+          <a:p>
+            <a:pPr algn="ctr"/>
+            <a:endParaRPr lang="en-US"/>
+          </a:p>
+        </p:txBody>
+      </p:sp>
+      <p:sp>
+        <p:nvSpPr>
+          <p:cNvPr id="14" name="Flowchart: Document 13">
+            <a:extLst>
+              <a:ext uri="{FF2B5EF4-FFF2-40B4-BE49-F238E27FC236}">
+                <a16:creationId xmlns:a16="http://schemas.microsoft.com/office/drawing/2014/main" id="{984030EA-8CC5-4C59-8680-09BA261E2769}"/>
+              </a:ext>
+            </a:extLst>
+          </p:cNvPr>
+          <p:cNvSpPr/>
+          <p:nvPr/>
+        </p:nvSpPr>
+        <p:spPr>
+          <a:xfrm>
+            <a:off x="4174525" y="2504302"/>
+            <a:ext cx="675502" cy="560173"/>
+          </a:xfrm>
+          <a:prstGeom prst="flowChartDocument">
+            <a:avLst/>
+          </a:prstGeom>
+        </p:spPr>
+        <p:style>
+          <a:lnRef idx="1">
+            <a:schemeClr val="accent4"/>
+          </a:lnRef>
+          <a:fillRef idx="2">
+            <a:schemeClr val="accent4"/>
+          </a:fillRef>
+          <a:effectRef idx="1">
+            <a:schemeClr val="accent4"/>
+          </a:effectRef>
+          <a:fontRef idx="minor">
+            <a:schemeClr val="dk1"/>
+          </a:fontRef>
+        </p:style>
+        <p:txBody>
+          <a:bodyPr rtlCol="0" anchor="ctr"/>
+          <a:lstStyle/>
+          <a:p>
+            <a:pPr algn="ctr"/>
+            <a:endParaRPr lang="en-US"/>
+          </a:p>
+        </p:txBody>
+      </p:sp>
+      <p:sp>
+        <p:nvSpPr>
+          <p:cNvPr id="16" name="Flowchart: Document 15">
+            <a:extLst>
+              <a:ext uri="{FF2B5EF4-FFF2-40B4-BE49-F238E27FC236}">
+                <a16:creationId xmlns:a16="http://schemas.microsoft.com/office/drawing/2014/main" id="{8F8B1850-076B-48EF-BC29-31136BCFED8D}"/>
+              </a:ext>
+            </a:extLst>
+          </p:cNvPr>
+          <p:cNvSpPr/>
+          <p:nvPr/>
+        </p:nvSpPr>
+        <p:spPr>
+          <a:xfrm>
+            <a:off x="3270422" y="2504302"/>
+            <a:ext cx="675502" cy="560173"/>
+          </a:xfrm>
+          <a:prstGeom prst="flowChartDocument">
+            <a:avLst/>
+          </a:prstGeom>
+        </p:spPr>
+        <p:style>
+          <a:lnRef idx="1">
+            <a:schemeClr val="accent4"/>
+          </a:lnRef>
+          <a:fillRef idx="2">
+            <a:schemeClr val="accent4"/>
+          </a:fillRef>
+          <a:effectRef idx="1">
+            <a:schemeClr val="accent4"/>
+          </a:effectRef>
+          <a:fontRef idx="minor">
+            <a:schemeClr val="dk1"/>
+          </a:fontRef>
+        </p:style>
+        <p:txBody>
+          <a:bodyPr rtlCol="0" anchor="ctr"/>
+          <a:lstStyle/>
+          <a:p>
+            <a:pPr algn="ctr"/>
+            <a:endParaRPr lang="en-US"/>
+          </a:p>
+        </p:txBody>
+      </p:sp>
+      <p:sp>
+        <p:nvSpPr>
+          <p:cNvPr id="18" name="Flowchart: Document 17">
+            <a:extLst>
+              <a:ext uri="{FF2B5EF4-FFF2-40B4-BE49-F238E27FC236}">
+                <a16:creationId xmlns:a16="http://schemas.microsoft.com/office/drawing/2014/main" id="{D1A3E645-7C1A-4EDF-998F-8CA3DA44798A}"/>
+              </a:ext>
+            </a:extLst>
+          </p:cNvPr>
+          <p:cNvSpPr/>
+          <p:nvPr/>
+        </p:nvSpPr>
+        <p:spPr>
+          <a:xfrm>
+            <a:off x="6233984" y="1811295"/>
+            <a:ext cx="675502" cy="560173"/>
+          </a:xfrm>
+          <a:prstGeom prst="flowChartDocument">
+            <a:avLst/>
+          </a:prstGeom>
+        </p:spPr>
+        <p:style>
+          <a:lnRef idx="1">
+            <a:schemeClr val="accent4"/>
+          </a:lnRef>
+          <a:fillRef idx="2">
+            <a:schemeClr val="accent4"/>
+          </a:fillRef>
+          <a:effectRef idx="1">
+            <a:schemeClr val="accent4"/>
+          </a:effectRef>
+          <a:fontRef idx="minor">
+            <a:schemeClr val="dk1"/>
+          </a:fontRef>
+        </p:style>
+        <p:txBody>
+          <a:bodyPr rtlCol="0" anchor="ctr"/>
+          <a:lstStyle/>
+          <a:p>
+            <a:pPr algn="ctr"/>
+            <a:endParaRPr lang="en-US"/>
+          </a:p>
+        </p:txBody>
+      </p:sp>
+      <p:sp>
+        <p:nvSpPr>
+          <p:cNvPr id="20" name="Flowchart: Document 19">
+            <a:extLst>
+              <a:ext uri="{FF2B5EF4-FFF2-40B4-BE49-F238E27FC236}">
+                <a16:creationId xmlns:a16="http://schemas.microsoft.com/office/drawing/2014/main" id="{093B7B53-2B74-4AB3-B3A7-A7F0CA23C606}"/>
+              </a:ext>
+            </a:extLst>
+          </p:cNvPr>
+          <p:cNvSpPr/>
+          <p:nvPr/>
+        </p:nvSpPr>
+        <p:spPr>
+          <a:xfrm>
+            <a:off x="7173097" y="1803056"/>
+            <a:ext cx="675502" cy="560173"/>
+          </a:xfrm>
+          <a:prstGeom prst="flowChartDocument">
+            <a:avLst/>
+          </a:prstGeom>
+        </p:spPr>
+        <p:style>
+          <a:lnRef idx="1">
+            <a:schemeClr val="accent4"/>
+          </a:lnRef>
+          <a:fillRef idx="2">
+            <a:schemeClr val="accent4"/>
+          </a:fillRef>
+          <a:effectRef idx="1">
+            <a:schemeClr val="accent4"/>
+          </a:effectRef>
+          <a:fontRef idx="minor">
+            <a:schemeClr val="dk1"/>
+          </a:fontRef>
+        </p:style>
+        <p:txBody>
+          <a:bodyPr rtlCol="0" anchor="ctr"/>
+          <a:lstStyle/>
+          <a:p>
+            <a:pPr algn="ctr"/>
+            <a:endParaRPr lang="en-US"/>
+          </a:p>
+        </p:txBody>
+      </p:sp>
+      <p:sp>
+        <p:nvSpPr>
+          <p:cNvPr id="22" name="Flowchart: Document 21">
+            <a:extLst>
+              <a:ext uri="{FF2B5EF4-FFF2-40B4-BE49-F238E27FC236}">
+                <a16:creationId xmlns:a16="http://schemas.microsoft.com/office/drawing/2014/main" id="{228205AC-B169-4D9A-9331-7C0321E00E9D}"/>
+              </a:ext>
+            </a:extLst>
+          </p:cNvPr>
+          <p:cNvSpPr/>
+          <p:nvPr/>
+        </p:nvSpPr>
+        <p:spPr>
+          <a:xfrm>
+            <a:off x="7138087" y="2504302"/>
+            <a:ext cx="675502" cy="560173"/>
+          </a:xfrm>
+          <a:prstGeom prst="flowChartDocument">
+            <a:avLst/>
+          </a:prstGeom>
+        </p:spPr>
+        <p:style>
+          <a:lnRef idx="1">
+            <a:schemeClr val="accent4"/>
+          </a:lnRef>
+          <a:fillRef idx="2">
+            <a:schemeClr val="accent4"/>
+          </a:fillRef>
+          <a:effectRef idx="1">
+            <a:schemeClr val="accent4"/>
+          </a:effectRef>
+          <a:fontRef idx="minor">
+            <a:schemeClr val="dk1"/>
+          </a:fontRef>
+        </p:style>
+        <p:txBody>
+          <a:bodyPr rtlCol="0" anchor="ctr"/>
+          <a:lstStyle/>
+          <a:p>
+            <a:pPr algn="ctr"/>
+            <a:endParaRPr lang="en-US"/>
+          </a:p>
+        </p:txBody>
+      </p:sp>
+      <p:sp>
+        <p:nvSpPr>
+          <p:cNvPr id="24" name="Flowchart: Document 23">
+            <a:extLst>
+              <a:ext uri="{FF2B5EF4-FFF2-40B4-BE49-F238E27FC236}">
+                <a16:creationId xmlns:a16="http://schemas.microsoft.com/office/drawing/2014/main" id="{2FB7F7CF-FDE3-44E0-8C5B-2069E468386D}"/>
+              </a:ext>
+            </a:extLst>
+          </p:cNvPr>
+          <p:cNvSpPr/>
+          <p:nvPr/>
+        </p:nvSpPr>
+        <p:spPr>
+          <a:xfrm>
+            <a:off x="6233984" y="2504302"/>
+            <a:ext cx="675502" cy="560173"/>
+          </a:xfrm>
+          <a:prstGeom prst="flowChartDocument">
+            <a:avLst/>
+          </a:prstGeom>
+        </p:spPr>
+        <p:style>
+          <a:lnRef idx="1">
+            <a:schemeClr val="accent4"/>
+          </a:lnRef>
+          <a:fillRef idx="2">
+            <a:schemeClr val="accent4"/>
+          </a:fillRef>
+          <a:effectRef idx="1">
+            <a:schemeClr val="accent4"/>
+          </a:effectRef>
+          <a:fontRef idx="minor">
+            <a:schemeClr val="dk1"/>
+          </a:fontRef>
+        </p:style>
+        <p:txBody>
+          <a:bodyPr rtlCol="0" anchor="ctr"/>
+          <a:lstStyle/>
+          <a:p>
+            <a:pPr algn="ctr"/>
+            <a:endParaRPr lang="en-US"/>
+          </a:p>
+        </p:txBody>
+      </p:sp>
+      <p:sp>
+        <p:nvSpPr>
+          <p:cNvPr id="26" name="Flowchart: Document 25">
+            <a:extLst>
+              <a:ext uri="{FF2B5EF4-FFF2-40B4-BE49-F238E27FC236}">
+                <a16:creationId xmlns:a16="http://schemas.microsoft.com/office/drawing/2014/main" id="{EE2D7FD1-7D4E-45FB-BAFA-E86A69F65BFD}"/>
+              </a:ext>
+            </a:extLst>
+          </p:cNvPr>
+          <p:cNvSpPr/>
+          <p:nvPr/>
+        </p:nvSpPr>
+        <p:spPr>
+          <a:xfrm>
+            <a:off x="6233984" y="3808971"/>
+            <a:ext cx="675502" cy="560173"/>
+          </a:xfrm>
+          <a:prstGeom prst="flowChartDocument">
+            <a:avLst/>
+          </a:prstGeom>
+        </p:spPr>
+        <p:style>
+          <a:lnRef idx="1">
+            <a:schemeClr val="accent4"/>
+          </a:lnRef>
+          <a:fillRef idx="2">
+            <a:schemeClr val="accent4"/>
+          </a:fillRef>
+          <a:effectRef idx="1">
+            <a:schemeClr val="accent4"/>
+          </a:effectRef>
+          <a:fontRef idx="minor">
+            <a:schemeClr val="dk1"/>
+          </a:fontRef>
+        </p:style>
+        <p:txBody>
+          <a:bodyPr rtlCol="0" anchor="ctr"/>
+          <a:lstStyle/>
+          <a:p>
+            <a:pPr algn="ctr"/>
+            <a:endParaRPr lang="en-US"/>
+          </a:p>
+        </p:txBody>
+      </p:sp>
+      <p:sp>
+        <p:nvSpPr>
+          <p:cNvPr id="28" name="Flowchart: Document 27">
+            <a:extLst>
+              <a:ext uri="{FF2B5EF4-FFF2-40B4-BE49-F238E27FC236}">
+                <a16:creationId xmlns:a16="http://schemas.microsoft.com/office/drawing/2014/main" id="{D6358E0C-D7B3-436A-B59F-BDB2EBBED3C0}"/>
+              </a:ext>
+            </a:extLst>
+          </p:cNvPr>
+          <p:cNvSpPr/>
+          <p:nvPr/>
+        </p:nvSpPr>
+        <p:spPr>
+          <a:xfrm>
+            <a:off x="7173097" y="3800732"/>
+            <a:ext cx="675502" cy="560173"/>
+          </a:xfrm>
+          <a:prstGeom prst="flowChartDocument">
+            <a:avLst/>
+          </a:prstGeom>
+        </p:spPr>
+        <p:style>
+          <a:lnRef idx="1">
+            <a:schemeClr val="accent4"/>
+          </a:lnRef>
+          <a:fillRef idx="2">
+            <a:schemeClr val="accent4"/>
+          </a:fillRef>
+          <a:effectRef idx="1">
+            <a:schemeClr val="accent4"/>
+          </a:effectRef>
+          <a:fontRef idx="minor">
+            <a:schemeClr val="dk1"/>
+          </a:fontRef>
+        </p:style>
+        <p:txBody>
+          <a:bodyPr rtlCol="0" anchor="ctr"/>
+          <a:lstStyle/>
+          <a:p>
+            <a:pPr algn="ctr"/>
+            <a:endParaRPr lang="en-US"/>
+          </a:p>
+        </p:txBody>
+      </p:sp>
+      <p:sp>
+        <p:nvSpPr>
+          <p:cNvPr id="30" name="Flowchart: Document 29">
+            <a:extLst>
+              <a:ext uri="{FF2B5EF4-FFF2-40B4-BE49-F238E27FC236}">
+                <a16:creationId xmlns:a16="http://schemas.microsoft.com/office/drawing/2014/main" id="{3E5FD46A-1C77-41A8-AC63-48810A6938A1}"/>
+              </a:ext>
+            </a:extLst>
+          </p:cNvPr>
+          <p:cNvSpPr/>
+          <p:nvPr/>
+        </p:nvSpPr>
+        <p:spPr>
+          <a:xfrm>
+            <a:off x="7138087" y="4501978"/>
+            <a:ext cx="675502" cy="560173"/>
+          </a:xfrm>
+          <a:prstGeom prst="flowChartDocument">
+            <a:avLst/>
+          </a:prstGeom>
+        </p:spPr>
+        <p:style>
+          <a:lnRef idx="1">
+            <a:schemeClr val="accent4"/>
+          </a:lnRef>
+          <a:fillRef idx="2">
+            <a:schemeClr val="accent4"/>
+          </a:fillRef>
+          <a:effectRef idx="1">
+            <a:schemeClr val="accent4"/>
+          </a:effectRef>
+          <a:fontRef idx="minor">
+            <a:schemeClr val="dk1"/>
+          </a:fontRef>
+        </p:style>
+        <p:txBody>
+          <a:bodyPr rtlCol="0" anchor="ctr"/>
+          <a:lstStyle/>
+          <a:p>
+            <a:pPr algn="ctr"/>
+            <a:endParaRPr lang="en-US"/>
+          </a:p>
+        </p:txBody>
+      </p:sp>
+      <p:sp>
+        <p:nvSpPr>
+          <p:cNvPr id="32" name="Flowchart: Document 31">
+            <a:extLst>
+              <a:ext uri="{FF2B5EF4-FFF2-40B4-BE49-F238E27FC236}">
+                <a16:creationId xmlns:a16="http://schemas.microsoft.com/office/drawing/2014/main" id="{2B66738B-CEA1-49C8-9EA2-B7C28A7AF8F3}"/>
+              </a:ext>
+            </a:extLst>
+          </p:cNvPr>
+          <p:cNvSpPr/>
+          <p:nvPr/>
+        </p:nvSpPr>
+        <p:spPr>
+          <a:xfrm>
+            <a:off x="6233984" y="4501978"/>
+            <a:ext cx="675502" cy="560173"/>
+          </a:xfrm>
+          <a:prstGeom prst="flowChartDocument">
+            <a:avLst/>
+          </a:prstGeom>
+        </p:spPr>
+        <p:style>
+          <a:lnRef idx="1">
+            <a:schemeClr val="accent4"/>
+          </a:lnRef>
+          <a:fillRef idx="2">
+            <a:schemeClr val="accent4"/>
+          </a:fillRef>
+          <a:effectRef idx="1">
+            <a:schemeClr val="accent4"/>
+          </a:effectRef>
+          <a:fontRef idx="minor">
+            <a:schemeClr val="dk1"/>
+          </a:fontRef>
+        </p:style>
+        <p:txBody>
+          <a:bodyPr rtlCol="0" anchor="ctr"/>
+          <a:lstStyle/>
+          <a:p>
+            <a:pPr algn="ctr"/>
+            <a:endParaRPr lang="en-US"/>
+          </a:p>
+        </p:txBody>
+      </p:sp>
+      <p:sp>
+        <p:nvSpPr>
+          <p:cNvPr id="34" name="Flowchart: Document 33">
+            <a:extLst>
+              <a:ext uri="{FF2B5EF4-FFF2-40B4-BE49-F238E27FC236}">
+                <a16:creationId xmlns:a16="http://schemas.microsoft.com/office/drawing/2014/main" id="{6550D2DC-2529-4F2F-A273-FD885018B3B4}"/>
+              </a:ext>
+            </a:extLst>
+          </p:cNvPr>
+          <p:cNvSpPr/>
+          <p:nvPr/>
+        </p:nvSpPr>
+        <p:spPr>
+          <a:xfrm>
+            <a:off x="3235412" y="3681284"/>
+            <a:ext cx="675502" cy="560173"/>
+          </a:xfrm>
+          <a:prstGeom prst="flowChartDocument">
+            <a:avLst/>
+          </a:prstGeom>
+        </p:spPr>
+        <p:style>
+          <a:lnRef idx="1">
+            <a:schemeClr val="accent4"/>
+          </a:lnRef>
+          <a:fillRef idx="2">
+            <a:schemeClr val="accent4"/>
+          </a:fillRef>
+          <a:effectRef idx="1">
+            <a:schemeClr val="accent4"/>
+          </a:effectRef>
+          <a:fontRef idx="minor">
+            <a:schemeClr val="dk1"/>
+          </a:fontRef>
+        </p:style>
+        <p:txBody>
+          <a:bodyPr rtlCol="0" anchor="ctr"/>
+          <a:lstStyle/>
+          <a:p>
+            <a:pPr algn="ctr"/>
+            <a:endParaRPr lang="en-US"/>
+          </a:p>
+        </p:txBody>
+      </p:sp>
+      <p:sp>
+        <p:nvSpPr>
+          <p:cNvPr id="36" name="Flowchart: Document 35">
+            <a:extLst>
+              <a:ext uri="{FF2B5EF4-FFF2-40B4-BE49-F238E27FC236}">
+                <a16:creationId xmlns:a16="http://schemas.microsoft.com/office/drawing/2014/main" id="{DC80DFA0-65B8-41BC-B88F-16D7910AE774}"/>
+              </a:ext>
+            </a:extLst>
+          </p:cNvPr>
+          <p:cNvSpPr/>
+          <p:nvPr/>
+        </p:nvSpPr>
+        <p:spPr>
+          <a:xfrm>
+            <a:off x="4174525" y="3673045"/>
+            <a:ext cx="675502" cy="560173"/>
+          </a:xfrm>
+          <a:prstGeom prst="flowChartDocument">
+            <a:avLst/>
+          </a:prstGeom>
+        </p:spPr>
+        <p:style>
+          <a:lnRef idx="1">
+            <a:schemeClr val="accent4"/>
+          </a:lnRef>
+          <a:fillRef idx="2">
+            <a:schemeClr val="accent4"/>
+          </a:fillRef>
+          <a:effectRef idx="1">
+            <a:schemeClr val="accent4"/>
+          </a:effectRef>
+          <a:fontRef idx="minor">
+            <a:schemeClr val="dk1"/>
+          </a:fontRef>
+        </p:style>
+        <p:txBody>
+          <a:bodyPr rtlCol="0" anchor="ctr"/>
+          <a:lstStyle/>
+          <a:p>
+            <a:pPr algn="ctr"/>
+            <a:endParaRPr lang="en-US"/>
+          </a:p>
+        </p:txBody>
+      </p:sp>
+      <p:sp>
+        <p:nvSpPr>
+          <p:cNvPr id="38" name="Flowchart: Document 37">
+            <a:extLst>
+              <a:ext uri="{FF2B5EF4-FFF2-40B4-BE49-F238E27FC236}">
+                <a16:creationId xmlns:a16="http://schemas.microsoft.com/office/drawing/2014/main" id="{9EE3E21C-8CB9-4363-B66C-C27C6AEA87B7}"/>
+              </a:ext>
+            </a:extLst>
+          </p:cNvPr>
+          <p:cNvSpPr/>
+          <p:nvPr/>
+        </p:nvSpPr>
+        <p:spPr>
+          <a:xfrm>
+            <a:off x="4139515" y="4374291"/>
+            <a:ext cx="675502" cy="560173"/>
+          </a:xfrm>
+          <a:prstGeom prst="flowChartDocument">
+            <a:avLst/>
+          </a:prstGeom>
+        </p:spPr>
+        <p:style>
+          <a:lnRef idx="1">
+            <a:schemeClr val="accent4"/>
+          </a:lnRef>
+          <a:fillRef idx="2">
+            <a:schemeClr val="accent4"/>
+          </a:fillRef>
+          <a:effectRef idx="1">
+            <a:schemeClr val="accent4"/>
+          </a:effectRef>
+          <a:fontRef idx="minor">
+            <a:schemeClr val="dk1"/>
+          </a:fontRef>
+        </p:style>
+        <p:txBody>
+          <a:bodyPr rtlCol="0" anchor="ctr"/>
+          <a:lstStyle/>
+          <a:p>
+            <a:pPr algn="ctr"/>
+            <a:endParaRPr lang="en-US"/>
+          </a:p>
+        </p:txBody>
+      </p:sp>
+      <p:sp>
+        <p:nvSpPr>
+          <p:cNvPr id="40" name="Flowchart: Document 39">
+            <a:extLst>
+              <a:ext uri="{FF2B5EF4-FFF2-40B4-BE49-F238E27FC236}">
+                <a16:creationId xmlns:a16="http://schemas.microsoft.com/office/drawing/2014/main" id="{1360333C-C732-4DAC-9281-FA36E8A86B66}"/>
+              </a:ext>
+            </a:extLst>
+          </p:cNvPr>
+          <p:cNvSpPr/>
+          <p:nvPr/>
+        </p:nvSpPr>
+        <p:spPr>
+          <a:xfrm>
+            <a:off x="3235412" y="4374291"/>
+            <a:ext cx="675502" cy="560173"/>
+          </a:xfrm>
+          <a:prstGeom prst="flowChartDocument">
+            <a:avLst/>
+          </a:prstGeom>
+        </p:spPr>
+        <p:style>
+          <a:lnRef idx="1">
+            <a:schemeClr val="accent4"/>
+          </a:lnRef>
+          <a:fillRef idx="2">
+            <a:schemeClr val="accent4"/>
+          </a:fillRef>
+          <a:effectRef idx="1">
+            <a:schemeClr val="accent4"/>
+          </a:effectRef>
+          <a:fontRef idx="minor">
+            <a:schemeClr val="dk1"/>
+          </a:fontRef>
+        </p:style>
+        <p:txBody>
+          <a:bodyPr rtlCol="0" anchor="ctr"/>
+          <a:lstStyle/>
+          <a:p>
+            <a:pPr algn="ctr"/>
+            <a:endParaRPr lang="en-US"/>
+          </a:p>
+        </p:txBody>
+      </p:sp>
+      <p:sp>
+        <p:nvSpPr>
+          <p:cNvPr id="41" name="Rectangle 40">
+            <a:extLst>
+              <a:ext uri="{FF2B5EF4-FFF2-40B4-BE49-F238E27FC236}">
+                <a16:creationId xmlns:a16="http://schemas.microsoft.com/office/drawing/2014/main" id="{2322DEED-E90D-4BBC-A501-DDC3A676A4BE}"/>
+              </a:ext>
+            </a:extLst>
+          </p:cNvPr>
+          <p:cNvSpPr/>
+          <p:nvPr/>
+        </p:nvSpPr>
+        <p:spPr>
+          <a:xfrm>
+            <a:off x="3270422" y="913370"/>
+            <a:ext cx="4777946" cy="228601"/>
+          </a:xfrm>
+          <a:prstGeom prst="rect">
+            <a:avLst/>
+          </a:prstGeom>
+          <a:solidFill>
+            <a:schemeClr val="accent1">
+              <a:alpha val="50000"/>
+            </a:schemeClr>
+          </a:solidFill>
+          <a:ln>
+            <a:noFill/>
+          </a:ln>
+        </p:spPr>
+        <p:style>
+          <a:lnRef idx="0">
+            <a:scrgbClr r="0" g="0" b="0"/>
+          </a:lnRef>
+          <a:fillRef idx="0">
+            <a:scrgbClr r="0" g="0" b="0"/>
+          </a:fillRef>
+          <a:effectRef idx="0">
+            <a:scrgbClr r="0" g="0" b="0"/>
+          </a:effectRef>
+          <a:fontRef idx="minor">
+            <a:schemeClr val="lt1"/>
+          </a:fontRef>
+        </p:style>
+        <p:txBody>
+          <a:bodyPr rtlCol="0" anchor="ctr"/>
+          <a:lstStyle/>
+          <a:p>
+            <a:pPr algn="ctr"/>
+            <a:r>
+              <a:rPr lang="en-US" dirty="0"/>
+              <a:t>Retrospective Board</a:t>
+            </a:r>
+          </a:p>
+        </p:txBody>
+      </p:sp>
     </p:spTree>
     <p:extLst>
       <p:ext uri="{BB962C8B-B14F-4D97-AF65-F5344CB8AC3E}">

--- a/Sprint Cadence Diagrams.pptx
+++ b/Sprint Cadence Diagrams.pptx
@@ -8,6 +8,7 @@
     <p:sldId id="256" r:id="rId2"/>
     <p:sldId id="257" r:id="rId3"/>
     <p:sldId id="258" r:id="rId4"/>
+    <p:sldId id="259" r:id="rId5"/>
   </p:sldIdLst>
   <p:sldSz cx="12192000" cy="6858000"/>
   <p:notesSz cx="6858000" cy="9144000"/>
@@ -2775,7 +2776,7 @@
           <a:p>
             <a:fld id="{0C3A9CC2-761E-433C-A323-6D1ABF677EB6}" type="datetimeFigureOut">
               <a:rPr lang="en-US" smtClean="0"/>
-              <a:t>8/23/2020</a:t>
+              <a:t>8/24/2020</a:t>
             </a:fld>
             <a:endParaRPr lang="en-US"/>
           </a:p>
@@ -2973,7 +2974,7 @@
           <a:p>
             <a:fld id="{0C3A9CC2-761E-433C-A323-6D1ABF677EB6}" type="datetimeFigureOut">
               <a:rPr lang="en-US" smtClean="0"/>
-              <a:t>8/23/2020</a:t>
+              <a:t>8/24/2020</a:t>
             </a:fld>
             <a:endParaRPr lang="en-US"/>
           </a:p>
@@ -3181,7 +3182,7 @@
           <a:p>
             <a:fld id="{0C3A9CC2-761E-433C-A323-6D1ABF677EB6}" type="datetimeFigureOut">
               <a:rPr lang="en-US" smtClean="0"/>
-              <a:t>8/23/2020</a:t>
+              <a:t>8/24/2020</a:t>
             </a:fld>
             <a:endParaRPr lang="en-US"/>
           </a:p>
@@ -3379,7 +3380,7 @@
           <a:p>
             <a:fld id="{0C3A9CC2-761E-433C-A323-6D1ABF677EB6}" type="datetimeFigureOut">
               <a:rPr lang="en-US" smtClean="0"/>
-              <a:t>8/23/2020</a:t>
+              <a:t>8/24/2020</a:t>
             </a:fld>
             <a:endParaRPr lang="en-US"/>
           </a:p>
@@ -3654,7 +3655,7 @@
           <a:p>
             <a:fld id="{0C3A9CC2-761E-433C-A323-6D1ABF677EB6}" type="datetimeFigureOut">
               <a:rPr lang="en-US" smtClean="0"/>
-              <a:t>8/23/2020</a:t>
+              <a:t>8/24/2020</a:t>
             </a:fld>
             <a:endParaRPr lang="en-US"/>
           </a:p>
@@ -3919,7 +3920,7 @@
           <a:p>
             <a:fld id="{0C3A9CC2-761E-433C-A323-6D1ABF677EB6}" type="datetimeFigureOut">
               <a:rPr lang="en-US" smtClean="0"/>
-              <a:t>8/23/2020</a:t>
+              <a:t>8/24/2020</a:t>
             </a:fld>
             <a:endParaRPr lang="en-US"/>
           </a:p>
@@ -4331,7 +4332,7 @@
           <a:p>
             <a:fld id="{0C3A9CC2-761E-433C-A323-6D1ABF677EB6}" type="datetimeFigureOut">
               <a:rPr lang="en-US" smtClean="0"/>
-              <a:t>8/23/2020</a:t>
+              <a:t>8/24/2020</a:t>
             </a:fld>
             <a:endParaRPr lang="en-US"/>
           </a:p>
@@ -4472,7 +4473,7 @@
           <a:p>
             <a:fld id="{0C3A9CC2-761E-433C-A323-6D1ABF677EB6}" type="datetimeFigureOut">
               <a:rPr lang="en-US" smtClean="0"/>
-              <a:t>8/23/2020</a:t>
+              <a:t>8/24/2020</a:t>
             </a:fld>
             <a:endParaRPr lang="en-US"/>
           </a:p>
@@ -4585,7 +4586,7 @@
           <a:p>
             <a:fld id="{0C3A9CC2-761E-433C-A323-6D1ABF677EB6}" type="datetimeFigureOut">
               <a:rPr lang="en-US" smtClean="0"/>
-              <a:t>8/23/2020</a:t>
+              <a:t>8/24/2020</a:t>
             </a:fld>
             <a:endParaRPr lang="en-US"/>
           </a:p>
@@ -4896,7 +4897,7 @@
           <a:p>
             <a:fld id="{0C3A9CC2-761E-433C-A323-6D1ABF677EB6}" type="datetimeFigureOut">
               <a:rPr lang="en-US" smtClean="0"/>
-              <a:t>8/23/2020</a:t>
+              <a:t>8/24/2020</a:t>
             </a:fld>
             <a:endParaRPr lang="en-US"/>
           </a:p>
@@ -5184,7 +5185,7 @@
           <a:p>
             <a:fld id="{0C3A9CC2-761E-433C-A323-6D1ABF677EB6}" type="datetimeFigureOut">
               <a:rPr lang="en-US" smtClean="0"/>
-              <a:t>8/23/2020</a:t>
+              <a:t>8/24/2020</a:t>
             </a:fld>
             <a:endParaRPr lang="en-US"/>
           </a:p>
@@ -5425,7 +5426,7 @@
           <a:p>
             <a:fld id="{0C3A9CC2-761E-433C-A323-6D1ABF677EB6}" type="datetimeFigureOut">
               <a:rPr lang="en-US" smtClean="0"/>
-              <a:t>8/23/2020</a:t>
+              <a:t>8/24/2020</a:t>
             </a:fld>
             <a:endParaRPr lang="en-US"/>
           </a:p>
@@ -7998,6 +7999,36 @@
 </p:sld>
 </file>
 
+<file path=ppt/slides/slide4.xml><?xml version="1.0" encoding="utf-8"?>
+<p:sld xmlns:a="http://schemas.openxmlformats.org/drawingml/2006/main" xmlns:r="http://schemas.openxmlformats.org/officeDocument/2006/relationships" xmlns:p="http://schemas.openxmlformats.org/presentationml/2006/main">
+  <p:cSld>
+    <p:spTree>
+      <p:nvGrpSpPr>
+        <p:cNvPr id="1" name=""/>
+        <p:cNvGrpSpPr/>
+        <p:nvPr/>
+      </p:nvGrpSpPr>
+      <p:grpSpPr>
+        <a:xfrm>
+          <a:off x="0" y="0"/>
+          <a:ext cx="0" cy="0"/>
+          <a:chOff x="0" y="0"/>
+          <a:chExt cx="0" cy="0"/>
+        </a:xfrm>
+      </p:grpSpPr>
+    </p:spTree>
+    <p:extLst>
+      <p:ext uri="{BB962C8B-B14F-4D97-AF65-F5344CB8AC3E}">
+        <p14:creationId xmlns:p14="http://schemas.microsoft.com/office/powerpoint/2010/main" val="2779546415"/>
+      </p:ext>
+    </p:extLst>
+  </p:cSld>
+  <p:clrMapOvr>
+    <a:masterClrMapping/>
+  </p:clrMapOvr>
+</p:sld>
+</file>
+
 <file path=ppt/theme/theme1.xml><?xml version="1.0" encoding="utf-8"?>
 <a:theme xmlns:a="http://schemas.openxmlformats.org/drawingml/2006/main" name="Office Theme">
   <a:themeElements>

--- a/Sprint Cadence Diagrams.pptx
+++ b/Sprint Cadence Diagrams.pptx
@@ -8,7 +8,6 @@
     <p:sldId id="256" r:id="rId2"/>
     <p:sldId id="257" r:id="rId3"/>
     <p:sldId id="258" r:id="rId4"/>
-    <p:sldId id="259" r:id="rId5"/>
   </p:sldIdLst>
   <p:sldSz cx="12192000" cy="6858000"/>
   <p:notesSz cx="6858000" cy="9144000"/>
@@ -2776,7 +2775,7 @@
           <a:p>
             <a:fld id="{0C3A9CC2-761E-433C-A323-6D1ABF677EB6}" type="datetimeFigureOut">
               <a:rPr lang="en-US" smtClean="0"/>
-              <a:t>8/24/2020</a:t>
+              <a:t>8/25/2020</a:t>
             </a:fld>
             <a:endParaRPr lang="en-US"/>
           </a:p>
@@ -2974,7 +2973,7 @@
           <a:p>
             <a:fld id="{0C3A9CC2-761E-433C-A323-6D1ABF677EB6}" type="datetimeFigureOut">
               <a:rPr lang="en-US" smtClean="0"/>
-              <a:t>8/24/2020</a:t>
+              <a:t>8/25/2020</a:t>
             </a:fld>
             <a:endParaRPr lang="en-US"/>
           </a:p>
@@ -3182,7 +3181,7 @@
           <a:p>
             <a:fld id="{0C3A9CC2-761E-433C-A323-6D1ABF677EB6}" type="datetimeFigureOut">
               <a:rPr lang="en-US" smtClean="0"/>
-              <a:t>8/24/2020</a:t>
+              <a:t>8/25/2020</a:t>
             </a:fld>
             <a:endParaRPr lang="en-US"/>
           </a:p>
@@ -3380,7 +3379,7 @@
           <a:p>
             <a:fld id="{0C3A9CC2-761E-433C-A323-6D1ABF677EB6}" type="datetimeFigureOut">
               <a:rPr lang="en-US" smtClean="0"/>
-              <a:t>8/24/2020</a:t>
+              <a:t>8/25/2020</a:t>
             </a:fld>
             <a:endParaRPr lang="en-US"/>
           </a:p>
@@ -3655,7 +3654,7 @@
           <a:p>
             <a:fld id="{0C3A9CC2-761E-433C-A323-6D1ABF677EB6}" type="datetimeFigureOut">
               <a:rPr lang="en-US" smtClean="0"/>
-              <a:t>8/24/2020</a:t>
+              <a:t>8/25/2020</a:t>
             </a:fld>
             <a:endParaRPr lang="en-US"/>
           </a:p>
@@ -3920,7 +3919,7 @@
           <a:p>
             <a:fld id="{0C3A9CC2-761E-433C-A323-6D1ABF677EB6}" type="datetimeFigureOut">
               <a:rPr lang="en-US" smtClean="0"/>
-              <a:t>8/24/2020</a:t>
+              <a:t>8/25/2020</a:t>
             </a:fld>
             <a:endParaRPr lang="en-US"/>
           </a:p>
@@ -4332,7 +4331,7 @@
           <a:p>
             <a:fld id="{0C3A9CC2-761E-433C-A323-6D1ABF677EB6}" type="datetimeFigureOut">
               <a:rPr lang="en-US" smtClean="0"/>
-              <a:t>8/24/2020</a:t>
+              <a:t>8/25/2020</a:t>
             </a:fld>
             <a:endParaRPr lang="en-US"/>
           </a:p>
@@ -4473,7 +4472,7 @@
           <a:p>
             <a:fld id="{0C3A9CC2-761E-433C-A323-6D1ABF677EB6}" type="datetimeFigureOut">
               <a:rPr lang="en-US" smtClean="0"/>
-              <a:t>8/24/2020</a:t>
+              <a:t>8/25/2020</a:t>
             </a:fld>
             <a:endParaRPr lang="en-US"/>
           </a:p>
@@ -4586,7 +4585,7 @@
           <a:p>
             <a:fld id="{0C3A9CC2-761E-433C-A323-6D1ABF677EB6}" type="datetimeFigureOut">
               <a:rPr lang="en-US" smtClean="0"/>
-              <a:t>8/24/2020</a:t>
+              <a:t>8/25/2020</a:t>
             </a:fld>
             <a:endParaRPr lang="en-US"/>
           </a:p>
@@ -4897,7 +4896,7 @@
           <a:p>
             <a:fld id="{0C3A9CC2-761E-433C-A323-6D1ABF677EB6}" type="datetimeFigureOut">
               <a:rPr lang="en-US" smtClean="0"/>
-              <a:t>8/24/2020</a:t>
+              <a:t>8/25/2020</a:t>
             </a:fld>
             <a:endParaRPr lang="en-US"/>
           </a:p>
@@ -5185,7 +5184,7 @@
           <a:p>
             <a:fld id="{0C3A9CC2-761E-433C-A323-6D1ABF677EB6}" type="datetimeFigureOut">
               <a:rPr lang="en-US" smtClean="0"/>
-              <a:t>8/24/2020</a:t>
+              <a:t>8/25/2020</a:t>
             </a:fld>
             <a:endParaRPr lang="en-US"/>
           </a:p>
@@ -5426,7 +5425,7 @@
           <a:p>
             <a:fld id="{0C3A9CC2-761E-433C-A323-6D1ABF677EB6}" type="datetimeFigureOut">
               <a:rPr lang="en-US" smtClean="0"/>
-              <a:t>8/24/2020</a:t>
+              <a:t>8/25/2020</a:t>
             </a:fld>
             <a:endParaRPr lang="en-US"/>
           </a:p>
@@ -7999,36 +7998,6 @@
 </p:sld>
 </file>
 
-<file path=ppt/slides/slide4.xml><?xml version="1.0" encoding="utf-8"?>
-<p:sld xmlns:a="http://schemas.openxmlformats.org/drawingml/2006/main" xmlns:r="http://schemas.openxmlformats.org/officeDocument/2006/relationships" xmlns:p="http://schemas.openxmlformats.org/presentationml/2006/main">
-  <p:cSld>
-    <p:spTree>
-      <p:nvGrpSpPr>
-        <p:cNvPr id="1" name=""/>
-        <p:cNvGrpSpPr/>
-        <p:nvPr/>
-      </p:nvGrpSpPr>
-      <p:grpSpPr>
-        <a:xfrm>
-          <a:off x="0" y="0"/>
-          <a:ext cx="0" cy="0"/>
-          <a:chOff x="0" y="0"/>
-          <a:chExt cx="0" cy="0"/>
-        </a:xfrm>
-      </p:grpSpPr>
-    </p:spTree>
-    <p:extLst>
-      <p:ext uri="{BB962C8B-B14F-4D97-AF65-F5344CB8AC3E}">
-        <p14:creationId xmlns:p14="http://schemas.microsoft.com/office/powerpoint/2010/main" val="2779546415"/>
-      </p:ext>
-    </p:extLst>
-  </p:cSld>
-  <p:clrMapOvr>
-    <a:masterClrMapping/>
-  </p:clrMapOvr>
-</p:sld>
-</file>
-
 <file path=ppt/theme/theme1.xml><?xml version="1.0" encoding="utf-8"?>
 <a:theme xmlns:a="http://schemas.openxmlformats.org/drawingml/2006/main" name="Office Theme">
   <a:themeElements>

--- a/Sprint Cadence Diagrams.pptx
+++ b/Sprint Cadence Diagrams.pptx
@@ -8,6 +8,7 @@
     <p:sldId id="256" r:id="rId2"/>
     <p:sldId id="257" r:id="rId3"/>
     <p:sldId id="258" r:id="rId4"/>
+    <p:sldId id="259" r:id="rId5"/>
   </p:sldIdLst>
   <p:sldSz cx="12192000" cy="6858000"/>
   <p:notesSz cx="6858000" cy="9144000"/>
@@ -2775,7 +2776,7 @@
           <a:p>
             <a:fld id="{0C3A9CC2-761E-433C-A323-6D1ABF677EB6}" type="datetimeFigureOut">
               <a:rPr lang="en-US" smtClean="0"/>
-              <a:t>8/25/2020</a:t>
+              <a:t>8/26/2020</a:t>
             </a:fld>
             <a:endParaRPr lang="en-US"/>
           </a:p>
@@ -2973,7 +2974,7 @@
           <a:p>
             <a:fld id="{0C3A9CC2-761E-433C-A323-6D1ABF677EB6}" type="datetimeFigureOut">
               <a:rPr lang="en-US" smtClean="0"/>
-              <a:t>8/25/2020</a:t>
+              <a:t>8/26/2020</a:t>
             </a:fld>
             <a:endParaRPr lang="en-US"/>
           </a:p>
@@ -3181,7 +3182,7 @@
           <a:p>
             <a:fld id="{0C3A9CC2-761E-433C-A323-6D1ABF677EB6}" type="datetimeFigureOut">
               <a:rPr lang="en-US" smtClean="0"/>
-              <a:t>8/25/2020</a:t>
+              <a:t>8/26/2020</a:t>
             </a:fld>
             <a:endParaRPr lang="en-US"/>
           </a:p>
@@ -3379,7 +3380,7 @@
           <a:p>
             <a:fld id="{0C3A9CC2-761E-433C-A323-6D1ABF677EB6}" type="datetimeFigureOut">
               <a:rPr lang="en-US" smtClean="0"/>
-              <a:t>8/25/2020</a:t>
+              <a:t>8/26/2020</a:t>
             </a:fld>
             <a:endParaRPr lang="en-US"/>
           </a:p>
@@ -3654,7 +3655,7 @@
           <a:p>
             <a:fld id="{0C3A9CC2-761E-433C-A323-6D1ABF677EB6}" type="datetimeFigureOut">
               <a:rPr lang="en-US" smtClean="0"/>
-              <a:t>8/25/2020</a:t>
+              <a:t>8/26/2020</a:t>
             </a:fld>
             <a:endParaRPr lang="en-US"/>
           </a:p>
@@ -3919,7 +3920,7 @@
           <a:p>
             <a:fld id="{0C3A9CC2-761E-433C-A323-6D1ABF677EB6}" type="datetimeFigureOut">
               <a:rPr lang="en-US" smtClean="0"/>
-              <a:t>8/25/2020</a:t>
+              <a:t>8/26/2020</a:t>
             </a:fld>
             <a:endParaRPr lang="en-US"/>
           </a:p>
@@ -4331,7 +4332,7 @@
           <a:p>
             <a:fld id="{0C3A9CC2-761E-433C-A323-6D1ABF677EB6}" type="datetimeFigureOut">
               <a:rPr lang="en-US" smtClean="0"/>
-              <a:t>8/25/2020</a:t>
+              <a:t>8/26/2020</a:t>
             </a:fld>
             <a:endParaRPr lang="en-US"/>
           </a:p>
@@ -4472,7 +4473,7 @@
           <a:p>
             <a:fld id="{0C3A9CC2-761E-433C-A323-6D1ABF677EB6}" type="datetimeFigureOut">
               <a:rPr lang="en-US" smtClean="0"/>
-              <a:t>8/25/2020</a:t>
+              <a:t>8/26/2020</a:t>
             </a:fld>
             <a:endParaRPr lang="en-US"/>
           </a:p>
@@ -4585,7 +4586,7 @@
           <a:p>
             <a:fld id="{0C3A9CC2-761E-433C-A323-6D1ABF677EB6}" type="datetimeFigureOut">
               <a:rPr lang="en-US" smtClean="0"/>
-              <a:t>8/25/2020</a:t>
+              <a:t>8/26/2020</a:t>
             </a:fld>
             <a:endParaRPr lang="en-US"/>
           </a:p>
@@ -4896,7 +4897,7 @@
           <a:p>
             <a:fld id="{0C3A9CC2-761E-433C-A323-6D1ABF677EB6}" type="datetimeFigureOut">
               <a:rPr lang="en-US" smtClean="0"/>
-              <a:t>8/25/2020</a:t>
+              <a:t>8/26/2020</a:t>
             </a:fld>
             <a:endParaRPr lang="en-US"/>
           </a:p>
@@ -5184,7 +5185,7 @@
           <a:p>
             <a:fld id="{0C3A9CC2-761E-433C-A323-6D1ABF677EB6}" type="datetimeFigureOut">
               <a:rPr lang="en-US" smtClean="0"/>
-              <a:t>8/25/2020</a:t>
+              <a:t>8/26/2020</a:t>
             </a:fld>
             <a:endParaRPr lang="en-US"/>
           </a:p>
@@ -5425,7 +5426,7 @@
           <a:p>
             <a:fld id="{0C3A9CC2-761E-433C-A323-6D1ABF677EB6}" type="datetimeFigureOut">
               <a:rPr lang="en-US" smtClean="0"/>
-              <a:t>8/25/2020</a:t>
+              <a:t>8/26/2020</a:t>
             </a:fld>
             <a:endParaRPr lang="en-US"/>
           </a:p>
@@ -7998,6 +7999,36 @@
 </p:sld>
 </file>
 
+<file path=ppt/slides/slide4.xml><?xml version="1.0" encoding="utf-8"?>
+<p:sld xmlns:a="http://schemas.openxmlformats.org/drawingml/2006/main" xmlns:r="http://schemas.openxmlformats.org/officeDocument/2006/relationships" xmlns:p="http://schemas.openxmlformats.org/presentationml/2006/main">
+  <p:cSld>
+    <p:spTree>
+      <p:nvGrpSpPr>
+        <p:cNvPr id="1" name=""/>
+        <p:cNvGrpSpPr/>
+        <p:nvPr/>
+      </p:nvGrpSpPr>
+      <p:grpSpPr>
+        <a:xfrm>
+          <a:off x="0" y="0"/>
+          <a:ext cx="0" cy="0"/>
+          <a:chOff x="0" y="0"/>
+          <a:chExt cx="0" cy="0"/>
+        </a:xfrm>
+      </p:grpSpPr>
+    </p:spTree>
+    <p:extLst>
+      <p:ext uri="{BB962C8B-B14F-4D97-AF65-F5344CB8AC3E}">
+        <p14:creationId xmlns:p14="http://schemas.microsoft.com/office/powerpoint/2010/main" val="4229707653"/>
+      </p:ext>
+    </p:extLst>
+  </p:cSld>
+  <p:clrMapOvr>
+    <a:masterClrMapping/>
+  </p:clrMapOvr>
+</p:sld>
+</file>
+
 <file path=ppt/theme/theme1.xml><?xml version="1.0" encoding="utf-8"?>
 <a:theme xmlns:a="http://schemas.openxmlformats.org/drawingml/2006/main" name="Office Theme">
   <a:themeElements>

--- a/Sprint Cadence Diagrams.pptx
+++ b/Sprint Cadence Diagrams.pptx
@@ -8,7 +8,6 @@
     <p:sldId id="256" r:id="rId2"/>
     <p:sldId id="257" r:id="rId3"/>
     <p:sldId id="258" r:id="rId4"/>
-    <p:sldId id="259" r:id="rId5"/>
   </p:sldIdLst>
   <p:sldSz cx="12192000" cy="6858000"/>
   <p:notesSz cx="6858000" cy="9144000"/>
@@ -7999,36 +7998,6 @@
 </p:sld>
 </file>
 
-<file path=ppt/slides/slide4.xml><?xml version="1.0" encoding="utf-8"?>
-<p:sld xmlns:a="http://schemas.openxmlformats.org/drawingml/2006/main" xmlns:r="http://schemas.openxmlformats.org/officeDocument/2006/relationships" xmlns:p="http://schemas.openxmlformats.org/presentationml/2006/main">
-  <p:cSld>
-    <p:spTree>
-      <p:nvGrpSpPr>
-        <p:cNvPr id="1" name=""/>
-        <p:cNvGrpSpPr/>
-        <p:nvPr/>
-      </p:nvGrpSpPr>
-      <p:grpSpPr>
-        <a:xfrm>
-          <a:off x="0" y="0"/>
-          <a:ext cx="0" cy="0"/>
-          <a:chOff x="0" y="0"/>
-          <a:chExt cx="0" cy="0"/>
-        </a:xfrm>
-      </p:grpSpPr>
-    </p:spTree>
-    <p:extLst>
-      <p:ext uri="{BB962C8B-B14F-4D97-AF65-F5344CB8AC3E}">
-        <p14:creationId xmlns:p14="http://schemas.microsoft.com/office/powerpoint/2010/main" val="4229707653"/>
-      </p:ext>
-    </p:extLst>
-  </p:cSld>
-  <p:clrMapOvr>
-    <a:masterClrMapping/>
-  </p:clrMapOvr>
-</p:sld>
-</file>
-
 <file path=ppt/theme/theme1.xml><?xml version="1.0" encoding="utf-8"?>
 <a:theme xmlns:a="http://schemas.openxmlformats.org/drawingml/2006/main" name="Office Theme">
   <a:themeElements>

--- a/Sprint Cadence Diagrams.pptx
+++ b/Sprint Cadence Diagrams.pptx
@@ -8,6 +8,7 @@
     <p:sldId id="256" r:id="rId2"/>
     <p:sldId id="257" r:id="rId3"/>
     <p:sldId id="258" r:id="rId4"/>
+    <p:sldId id="259" r:id="rId5"/>
   </p:sldIdLst>
   <p:sldSz cx="12192000" cy="6858000"/>
   <p:notesSz cx="6858000" cy="9144000"/>
@@ -2775,7 +2776,7 @@
           <a:p>
             <a:fld id="{0C3A9CC2-761E-433C-A323-6D1ABF677EB6}" type="datetimeFigureOut">
               <a:rPr lang="en-US" smtClean="0"/>
-              <a:t>8/26/2020</a:t>
+              <a:t>8/27/2020</a:t>
             </a:fld>
             <a:endParaRPr lang="en-US"/>
           </a:p>
@@ -2973,7 +2974,7 @@
           <a:p>
             <a:fld id="{0C3A9CC2-761E-433C-A323-6D1ABF677EB6}" type="datetimeFigureOut">
               <a:rPr lang="en-US" smtClean="0"/>
-              <a:t>8/26/2020</a:t>
+              <a:t>8/27/2020</a:t>
             </a:fld>
             <a:endParaRPr lang="en-US"/>
           </a:p>
@@ -3181,7 +3182,7 @@
           <a:p>
             <a:fld id="{0C3A9CC2-761E-433C-A323-6D1ABF677EB6}" type="datetimeFigureOut">
               <a:rPr lang="en-US" smtClean="0"/>
-              <a:t>8/26/2020</a:t>
+              <a:t>8/27/2020</a:t>
             </a:fld>
             <a:endParaRPr lang="en-US"/>
           </a:p>
@@ -3379,7 +3380,7 @@
           <a:p>
             <a:fld id="{0C3A9CC2-761E-433C-A323-6D1ABF677EB6}" type="datetimeFigureOut">
               <a:rPr lang="en-US" smtClean="0"/>
-              <a:t>8/26/2020</a:t>
+              <a:t>8/27/2020</a:t>
             </a:fld>
             <a:endParaRPr lang="en-US"/>
           </a:p>
@@ -3654,7 +3655,7 @@
           <a:p>
             <a:fld id="{0C3A9CC2-761E-433C-A323-6D1ABF677EB6}" type="datetimeFigureOut">
               <a:rPr lang="en-US" smtClean="0"/>
-              <a:t>8/26/2020</a:t>
+              <a:t>8/27/2020</a:t>
             </a:fld>
             <a:endParaRPr lang="en-US"/>
           </a:p>
@@ -3919,7 +3920,7 @@
           <a:p>
             <a:fld id="{0C3A9CC2-761E-433C-A323-6D1ABF677EB6}" type="datetimeFigureOut">
               <a:rPr lang="en-US" smtClean="0"/>
-              <a:t>8/26/2020</a:t>
+              <a:t>8/27/2020</a:t>
             </a:fld>
             <a:endParaRPr lang="en-US"/>
           </a:p>
@@ -4331,7 +4332,7 @@
           <a:p>
             <a:fld id="{0C3A9CC2-761E-433C-A323-6D1ABF677EB6}" type="datetimeFigureOut">
               <a:rPr lang="en-US" smtClean="0"/>
-              <a:t>8/26/2020</a:t>
+              <a:t>8/27/2020</a:t>
             </a:fld>
             <a:endParaRPr lang="en-US"/>
           </a:p>
@@ -4472,7 +4473,7 @@
           <a:p>
             <a:fld id="{0C3A9CC2-761E-433C-A323-6D1ABF677EB6}" type="datetimeFigureOut">
               <a:rPr lang="en-US" smtClean="0"/>
-              <a:t>8/26/2020</a:t>
+              <a:t>8/27/2020</a:t>
             </a:fld>
             <a:endParaRPr lang="en-US"/>
           </a:p>
@@ -4585,7 +4586,7 @@
           <a:p>
             <a:fld id="{0C3A9CC2-761E-433C-A323-6D1ABF677EB6}" type="datetimeFigureOut">
               <a:rPr lang="en-US" smtClean="0"/>
-              <a:t>8/26/2020</a:t>
+              <a:t>8/27/2020</a:t>
             </a:fld>
             <a:endParaRPr lang="en-US"/>
           </a:p>
@@ -4896,7 +4897,7 @@
           <a:p>
             <a:fld id="{0C3A9CC2-761E-433C-A323-6D1ABF677EB6}" type="datetimeFigureOut">
               <a:rPr lang="en-US" smtClean="0"/>
-              <a:t>8/26/2020</a:t>
+              <a:t>8/27/2020</a:t>
             </a:fld>
             <a:endParaRPr lang="en-US"/>
           </a:p>
@@ -5184,7 +5185,7 @@
           <a:p>
             <a:fld id="{0C3A9CC2-761E-433C-A323-6D1ABF677EB6}" type="datetimeFigureOut">
               <a:rPr lang="en-US" smtClean="0"/>
-              <a:t>8/26/2020</a:t>
+              <a:t>8/27/2020</a:t>
             </a:fld>
             <a:endParaRPr lang="en-US"/>
           </a:p>
@@ -5425,7 +5426,7 @@
           <a:p>
             <a:fld id="{0C3A9CC2-761E-433C-A323-6D1ABF677EB6}" type="datetimeFigureOut">
               <a:rPr lang="en-US" smtClean="0"/>
-              <a:t>8/26/2020</a:t>
+              <a:t>8/27/2020</a:t>
             </a:fld>
             <a:endParaRPr lang="en-US"/>
           </a:p>
@@ -7998,6 +7999,36 @@
 </p:sld>
 </file>
 
+<file path=ppt/slides/slide4.xml><?xml version="1.0" encoding="utf-8"?>
+<p:sld xmlns:a="http://schemas.openxmlformats.org/drawingml/2006/main" xmlns:r="http://schemas.openxmlformats.org/officeDocument/2006/relationships" xmlns:p="http://schemas.openxmlformats.org/presentationml/2006/main">
+  <p:cSld>
+    <p:spTree>
+      <p:nvGrpSpPr>
+        <p:cNvPr id="1" name=""/>
+        <p:cNvGrpSpPr/>
+        <p:nvPr/>
+      </p:nvGrpSpPr>
+      <p:grpSpPr>
+        <a:xfrm>
+          <a:off x="0" y="0"/>
+          <a:ext cx="0" cy="0"/>
+          <a:chOff x="0" y="0"/>
+          <a:chExt cx="0" cy="0"/>
+        </a:xfrm>
+      </p:grpSpPr>
+    </p:spTree>
+    <p:extLst>
+      <p:ext uri="{BB962C8B-B14F-4D97-AF65-F5344CB8AC3E}">
+        <p14:creationId xmlns:p14="http://schemas.microsoft.com/office/powerpoint/2010/main" val="4130892590"/>
+      </p:ext>
+    </p:extLst>
+  </p:cSld>
+  <p:clrMapOvr>
+    <a:masterClrMapping/>
+  </p:clrMapOvr>
+</p:sld>
+</file>
+
 <file path=ppt/theme/theme1.xml><?xml version="1.0" encoding="utf-8"?>
 <a:theme xmlns:a="http://schemas.openxmlformats.org/drawingml/2006/main" name="Office Theme">
   <a:themeElements>

--- a/Sprint Cadence Diagrams.pptx
+++ b/Sprint Cadence Diagrams.pptx
@@ -8,7 +8,6 @@
     <p:sldId id="256" r:id="rId2"/>
     <p:sldId id="257" r:id="rId3"/>
     <p:sldId id="258" r:id="rId4"/>
-    <p:sldId id="259" r:id="rId5"/>
   </p:sldIdLst>
   <p:sldSz cx="12192000" cy="6858000"/>
   <p:notesSz cx="6858000" cy="9144000"/>
@@ -7999,36 +7998,6 @@
 </p:sld>
 </file>
 
-<file path=ppt/slides/slide4.xml><?xml version="1.0" encoding="utf-8"?>
-<p:sld xmlns:a="http://schemas.openxmlformats.org/drawingml/2006/main" xmlns:r="http://schemas.openxmlformats.org/officeDocument/2006/relationships" xmlns:p="http://schemas.openxmlformats.org/presentationml/2006/main">
-  <p:cSld>
-    <p:spTree>
-      <p:nvGrpSpPr>
-        <p:cNvPr id="1" name=""/>
-        <p:cNvGrpSpPr/>
-        <p:nvPr/>
-      </p:nvGrpSpPr>
-      <p:grpSpPr>
-        <a:xfrm>
-          <a:off x="0" y="0"/>
-          <a:ext cx="0" cy="0"/>
-          <a:chOff x="0" y="0"/>
-          <a:chExt cx="0" cy="0"/>
-        </a:xfrm>
-      </p:grpSpPr>
-    </p:spTree>
-    <p:extLst>
-      <p:ext uri="{BB962C8B-B14F-4D97-AF65-F5344CB8AC3E}">
-        <p14:creationId xmlns:p14="http://schemas.microsoft.com/office/powerpoint/2010/main" val="4130892590"/>
-      </p:ext>
-    </p:extLst>
-  </p:cSld>
-  <p:clrMapOvr>
-    <a:masterClrMapping/>
-  </p:clrMapOvr>
-</p:sld>
-</file>
-
 <file path=ppt/theme/theme1.xml><?xml version="1.0" encoding="utf-8"?>
 <a:theme xmlns:a="http://schemas.openxmlformats.org/drawingml/2006/main" name="Office Theme">
   <a:themeElements>

--- a/Sprint Cadence Diagrams.pptx
+++ b/Sprint Cadence Diagrams.pptx
@@ -8,6 +8,7 @@
     <p:sldId id="256" r:id="rId2"/>
     <p:sldId id="257" r:id="rId3"/>
     <p:sldId id="258" r:id="rId4"/>
+    <p:sldId id="259" r:id="rId5"/>
   </p:sldIdLst>
   <p:sldSz cx="12192000" cy="6858000"/>
   <p:notesSz cx="6858000" cy="9144000"/>
@@ -7998,6 +7999,36 @@
 </p:sld>
 </file>
 
+<file path=ppt/slides/slide4.xml><?xml version="1.0" encoding="utf-8"?>
+<p:sld xmlns:a="http://schemas.openxmlformats.org/drawingml/2006/main" xmlns:r="http://schemas.openxmlformats.org/officeDocument/2006/relationships" xmlns:p="http://schemas.openxmlformats.org/presentationml/2006/main">
+  <p:cSld>
+    <p:spTree>
+      <p:nvGrpSpPr>
+        <p:cNvPr id="1" name=""/>
+        <p:cNvGrpSpPr/>
+        <p:nvPr/>
+      </p:nvGrpSpPr>
+      <p:grpSpPr>
+        <a:xfrm>
+          <a:off x="0" y="0"/>
+          <a:ext cx="0" cy="0"/>
+          <a:chOff x="0" y="0"/>
+          <a:chExt cx="0" cy="0"/>
+        </a:xfrm>
+      </p:grpSpPr>
+    </p:spTree>
+    <p:extLst>
+      <p:ext uri="{BB962C8B-B14F-4D97-AF65-F5344CB8AC3E}">
+        <p14:creationId xmlns:p14="http://schemas.microsoft.com/office/powerpoint/2010/main" val="339102287"/>
+      </p:ext>
+    </p:extLst>
+  </p:cSld>
+  <p:clrMapOvr>
+    <a:masterClrMapping/>
+  </p:clrMapOvr>
+</p:sld>
+</file>
+
 <file path=ppt/theme/theme1.xml><?xml version="1.0" encoding="utf-8"?>
 <a:theme xmlns:a="http://schemas.openxmlformats.org/drawingml/2006/main" name="Office Theme">
   <a:themeElements>

--- a/Sprint Cadence Diagrams.pptx
+++ b/Sprint Cadence Diagrams.pptx
@@ -8,7 +8,6 @@
     <p:sldId id="256" r:id="rId2"/>
     <p:sldId id="257" r:id="rId3"/>
     <p:sldId id="258" r:id="rId4"/>
-    <p:sldId id="259" r:id="rId5"/>
   </p:sldIdLst>
   <p:sldSz cx="12192000" cy="6858000"/>
   <p:notesSz cx="6858000" cy="9144000"/>
@@ -2776,7 +2775,7 @@
           <a:p>
             <a:fld id="{0C3A9CC2-761E-433C-A323-6D1ABF677EB6}" type="datetimeFigureOut">
               <a:rPr lang="en-US" smtClean="0"/>
-              <a:t>8/27/2020</a:t>
+              <a:t>8/28/2020</a:t>
             </a:fld>
             <a:endParaRPr lang="en-US"/>
           </a:p>
@@ -2974,7 +2973,7 @@
           <a:p>
             <a:fld id="{0C3A9CC2-761E-433C-A323-6D1ABF677EB6}" type="datetimeFigureOut">
               <a:rPr lang="en-US" smtClean="0"/>
-              <a:t>8/27/2020</a:t>
+              <a:t>8/28/2020</a:t>
             </a:fld>
             <a:endParaRPr lang="en-US"/>
           </a:p>
@@ -3182,7 +3181,7 @@
           <a:p>
             <a:fld id="{0C3A9CC2-761E-433C-A323-6D1ABF677EB6}" type="datetimeFigureOut">
               <a:rPr lang="en-US" smtClean="0"/>
-              <a:t>8/27/2020</a:t>
+              <a:t>8/28/2020</a:t>
             </a:fld>
             <a:endParaRPr lang="en-US"/>
           </a:p>
@@ -3380,7 +3379,7 @@
           <a:p>
             <a:fld id="{0C3A9CC2-761E-433C-A323-6D1ABF677EB6}" type="datetimeFigureOut">
               <a:rPr lang="en-US" smtClean="0"/>
-              <a:t>8/27/2020</a:t>
+              <a:t>8/28/2020</a:t>
             </a:fld>
             <a:endParaRPr lang="en-US"/>
           </a:p>
@@ -3655,7 +3654,7 @@
           <a:p>
             <a:fld id="{0C3A9CC2-761E-433C-A323-6D1ABF677EB6}" type="datetimeFigureOut">
               <a:rPr lang="en-US" smtClean="0"/>
-              <a:t>8/27/2020</a:t>
+              <a:t>8/28/2020</a:t>
             </a:fld>
             <a:endParaRPr lang="en-US"/>
           </a:p>
@@ -3920,7 +3919,7 @@
           <a:p>
             <a:fld id="{0C3A9CC2-761E-433C-A323-6D1ABF677EB6}" type="datetimeFigureOut">
               <a:rPr lang="en-US" smtClean="0"/>
-              <a:t>8/27/2020</a:t>
+              <a:t>8/28/2020</a:t>
             </a:fld>
             <a:endParaRPr lang="en-US"/>
           </a:p>
@@ -4332,7 +4331,7 @@
           <a:p>
             <a:fld id="{0C3A9CC2-761E-433C-A323-6D1ABF677EB6}" type="datetimeFigureOut">
               <a:rPr lang="en-US" smtClean="0"/>
-              <a:t>8/27/2020</a:t>
+              <a:t>8/28/2020</a:t>
             </a:fld>
             <a:endParaRPr lang="en-US"/>
           </a:p>
@@ -4473,7 +4472,7 @@
           <a:p>
             <a:fld id="{0C3A9CC2-761E-433C-A323-6D1ABF677EB6}" type="datetimeFigureOut">
               <a:rPr lang="en-US" smtClean="0"/>
-              <a:t>8/27/2020</a:t>
+              <a:t>8/28/2020</a:t>
             </a:fld>
             <a:endParaRPr lang="en-US"/>
           </a:p>
@@ -4586,7 +4585,7 @@
           <a:p>
             <a:fld id="{0C3A9CC2-761E-433C-A323-6D1ABF677EB6}" type="datetimeFigureOut">
               <a:rPr lang="en-US" smtClean="0"/>
-              <a:t>8/27/2020</a:t>
+              <a:t>8/28/2020</a:t>
             </a:fld>
             <a:endParaRPr lang="en-US"/>
           </a:p>
@@ -4897,7 +4896,7 @@
           <a:p>
             <a:fld id="{0C3A9CC2-761E-433C-A323-6D1ABF677EB6}" type="datetimeFigureOut">
               <a:rPr lang="en-US" smtClean="0"/>
-              <a:t>8/27/2020</a:t>
+              <a:t>8/28/2020</a:t>
             </a:fld>
             <a:endParaRPr lang="en-US"/>
           </a:p>
@@ -5185,7 +5184,7 @@
           <a:p>
             <a:fld id="{0C3A9CC2-761E-433C-A323-6D1ABF677EB6}" type="datetimeFigureOut">
               <a:rPr lang="en-US" smtClean="0"/>
-              <a:t>8/27/2020</a:t>
+              <a:t>8/28/2020</a:t>
             </a:fld>
             <a:endParaRPr lang="en-US"/>
           </a:p>
@@ -5426,7 +5425,7 @@
           <a:p>
             <a:fld id="{0C3A9CC2-761E-433C-A323-6D1ABF677EB6}" type="datetimeFigureOut">
               <a:rPr lang="en-US" smtClean="0"/>
-              <a:t>8/27/2020</a:t>
+              <a:t>8/28/2020</a:t>
             </a:fld>
             <a:endParaRPr lang="en-US"/>
           </a:p>
@@ -7999,36 +7998,6 @@
 </p:sld>
 </file>
 
-<file path=ppt/slides/slide4.xml><?xml version="1.0" encoding="utf-8"?>
-<p:sld xmlns:a="http://schemas.openxmlformats.org/drawingml/2006/main" xmlns:r="http://schemas.openxmlformats.org/officeDocument/2006/relationships" xmlns:p="http://schemas.openxmlformats.org/presentationml/2006/main">
-  <p:cSld>
-    <p:spTree>
-      <p:nvGrpSpPr>
-        <p:cNvPr id="1" name=""/>
-        <p:cNvGrpSpPr/>
-        <p:nvPr/>
-      </p:nvGrpSpPr>
-      <p:grpSpPr>
-        <a:xfrm>
-          <a:off x="0" y="0"/>
-          <a:ext cx="0" cy="0"/>
-          <a:chOff x="0" y="0"/>
-          <a:chExt cx="0" cy="0"/>
-        </a:xfrm>
-      </p:grpSpPr>
-    </p:spTree>
-    <p:extLst>
-      <p:ext uri="{BB962C8B-B14F-4D97-AF65-F5344CB8AC3E}">
-        <p14:creationId xmlns:p14="http://schemas.microsoft.com/office/powerpoint/2010/main" val="339102287"/>
-      </p:ext>
-    </p:extLst>
-  </p:cSld>
-  <p:clrMapOvr>
-    <a:masterClrMapping/>
-  </p:clrMapOvr>
-</p:sld>
-</file>
-
 <file path=ppt/theme/theme1.xml><?xml version="1.0" encoding="utf-8"?>
 <a:theme xmlns:a="http://schemas.openxmlformats.org/drawingml/2006/main" name="Office Theme">
   <a:themeElements>

--- a/Sprint Cadence Diagrams.pptx
+++ b/Sprint Cadence Diagrams.pptx
@@ -8,6 +8,7 @@
     <p:sldId id="256" r:id="rId2"/>
     <p:sldId id="257" r:id="rId3"/>
     <p:sldId id="258" r:id="rId4"/>
+    <p:sldId id="259" r:id="rId5"/>
   </p:sldIdLst>
   <p:sldSz cx="12192000" cy="6858000"/>
   <p:notesSz cx="6858000" cy="9144000"/>
@@ -2775,7 +2776,7 @@
           <a:p>
             <a:fld id="{0C3A9CC2-761E-433C-A323-6D1ABF677EB6}" type="datetimeFigureOut">
               <a:rPr lang="en-US" smtClean="0"/>
-              <a:t>8/28/2020</a:t>
+              <a:t>8/31/2020</a:t>
             </a:fld>
             <a:endParaRPr lang="en-US"/>
           </a:p>
@@ -2973,7 +2974,7 @@
           <a:p>
             <a:fld id="{0C3A9CC2-761E-433C-A323-6D1ABF677EB6}" type="datetimeFigureOut">
               <a:rPr lang="en-US" smtClean="0"/>
-              <a:t>8/28/2020</a:t>
+              <a:t>8/31/2020</a:t>
             </a:fld>
             <a:endParaRPr lang="en-US"/>
           </a:p>
@@ -3181,7 +3182,7 @@
           <a:p>
             <a:fld id="{0C3A9CC2-761E-433C-A323-6D1ABF677EB6}" type="datetimeFigureOut">
               <a:rPr lang="en-US" smtClean="0"/>
-              <a:t>8/28/2020</a:t>
+              <a:t>8/31/2020</a:t>
             </a:fld>
             <a:endParaRPr lang="en-US"/>
           </a:p>
@@ -3379,7 +3380,7 @@
           <a:p>
             <a:fld id="{0C3A9CC2-761E-433C-A323-6D1ABF677EB6}" type="datetimeFigureOut">
               <a:rPr lang="en-US" smtClean="0"/>
-              <a:t>8/28/2020</a:t>
+              <a:t>8/31/2020</a:t>
             </a:fld>
             <a:endParaRPr lang="en-US"/>
           </a:p>
@@ -3654,7 +3655,7 @@
           <a:p>
             <a:fld id="{0C3A9CC2-761E-433C-A323-6D1ABF677EB6}" type="datetimeFigureOut">
               <a:rPr lang="en-US" smtClean="0"/>
-              <a:t>8/28/2020</a:t>
+              <a:t>8/31/2020</a:t>
             </a:fld>
             <a:endParaRPr lang="en-US"/>
           </a:p>
@@ -3919,7 +3920,7 @@
           <a:p>
             <a:fld id="{0C3A9CC2-761E-433C-A323-6D1ABF677EB6}" type="datetimeFigureOut">
               <a:rPr lang="en-US" smtClean="0"/>
-              <a:t>8/28/2020</a:t>
+              <a:t>8/31/2020</a:t>
             </a:fld>
             <a:endParaRPr lang="en-US"/>
           </a:p>
@@ -4331,7 +4332,7 @@
           <a:p>
             <a:fld id="{0C3A9CC2-761E-433C-A323-6D1ABF677EB6}" type="datetimeFigureOut">
               <a:rPr lang="en-US" smtClean="0"/>
-              <a:t>8/28/2020</a:t>
+              <a:t>8/31/2020</a:t>
             </a:fld>
             <a:endParaRPr lang="en-US"/>
           </a:p>
@@ -4472,7 +4473,7 @@
           <a:p>
             <a:fld id="{0C3A9CC2-761E-433C-A323-6D1ABF677EB6}" type="datetimeFigureOut">
               <a:rPr lang="en-US" smtClean="0"/>
-              <a:t>8/28/2020</a:t>
+              <a:t>8/31/2020</a:t>
             </a:fld>
             <a:endParaRPr lang="en-US"/>
           </a:p>
@@ -4585,7 +4586,7 @@
           <a:p>
             <a:fld id="{0C3A9CC2-761E-433C-A323-6D1ABF677EB6}" type="datetimeFigureOut">
               <a:rPr lang="en-US" smtClean="0"/>
-              <a:t>8/28/2020</a:t>
+              <a:t>8/31/2020</a:t>
             </a:fld>
             <a:endParaRPr lang="en-US"/>
           </a:p>
@@ -4896,7 +4897,7 @@
           <a:p>
             <a:fld id="{0C3A9CC2-761E-433C-A323-6D1ABF677EB6}" type="datetimeFigureOut">
               <a:rPr lang="en-US" smtClean="0"/>
-              <a:t>8/28/2020</a:t>
+              <a:t>8/31/2020</a:t>
             </a:fld>
             <a:endParaRPr lang="en-US"/>
           </a:p>
@@ -5184,7 +5185,7 @@
           <a:p>
             <a:fld id="{0C3A9CC2-761E-433C-A323-6D1ABF677EB6}" type="datetimeFigureOut">
               <a:rPr lang="en-US" smtClean="0"/>
-              <a:t>8/28/2020</a:t>
+              <a:t>8/31/2020</a:t>
             </a:fld>
             <a:endParaRPr lang="en-US"/>
           </a:p>
@@ -5425,7 +5426,7 @@
           <a:p>
             <a:fld id="{0C3A9CC2-761E-433C-A323-6D1ABF677EB6}" type="datetimeFigureOut">
               <a:rPr lang="en-US" smtClean="0"/>
-              <a:t>8/28/2020</a:t>
+              <a:t>8/31/2020</a:t>
             </a:fld>
             <a:endParaRPr lang="en-US"/>
           </a:p>
@@ -7998,6 +7999,1131 @@
 </p:sld>
 </file>
 
+<file path=ppt/slides/slide4.xml><?xml version="1.0" encoding="utf-8"?>
+<p:sld xmlns:a="http://schemas.openxmlformats.org/drawingml/2006/main" xmlns:r="http://schemas.openxmlformats.org/officeDocument/2006/relationships" xmlns:p="http://schemas.openxmlformats.org/presentationml/2006/main">
+  <p:cSld>
+    <p:spTree>
+      <p:nvGrpSpPr>
+        <p:cNvPr id="1" name=""/>
+        <p:cNvGrpSpPr/>
+        <p:nvPr/>
+      </p:nvGrpSpPr>
+      <p:grpSpPr>
+        <a:xfrm>
+          <a:off x="0" y="0"/>
+          <a:ext cx="0" cy="0"/>
+          <a:chOff x="0" y="0"/>
+          <a:chExt cx="0" cy="0"/>
+        </a:xfrm>
+      </p:grpSpPr>
+      <p:sp>
+        <p:nvSpPr>
+          <p:cNvPr id="2" name="Rectangle 1">
+            <a:extLst>
+              <a:ext uri="{FF2B5EF4-FFF2-40B4-BE49-F238E27FC236}">
+                <a16:creationId xmlns:a16="http://schemas.microsoft.com/office/drawing/2014/main" id="{79B0D80A-7D99-4067-A88F-706B1D69A693}"/>
+              </a:ext>
+            </a:extLst>
+          </p:cNvPr>
+          <p:cNvSpPr/>
+          <p:nvPr/>
+        </p:nvSpPr>
+        <p:spPr>
+          <a:xfrm>
+            <a:off x="889687" y="1068860"/>
+            <a:ext cx="1169773" cy="304800"/>
+          </a:xfrm>
+          <a:prstGeom prst="rect">
+            <a:avLst/>
+          </a:prstGeom>
+        </p:spPr>
+        <p:style>
+          <a:lnRef idx="2">
+            <a:schemeClr val="accent5">
+              <a:shade val="50000"/>
+            </a:schemeClr>
+          </a:lnRef>
+          <a:fillRef idx="1">
+            <a:schemeClr val="accent5"/>
+          </a:fillRef>
+          <a:effectRef idx="0">
+            <a:schemeClr val="accent5"/>
+          </a:effectRef>
+          <a:fontRef idx="minor">
+            <a:schemeClr val="lt1"/>
+          </a:fontRef>
+        </p:style>
+        <p:txBody>
+          <a:bodyPr rtlCol="0" anchor="ctr"/>
+          <a:lstStyle/>
+          <a:p>
+            <a:pPr algn="ctr"/>
+            <a:r>
+              <a:rPr lang="en-US" sz="1200" dirty="0"/>
+              <a:t>Personas</a:t>
+            </a:r>
+          </a:p>
+        </p:txBody>
+      </p:sp>
+      <p:sp>
+        <p:nvSpPr>
+          <p:cNvPr id="4" name="Rectangle 3">
+            <a:extLst>
+              <a:ext uri="{FF2B5EF4-FFF2-40B4-BE49-F238E27FC236}">
+                <a16:creationId xmlns:a16="http://schemas.microsoft.com/office/drawing/2014/main" id="{04E1322D-7A07-461F-92F2-AED84958B6F7}"/>
+              </a:ext>
+            </a:extLst>
+          </p:cNvPr>
+          <p:cNvSpPr/>
+          <p:nvPr/>
+        </p:nvSpPr>
+        <p:spPr>
+          <a:xfrm>
+            <a:off x="889686" y="2158317"/>
+            <a:ext cx="1169773" cy="304800"/>
+          </a:xfrm>
+          <a:prstGeom prst="rect">
+            <a:avLst/>
+          </a:prstGeom>
+        </p:spPr>
+        <p:style>
+          <a:lnRef idx="2">
+            <a:schemeClr val="accent5">
+              <a:shade val="50000"/>
+            </a:schemeClr>
+          </a:lnRef>
+          <a:fillRef idx="1">
+            <a:schemeClr val="accent5"/>
+          </a:fillRef>
+          <a:effectRef idx="0">
+            <a:schemeClr val="accent5"/>
+          </a:effectRef>
+          <a:fontRef idx="minor">
+            <a:schemeClr val="lt1"/>
+          </a:fontRef>
+        </p:style>
+        <p:txBody>
+          <a:bodyPr rtlCol="0" anchor="ctr"/>
+          <a:lstStyle/>
+          <a:p>
+            <a:pPr algn="ctr"/>
+            <a:r>
+              <a:rPr lang="en-US" sz="1200" dirty="0"/>
+              <a:t>Business Rules</a:t>
+            </a:r>
+          </a:p>
+        </p:txBody>
+      </p:sp>
+      <p:sp>
+        <p:nvSpPr>
+          <p:cNvPr id="6" name="Rectangle 5">
+            <a:extLst>
+              <a:ext uri="{FF2B5EF4-FFF2-40B4-BE49-F238E27FC236}">
+                <a16:creationId xmlns:a16="http://schemas.microsoft.com/office/drawing/2014/main" id="{CB281C45-1181-463D-82C3-ED6D5D1C3F19}"/>
+              </a:ext>
+            </a:extLst>
+          </p:cNvPr>
+          <p:cNvSpPr/>
+          <p:nvPr/>
+        </p:nvSpPr>
+        <p:spPr>
+          <a:xfrm>
+            <a:off x="889686" y="4563763"/>
+            <a:ext cx="1169773" cy="304800"/>
+          </a:xfrm>
+          <a:prstGeom prst="rect">
+            <a:avLst/>
+          </a:prstGeom>
+        </p:spPr>
+        <p:style>
+          <a:lnRef idx="2">
+            <a:schemeClr val="accent5">
+              <a:shade val="50000"/>
+            </a:schemeClr>
+          </a:lnRef>
+          <a:fillRef idx="1">
+            <a:schemeClr val="accent5"/>
+          </a:fillRef>
+          <a:effectRef idx="0">
+            <a:schemeClr val="accent5"/>
+          </a:effectRef>
+          <a:fontRef idx="minor">
+            <a:schemeClr val="lt1"/>
+          </a:fontRef>
+        </p:style>
+        <p:txBody>
+          <a:bodyPr rtlCol="0" anchor="ctr"/>
+          <a:lstStyle/>
+          <a:p>
+            <a:pPr algn="ctr"/>
+            <a:r>
+              <a:rPr lang="en-US" sz="1200" dirty="0"/>
+              <a:t>NFR’s</a:t>
+            </a:r>
+          </a:p>
+        </p:txBody>
+      </p:sp>
+      <p:sp>
+        <p:nvSpPr>
+          <p:cNvPr id="8" name="Rectangle 7">
+            <a:extLst>
+              <a:ext uri="{FF2B5EF4-FFF2-40B4-BE49-F238E27FC236}">
+                <a16:creationId xmlns:a16="http://schemas.microsoft.com/office/drawing/2014/main" id="{D026CA68-B4D5-44A4-B987-728DADA738C0}"/>
+              </a:ext>
+            </a:extLst>
+          </p:cNvPr>
+          <p:cNvSpPr/>
+          <p:nvPr/>
+        </p:nvSpPr>
+        <p:spPr>
+          <a:xfrm>
+            <a:off x="2409566" y="496336"/>
+            <a:ext cx="1169773" cy="304800"/>
+          </a:xfrm>
+          <a:prstGeom prst="rect">
+            <a:avLst/>
+          </a:prstGeom>
+        </p:spPr>
+        <p:style>
+          <a:lnRef idx="2">
+            <a:schemeClr val="accent1">
+              <a:shade val="50000"/>
+            </a:schemeClr>
+          </a:lnRef>
+          <a:fillRef idx="1">
+            <a:schemeClr val="accent1"/>
+          </a:fillRef>
+          <a:effectRef idx="0">
+            <a:schemeClr val="accent1"/>
+          </a:effectRef>
+          <a:fontRef idx="minor">
+            <a:schemeClr val="lt1"/>
+          </a:fontRef>
+        </p:style>
+        <p:txBody>
+          <a:bodyPr rtlCol="0" anchor="ctr"/>
+          <a:lstStyle/>
+          <a:p>
+            <a:pPr algn="ctr"/>
+            <a:r>
+              <a:rPr lang="en-US" sz="1200" dirty="0"/>
+              <a:t>Simple</a:t>
+            </a:r>
+          </a:p>
+        </p:txBody>
+      </p:sp>
+      <p:sp>
+        <p:nvSpPr>
+          <p:cNvPr id="10" name="Rectangle 9">
+            <a:extLst>
+              <a:ext uri="{FF2B5EF4-FFF2-40B4-BE49-F238E27FC236}">
+                <a16:creationId xmlns:a16="http://schemas.microsoft.com/office/drawing/2014/main" id="{DBF7B096-3262-4626-B7D9-689BD585AE6F}"/>
+              </a:ext>
+            </a:extLst>
+          </p:cNvPr>
+          <p:cNvSpPr/>
+          <p:nvPr/>
+        </p:nvSpPr>
+        <p:spPr>
+          <a:xfrm>
+            <a:off x="3789394" y="496336"/>
+            <a:ext cx="1169773" cy="304800"/>
+          </a:xfrm>
+          <a:prstGeom prst="rect">
+            <a:avLst/>
+          </a:prstGeom>
+        </p:spPr>
+        <p:style>
+          <a:lnRef idx="2">
+            <a:schemeClr val="accent1">
+              <a:shade val="50000"/>
+            </a:schemeClr>
+          </a:lnRef>
+          <a:fillRef idx="1">
+            <a:schemeClr val="accent1"/>
+          </a:fillRef>
+          <a:effectRef idx="0">
+            <a:schemeClr val="accent1"/>
+          </a:effectRef>
+          <a:fontRef idx="minor">
+            <a:schemeClr val="lt1"/>
+          </a:fontRef>
+        </p:style>
+        <p:txBody>
+          <a:bodyPr rtlCol="0" anchor="ctr"/>
+          <a:lstStyle/>
+          <a:p>
+            <a:pPr algn="ctr"/>
+            <a:r>
+              <a:rPr lang="en-US" sz="1200" dirty="0"/>
+              <a:t>Medium</a:t>
+            </a:r>
+          </a:p>
+        </p:txBody>
+      </p:sp>
+      <p:sp>
+        <p:nvSpPr>
+          <p:cNvPr id="12" name="Rectangle 11">
+            <a:extLst>
+              <a:ext uri="{FF2B5EF4-FFF2-40B4-BE49-F238E27FC236}">
+                <a16:creationId xmlns:a16="http://schemas.microsoft.com/office/drawing/2014/main" id="{F2379C24-BFC0-454B-8D93-D17C2CE6C21F}"/>
+              </a:ext>
+            </a:extLst>
+          </p:cNvPr>
+          <p:cNvSpPr/>
+          <p:nvPr/>
+        </p:nvSpPr>
+        <p:spPr>
+          <a:xfrm>
+            <a:off x="5169222" y="496336"/>
+            <a:ext cx="1169773" cy="304800"/>
+          </a:xfrm>
+          <a:prstGeom prst="rect">
+            <a:avLst/>
+          </a:prstGeom>
+        </p:spPr>
+        <p:style>
+          <a:lnRef idx="2">
+            <a:schemeClr val="accent1">
+              <a:shade val="50000"/>
+            </a:schemeClr>
+          </a:lnRef>
+          <a:fillRef idx="1">
+            <a:schemeClr val="accent1"/>
+          </a:fillRef>
+          <a:effectRef idx="0">
+            <a:schemeClr val="accent1"/>
+          </a:effectRef>
+          <a:fontRef idx="minor">
+            <a:schemeClr val="lt1"/>
+          </a:fontRef>
+        </p:style>
+        <p:txBody>
+          <a:bodyPr rtlCol="0" anchor="ctr"/>
+          <a:lstStyle/>
+          <a:p>
+            <a:pPr algn="ctr"/>
+            <a:r>
+              <a:rPr lang="en-US" sz="1200" dirty="0"/>
+              <a:t>Complex</a:t>
+            </a:r>
+          </a:p>
+        </p:txBody>
+      </p:sp>
+      <p:sp>
+        <p:nvSpPr>
+          <p:cNvPr id="14" name="Flowchart: Document 13">
+            <a:extLst>
+              <a:ext uri="{FF2B5EF4-FFF2-40B4-BE49-F238E27FC236}">
+                <a16:creationId xmlns:a16="http://schemas.microsoft.com/office/drawing/2014/main" id="{BE066D21-8B57-46A6-8D75-B73423AF16B8}"/>
+              </a:ext>
+            </a:extLst>
+          </p:cNvPr>
+          <p:cNvSpPr/>
+          <p:nvPr/>
+        </p:nvSpPr>
+        <p:spPr>
+          <a:xfrm>
+            <a:off x="2615508" y="1068861"/>
+            <a:ext cx="829965" cy="665205"/>
+          </a:xfrm>
+          <a:prstGeom prst="flowChartDocument">
+            <a:avLst/>
+          </a:prstGeom>
+        </p:spPr>
+        <p:style>
+          <a:lnRef idx="1">
+            <a:schemeClr val="accent4"/>
+          </a:lnRef>
+          <a:fillRef idx="2">
+            <a:schemeClr val="accent4"/>
+          </a:fillRef>
+          <a:effectRef idx="1">
+            <a:schemeClr val="accent4"/>
+          </a:effectRef>
+          <a:fontRef idx="minor">
+            <a:schemeClr val="dk1"/>
+          </a:fontRef>
+        </p:style>
+        <p:txBody>
+          <a:bodyPr rtlCol="0" anchor="ctr"/>
+          <a:lstStyle/>
+          <a:p>
+            <a:pPr algn="ctr"/>
+            <a:r>
+              <a:rPr lang="en-US" sz="800" dirty="0"/>
+              <a:t>Personal account holders</a:t>
+            </a:r>
+          </a:p>
+        </p:txBody>
+      </p:sp>
+      <p:sp>
+        <p:nvSpPr>
+          <p:cNvPr id="16" name="Flowchart: Document 15">
+            <a:extLst>
+              <a:ext uri="{FF2B5EF4-FFF2-40B4-BE49-F238E27FC236}">
+                <a16:creationId xmlns:a16="http://schemas.microsoft.com/office/drawing/2014/main" id="{0AA84156-B2B2-4065-B9FF-0975E8747743}"/>
+              </a:ext>
+            </a:extLst>
+          </p:cNvPr>
+          <p:cNvSpPr/>
+          <p:nvPr/>
+        </p:nvSpPr>
+        <p:spPr>
+          <a:xfrm>
+            <a:off x="3826462" y="1068861"/>
+            <a:ext cx="829965" cy="665205"/>
+          </a:xfrm>
+          <a:prstGeom prst="flowChartDocument">
+            <a:avLst/>
+          </a:prstGeom>
+        </p:spPr>
+        <p:style>
+          <a:lnRef idx="1">
+            <a:schemeClr val="accent4"/>
+          </a:lnRef>
+          <a:fillRef idx="2">
+            <a:schemeClr val="accent4"/>
+          </a:fillRef>
+          <a:effectRef idx="1">
+            <a:schemeClr val="accent4"/>
+          </a:effectRef>
+          <a:fontRef idx="minor">
+            <a:schemeClr val="dk1"/>
+          </a:fontRef>
+        </p:style>
+        <p:txBody>
+          <a:bodyPr rtlCol="0" anchor="ctr"/>
+          <a:lstStyle/>
+          <a:p>
+            <a:pPr algn="ctr"/>
+            <a:r>
+              <a:rPr lang="en-US" sz="800" dirty="0"/>
+              <a:t>Commercial and Personal Acct Holders</a:t>
+            </a:r>
+          </a:p>
+        </p:txBody>
+      </p:sp>
+      <p:sp>
+        <p:nvSpPr>
+          <p:cNvPr id="18" name="Flowchart: Document 17">
+            <a:extLst>
+              <a:ext uri="{FF2B5EF4-FFF2-40B4-BE49-F238E27FC236}">
+                <a16:creationId xmlns:a16="http://schemas.microsoft.com/office/drawing/2014/main" id="{9D1B4B5D-8196-4D26-84A6-C620C9C9A2D9}"/>
+              </a:ext>
+            </a:extLst>
+          </p:cNvPr>
+          <p:cNvSpPr/>
+          <p:nvPr/>
+        </p:nvSpPr>
+        <p:spPr>
+          <a:xfrm>
+            <a:off x="5263952" y="1068860"/>
+            <a:ext cx="829965" cy="665205"/>
+          </a:xfrm>
+          <a:prstGeom prst="flowChartDocument">
+            <a:avLst/>
+          </a:prstGeom>
+        </p:spPr>
+        <p:style>
+          <a:lnRef idx="1">
+            <a:schemeClr val="accent4"/>
+          </a:lnRef>
+          <a:fillRef idx="2">
+            <a:schemeClr val="accent4"/>
+          </a:fillRef>
+          <a:effectRef idx="1">
+            <a:schemeClr val="accent4"/>
+          </a:effectRef>
+          <a:fontRef idx="minor">
+            <a:schemeClr val="dk1"/>
+          </a:fontRef>
+        </p:style>
+        <p:txBody>
+          <a:bodyPr rtlCol="0" anchor="ctr"/>
+          <a:lstStyle/>
+          <a:p>
+            <a:pPr algn="ctr"/>
+            <a:r>
+              <a:rPr lang="en-US" sz="800" dirty="0"/>
+              <a:t>All account holders</a:t>
+            </a:r>
+          </a:p>
+        </p:txBody>
+      </p:sp>
+      <p:sp>
+        <p:nvSpPr>
+          <p:cNvPr id="20" name="Flowchart: Document 19">
+            <a:extLst>
+              <a:ext uri="{FF2B5EF4-FFF2-40B4-BE49-F238E27FC236}">
+                <a16:creationId xmlns:a16="http://schemas.microsoft.com/office/drawing/2014/main" id="{3A30AE6D-C8E2-427E-A191-FE385F4DDE0B}"/>
+              </a:ext>
+            </a:extLst>
+          </p:cNvPr>
+          <p:cNvSpPr/>
+          <p:nvPr/>
+        </p:nvSpPr>
+        <p:spPr>
+          <a:xfrm>
+            <a:off x="2579469" y="2158317"/>
+            <a:ext cx="829965" cy="665205"/>
+          </a:xfrm>
+          <a:prstGeom prst="flowChartDocument">
+            <a:avLst/>
+          </a:prstGeom>
+        </p:spPr>
+        <p:style>
+          <a:lnRef idx="1">
+            <a:schemeClr val="accent4"/>
+          </a:lnRef>
+          <a:fillRef idx="2">
+            <a:schemeClr val="accent4"/>
+          </a:fillRef>
+          <a:effectRef idx="1">
+            <a:schemeClr val="accent4"/>
+          </a:effectRef>
+          <a:fontRef idx="minor">
+            <a:schemeClr val="dk1"/>
+          </a:fontRef>
+        </p:style>
+        <p:txBody>
+          <a:bodyPr rtlCol="0" anchor="ctr"/>
+          <a:lstStyle/>
+          <a:p>
+            <a:pPr algn="ctr"/>
+            <a:r>
+              <a:rPr lang="en-US" sz="800" dirty="0"/>
+              <a:t>Show current statement transactions</a:t>
+            </a:r>
+          </a:p>
+        </p:txBody>
+      </p:sp>
+      <p:sp>
+        <p:nvSpPr>
+          <p:cNvPr id="22" name="Flowchart: Document 21">
+            <a:extLst>
+              <a:ext uri="{FF2B5EF4-FFF2-40B4-BE49-F238E27FC236}">
+                <a16:creationId xmlns:a16="http://schemas.microsoft.com/office/drawing/2014/main" id="{4F532F14-7125-4A3B-B8E4-3EA0BF9AC8AD}"/>
+              </a:ext>
+            </a:extLst>
+          </p:cNvPr>
+          <p:cNvSpPr/>
+          <p:nvPr/>
+        </p:nvSpPr>
+        <p:spPr>
+          <a:xfrm>
+            <a:off x="2579468" y="2915170"/>
+            <a:ext cx="829965" cy="665205"/>
+          </a:xfrm>
+          <a:prstGeom prst="flowChartDocument">
+            <a:avLst/>
+          </a:prstGeom>
+        </p:spPr>
+        <p:style>
+          <a:lnRef idx="1">
+            <a:schemeClr val="accent4"/>
+          </a:lnRef>
+          <a:fillRef idx="2">
+            <a:schemeClr val="accent4"/>
+          </a:fillRef>
+          <a:effectRef idx="1">
+            <a:schemeClr val="accent4"/>
+          </a:effectRef>
+          <a:fontRef idx="minor">
+            <a:schemeClr val="dk1"/>
+          </a:fontRef>
+        </p:style>
+        <p:txBody>
+          <a:bodyPr rtlCol="0" anchor="ctr"/>
+          <a:lstStyle/>
+          <a:p>
+            <a:pPr algn="ctr"/>
+            <a:r>
+              <a:rPr lang="en-US" sz="800" dirty="0"/>
+              <a:t>No sorting of transactions</a:t>
+            </a:r>
+          </a:p>
+        </p:txBody>
+      </p:sp>
+      <p:sp>
+        <p:nvSpPr>
+          <p:cNvPr id="24" name="Flowchart: Document 23">
+            <a:extLst>
+              <a:ext uri="{FF2B5EF4-FFF2-40B4-BE49-F238E27FC236}">
+                <a16:creationId xmlns:a16="http://schemas.microsoft.com/office/drawing/2014/main" id="{BD0F0E1C-E85C-445B-A400-DFABD13C8709}"/>
+              </a:ext>
+            </a:extLst>
+          </p:cNvPr>
+          <p:cNvSpPr/>
+          <p:nvPr/>
+        </p:nvSpPr>
+        <p:spPr>
+          <a:xfrm>
+            <a:off x="2579467" y="3672023"/>
+            <a:ext cx="829965" cy="665205"/>
+          </a:xfrm>
+          <a:prstGeom prst="flowChartDocument">
+            <a:avLst/>
+          </a:prstGeom>
+        </p:spPr>
+        <p:style>
+          <a:lnRef idx="1">
+            <a:schemeClr val="accent4"/>
+          </a:lnRef>
+          <a:fillRef idx="2">
+            <a:schemeClr val="accent4"/>
+          </a:fillRef>
+          <a:effectRef idx="1">
+            <a:schemeClr val="accent4"/>
+          </a:effectRef>
+          <a:fontRef idx="minor">
+            <a:schemeClr val="dk1"/>
+          </a:fontRef>
+        </p:style>
+        <p:txBody>
+          <a:bodyPr rtlCol="0" anchor="ctr"/>
+          <a:lstStyle/>
+          <a:p>
+            <a:pPr algn="ctr"/>
+            <a:r>
+              <a:rPr lang="en-US" sz="800" dirty="0"/>
+              <a:t>No indication of pending transaction</a:t>
+            </a:r>
+          </a:p>
+        </p:txBody>
+      </p:sp>
+      <p:sp>
+        <p:nvSpPr>
+          <p:cNvPr id="26" name="Flowchart: Document 25">
+            <a:extLst>
+              <a:ext uri="{FF2B5EF4-FFF2-40B4-BE49-F238E27FC236}">
+                <a16:creationId xmlns:a16="http://schemas.microsoft.com/office/drawing/2014/main" id="{2BD8C035-DF29-49FB-B236-81A2914BF051}"/>
+              </a:ext>
+            </a:extLst>
+          </p:cNvPr>
+          <p:cNvSpPr/>
+          <p:nvPr/>
+        </p:nvSpPr>
+        <p:spPr>
+          <a:xfrm>
+            <a:off x="3826461" y="2158317"/>
+            <a:ext cx="829965" cy="665205"/>
+          </a:xfrm>
+          <a:prstGeom prst="flowChartDocument">
+            <a:avLst/>
+          </a:prstGeom>
+        </p:spPr>
+        <p:style>
+          <a:lnRef idx="1">
+            <a:schemeClr val="accent4"/>
+          </a:lnRef>
+          <a:fillRef idx="2">
+            <a:schemeClr val="accent4"/>
+          </a:fillRef>
+          <a:effectRef idx="1">
+            <a:schemeClr val="accent4"/>
+          </a:effectRef>
+          <a:fontRef idx="minor">
+            <a:schemeClr val="dk1"/>
+          </a:fontRef>
+        </p:style>
+        <p:txBody>
+          <a:bodyPr rtlCol="0" anchor="ctr"/>
+          <a:lstStyle/>
+          <a:p>
+            <a:pPr algn="ctr"/>
+            <a:r>
+              <a:rPr lang="en-US" sz="800" dirty="0"/>
+              <a:t>User selects statement to see transactions</a:t>
+            </a:r>
+          </a:p>
+        </p:txBody>
+      </p:sp>
+      <p:sp>
+        <p:nvSpPr>
+          <p:cNvPr id="28" name="Flowchart: Document 27">
+            <a:extLst>
+              <a:ext uri="{FF2B5EF4-FFF2-40B4-BE49-F238E27FC236}">
+                <a16:creationId xmlns:a16="http://schemas.microsoft.com/office/drawing/2014/main" id="{70BDE9C0-6C60-4FF7-80AD-62AE38A8F326}"/>
+              </a:ext>
+            </a:extLst>
+          </p:cNvPr>
+          <p:cNvSpPr/>
+          <p:nvPr/>
+        </p:nvSpPr>
+        <p:spPr>
+          <a:xfrm>
+            <a:off x="5263951" y="2158316"/>
+            <a:ext cx="829965" cy="665205"/>
+          </a:xfrm>
+          <a:prstGeom prst="flowChartDocument">
+            <a:avLst/>
+          </a:prstGeom>
+        </p:spPr>
+        <p:style>
+          <a:lnRef idx="1">
+            <a:schemeClr val="accent4"/>
+          </a:lnRef>
+          <a:fillRef idx="2">
+            <a:schemeClr val="accent4"/>
+          </a:fillRef>
+          <a:effectRef idx="1">
+            <a:schemeClr val="accent4"/>
+          </a:effectRef>
+          <a:fontRef idx="minor">
+            <a:schemeClr val="dk1"/>
+          </a:fontRef>
+        </p:style>
+        <p:txBody>
+          <a:bodyPr rtlCol="0" anchor="ctr"/>
+          <a:lstStyle/>
+          <a:p>
+            <a:pPr algn="ctr"/>
+            <a:r>
+              <a:rPr lang="en-US" sz="800" dirty="0"/>
+              <a:t>User enters custom date range</a:t>
+            </a:r>
+          </a:p>
+        </p:txBody>
+      </p:sp>
+      <p:sp>
+        <p:nvSpPr>
+          <p:cNvPr id="30" name="Flowchart: Document 29">
+            <a:extLst>
+              <a:ext uri="{FF2B5EF4-FFF2-40B4-BE49-F238E27FC236}">
+                <a16:creationId xmlns:a16="http://schemas.microsoft.com/office/drawing/2014/main" id="{A2A15C40-1E45-45ED-8F64-DBF5E2765979}"/>
+              </a:ext>
+            </a:extLst>
+          </p:cNvPr>
+          <p:cNvSpPr/>
+          <p:nvPr/>
+        </p:nvSpPr>
+        <p:spPr>
+          <a:xfrm>
+            <a:off x="3826459" y="2915169"/>
+            <a:ext cx="829965" cy="665205"/>
+          </a:xfrm>
+          <a:prstGeom prst="flowChartDocument">
+            <a:avLst/>
+          </a:prstGeom>
+        </p:spPr>
+        <p:style>
+          <a:lnRef idx="1">
+            <a:schemeClr val="accent4"/>
+          </a:lnRef>
+          <a:fillRef idx="2">
+            <a:schemeClr val="accent4"/>
+          </a:fillRef>
+          <a:effectRef idx="1">
+            <a:schemeClr val="accent4"/>
+          </a:effectRef>
+          <a:fontRef idx="minor">
+            <a:schemeClr val="dk1"/>
+          </a:fontRef>
+        </p:style>
+        <p:txBody>
+          <a:bodyPr rtlCol="0" anchor="ctr"/>
+          <a:lstStyle/>
+          <a:p>
+            <a:pPr algn="ctr"/>
+            <a:r>
+              <a:rPr lang="en-US" sz="800" dirty="0"/>
+              <a:t>User can sort by date</a:t>
+            </a:r>
+          </a:p>
+        </p:txBody>
+      </p:sp>
+      <p:sp>
+        <p:nvSpPr>
+          <p:cNvPr id="32" name="Flowchart: Document 31">
+            <a:extLst>
+              <a:ext uri="{FF2B5EF4-FFF2-40B4-BE49-F238E27FC236}">
+                <a16:creationId xmlns:a16="http://schemas.microsoft.com/office/drawing/2014/main" id="{5D9FF752-C8B5-4FF5-A138-E08354353481}"/>
+              </a:ext>
+            </a:extLst>
+          </p:cNvPr>
+          <p:cNvSpPr/>
+          <p:nvPr/>
+        </p:nvSpPr>
+        <p:spPr>
+          <a:xfrm>
+            <a:off x="5263950" y="2915168"/>
+            <a:ext cx="829965" cy="665205"/>
+          </a:xfrm>
+          <a:prstGeom prst="flowChartDocument">
+            <a:avLst/>
+          </a:prstGeom>
+        </p:spPr>
+        <p:style>
+          <a:lnRef idx="1">
+            <a:schemeClr val="accent4"/>
+          </a:lnRef>
+          <a:fillRef idx="2">
+            <a:schemeClr val="accent4"/>
+          </a:fillRef>
+          <a:effectRef idx="1">
+            <a:schemeClr val="accent4"/>
+          </a:effectRef>
+          <a:fontRef idx="minor">
+            <a:schemeClr val="dk1"/>
+          </a:fontRef>
+        </p:style>
+        <p:txBody>
+          <a:bodyPr rtlCol="0" anchor="ctr"/>
+          <a:lstStyle/>
+          <a:p>
+            <a:pPr algn="ctr"/>
+            <a:r>
+              <a:rPr lang="en-US" sz="800" dirty="0"/>
+              <a:t>User can sort by date, amount, type, pending status</a:t>
+            </a:r>
+          </a:p>
+        </p:txBody>
+      </p:sp>
+      <p:sp>
+        <p:nvSpPr>
+          <p:cNvPr id="34" name="Flowchart: Document 33">
+            <a:extLst>
+              <a:ext uri="{FF2B5EF4-FFF2-40B4-BE49-F238E27FC236}">
+                <a16:creationId xmlns:a16="http://schemas.microsoft.com/office/drawing/2014/main" id="{D86E132F-C1F1-4E37-890D-472946ABF3D2}"/>
+              </a:ext>
+            </a:extLst>
+          </p:cNvPr>
+          <p:cNvSpPr/>
+          <p:nvPr/>
+        </p:nvSpPr>
+        <p:spPr>
+          <a:xfrm>
+            <a:off x="3826459" y="3672023"/>
+            <a:ext cx="829965" cy="665205"/>
+          </a:xfrm>
+          <a:prstGeom prst="flowChartDocument">
+            <a:avLst/>
+          </a:prstGeom>
+        </p:spPr>
+        <p:style>
+          <a:lnRef idx="1">
+            <a:schemeClr val="accent4"/>
+          </a:lnRef>
+          <a:fillRef idx="2">
+            <a:schemeClr val="accent4"/>
+          </a:fillRef>
+          <a:effectRef idx="1">
+            <a:schemeClr val="accent4"/>
+          </a:effectRef>
+          <a:fontRef idx="minor">
+            <a:schemeClr val="dk1"/>
+          </a:fontRef>
+        </p:style>
+        <p:txBody>
+          <a:bodyPr rtlCol="0" anchor="ctr"/>
+          <a:lstStyle/>
+          <a:p>
+            <a:pPr algn="ctr"/>
+            <a:r>
+              <a:rPr lang="en-US" sz="800" dirty="0"/>
+              <a:t>User is shown pending and not with status indicator</a:t>
+            </a:r>
+          </a:p>
+        </p:txBody>
+      </p:sp>
+      <p:sp>
+        <p:nvSpPr>
+          <p:cNvPr id="36" name="Flowchart: Document 35">
+            <a:extLst>
+              <a:ext uri="{FF2B5EF4-FFF2-40B4-BE49-F238E27FC236}">
+                <a16:creationId xmlns:a16="http://schemas.microsoft.com/office/drawing/2014/main" id="{BBD41515-AB83-4E84-A958-9FBBD49ED97A}"/>
+              </a:ext>
+            </a:extLst>
+          </p:cNvPr>
+          <p:cNvSpPr/>
+          <p:nvPr/>
+        </p:nvSpPr>
+        <p:spPr>
+          <a:xfrm>
+            <a:off x="5263950" y="3668918"/>
+            <a:ext cx="829965" cy="665205"/>
+          </a:xfrm>
+          <a:prstGeom prst="flowChartDocument">
+            <a:avLst/>
+          </a:prstGeom>
+        </p:spPr>
+        <p:style>
+          <a:lnRef idx="1">
+            <a:schemeClr val="accent4"/>
+          </a:lnRef>
+          <a:fillRef idx="2">
+            <a:schemeClr val="accent4"/>
+          </a:fillRef>
+          <a:effectRef idx="1">
+            <a:schemeClr val="accent4"/>
+          </a:effectRef>
+          <a:fontRef idx="minor">
+            <a:schemeClr val="dk1"/>
+          </a:fontRef>
+        </p:style>
+        <p:txBody>
+          <a:bodyPr rtlCol="0" anchor="ctr"/>
+          <a:lstStyle/>
+          <a:p>
+            <a:pPr algn="ctr"/>
+            <a:r>
+              <a:rPr lang="en-US" sz="800" dirty="0"/>
+              <a:t>User has option to display pending or not</a:t>
+            </a:r>
+          </a:p>
+        </p:txBody>
+      </p:sp>
+      <p:sp>
+        <p:nvSpPr>
+          <p:cNvPr id="38" name="Flowchart: Document 37">
+            <a:extLst>
+              <a:ext uri="{FF2B5EF4-FFF2-40B4-BE49-F238E27FC236}">
+                <a16:creationId xmlns:a16="http://schemas.microsoft.com/office/drawing/2014/main" id="{5F47EB4A-F858-4E76-8BC1-464D69294376}"/>
+              </a:ext>
+            </a:extLst>
+          </p:cNvPr>
+          <p:cNvSpPr/>
+          <p:nvPr/>
+        </p:nvSpPr>
+        <p:spPr>
+          <a:xfrm>
+            <a:off x="2579466" y="4563763"/>
+            <a:ext cx="829965" cy="665205"/>
+          </a:xfrm>
+          <a:prstGeom prst="flowChartDocument">
+            <a:avLst/>
+          </a:prstGeom>
+        </p:spPr>
+        <p:style>
+          <a:lnRef idx="1">
+            <a:schemeClr val="accent4"/>
+          </a:lnRef>
+          <a:fillRef idx="2">
+            <a:schemeClr val="accent4"/>
+          </a:fillRef>
+          <a:effectRef idx="1">
+            <a:schemeClr val="accent4"/>
+          </a:effectRef>
+          <a:fontRef idx="minor">
+            <a:schemeClr val="dk1"/>
+          </a:fontRef>
+        </p:style>
+        <p:txBody>
+          <a:bodyPr rtlCol="0" anchor="ctr"/>
+          <a:lstStyle/>
+          <a:p>
+            <a:pPr algn="ctr"/>
+            <a:r>
+              <a:rPr lang="en-US" sz="800" dirty="0"/>
+              <a:t>Connection with user must be encrypted</a:t>
+            </a:r>
+          </a:p>
+        </p:txBody>
+      </p:sp>
+      <p:sp>
+        <p:nvSpPr>
+          <p:cNvPr id="40" name="Flowchart: Document 39">
+            <a:extLst>
+              <a:ext uri="{FF2B5EF4-FFF2-40B4-BE49-F238E27FC236}">
+                <a16:creationId xmlns:a16="http://schemas.microsoft.com/office/drawing/2014/main" id="{C323744C-8F7D-47BF-ABA3-3356598E16A7}"/>
+              </a:ext>
+            </a:extLst>
+          </p:cNvPr>
+          <p:cNvSpPr/>
+          <p:nvPr/>
+        </p:nvSpPr>
+        <p:spPr>
+          <a:xfrm>
+            <a:off x="2579465" y="5320616"/>
+            <a:ext cx="829965" cy="665205"/>
+          </a:xfrm>
+          <a:prstGeom prst="flowChartDocument">
+            <a:avLst/>
+          </a:prstGeom>
+        </p:spPr>
+        <p:style>
+          <a:lnRef idx="1">
+            <a:schemeClr val="accent4"/>
+          </a:lnRef>
+          <a:fillRef idx="2">
+            <a:schemeClr val="accent4"/>
+          </a:fillRef>
+          <a:effectRef idx="1">
+            <a:schemeClr val="accent4"/>
+          </a:effectRef>
+          <a:fontRef idx="minor">
+            <a:schemeClr val="dk1"/>
+          </a:fontRef>
+        </p:style>
+        <p:txBody>
+          <a:bodyPr rtlCol="0" anchor="ctr"/>
+          <a:lstStyle/>
+          <a:p>
+            <a:pPr algn="ctr"/>
+            <a:r>
+              <a:rPr lang="en-US" sz="800" dirty="0"/>
+              <a:t>No minimum performance requirements</a:t>
+            </a:r>
+          </a:p>
+        </p:txBody>
+      </p:sp>
+      <p:sp>
+        <p:nvSpPr>
+          <p:cNvPr id="42" name="Flowchart: Document 41">
+            <a:extLst>
+              <a:ext uri="{FF2B5EF4-FFF2-40B4-BE49-F238E27FC236}">
+                <a16:creationId xmlns:a16="http://schemas.microsoft.com/office/drawing/2014/main" id="{6C729808-7C8D-4FF3-AB8C-F56394C3985D}"/>
+              </a:ext>
+            </a:extLst>
+          </p:cNvPr>
+          <p:cNvSpPr/>
+          <p:nvPr/>
+        </p:nvSpPr>
+        <p:spPr>
+          <a:xfrm>
+            <a:off x="3826460" y="5320615"/>
+            <a:ext cx="829965" cy="665205"/>
+          </a:xfrm>
+          <a:prstGeom prst="flowChartDocument">
+            <a:avLst/>
+          </a:prstGeom>
+        </p:spPr>
+        <p:style>
+          <a:lnRef idx="1">
+            <a:schemeClr val="accent4"/>
+          </a:lnRef>
+          <a:fillRef idx="2">
+            <a:schemeClr val="accent4"/>
+          </a:fillRef>
+          <a:effectRef idx="1">
+            <a:schemeClr val="accent4"/>
+          </a:effectRef>
+          <a:fontRef idx="minor">
+            <a:schemeClr val="dk1"/>
+          </a:fontRef>
+        </p:style>
+        <p:txBody>
+          <a:bodyPr rtlCol="0" anchor="ctr"/>
+          <a:lstStyle/>
+          <a:p>
+            <a:pPr algn="ctr"/>
+            <a:r>
+              <a:rPr lang="en-US" sz="800" dirty="0"/>
+              <a:t>List must return within 3 second</a:t>
+            </a:r>
+          </a:p>
+        </p:txBody>
+      </p:sp>
+      <p:sp>
+        <p:nvSpPr>
+          <p:cNvPr id="44" name="Flowchart: Document 43">
+            <a:extLst>
+              <a:ext uri="{FF2B5EF4-FFF2-40B4-BE49-F238E27FC236}">
+                <a16:creationId xmlns:a16="http://schemas.microsoft.com/office/drawing/2014/main" id="{42DF628E-F603-4D1D-9FC4-5FD8EB082AE0}"/>
+              </a:ext>
+            </a:extLst>
+          </p:cNvPr>
+          <p:cNvSpPr/>
+          <p:nvPr/>
+        </p:nvSpPr>
+        <p:spPr>
+          <a:xfrm>
+            <a:off x="5263952" y="5320615"/>
+            <a:ext cx="829965" cy="665205"/>
+          </a:xfrm>
+          <a:prstGeom prst="flowChartDocument">
+            <a:avLst/>
+          </a:prstGeom>
+        </p:spPr>
+        <p:style>
+          <a:lnRef idx="1">
+            <a:schemeClr val="accent4"/>
+          </a:lnRef>
+          <a:fillRef idx="2">
+            <a:schemeClr val="accent4"/>
+          </a:fillRef>
+          <a:effectRef idx="1">
+            <a:schemeClr val="accent4"/>
+          </a:effectRef>
+          <a:fontRef idx="minor">
+            <a:schemeClr val="dk1"/>
+          </a:fontRef>
+        </p:style>
+        <p:txBody>
+          <a:bodyPr rtlCol="0" anchor="ctr"/>
+          <a:lstStyle/>
+          <a:p>
+            <a:pPr algn="ctr"/>
+            <a:r>
+              <a:rPr lang="en-US" sz="800" dirty="0"/>
+              <a:t>List must return in less than .5 seconds</a:t>
+            </a:r>
+          </a:p>
+        </p:txBody>
+      </p:sp>
+      <p:sp>
+        <p:nvSpPr>
+          <p:cNvPr id="45" name="Arrow: Right 44">
+            <a:extLst>
+              <a:ext uri="{FF2B5EF4-FFF2-40B4-BE49-F238E27FC236}">
+                <a16:creationId xmlns:a16="http://schemas.microsoft.com/office/drawing/2014/main" id="{1BB31BC9-00B0-408C-A937-4594AE73ED92}"/>
+              </a:ext>
+            </a:extLst>
+          </p:cNvPr>
+          <p:cNvSpPr/>
+          <p:nvPr/>
+        </p:nvSpPr>
+        <p:spPr>
+          <a:xfrm>
+            <a:off x="2409566" y="148281"/>
+            <a:ext cx="3929429" cy="269794"/>
+          </a:xfrm>
+          <a:prstGeom prst="rightArrow">
+            <a:avLst/>
+          </a:prstGeom>
+        </p:spPr>
+        <p:style>
+          <a:lnRef idx="2">
+            <a:schemeClr val="accent3">
+              <a:shade val="50000"/>
+            </a:schemeClr>
+          </a:lnRef>
+          <a:fillRef idx="1">
+            <a:schemeClr val="accent3"/>
+          </a:fillRef>
+          <a:effectRef idx="0">
+            <a:schemeClr val="accent3"/>
+          </a:effectRef>
+          <a:fontRef idx="minor">
+            <a:schemeClr val="lt1"/>
+          </a:fontRef>
+        </p:style>
+        <p:txBody>
+          <a:bodyPr rtlCol="0" anchor="ctr"/>
+          <a:lstStyle/>
+          <a:p>
+            <a:pPr algn="ctr"/>
+            <a:r>
+              <a:rPr lang="en-US" sz="1000" b="1" dirty="0"/>
+              <a:t>Complexity</a:t>
+            </a:r>
+          </a:p>
+        </p:txBody>
+      </p:sp>
+    </p:spTree>
+    <p:extLst>
+      <p:ext uri="{BB962C8B-B14F-4D97-AF65-F5344CB8AC3E}">
+        <p14:creationId xmlns:p14="http://schemas.microsoft.com/office/powerpoint/2010/main" val="2660732424"/>
+      </p:ext>
+    </p:extLst>
+  </p:cSld>
+  <p:clrMapOvr>
+    <a:masterClrMapping/>
+  </p:clrMapOvr>
+</p:sld>
+</file>
+
 <file path=ppt/theme/theme1.xml><?xml version="1.0" encoding="utf-8"?>
 <a:theme xmlns:a="http://schemas.openxmlformats.org/drawingml/2006/main" name="Office Theme">
   <a:themeElements>

--- a/Sprint Cadence Diagrams.pptx
+++ b/Sprint Cadence Diagrams.pptx
@@ -9,6 +9,7 @@
     <p:sldId id="257" r:id="rId3"/>
     <p:sldId id="258" r:id="rId4"/>
     <p:sldId id="259" r:id="rId5"/>
+    <p:sldId id="260" r:id="rId6"/>
   </p:sldIdLst>
   <p:sldSz cx="12192000" cy="6858000"/>
   <p:notesSz cx="6858000" cy="9144000"/>
@@ -9124,6 +9125,884 @@
 </p:sld>
 </file>
 
+<file path=ppt/slides/slide5.xml><?xml version="1.0" encoding="utf-8"?>
+<p:sld xmlns:a="http://schemas.openxmlformats.org/drawingml/2006/main" xmlns:r="http://schemas.openxmlformats.org/officeDocument/2006/relationships" xmlns:p="http://schemas.openxmlformats.org/presentationml/2006/main">
+  <p:cSld>
+    <p:spTree>
+      <p:nvGrpSpPr>
+        <p:cNvPr id="1" name=""/>
+        <p:cNvGrpSpPr/>
+        <p:nvPr/>
+      </p:nvGrpSpPr>
+      <p:grpSpPr>
+        <a:xfrm>
+          <a:off x="0" y="0"/>
+          <a:ext cx="0" cy="0"/>
+          <a:chOff x="0" y="0"/>
+          <a:chExt cx="0" cy="0"/>
+        </a:xfrm>
+      </p:grpSpPr>
+      <p:cxnSp>
+        <p:nvCxnSpPr>
+          <p:cNvPr id="3" name="Straight Arrow Connector 2">
+            <a:extLst>
+              <a:ext uri="{FF2B5EF4-FFF2-40B4-BE49-F238E27FC236}">
+                <a16:creationId xmlns:a16="http://schemas.microsoft.com/office/drawing/2014/main" id="{251276EE-0CF1-4A53-801A-132B42BCAC10}"/>
+              </a:ext>
+            </a:extLst>
+          </p:cNvPr>
+          <p:cNvCxnSpPr/>
+          <p:nvPr/>
+        </p:nvCxnSpPr>
+        <p:spPr>
+          <a:xfrm>
+            <a:off x="1869989" y="5033319"/>
+            <a:ext cx="8270789" cy="0"/>
+          </a:xfrm>
+          <a:prstGeom prst="straightConnector1">
+            <a:avLst/>
+          </a:prstGeom>
+          <a:ln>
+            <a:tailEnd type="triangle"/>
+          </a:ln>
+        </p:spPr>
+        <p:style>
+          <a:lnRef idx="1">
+            <a:schemeClr val="accent1"/>
+          </a:lnRef>
+          <a:fillRef idx="0">
+            <a:schemeClr val="accent1"/>
+          </a:fillRef>
+          <a:effectRef idx="0">
+            <a:schemeClr val="accent1"/>
+          </a:effectRef>
+          <a:fontRef idx="minor">
+            <a:schemeClr val="tx1"/>
+          </a:fontRef>
+        </p:style>
+      </p:cxnSp>
+      <p:cxnSp>
+        <p:nvCxnSpPr>
+          <p:cNvPr id="7" name="Straight Arrow Connector 6">
+            <a:extLst>
+              <a:ext uri="{FF2B5EF4-FFF2-40B4-BE49-F238E27FC236}">
+                <a16:creationId xmlns:a16="http://schemas.microsoft.com/office/drawing/2014/main" id="{6ECB6BA6-FB95-4545-A721-C7D8F32BAEDA}"/>
+              </a:ext>
+            </a:extLst>
+          </p:cNvPr>
+          <p:cNvCxnSpPr>
+            <a:cxnSpLocks/>
+          </p:cNvCxnSpPr>
+          <p:nvPr/>
+        </p:nvCxnSpPr>
+        <p:spPr>
+          <a:xfrm flipV="1">
+            <a:off x="2537254" y="963827"/>
+            <a:ext cx="0" cy="4670854"/>
+          </a:xfrm>
+          <a:prstGeom prst="straightConnector1">
+            <a:avLst/>
+          </a:prstGeom>
+          <a:ln>
+            <a:tailEnd type="triangle"/>
+          </a:ln>
+        </p:spPr>
+        <p:style>
+          <a:lnRef idx="1">
+            <a:schemeClr val="accent1"/>
+          </a:lnRef>
+          <a:fillRef idx="0">
+            <a:schemeClr val="accent1"/>
+          </a:fillRef>
+          <a:effectRef idx="0">
+            <a:schemeClr val="accent1"/>
+          </a:effectRef>
+          <a:fontRef idx="minor">
+            <a:schemeClr val="tx1"/>
+          </a:fontRef>
+        </p:style>
+      </p:cxnSp>
+      <p:sp>
+        <p:nvSpPr>
+          <p:cNvPr id="8" name="Rectangle 7">
+            <a:extLst>
+              <a:ext uri="{FF2B5EF4-FFF2-40B4-BE49-F238E27FC236}">
+                <a16:creationId xmlns:a16="http://schemas.microsoft.com/office/drawing/2014/main" id="{420995D7-3984-4473-8AD1-EFEB544B80BA}"/>
+              </a:ext>
+            </a:extLst>
+          </p:cNvPr>
+          <p:cNvSpPr/>
+          <p:nvPr/>
+        </p:nvSpPr>
+        <p:spPr>
+          <a:xfrm>
+            <a:off x="6267960" y="5243386"/>
+            <a:ext cx="1252151" cy="230657"/>
+          </a:xfrm>
+          <a:prstGeom prst="rect">
+            <a:avLst/>
+          </a:prstGeom>
+        </p:spPr>
+        <p:style>
+          <a:lnRef idx="2">
+            <a:schemeClr val="accent5">
+              <a:shade val="50000"/>
+            </a:schemeClr>
+          </a:lnRef>
+          <a:fillRef idx="1">
+            <a:schemeClr val="accent5"/>
+          </a:fillRef>
+          <a:effectRef idx="0">
+            <a:schemeClr val="accent5"/>
+          </a:effectRef>
+          <a:fontRef idx="minor">
+            <a:schemeClr val="lt1"/>
+          </a:fontRef>
+        </p:style>
+        <p:txBody>
+          <a:bodyPr rtlCol="0" anchor="ctr"/>
+          <a:lstStyle/>
+          <a:p>
+            <a:pPr algn="ctr"/>
+            <a:r>
+              <a:rPr lang="en-US" sz="1200" dirty="0"/>
+              <a:t>Effort</a:t>
+            </a:r>
+            <a:endParaRPr lang="en-US" dirty="0"/>
+          </a:p>
+        </p:txBody>
+      </p:sp>
+      <p:sp>
+        <p:nvSpPr>
+          <p:cNvPr id="10" name="Rectangle 9">
+            <a:extLst>
+              <a:ext uri="{FF2B5EF4-FFF2-40B4-BE49-F238E27FC236}">
+                <a16:creationId xmlns:a16="http://schemas.microsoft.com/office/drawing/2014/main" id="{C988B782-8F69-494B-83C5-E37EEFFD581A}"/>
+              </a:ext>
+            </a:extLst>
+          </p:cNvPr>
+          <p:cNvSpPr/>
+          <p:nvPr/>
+        </p:nvSpPr>
+        <p:spPr>
+          <a:xfrm>
+            <a:off x="1050323" y="2689654"/>
+            <a:ext cx="1252151" cy="230657"/>
+          </a:xfrm>
+          <a:prstGeom prst="rect">
+            <a:avLst/>
+          </a:prstGeom>
+        </p:spPr>
+        <p:style>
+          <a:lnRef idx="2">
+            <a:schemeClr val="accent5">
+              <a:shade val="50000"/>
+            </a:schemeClr>
+          </a:lnRef>
+          <a:fillRef idx="1">
+            <a:schemeClr val="accent5"/>
+          </a:fillRef>
+          <a:effectRef idx="0">
+            <a:schemeClr val="accent5"/>
+          </a:effectRef>
+          <a:fontRef idx="minor">
+            <a:schemeClr val="lt1"/>
+          </a:fontRef>
+        </p:style>
+        <p:txBody>
+          <a:bodyPr rtlCol="0" anchor="ctr"/>
+          <a:lstStyle/>
+          <a:p>
+            <a:pPr algn="ctr"/>
+            <a:r>
+              <a:rPr lang="en-US" sz="1200" dirty="0"/>
+              <a:t>Value</a:t>
+            </a:r>
+            <a:endParaRPr lang="en-US" dirty="0"/>
+          </a:p>
+        </p:txBody>
+      </p:sp>
+      <p:sp>
+        <p:nvSpPr>
+          <p:cNvPr id="12" name="Rectangle 11">
+            <a:extLst>
+              <a:ext uri="{FF2B5EF4-FFF2-40B4-BE49-F238E27FC236}">
+                <a16:creationId xmlns:a16="http://schemas.microsoft.com/office/drawing/2014/main" id="{4155CCFC-F649-4C23-967D-FE635B0480C9}"/>
+              </a:ext>
+            </a:extLst>
+          </p:cNvPr>
+          <p:cNvSpPr/>
+          <p:nvPr/>
+        </p:nvSpPr>
+        <p:spPr>
+          <a:xfrm>
+            <a:off x="4798540" y="345989"/>
+            <a:ext cx="3496961" cy="230657"/>
+          </a:xfrm>
+          <a:prstGeom prst="rect">
+            <a:avLst/>
+          </a:prstGeom>
+        </p:spPr>
+        <p:style>
+          <a:lnRef idx="2">
+            <a:schemeClr val="accent1">
+              <a:shade val="50000"/>
+            </a:schemeClr>
+          </a:lnRef>
+          <a:fillRef idx="1">
+            <a:schemeClr val="accent1"/>
+          </a:fillRef>
+          <a:effectRef idx="0">
+            <a:schemeClr val="accent1"/>
+          </a:effectRef>
+          <a:fontRef idx="minor">
+            <a:schemeClr val="lt1"/>
+          </a:fontRef>
+        </p:style>
+        <p:txBody>
+          <a:bodyPr rtlCol="0" anchor="ctr"/>
+          <a:lstStyle/>
+          <a:p>
+            <a:pPr algn="ctr"/>
+            <a:r>
+              <a:rPr lang="en-US" sz="1200" b="1" dirty="0"/>
+              <a:t>Value/Effort Matrix</a:t>
+            </a:r>
+            <a:endParaRPr lang="en-US" b="1" dirty="0"/>
+          </a:p>
+        </p:txBody>
+      </p:sp>
+      <p:sp>
+        <p:nvSpPr>
+          <p:cNvPr id="15" name="Flowchart: Document 14">
+            <a:extLst>
+              <a:ext uri="{FF2B5EF4-FFF2-40B4-BE49-F238E27FC236}">
+                <a16:creationId xmlns:a16="http://schemas.microsoft.com/office/drawing/2014/main" id="{0A9B30EA-DC2B-4DDF-892A-A8D24C49A47C}"/>
+              </a:ext>
+            </a:extLst>
+          </p:cNvPr>
+          <p:cNvSpPr/>
+          <p:nvPr/>
+        </p:nvSpPr>
+        <p:spPr>
+          <a:xfrm>
+            <a:off x="3485621" y="2385885"/>
+            <a:ext cx="829965" cy="665205"/>
+          </a:xfrm>
+          <a:prstGeom prst="flowChartDocument">
+            <a:avLst/>
+          </a:prstGeom>
+        </p:spPr>
+        <p:style>
+          <a:lnRef idx="1">
+            <a:schemeClr val="accent4"/>
+          </a:lnRef>
+          <a:fillRef idx="2">
+            <a:schemeClr val="accent4"/>
+          </a:fillRef>
+          <a:effectRef idx="1">
+            <a:schemeClr val="accent4"/>
+          </a:effectRef>
+          <a:fontRef idx="minor">
+            <a:schemeClr val="dk1"/>
+          </a:fontRef>
+        </p:style>
+        <p:txBody>
+          <a:bodyPr rtlCol="0" anchor="ctr"/>
+          <a:lstStyle/>
+          <a:p>
+            <a:pPr algn="ctr"/>
+            <a:r>
+              <a:rPr lang="en-US" sz="800" dirty="0"/>
+              <a:t>Personal account holders</a:t>
+            </a:r>
+          </a:p>
+        </p:txBody>
+      </p:sp>
+      <p:sp>
+        <p:nvSpPr>
+          <p:cNvPr id="17" name="Flowchart: Document 16">
+            <a:extLst>
+              <a:ext uri="{FF2B5EF4-FFF2-40B4-BE49-F238E27FC236}">
+                <a16:creationId xmlns:a16="http://schemas.microsoft.com/office/drawing/2014/main" id="{20AA115E-2B16-4B77-A21F-9ED86068290F}"/>
+              </a:ext>
+            </a:extLst>
+          </p:cNvPr>
+          <p:cNvSpPr/>
+          <p:nvPr/>
+        </p:nvSpPr>
+        <p:spPr>
+          <a:xfrm>
+            <a:off x="6132037" y="2226272"/>
+            <a:ext cx="829965" cy="665205"/>
+          </a:xfrm>
+          <a:prstGeom prst="flowChartDocument">
+            <a:avLst/>
+          </a:prstGeom>
+        </p:spPr>
+        <p:style>
+          <a:lnRef idx="1">
+            <a:schemeClr val="accent4"/>
+          </a:lnRef>
+          <a:fillRef idx="2">
+            <a:schemeClr val="accent4"/>
+          </a:fillRef>
+          <a:effectRef idx="1">
+            <a:schemeClr val="accent4"/>
+          </a:effectRef>
+          <a:fontRef idx="minor">
+            <a:schemeClr val="dk1"/>
+          </a:fontRef>
+        </p:style>
+        <p:txBody>
+          <a:bodyPr rtlCol="0" anchor="ctr"/>
+          <a:lstStyle/>
+          <a:p>
+            <a:pPr algn="ctr"/>
+            <a:r>
+              <a:rPr lang="en-US" sz="800" dirty="0"/>
+              <a:t>Commercial and Personal Acct Holders</a:t>
+            </a:r>
+          </a:p>
+        </p:txBody>
+      </p:sp>
+      <p:sp>
+        <p:nvSpPr>
+          <p:cNvPr id="19" name="Flowchart: Document 18">
+            <a:extLst>
+              <a:ext uri="{FF2B5EF4-FFF2-40B4-BE49-F238E27FC236}">
+                <a16:creationId xmlns:a16="http://schemas.microsoft.com/office/drawing/2014/main" id="{2603FC96-F1C3-4F1D-B4B6-50B48327A2AF}"/>
+              </a:ext>
+            </a:extLst>
+          </p:cNvPr>
+          <p:cNvSpPr/>
+          <p:nvPr/>
+        </p:nvSpPr>
+        <p:spPr>
+          <a:xfrm>
+            <a:off x="8954504" y="1159476"/>
+            <a:ext cx="829965" cy="665205"/>
+          </a:xfrm>
+          <a:prstGeom prst="flowChartDocument">
+            <a:avLst/>
+          </a:prstGeom>
+        </p:spPr>
+        <p:style>
+          <a:lnRef idx="1">
+            <a:schemeClr val="accent4"/>
+          </a:lnRef>
+          <a:fillRef idx="2">
+            <a:schemeClr val="accent4"/>
+          </a:fillRef>
+          <a:effectRef idx="1">
+            <a:schemeClr val="accent4"/>
+          </a:effectRef>
+          <a:fontRef idx="minor">
+            <a:schemeClr val="dk1"/>
+          </a:fontRef>
+        </p:style>
+        <p:txBody>
+          <a:bodyPr rtlCol="0" anchor="ctr"/>
+          <a:lstStyle/>
+          <a:p>
+            <a:pPr algn="ctr"/>
+            <a:r>
+              <a:rPr lang="en-US" sz="800" dirty="0"/>
+              <a:t>All account holders</a:t>
+            </a:r>
+          </a:p>
+        </p:txBody>
+      </p:sp>
+      <p:sp>
+        <p:nvSpPr>
+          <p:cNvPr id="21" name="Flowchart: Document 20">
+            <a:extLst>
+              <a:ext uri="{FF2B5EF4-FFF2-40B4-BE49-F238E27FC236}">
+                <a16:creationId xmlns:a16="http://schemas.microsoft.com/office/drawing/2014/main" id="{8194A1B7-3C40-48A5-9777-4D328450B673}"/>
+              </a:ext>
+            </a:extLst>
+          </p:cNvPr>
+          <p:cNvSpPr/>
+          <p:nvPr/>
+        </p:nvSpPr>
+        <p:spPr>
+          <a:xfrm>
+            <a:off x="3485621" y="4081336"/>
+            <a:ext cx="829965" cy="665205"/>
+          </a:xfrm>
+          <a:prstGeom prst="flowChartDocument">
+            <a:avLst/>
+          </a:prstGeom>
+        </p:spPr>
+        <p:style>
+          <a:lnRef idx="1">
+            <a:schemeClr val="accent4"/>
+          </a:lnRef>
+          <a:fillRef idx="2">
+            <a:schemeClr val="accent4"/>
+          </a:fillRef>
+          <a:effectRef idx="1">
+            <a:schemeClr val="accent4"/>
+          </a:effectRef>
+          <a:fontRef idx="minor">
+            <a:schemeClr val="dk1"/>
+          </a:fontRef>
+        </p:style>
+        <p:txBody>
+          <a:bodyPr rtlCol="0" anchor="ctr"/>
+          <a:lstStyle/>
+          <a:p>
+            <a:pPr algn="ctr"/>
+            <a:r>
+              <a:rPr lang="en-US" sz="800" dirty="0"/>
+              <a:t>Show current statement transactions</a:t>
+            </a:r>
+          </a:p>
+        </p:txBody>
+      </p:sp>
+      <p:sp>
+        <p:nvSpPr>
+          <p:cNvPr id="23" name="Flowchart: Document 22">
+            <a:extLst>
+              <a:ext uri="{FF2B5EF4-FFF2-40B4-BE49-F238E27FC236}">
+                <a16:creationId xmlns:a16="http://schemas.microsoft.com/office/drawing/2014/main" id="{8EB8D959-626D-4285-9DC9-94C13B4D8CFA}"/>
+              </a:ext>
+            </a:extLst>
+          </p:cNvPr>
+          <p:cNvSpPr/>
+          <p:nvPr/>
+        </p:nvSpPr>
+        <p:spPr>
+          <a:xfrm>
+            <a:off x="2596455" y="4336193"/>
+            <a:ext cx="829965" cy="665205"/>
+          </a:xfrm>
+          <a:prstGeom prst="flowChartDocument">
+            <a:avLst/>
+          </a:prstGeom>
+        </p:spPr>
+        <p:style>
+          <a:lnRef idx="1">
+            <a:schemeClr val="accent4"/>
+          </a:lnRef>
+          <a:fillRef idx="2">
+            <a:schemeClr val="accent4"/>
+          </a:fillRef>
+          <a:effectRef idx="1">
+            <a:schemeClr val="accent4"/>
+          </a:effectRef>
+          <a:fontRef idx="minor">
+            <a:schemeClr val="dk1"/>
+          </a:fontRef>
+        </p:style>
+        <p:txBody>
+          <a:bodyPr rtlCol="0" anchor="ctr"/>
+          <a:lstStyle/>
+          <a:p>
+            <a:pPr algn="ctr"/>
+            <a:r>
+              <a:rPr lang="en-US" sz="800" dirty="0"/>
+              <a:t>No sorting of transactions</a:t>
+            </a:r>
+          </a:p>
+        </p:txBody>
+      </p:sp>
+      <p:sp>
+        <p:nvSpPr>
+          <p:cNvPr id="25" name="Flowchart: Document 24">
+            <a:extLst>
+              <a:ext uri="{FF2B5EF4-FFF2-40B4-BE49-F238E27FC236}">
+                <a16:creationId xmlns:a16="http://schemas.microsoft.com/office/drawing/2014/main" id="{8FC19F93-86B8-404E-9F34-56829FFDFFF1}"/>
+              </a:ext>
+            </a:extLst>
+          </p:cNvPr>
+          <p:cNvSpPr/>
+          <p:nvPr/>
+        </p:nvSpPr>
+        <p:spPr>
+          <a:xfrm>
+            <a:off x="3157660" y="4711020"/>
+            <a:ext cx="829965" cy="665205"/>
+          </a:xfrm>
+          <a:prstGeom prst="flowChartDocument">
+            <a:avLst/>
+          </a:prstGeom>
+        </p:spPr>
+        <p:style>
+          <a:lnRef idx="1">
+            <a:schemeClr val="accent4"/>
+          </a:lnRef>
+          <a:fillRef idx="2">
+            <a:schemeClr val="accent4"/>
+          </a:fillRef>
+          <a:effectRef idx="1">
+            <a:schemeClr val="accent4"/>
+          </a:effectRef>
+          <a:fontRef idx="minor">
+            <a:schemeClr val="dk1"/>
+          </a:fontRef>
+        </p:style>
+        <p:txBody>
+          <a:bodyPr rtlCol="0" anchor="ctr"/>
+          <a:lstStyle/>
+          <a:p>
+            <a:pPr algn="ctr"/>
+            <a:r>
+              <a:rPr lang="en-US" sz="800" dirty="0"/>
+              <a:t>No indication of pending transaction</a:t>
+            </a:r>
+          </a:p>
+        </p:txBody>
+      </p:sp>
+      <p:sp>
+        <p:nvSpPr>
+          <p:cNvPr id="27" name="Flowchart: Document 26">
+            <a:extLst>
+              <a:ext uri="{FF2B5EF4-FFF2-40B4-BE49-F238E27FC236}">
+                <a16:creationId xmlns:a16="http://schemas.microsoft.com/office/drawing/2014/main" id="{6D2D85A2-947F-48B4-BBB3-DD02A023945D}"/>
+              </a:ext>
+            </a:extLst>
+          </p:cNvPr>
+          <p:cNvSpPr/>
+          <p:nvPr/>
+        </p:nvSpPr>
+        <p:spPr>
+          <a:xfrm>
+            <a:off x="4118925" y="2786447"/>
+            <a:ext cx="829965" cy="665205"/>
+          </a:xfrm>
+          <a:prstGeom prst="flowChartDocument">
+            <a:avLst/>
+          </a:prstGeom>
+        </p:spPr>
+        <p:style>
+          <a:lnRef idx="1">
+            <a:schemeClr val="accent4"/>
+          </a:lnRef>
+          <a:fillRef idx="2">
+            <a:schemeClr val="accent4"/>
+          </a:fillRef>
+          <a:effectRef idx="1">
+            <a:schemeClr val="accent4"/>
+          </a:effectRef>
+          <a:fontRef idx="minor">
+            <a:schemeClr val="dk1"/>
+          </a:fontRef>
+        </p:style>
+        <p:txBody>
+          <a:bodyPr rtlCol="0" anchor="ctr"/>
+          <a:lstStyle/>
+          <a:p>
+            <a:pPr algn="ctr"/>
+            <a:r>
+              <a:rPr lang="en-US" sz="800" dirty="0"/>
+              <a:t>User selects statement to see transactions</a:t>
+            </a:r>
+          </a:p>
+        </p:txBody>
+      </p:sp>
+      <p:sp>
+        <p:nvSpPr>
+          <p:cNvPr id="29" name="Flowchart: Document 28">
+            <a:extLst>
+              <a:ext uri="{FF2B5EF4-FFF2-40B4-BE49-F238E27FC236}">
+                <a16:creationId xmlns:a16="http://schemas.microsoft.com/office/drawing/2014/main" id="{321B644B-5F45-43BC-8CA7-BBC4C592C460}"/>
+              </a:ext>
+            </a:extLst>
+          </p:cNvPr>
+          <p:cNvSpPr/>
+          <p:nvPr/>
+        </p:nvSpPr>
+        <p:spPr>
+          <a:xfrm>
+            <a:off x="7243112" y="2774092"/>
+            <a:ext cx="829965" cy="665205"/>
+          </a:xfrm>
+          <a:prstGeom prst="flowChartDocument">
+            <a:avLst/>
+          </a:prstGeom>
+        </p:spPr>
+        <p:style>
+          <a:lnRef idx="1">
+            <a:schemeClr val="accent4"/>
+          </a:lnRef>
+          <a:fillRef idx="2">
+            <a:schemeClr val="accent4"/>
+          </a:fillRef>
+          <a:effectRef idx="1">
+            <a:schemeClr val="accent4"/>
+          </a:effectRef>
+          <a:fontRef idx="minor">
+            <a:schemeClr val="dk1"/>
+          </a:fontRef>
+        </p:style>
+        <p:txBody>
+          <a:bodyPr rtlCol="0" anchor="ctr"/>
+          <a:lstStyle/>
+          <a:p>
+            <a:pPr algn="ctr"/>
+            <a:r>
+              <a:rPr lang="en-US" sz="800" dirty="0"/>
+              <a:t>User enters custom date range</a:t>
+            </a:r>
+          </a:p>
+        </p:txBody>
+      </p:sp>
+      <p:sp>
+        <p:nvSpPr>
+          <p:cNvPr id="31" name="Flowchart: Document 30">
+            <a:extLst>
+              <a:ext uri="{FF2B5EF4-FFF2-40B4-BE49-F238E27FC236}">
+                <a16:creationId xmlns:a16="http://schemas.microsoft.com/office/drawing/2014/main" id="{1B3B9A2F-EE1B-4158-99C5-62D951E2CDD5}"/>
+              </a:ext>
+            </a:extLst>
+          </p:cNvPr>
+          <p:cNvSpPr/>
+          <p:nvPr/>
+        </p:nvSpPr>
+        <p:spPr>
+          <a:xfrm>
+            <a:off x="4948890" y="1987380"/>
+            <a:ext cx="829965" cy="665205"/>
+          </a:xfrm>
+          <a:prstGeom prst="flowChartDocument">
+            <a:avLst/>
+          </a:prstGeom>
+        </p:spPr>
+        <p:style>
+          <a:lnRef idx="1">
+            <a:schemeClr val="accent4"/>
+          </a:lnRef>
+          <a:fillRef idx="2">
+            <a:schemeClr val="accent4"/>
+          </a:fillRef>
+          <a:effectRef idx="1">
+            <a:schemeClr val="accent4"/>
+          </a:effectRef>
+          <a:fontRef idx="minor">
+            <a:schemeClr val="dk1"/>
+          </a:fontRef>
+        </p:style>
+        <p:txBody>
+          <a:bodyPr rtlCol="0" anchor="ctr"/>
+          <a:lstStyle/>
+          <a:p>
+            <a:pPr algn="ctr"/>
+            <a:r>
+              <a:rPr lang="en-US" sz="800" dirty="0"/>
+              <a:t>User can sort by date or amount</a:t>
+            </a:r>
+          </a:p>
+        </p:txBody>
+      </p:sp>
+      <p:sp>
+        <p:nvSpPr>
+          <p:cNvPr id="33" name="Flowchart: Document 32">
+            <a:extLst>
+              <a:ext uri="{FF2B5EF4-FFF2-40B4-BE49-F238E27FC236}">
+                <a16:creationId xmlns:a16="http://schemas.microsoft.com/office/drawing/2014/main" id="{38F0A77F-884B-492B-A34C-D45A29E2867A}"/>
+              </a:ext>
+            </a:extLst>
+          </p:cNvPr>
+          <p:cNvSpPr/>
+          <p:nvPr/>
+        </p:nvSpPr>
+        <p:spPr>
+          <a:xfrm>
+            <a:off x="7880518" y="1159476"/>
+            <a:ext cx="829965" cy="665205"/>
+          </a:xfrm>
+          <a:prstGeom prst="flowChartDocument">
+            <a:avLst/>
+          </a:prstGeom>
+        </p:spPr>
+        <p:style>
+          <a:lnRef idx="1">
+            <a:schemeClr val="accent4"/>
+          </a:lnRef>
+          <a:fillRef idx="2">
+            <a:schemeClr val="accent4"/>
+          </a:fillRef>
+          <a:effectRef idx="1">
+            <a:schemeClr val="accent4"/>
+          </a:effectRef>
+          <a:fontRef idx="minor">
+            <a:schemeClr val="dk1"/>
+          </a:fontRef>
+        </p:style>
+        <p:txBody>
+          <a:bodyPr rtlCol="0" anchor="ctr"/>
+          <a:lstStyle/>
+          <a:p>
+            <a:pPr algn="ctr"/>
+            <a:r>
+              <a:rPr lang="en-US" sz="800" dirty="0"/>
+              <a:t>User can sort by date, amount, type, pending status</a:t>
+            </a:r>
+          </a:p>
+        </p:txBody>
+      </p:sp>
+      <p:sp>
+        <p:nvSpPr>
+          <p:cNvPr id="35" name="Flowchart: Document 34">
+            <a:extLst>
+              <a:ext uri="{FF2B5EF4-FFF2-40B4-BE49-F238E27FC236}">
+                <a16:creationId xmlns:a16="http://schemas.microsoft.com/office/drawing/2014/main" id="{35B2182C-89D8-4955-B962-9BFC120DB358}"/>
+              </a:ext>
+            </a:extLst>
+          </p:cNvPr>
+          <p:cNvSpPr/>
+          <p:nvPr/>
+        </p:nvSpPr>
+        <p:spPr>
+          <a:xfrm>
+            <a:off x="3485621" y="1577291"/>
+            <a:ext cx="829965" cy="665205"/>
+          </a:xfrm>
+          <a:prstGeom prst="flowChartDocument">
+            <a:avLst/>
+          </a:prstGeom>
+        </p:spPr>
+        <p:style>
+          <a:lnRef idx="1">
+            <a:schemeClr val="accent4"/>
+          </a:lnRef>
+          <a:fillRef idx="2">
+            <a:schemeClr val="accent4"/>
+          </a:fillRef>
+          <a:effectRef idx="1">
+            <a:schemeClr val="accent4"/>
+          </a:effectRef>
+          <a:fontRef idx="minor">
+            <a:schemeClr val="dk1"/>
+          </a:fontRef>
+        </p:style>
+        <p:txBody>
+          <a:bodyPr rtlCol="0" anchor="ctr"/>
+          <a:lstStyle/>
+          <a:p>
+            <a:pPr algn="ctr"/>
+            <a:r>
+              <a:rPr lang="en-US" sz="800" dirty="0"/>
+              <a:t>User is shown pending and not with status indicator</a:t>
+            </a:r>
+          </a:p>
+        </p:txBody>
+      </p:sp>
+      <p:sp>
+        <p:nvSpPr>
+          <p:cNvPr id="37" name="Flowchart: Document 36">
+            <a:extLst>
+              <a:ext uri="{FF2B5EF4-FFF2-40B4-BE49-F238E27FC236}">
+                <a16:creationId xmlns:a16="http://schemas.microsoft.com/office/drawing/2014/main" id="{FB72189F-FAD2-4620-B1AB-1F6FC78DA46F}"/>
+              </a:ext>
+            </a:extLst>
+          </p:cNvPr>
+          <p:cNvSpPr/>
+          <p:nvPr/>
+        </p:nvSpPr>
+        <p:spPr>
+          <a:xfrm>
+            <a:off x="6412159" y="1526057"/>
+            <a:ext cx="829965" cy="665205"/>
+          </a:xfrm>
+          <a:prstGeom prst="flowChartDocument">
+            <a:avLst/>
+          </a:prstGeom>
+        </p:spPr>
+        <p:style>
+          <a:lnRef idx="1">
+            <a:schemeClr val="accent4"/>
+          </a:lnRef>
+          <a:fillRef idx="2">
+            <a:schemeClr val="accent4"/>
+          </a:fillRef>
+          <a:effectRef idx="1">
+            <a:schemeClr val="accent4"/>
+          </a:effectRef>
+          <a:fontRef idx="minor">
+            <a:schemeClr val="dk1"/>
+          </a:fontRef>
+        </p:style>
+        <p:txBody>
+          <a:bodyPr rtlCol="0" anchor="ctr"/>
+          <a:lstStyle/>
+          <a:p>
+            <a:pPr algn="ctr"/>
+            <a:r>
+              <a:rPr lang="en-US" sz="800" dirty="0"/>
+              <a:t>User has option to display pending or not</a:t>
+            </a:r>
+          </a:p>
+        </p:txBody>
+      </p:sp>
+      <p:sp>
+        <p:nvSpPr>
+          <p:cNvPr id="38" name="Rectangle 37">
+            <a:extLst>
+              <a:ext uri="{FF2B5EF4-FFF2-40B4-BE49-F238E27FC236}">
+                <a16:creationId xmlns:a16="http://schemas.microsoft.com/office/drawing/2014/main" id="{41EAB183-526E-4591-B32C-7C87D49D0D86}"/>
+              </a:ext>
+            </a:extLst>
+          </p:cNvPr>
+          <p:cNvSpPr/>
+          <p:nvPr/>
+        </p:nvSpPr>
+        <p:spPr>
+          <a:xfrm>
+            <a:off x="3295135" y="1392194"/>
+            <a:ext cx="2592875" cy="2393089"/>
+          </a:xfrm>
+          <a:prstGeom prst="rect">
+            <a:avLst/>
+          </a:prstGeom>
+          <a:noFill/>
+          <a:ln w="19050" cap="flat" cmpd="sng" algn="ctr">
+            <a:solidFill>
+              <a:schemeClr val="accent6"/>
+            </a:solidFill>
+            <a:prstDash val="sysDash"/>
+            <a:round/>
+            <a:headEnd type="none" w="med" len="med"/>
+            <a:tailEnd type="none" w="med" len="med"/>
+          </a:ln>
+        </p:spPr>
+        <p:style>
+          <a:lnRef idx="0">
+            <a:scrgbClr r="0" g="0" b="0"/>
+          </a:lnRef>
+          <a:fillRef idx="0">
+            <a:scrgbClr r="0" g="0" b="0"/>
+          </a:fillRef>
+          <a:effectRef idx="0">
+            <a:scrgbClr r="0" g="0" b="0"/>
+          </a:effectRef>
+          <a:fontRef idx="minor">
+            <a:schemeClr val="accent6"/>
+          </a:fontRef>
+        </p:style>
+        <p:txBody>
+          <a:bodyPr rtlCol="0" anchor="ctr"/>
+          <a:lstStyle/>
+          <a:p>
+            <a:pPr algn="ctr"/>
+            <a:endParaRPr lang="en-US"/>
+          </a:p>
+        </p:txBody>
+      </p:sp>
+    </p:spTree>
+    <p:extLst>
+      <p:ext uri="{BB962C8B-B14F-4D97-AF65-F5344CB8AC3E}">
+        <p14:creationId xmlns:p14="http://schemas.microsoft.com/office/powerpoint/2010/main" val="3650246803"/>
+      </p:ext>
+    </p:extLst>
+  </p:cSld>
+  <p:clrMapOvr>
+    <a:masterClrMapping/>
+  </p:clrMapOvr>
+</p:sld>
+</file>
+
 <file path=ppt/theme/theme1.xml><?xml version="1.0" encoding="utf-8"?>
 <a:theme xmlns:a="http://schemas.openxmlformats.org/drawingml/2006/main" name="Office Theme">
   <a:themeElements>

--- a/Sprint Cadence Diagrams.pptx
+++ b/Sprint Cadence Diagrams.pptx
@@ -10,6 +10,9 @@
     <p:sldId id="258" r:id="rId4"/>
     <p:sldId id="259" r:id="rId5"/>
     <p:sldId id="260" r:id="rId6"/>
+    <p:sldId id="261" r:id="rId7"/>
+    <p:sldId id="262" r:id="rId8"/>
+    <p:sldId id="263" r:id="rId9"/>
   </p:sldIdLst>
   <p:sldSz cx="12192000" cy="6858000"/>
   <p:notesSz cx="6858000" cy="9144000"/>
@@ -2777,7 +2780,7 @@
           <a:p>
             <a:fld id="{0C3A9CC2-761E-433C-A323-6D1ABF677EB6}" type="datetimeFigureOut">
               <a:rPr lang="en-US" smtClean="0"/>
-              <a:t>8/31/2020</a:t>
+              <a:t>9/1/2020</a:t>
             </a:fld>
             <a:endParaRPr lang="en-US"/>
           </a:p>
@@ -2975,7 +2978,7 @@
           <a:p>
             <a:fld id="{0C3A9CC2-761E-433C-A323-6D1ABF677EB6}" type="datetimeFigureOut">
               <a:rPr lang="en-US" smtClean="0"/>
-              <a:t>8/31/2020</a:t>
+              <a:t>9/1/2020</a:t>
             </a:fld>
             <a:endParaRPr lang="en-US"/>
           </a:p>
@@ -3183,7 +3186,7 @@
           <a:p>
             <a:fld id="{0C3A9CC2-761E-433C-A323-6D1ABF677EB6}" type="datetimeFigureOut">
               <a:rPr lang="en-US" smtClean="0"/>
-              <a:t>8/31/2020</a:t>
+              <a:t>9/1/2020</a:t>
             </a:fld>
             <a:endParaRPr lang="en-US"/>
           </a:p>
@@ -3381,7 +3384,7 @@
           <a:p>
             <a:fld id="{0C3A9CC2-761E-433C-A323-6D1ABF677EB6}" type="datetimeFigureOut">
               <a:rPr lang="en-US" smtClean="0"/>
-              <a:t>8/31/2020</a:t>
+              <a:t>9/1/2020</a:t>
             </a:fld>
             <a:endParaRPr lang="en-US"/>
           </a:p>
@@ -3656,7 +3659,7 @@
           <a:p>
             <a:fld id="{0C3A9CC2-761E-433C-A323-6D1ABF677EB6}" type="datetimeFigureOut">
               <a:rPr lang="en-US" smtClean="0"/>
-              <a:t>8/31/2020</a:t>
+              <a:t>9/1/2020</a:t>
             </a:fld>
             <a:endParaRPr lang="en-US"/>
           </a:p>
@@ -3921,7 +3924,7 @@
           <a:p>
             <a:fld id="{0C3A9CC2-761E-433C-A323-6D1ABF677EB6}" type="datetimeFigureOut">
               <a:rPr lang="en-US" smtClean="0"/>
-              <a:t>8/31/2020</a:t>
+              <a:t>9/1/2020</a:t>
             </a:fld>
             <a:endParaRPr lang="en-US"/>
           </a:p>
@@ -4333,7 +4336,7 @@
           <a:p>
             <a:fld id="{0C3A9CC2-761E-433C-A323-6D1ABF677EB6}" type="datetimeFigureOut">
               <a:rPr lang="en-US" smtClean="0"/>
-              <a:t>8/31/2020</a:t>
+              <a:t>9/1/2020</a:t>
             </a:fld>
             <a:endParaRPr lang="en-US"/>
           </a:p>
@@ -4474,7 +4477,7 @@
           <a:p>
             <a:fld id="{0C3A9CC2-761E-433C-A323-6D1ABF677EB6}" type="datetimeFigureOut">
               <a:rPr lang="en-US" smtClean="0"/>
-              <a:t>8/31/2020</a:t>
+              <a:t>9/1/2020</a:t>
             </a:fld>
             <a:endParaRPr lang="en-US"/>
           </a:p>
@@ -4587,7 +4590,7 @@
           <a:p>
             <a:fld id="{0C3A9CC2-761E-433C-A323-6D1ABF677EB6}" type="datetimeFigureOut">
               <a:rPr lang="en-US" smtClean="0"/>
-              <a:t>8/31/2020</a:t>
+              <a:t>9/1/2020</a:t>
             </a:fld>
             <a:endParaRPr lang="en-US"/>
           </a:p>
@@ -4898,7 +4901,7 @@
           <a:p>
             <a:fld id="{0C3A9CC2-761E-433C-A323-6D1ABF677EB6}" type="datetimeFigureOut">
               <a:rPr lang="en-US" smtClean="0"/>
-              <a:t>8/31/2020</a:t>
+              <a:t>9/1/2020</a:t>
             </a:fld>
             <a:endParaRPr lang="en-US"/>
           </a:p>
@@ -5186,7 +5189,7 @@
           <a:p>
             <a:fld id="{0C3A9CC2-761E-433C-A323-6D1ABF677EB6}" type="datetimeFigureOut">
               <a:rPr lang="en-US" smtClean="0"/>
-              <a:t>8/31/2020</a:t>
+              <a:t>9/1/2020</a:t>
             </a:fld>
             <a:endParaRPr lang="en-US"/>
           </a:p>
@@ -5427,7 +5430,7 @@
           <a:p>
             <a:fld id="{0C3A9CC2-761E-433C-A323-6D1ABF677EB6}" type="datetimeFigureOut">
               <a:rPr lang="en-US" smtClean="0"/>
-              <a:t>8/31/2020</a:t>
+              <a:t>9/1/2020</a:t>
             </a:fld>
             <a:endParaRPr lang="en-US"/>
           </a:p>
@@ -10003,6 +10006,7498 @@
 </p:sld>
 </file>
 
+<file path=ppt/slides/slide6.xml><?xml version="1.0" encoding="utf-8"?>
+<p:sld xmlns:a="http://schemas.openxmlformats.org/drawingml/2006/main" xmlns:r="http://schemas.openxmlformats.org/officeDocument/2006/relationships" xmlns:p="http://schemas.openxmlformats.org/presentationml/2006/main">
+  <p:cSld>
+    <p:spTree>
+      <p:nvGrpSpPr>
+        <p:cNvPr id="1" name=""/>
+        <p:cNvGrpSpPr/>
+        <p:nvPr/>
+      </p:nvGrpSpPr>
+      <p:grpSpPr>
+        <a:xfrm>
+          <a:off x="0" y="0"/>
+          <a:ext cx="0" cy="0"/>
+          <a:chOff x="0" y="0"/>
+          <a:chExt cx="0" cy="0"/>
+        </a:xfrm>
+      </p:grpSpPr>
+      <p:grpSp>
+        <p:nvGrpSpPr>
+          <p:cNvPr id="32" name="Group 31">
+            <a:extLst>
+              <a:ext uri="{FF2B5EF4-FFF2-40B4-BE49-F238E27FC236}">
+                <a16:creationId xmlns:a16="http://schemas.microsoft.com/office/drawing/2014/main" id="{47183FCB-96CB-4CF7-9529-022359D30067}"/>
+              </a:ext>
+            </a:extLst>
+          </p:cNvPr>
+          <p:cNvGrpSpPr/>
+          <p:nvPr/>
+        </p:nvGrpSpPr>
+        <p:grpSpPr>
+          <a:xfrm>
+            <a:off x="551936" y="551936"/>
+            <a:ext cx="2545492" cy="2059460"/>
+            <a:chOff x="551936" y="551936"/>
+            <a:chExt cx="2545492" cy="2059460"/>
+          </a:xfrm>
+        </p:grpSpPr>
+        <p:sp>
+          <p:nvSpPr>
+            <p:cNvPr id="3" name="Rectangle 2">
+              <a:extLst>
+                <a:ext uri="{FF2B5EF4-FFF2-40B4-BE49-F238E27FC236}">
+                  <a16:creationId xmlns:a16="http://schemas.microsoft.com/office/drawing/2014/main" id="{0692B02B-7C27-48FF-834D-43AD4D94BBF8}"/>
+                </a:ext>
+              </a:extLst>
+            </p:cNvPr>
+            <p:cNvSpPr/>
+            <p:nvPr/>
+          </p:nvSpPr>
+          <p:spPr>
+            <a:xfrm>
+              <a:off x="551936" y="551936"/>
+              <a:ext cx="2545492" cy="2059460"/>
+            </a:xfrm>
+            <a:prstGeom prst="rect">
+              <a:avLst/>
+            </a:prstGeom>
+            <a:solidFill>
+              <a:schemeClr val="accent3">
+                <a:lumMod val="20000"/>
+                <a:lumOff val="80000"/>
+              </a:schemeClr>
+            </a:solidFill>
+          </p:spPr>
+          <p:style>
+            <a:lnRef idx="1">
+              <a:schemeClr val="accent3"/>
+            </a:lnRef>
+            <a:fillRef idx="2">
+              <a:schemeClr val="accent3"/>
+            </a:fillRef>
+            <a:effectRef idx="1">
+              <a:schemeClr val="accent3"/>
+            </a:effectRef>
+            <a:fontRef idx="minor">
+              <a:schemeClr val="dk1"/>
+            </a:fontRef>
+          </p:style>
+          <p:txBody>
+            <a:bodyPr rtlCol="0" anchor="ctr"/>
+            <a:lstStyle/>
+            <a:p>
+              <a:pPr algn="ctr"/>
+              <a:endParaRPr lang="en-US"/>
+            </a:p>
+          </p:txBody>
+        </p:sp>
+        <p:pic>
+          <p:nvPicPr>
+            <p:cNvPr id="2" name="Picture 1">
+              <a:extLst>
+                <a:ext uri="{FF2B5EF4-FFF2-40B4-BE49-F238E27FC236}">
+                  <a16:creationId xmlns:a16="http://schemas.microsoft.com/office/drawing/2014/main" id="{67D56690-79CF-40CC-AFCA-7A0108807B75}"/>
+                </a:ext>
+              </a:extLst>
+            </p:cNvPr>
+            <p:cNvPicPr>
+              <a:picLocks noChangeAspect="1"/>
+            </p:cNvPicPr>
+            <p:nvPr/>
+          </p:nvPicPr>
+          <p:blipFill>
+            <a:blip r:embed="rId2"/>
+            <a:stretch>
+              <a:fillRect/>
+            </a:stretch>
+          </p:blipFill>
+          <p:spPr>
+            <a:xfrm>
+              <a:off x="868791" y="819511"/>
+              <a:ext cx="1850940" cy="1589910"/>
+            </a:xfrm>
+            <a:prstGeom prst="rect">
+              <a:avLst/>
+            </a:prstGeom>
+          </p:spPr>
+        </p:pic>
+      </p:grpSp>
+      <p:grpSp>
+        <p:nvGrpSpPr>
+          <p:cNvPr id="41" name="Group 40">
+            <a:extLst>
+              <a:ext uri="{FF2B5EF4-FFF2-40B4-BE49-F238E27FC236}">
+                <a16:creationId xmlns:a16="http://schemas.microsoft.com/office/drawing/2014/main" id="{BBC1150D-3B60-4EF2-8FB2-2C688F3E20A8}"/>
+              </a:ext>
+            </a:extLst>
+          </p:cNvPr>
+          <p:cNvGrpSpPr/>
+          <p:nvPr/>
+        </p:nvGrpSpPr>
+        <p:grpSpPr>
+          <a:xfrm>
+            <a:off x="3716703" y="551936"/>
+            <a:ext cx="3994175" cy="2059460"/>
+            <a:chOff x="3946132" y="551936"/>
+            <a:chExt cx="3994175" cy="2059460"/>
+          </a:xfrm>
+        </p:grpSpPr>
+        <p:sp>
+          <p:nvSpPr>
+            <p:cNvPr id="29" name="Rectangle 28">
+              <a:extLst>
+                <a:ext uri="{FF2B5EF4-FFF2-40B4-BE49-F238E27FC236}">
+                  <a16:creationId xmlns:a16="http://schemas.microsoft.com/office/drawing/2014/main" id="{CCD5E8F1-0F0B-4FFE-A51D-F712AA73B351}"/>
+                </a:ext>
+              </a:extLst>
+            </p:cNvPr>
+            <p:cNvSpPr/>
+            <p:nvPr/>
+          </p:nvSpPr>
+          <p:spPr>
+            <a:xfrm>
+              <a:off x="3946132" y="551936"/>
+              <a:ext cx="3994175" cy="2059460"/>
+            </a:xfrm>
+            <a:prstGeom prst="rect">
+              <a:avLst/>
+            </a:prstGeom>
+            <a:solidFill>
+              <a:schemeClr val="accent3">
+                <a:lumMod val="20000"/>
+                <a:lumOff val="80000"/>
+              </a:schemeClr>
+            </a:solidFill>
+          </p:spPr>
+          <p:style>
+            <a:lnRef idx="1">
+              <a:schemeClr val="accent3"/>
+            </a:lnRef>
+            <a:fillRef idx="2">
+              <a:schemeClr val="accent3"/>
+            </a:fillRef>
+            <a:effectRef idx="1">
+              <a:schemeClr val="accent3"/>
+            </a:effectRef>
+            <a:fontRef idx="minor">
+              <a:schemeClr val="dk1"/>
+            </a:fontRef>
+          </p:style>
+          <p:txBody>
+            <a:bodyPr rtlCol="0" anchor="ctr"/>
+            <a:lstStyle/>
+            <a:p>
+              <a:pPr algn="ctr"/>
+              <a:endParaRPr lang="en-US"/>
+            </a:p>
+          </p:txBody>
+        </p:sp>
+        <p:sp>
+          <p:nvSpPr>
+            <p:cNvPr id="16" name="Oval 15">
+              <a:extLst>
+                <a:ext uri="{FF2B5EF4-FFF2-40B4-BE49-F238E27FC236}">
+                  <a16:creationId xmlns:a16="http://schemas.microsoft.com/office/drawing/2014/main" id="{DEDE47F2-12EB-44C5-8116-B1C5FA4583CB}"/>
+                </a:ext>
+              </a:extLst>
+            </p:cNvPr>
+            <p:cNvSpPr/>
+            <p:nvPr/>
+          </p:nvSpPr>
+          <p:spPr>
+            <a:xfrm>
+              <a:off x="6257429" y="930565"/>
+              <a:ext cx="1318979" cy="1312759"/>
+            </a:xfrm>
+            <a:prstGeom prst="ellipse">
+              <a:avLst/>
+            </a:prstGeom>
+            <a:solidFill>
+              <a:srgbClr val="FFFFFF">
+                <a:alpha val="0"/>
+              </a:srgbClr>
+            </a:solidFill>
+            <a:ln w="25400">
+              <a:solidFill>
+                <a:srgbClr val="FF0000"/>
+              </a:solidFill>
+            </a:ln>
+          </p:spPr>
+          <p:style>
+            <a:lnRef idx="2">
+              <a:schemeClr val="accent1">
+                <a:shade val="50000"/>
+              </a:schemeClr>
+            </a:lnRef>
+            <a:fillRef idx="1">
+              <a:schemeClr val="accent1"/>
+            </a:fillRef>
+            <a:effectRef idx="0">
+              <a:schemeClr val="accent1"/>
+            </a:effectRef>
+            <a:fontRef idx="minor">
+              <a:schemeClr val="lt1"/>
+            </a:fontRef>
+          </p:style>
+          <p:txBody>
+            <a:bodyPr rtlCol="0" anchor="ctr"/>
+            <a:lstStyle/>
+            <a:p>
+              <a:pPr algn="ctr"/>
+              <a:endParaRPr lang="en-US"/>
+            </a:p>
+          </p:txBody>
+        </p:sp>
+        <p:sp>
+          <p:nvSpPr>
+            <p:cNvPr id="5" name="Rectangle 4">
+              <a:extLst>
+                <a:ext uri="{FF2B5EF4-FFF2-40B4-BE49-F238E27FC236}">
+                  <a16:creationId xmlns:a16="http://schemas.microsoft.com/office/drawing/2014/main" id="{7DA0D924-18ED-4920-A4DC-DAAD7E3870A0}"/>
+                </a:ext>
+              </a:extLst>
+            </p:cNvPr>
+            <p:cNvSpPr/>
+            <p:nvPr/>
+          </p:nvSpPr>
+          <p:spPr>
+            <a:xfrm>
+              <a:off x="4324275" y="937666"/>
+              <a:ext cx="1622854" cy="1318054"/>
+            </a:xfrm>
+            <a:prstGeom prst="rect">
+              <a:avLst/>
+            </a:prstGeom>
+            <a:noFill/>
+            <a:ln w="25400">
+              <a:solidFill>
+                <a:srgbClr val="FF0000"/>
+              </a:solidFill>
+            </a:ln>
+          </p:spPr>
+          <p:style>
+            <a:lnRef idx="2">
+              <a:schemeClr val="accent1">
+                <a:shade val="50000"/>
+              </a:schemeClr>
+            </a:lnRef>
+            <a:fillRef idx="1">
+              <a:schemeClr val="accent1"/>
+            </a:fillRef>
+            <a:effectRef idx="0">
+              <a:schemeClr val="accent1"/>
+            </a:effectRef>
+            <a:fontRef idx="minor">
+              <a:schemeClr val="lt1"/>
+            </a:fontRef>
+          </p:style>
+          <p:txBody>
+            <a:bodyPr rtlCol="0" anchor="ctr"/>
+            <a:lstStyle/>
+            <a:p>
+              <a:pPr algn="ctr"/>
+              <a:endParaRPr lang="en-US"/>
+            </a:p>
+          </p:txBody>
+        </p:sp>
+        <p:cxnSp>
+          <p:nvCxnSpPr>
+            <p:cNvPr id="7" name="Straight Connector 6">
+              <a:extLst>
+                <a:ext uri="{FF2B5EF4-FFF2-40B4-BE49-F238E27FC236}">
+                  <a16:creationId xmlns:a16="http://schemas.microsoft.com/office/drawing/2014/main" id="{58E4E346-FDDB-4EC9-AF96-0D0C75BD5B61}"/>
+                </a:ext>
+              </a:extLst>
+            </p:cNvPr>
+            <p:cNvCxnSpPr>
+              <a:cxnSpLocks/>
+            </p:cNvCxnSpPr>
+            <p:nvPr/>
+          </p:nvCxnSpPr>
+          <p:spPr>
+            <a:xfrm>
+              <a:off x="4324275" y="937666"/>
+              <a:ext cx="807518" cy="659025"/>
+            </a:xfrm>
+            <a:prstGeom prst="line">
+              <a:avLst/>
+            </a:prstGeom>
+            <a:ln w="25400">
+              <a:solidFill>
+                <a:srgbClr val="FF0000"/>
+              </a:solidFill>
+            </a:ln>
+          </p:spPr>
+          <p:style>
+            <a:lnRef idx="1">
+              <a:schemeClr val="accent1"/>
+            </a:lnRef>
+            <a:fillRef idx="0">
+              <a:schemeClr val="accent1"/>
+            </a:fillRef>
+            <a:effectRef idx="0">
+              <a:schemeClr val="accent1"/>
+            </a:effectRef>
+            <a:fontRef idx="minor">
+              <a:schemeClr val="tx1"/>
+            </a:fontRef>
+          </p:style>
+        </p:cxnSp>
+        <p:cxnSp>
+          <p:nvCxnSpPr>
+            <p:cNvPr id="8" name="Straight Connector 7">
+              <a:extLst>
+                <a:ext uri="{FF2B5EF4-FFF2-40B4-BE49-F238E27FC236}">
+                  <a16:creationId xmlns:a16="http://schemas.microsoft.com/office/drawing/2014/main" id="{3C5E3D47-DCE9-4E15-A815-3809C82F0111}"/>
+                </a:ext>
+              </a:extLst>
+            </p:cNvPr>
+            <p:cNvCxnSpPr>
+              <a:cxnSpLocks/>
+            </p:cNvCxnSpPr>
+            <p:nvPr/>
+          </p:nvCxnSpPr>
+          <p:spPr>
+            <a:xfrm flipV="1">
+              <a:off x="4324275" y="1596692"/>
+              <a:ext cx="811427" cy="659029"/>
+            </a:xfrm>
+            <a:prstGeom prst="line">
+              <a:avLst/>
+            </a:prstGeom>
+            <a:ln w="25400">
+              <a:solidFill>
+                <a:srgbClr val="FF0000"/>
+              </a:solidFill>
+            </a:ln>
+          </p:spPr>
+          <p:style>
+            <a:lnRef idx="1">
+              <a:schemeClr val="accent1"/>
+            </a:lnRef>
+            <a:fillRef idx="0">
+              <a:schemeClr val="accent1"/>
+            </a:fillRef>
+            <a:effectRef idx="0">
+              <a:schemeClr val="accent1"/>
+            </a:effectRef>
+            <a:fontRef idx="minor">
+              <a:schemeClr val="tx1"/>
+            </a:fontRef>
+          </p:style>
+        </p:cxnSp>
+        <p:cxnSp>
+          <p:nvCxnSpPr>
+            <p:cNvPr id="11" name="Straight Connector 10">
+              <a:extLst>
+                <a:ext uri="{FF2B5EF4-FFF2-40B4-BE49-F238E27FC236}">
+                  <a16:creationId xmlns:a16="http://schemas.microsoft.com/office/drawing/2014/main" id="{3B8595E5-3931-4F42-9581-766FA109BD05}"/>
+                </a:ext>
+              </a:extLst>
+            </p:cNvPr>
+            <p:cNvCxnSpPr>
+              <a:cxnSpLocks/>
+            </p:cNvCxnSpPr>
+            <p:nvPr/>
+          </p:nvCxnSpPr>
+          <p:spPr>
+            <a:xfrm flipV="1">
+              <a:off x="5109265" y="1587362"/>
+              <a:ext cx="837864" cy="5296"/>
+            </a:xfrm>
+            <a:prstGeom prst="line">
+              <a:avLst/>
+            </a:prstGeom>
+            <a:ln w="25400">
+              <a:solidFill>
+                <a:srgbClr val="FF0000"/>
+              </a:solidFill>
+            </a:ln>
+          </p:spPr>
+          <p:style>
+            <a:lnRef idx="1">
+              <a:schemeClr val="accent1"/>
+            </a:lnRef>
+            <a:fillRef idx="0">
+              <a:schemeClr val="accent1"/>
+            </a:fillRef>
+            <a:effectRef idx="0">
+              <a:schemeClr val="accent1"/>
+            </a:effectRef>
+            <a:fontRef idx="minor">
+              <a:schemeClr val="tx1"/>
+            </a:fontRef>
+          </p:style>
+        </p:cxnSp>
+        <p:cxnSp>
+          <p:nvCxnSpPr>
+            <p:cNvPr id="13" name="Straight Connector 12">
+              <a:extLst>
+                <a:ext uri="{FF2B5EF4-FFF2-40B4-BE49-F238E27FC236}">
+                  <a16:creationId xmlns:a16="http://schemas.microsoft.com/office/drawing/2014/main" id="{9FE9A0E7-578E-43BF-A02D-2F30E83C5B13}"/>
+                </a:ext>
+              </a:extLst>
+            </p:cNvPr>
+            <p:cNvCxnSpPr>
+              <a:cxnSpLocks/>
+            </p:cNvCxnSpPr>
+            <p:nvPr/>
+          </p:nvCxnSpPr>
+          <p:spPr>
+            <a:xfrm>
+              <a:off x="5943220" y="1585247"/>
+              <a:ext cx="301653" cy="0"/>
+            </a:xfrm>
+            <a:prstGeom prst="line">
+              <a:avLst/>
+            </a:prstGeom>
+            <a:ln w="25400">
+              <a:solidFill>
+                <a:srgbClr val="FF0000"/>
+              </a:solidFill>
+            </a:ln>
+          </p:spPr>
+          <p:style>
+            <a:lnRef idx="1">
+              <a:schemeClr val="accent1"/>
+            </a:lnRef>
+            <a:fillRef idx="0">
+              <a:schemeClr val="accent1"/>
+            </a:fillRef>
+            <a:effectRef idx="0">
+              <a:schemeClr val="accent1"/>
+            </a:effectRef>
+            <a:fontRef idx="minor">
+              <a:schemeClr val="tx1"/>
+            </a:fontRef>
+          </p:style>
+        </p:cxnSp>
+        <p:cxnSp>
+          <p:nvCxnSpPr>
+            <p:cNvPr id="14" name="Straight Connector 13">
+              <a:extLst>
+                <a:ext uri="{FF2B5EF4-FFF2-40B4-BE49-F238E27FC236}">
+                  <a16:creationId xmlns:a16="http://schemas.microsoft.com/office/drawing/2014/main" id="{8588A2BF-3141-4B4E-B093-6A9004B4F40A}"/>
+                </a:ext>
+              </a:extLst>
+            </p:cNvPr>
+            <p:cNvCxnSpPr>
+              <a:cxnSpLocks/>
+              <a:endCxn id="16" idx="7"/>
+            </p:cNvCxnSpPr>
+            <p:nvPr/>
+          </p:nvCxnSpPr>
+          <p:spPr>
+            <a:xfrm flipV="1">
+              <a:off x="6916918" y="1122814"/>
+              <a:ext cx="466330" cy="464130"/>
+            </a:xfrm>
+            <a:prstGeom prst="line">
+              <a:avLst/>
+            </a:prstGeom>
+            <a:ln w="25400">
+              <a:solidFill>
+                <a:srgbClr val="FF0000"/>
+              </a:solidFill>
+            </a:ln>
+          </p:spPr>
+          <p:style>
+            <a:lnRef idx="1">
+              <a:schemeClr val="accent1"/>
+            </a:lnRef>
+            <a:fillRef idx="0">
+              <a:schemeClr val="accent1"/>
+            </a:fillRef>
+            <a:effectRef idx="0">
+              <a:schemeClr val="accent1"/>
+            </a:effectRef>
+            <a:fontRef idx="minor">
+              <a:schemeClr val="tx1"/>
+            </a:fontRef>
+          </p:style>
+        </p:cxnSp>
+        <p:cxnSp>
+          <p:nvCxnSpPr>
+            <p:cNvPr id="20" name="Straight Connector 19">
+              <a:extLst>
+                <a:ext uri="{FF2B5EF4-FFF2-40B4-BE49-F238E27FC236}">
+                  <a16:creationId xmlns:a16="http://schemas.microsoft.com/office/drawing/2014/main" id="{702A5E73-D2B2-4A21-B206-371AB25DACD6}"/>
+                </a:ext>
+              </a:extLst>
+            </p:cNvPr>
+            <p:cNvCxnSpPr>
+              <a:cxnSpLocks/>
+              <a:endCxn id="16" idx="5"/>
+            </p:cNvCxnSpPr>
+            <p:nvPr/>
+          </p:nvCxnSpPr>
+          <p:spPr>
+            <a:xfrm>
+              <a:off x="6916918" y="1586944"/>
+              <a:ext cx="466330" cy="464131"/>
+            </a:xfrm>
+            <a:prstGeom prst="line">
+              <a:avLst/>
+            </a:prstGeom>
+            <a:ln w="25400">
+              <a:solidFill>
+                <a:srgbClr val="FF0000"/>
+              </a:solidFill>
+            </a:ln>
+          </p:spPr>
+          <p:style>
+            <a:lnRef idx="1">
+              <a:schemeClr val="accent1"/>
+            </a:lnRef>
+            <a:fillRef idx="0">
+              <a:schemeClr val="accent1"/>
+            </a:fillRef>
+            <a:effectRef idx="0">
+              <a:schemeClr val="accent1"/>
+            </a:effectRef>
+            <a:fontRef idx="minor">
+              <a:schemeClr val="tx1"/>
+            </a:fontRef>
+          </p:style>
+        </p:cxnSp>
+        <p:cxnSp>
+          <p:nvCxnSpPr>
+            <p:cNvPr id="23" name="Straight Connector 22">
+              <a:extLst>
+                <a:ext uri="{FF2B5EF4-FFF2-40B4-BE49-F238E27FC236}">
+                  <a16:creationId xmlns:a16="http://schemas.microsoft.com/office/drawing/2014/main" id="{65080986-A4BD-4205-8BD6-FE68F15A1A40}"/>
+                </a:ext>
+              </a:extLst>
+            </p:cNvPr>
+            <p:cNvCxnSpPr>
+              <a:cxnSpLocks/>
+              <a:stCxn id="16" idx="2"/>
+            </p:cNvCxnSpPr>
+            <p:nvPr/>
+          </p:nvCxnSpPr>
+          <p:spPr>
+            <a:xfrm>
+              <a:off x="6257429" y="1586945"/>
+              <a:ext cx="659489" cy="0"/>
+            </a:xfrm>
+            <a:prstGeom prst="line">
+              <a:avLst/>
+            </a:prstGeom>
+            <a:ln w="25400">
+              <a:solidFill>
+                <a:srgbClr val="FF0000"/>
+              </a:solidFill>
+            </a:ln>
+          </p:spPr>
+          <p:style>
+            <a:lnRef idx="1">
+              <a:schemeClr val="accent1"/>
+            </a:lnRef>
+            <a:fillRef idx="0">
+              <a:schemeClr val="accent1"/>
+            </a:fillRef>
+            <a:effectRef idx="0">
+              <a:schemeClr val="accent1"/>
+            </a:effectRef>
+            <a:fontRef idx="minor">
+              <a:schemeClr val="tx1"/>
+            </a:fontRef>
+          </p:style>
+        </p:cxnSp>
+      </p:grpSp>
+      <p:sp>
+        <p:nvSpPr>
+          <p:cNvPr id="31" name="Rectangle 30">
+            <a:extLst>
+              <a:ext uri="{FF2B5EF4-FFF2-40B4-BE49-F238E27FC236}">
+                <a16:creationId xmlns:a16="http://schemas.microsoft.com/office/drawing/2014/main" id="{21875CCF-58AD-4C06-BD4C-4187FC0FCE4B}"/>
+              </a:ext>
+            </a:extLst>
+          </p:cNvPr>
+          <p:cNvSpPr/>
+          <p:nvPr/>
+        </p:nvSpPr>
+        <p:spPr>
+          <a:xfrm>
+            <a:off x="6397215" y="3484778"/>
+            <a:ext cx="2545492" cy="2059460"/>
+          </a:xfrm>
+          <a:prstGeom prst="rect">
+            <a:avLst/>
+          </a:prstGeom>
+          <a:solidFill>
+            <a:schemeClr val="accent3">
+              <a:lumMod val="20000"/>
+              <a:lumOff val="80000"/>
+            </a:schemeClr>
+          </a:solidFill>
+        </p:spPr>
+        <p:style>
+          <a:lnRef idx="1">
+            <a:schemeClr val="accent3"/>
+          </a:lnRef>
+          <a:fillRef idx="2">
+            <a:schemeClr val="accent3"/>
+          </a:fillRef>
+          <a:effectRef idx="1">
+            <a:schemeClr val="accent3"/>
+          </a:effectRef>
+          <a:fontRef idx="minor">
+            <a:schemeClr val="dk1"/>
+          </a:fontRef>
+        </p:style>
+        <p:txBody>
+          <a:bodyPr rtlCol="0" anchor="ctr"/>
+          <a:lstStyle/>
+          <a:p>
+            <a:pPr algn="ctr"/>
+            <a:endParaRPr lang="en-US"/>
+          </a:p>
+        </p:txBody>
+      </p:sp>
+      <p:grpSp>
+        <p:nvGrpSpPr>
+          <p:cNvPr id="82" name="Group 81">
+            <a:extLst>
+              <a:ext uri="{FF2B5EF4-FFF2-40B4-BE49-F238E27FC236}">
+                <a16:creationId xmlns:a16="http://schemas.microsoft.com/office/drawing/2014/main" id="{867B0964-2C44-4D12-9E38-FDA28792C75E}"/>
+              </a:ext>
+            </a:extLst>
+          </p:cNvPr>
+          <p:cNvGrpSpPr/>
+          <p:nvPr/>
+        </p:nvGrpSpPr>
+        <p:grpSpPr>
+          <a:xfrm>
+            <a:off x="8332522" y="551936"/>
+            <a:ext cx="2990687" cy="2059460"/>
+            <a:chOff x="8556170" y="551936"/>
+            <a:chExt cx="2990687" cy="2059460"/>
+          </a:xfrm>
+        </p:grpSpPr>
+        <p:sp>
+          <p:nvSpPr>
+            <p:cNvPr id="62" name="Rectangle 61">
+              <a:extLst>
+                <a:ext uri="{FF2B5EF4-FFF2-40B4-BE49-F238E27FC236}">
+                  <a16:creationId xmlns:a16="http://schemas.microsoft.com/office/drawing/2014/main" id="{16F33F3F-AFE0-47E4-B502-C9A9509D555F}"/>
+                </a:ext>
+              </a:extLst>
+            </p:cNvPr>
+            <p:cNvSpPr/>
+            <p:nvPr/>
+          </p:nvSpPr>
+          <p:spPr>
+            <a:xfrm>
+              <a:off x="8556170" y="551936"/>
+              <a:ext cx="2990687" cy="2059460"/>
+            </a:xfrm>
+            <a:prstGeom prst="rect">
+              <a:avLst/>
+            </a:prstGeom>
+            <a:solidFill>
+              <a:schemeClr val="accent3">
+                <a:lumMod val="20000"/>
+                <a:lumOff val="80000"/>
+              </a:schemeClr>
+            </a:solidFill>
+          </p:spPr>
+          <p:style>
+            <a:lnRef idx="1">
+              <a:schemeClr val="accent3"/>
+            </a:lnRef>
+            <a:fillRef idx="2">
+              <a:schemeClr val="accent3"/>
+            </a:fillRef>
+            <a:effectRef idx="1">
+              <a:schemeClr val="accent3"/>
+            </a:effectRef>
+            <a:fontRef idx="minor">
+              <a:schemeClr val="dk1"/>
+            </a:fontRef>
+          </p:style>
+          <p:txBody>
+            <a:bodyPr rtlCol="0" anchor="ctr"/>
+            <a:lstStyle/>
+            <a:p>
+              <a:pPr algn="ctr"/>
+              <a:endParaRPr lang="en-US" dirty="0"/>
+            </a:p>
+          </p:txBody>
+        </p:sp>
+        <p:grpSp>
+          <p:nvGrpSpPr>
+            <p:cNvPr id="63" name="Group 62">
+              <a:extLst>
+                <a:ext uri="{FF2B5EF4-FFF2-40B4-BE49-F238E27FC236}">
+                  <a16:creationId xmlns:a16="http://schemas.microsoft.com/office/drawing/2014/main" id="{DF1EEAFD-17CD-4B3A-9171-28352BE01FDB}"/>
+                </a:ext>
+              </a:extLst>
+            </p:cNvPr>
+            <p:cNvGrpSpPr/>
+            <p:nvPr/>
+          </p:nvGrpSpPr>
+          <p:grpSpPr>
+            <a:xfrm>
+              <a:off x="8951277" y="937666"/>
+              <a:ext cx="2200471" cy="1388076"/>
+              <a:chOff x="1050323" y="345989"/>
+              <a:chExt cx="9090455" cy="5288692"/>
+            </a:xfrm>
+          </p:grpSpPr>
+          <p:cxnSp>
+            <p:nvCxnSpPr>
+              <p:cNvPr id="64" name="Straight Arrow Connector 63">
+                <a:extLst>
+                  <a:ext uri="{FF2B5EF4-FFF2-40B4-BE49-F238E27FC236}">
+                    <a16:creationId xmlns:a16="http://schemas.microsoft.com/office/drawing/2014/main" id="{D7BAEBC2-85D6-4F12-A95B-7FC21AC6B0B2}"/>
+                  </a:ext>
+                </a:extLst>
+              </p:cNvPr>
+              <p:cNvCxnSpPr/>
+              <p:nvPr/>
+            </p:nvCxnSpPr>
+            <p:spPr>
+              <a:xfrm>
+                <a:off x="1869989" y="5033319"/>
+                <a:ext cx="8270789" cy="0"/>
+              </a:xfrm>
+              <a:prstGeom prst="straightConnector1">
+                <a:avLst/>
+              </a:prstGeom>
+              <a:ln>
+                <a:tailEnd type="triangle"/>
+              </a:ln>
+            </p:spPr>
+            <p:style>
+              <a:lnRef idx="1">
+                <a:schemeClr val="accent1"/>
+              </a:lnRef>
+              <a:fillRef idx="0">
+                <a:schemeClr val="accent1"/>
+              </a:fillRef>
+              <a:effectRef idx="0">
+                <a:schemeClr val="accent1"/>
+              </a:effectRef>
+              <a:fontRef idx="minor">
+                <a:schemeClr val="tx1"/>
+              </a:fontRef>
+            </p:style>
+          </p:cxnSp>
+          <p:cxnSp>
+            <p:nvCxnSpPr>
+              <p:cNvPr id="65" name="Straight Arrow Connector 64">
+                <a:extLst>
+                  <a:ext uri="{FF2B5EF4-FFF2-40B4-BE49-F238E27FC236}">
+                    <a16:creationId xmlns:a16="http://schemas.microsoft.com/office/drawing/2014/main" id="{4FFF2A04-7D94-4285-A438-E72A60D3781A}"/>
+                  </a:ext>
+                </a:extLst>
+              </p:cNvPr>
+              <p:cNvCxnSpPr>
+                <a:cxnSpLocks/>
+              </p:cNvCxnSpPr>
+              <p:nvPr/>
+            </p:nvCxnSpPr>
+            <p:spPr>
+              <a:xfrm flipV="1">
+                <a:off x="2537254" y="963827"/>
+                <a:ext cx="0" cy="4670854"/>
+              </a:xfrm>
+              <a:prstGeom prst="straightConnector1">
+                <a:avLst/>
+              </a:prstGeom>
+              <a:ln>
+                <a:tailEnd type="triangle"/>
+              </a:ln>
+            </p:spPr>
+            <p:style>
+              <a:lnRef idx="1">
+                <a:schemeClr val="accent1"/>
+              </a:lnRef>
+              <a:fillRef idx="0">
+                <a:schemeClr val="accent1"/>
+              </a:fillRef>
+              <a:effectRef idx="0">
+                <a:schemeClr val="accent1"/>
+              </a:effectRef>
+              <a:fontRef idx="minor">
+                <a:schemeClr val="tx1"/>
+              </a:fontRef>
+            </p:style>
+          </p:cxnSp>
+          <p:sp>
+            <p:nvSpPr>
+              <p:cNvPr id="66" name="Rectangle 65">
+                <a:extLst>
+                  <a:ext uri="{FF2B5EF4-FFF2-40B4-BE49-F238E27FC236}">
+                    <a16:creationId xmlns:a16="http://schemas.microsoft.com/office/drawing/2014/main" id="{C2EFD822-AB22-43AE-9861-E0B6ED443D91}"/>
+                  </a:ext>
+                </a:extLst>
+              </p:cNvPr>
+              <p:cNvSpPr/>
+              <p:nvPr/>
+            </p:nvSpPr>
+            <p:spPr>
+              <a:xfrm>
+                <a:off x="6267960" y="5243386"/>
+                <a:ext cx="1252151" cy="230657"/>
+              </a:xfrm>
+              <a:prstGeom prst="rect">
+                <a:avLst/>
+              </a:prstGeom>
+            </p:spPr>
+            <p:style>
+              <a:lnRef idx="2">
+                <a:schemeClr val="accent5">
+                  <a:shade val="50000"/>
+                </a:schemeClr>
+              </a:lnRef>
+              <a:fillRef idx="1">
+                <a:schemeClr val="accent5"/>
+              </a:fillRef>
+              <a:effectRef idx="0">
+                <a:schemeClr val="accent5"/>
+              </a:effectRef>
+              <a:fontRef idx="minor">
+                <a:schemeClr val="lt1"/>
+              </a:fontRef>
+            </p:style>
+            <p:txBody>
+              <a:bodyPr rtlCol="0" anchor="ctr"/>
+              <a:lstStyle/>
+              <a:p>
+                <a:pPr algn="ctr"/>
+                <a:endParaRPr lang="en-US" dirty="0"/>
+              </a:p>
+            </p:txBody>
+          </p:sp>
+          <p:sp>
+            <p:nvSpPr>
+              <p:cNvPr id="67" name="Rectangle 66">
+                <a:extLst>
+                  <a:ext uri="{FF2B5EF4-FFF2-40B4-BE49-F238E27FC236}">
+                    <a16:creationId xmlns:a16="http://schemas.microsoft.com/office/drawing/2014/main" id="{2D9A2359-1388-4E10-B1F9-108FCF39E0CF}"/>
+                  </a:ext>
+                </a:extLst>
+              </p:cNvPr>
+              <p:cNvSpPr/>
+              <p:nvPr/>
+            </p:nvSpPr>
+            <p:spPr>
+              <a:xfrm>
+                <a:off x="1050323" y="2689654"/>
+                <a:ext cx="1252151" cy="230657"/>
+              </a:xfrm>
+              <a:prstGeom prst="rect">
+                <a:avLst/>
+              </a:prstGeom>
+            </p:spPr>
+            <p:style>
+              <a:lnRef idx="2">
+                <a:schemeClr val="accent5">
+                  <a:shade val="50000"/>
+                </a:schemeClr>
+              </a:lnRef>
+              <a:fillRef idx="1">
+                <a:schemeClr val="accent5"/>
+              </a:fillRef>
+              <a:effectRef idx="0">
+                <a:schemeClr val="accent5"/>
+              </a:effectRef>
+              <a:fontRef idx="minor">
+                <a:schemeClr val="lt1"/>
+              </a:fontRef>
+            </p:style>
+            <p:txBody>
+              <a:bodyPr rtlCol="0" anchor="ctr"/>
+              <a:lstStyle/>
+              <a:p>
+                <a:pPr algn="ctr"/>
+                <a:endParaRPr lang="en-US" dirty="0"/>
+              </a:p>
+            </p:txBody>
+          </p:sp>
+          <p:sp>
+            <p:nvSpPr>
+              <p:cNvPr id="68" name="Rectangle 67">
+                <a:extLst>
+                  <a:ext uri="{FF2B5EF4-FFF2-40B4-BE49-F238E27FC236}">
+                    <a16:creationId xmlns:a16="http://schemas.microsoft.com/office/drawing/2014/main" id="{107F4B4E-B734-4414-ABCB-EA098DAEA79C}"/>
+                  </a:ext>
+                </a:extLst>
+              </p:cNvPr>
+              <p:cNvSpPr/>
+              <p:nvPr/>
+            </p:nvSpPr>
+            <p:spPr>
+              <a:xfrm>
+                <a:off x="4798540" y="345989"/>
+                <a:ext cx="3496961" cy="230657"/>
+              </a:xfrm>
+              <a:prstGeom prst="rect">
+                <a:avLst/>
+              </a:prstGeom>
+            </p:spPr>
+            <p:style>
+              <a:lnRef idx="2">
+                <a:schemeClr val="accent1">
+                  <a:shade val="50000"/>
+                </a:schemeClr>
+              </a:lnRef>
+              <a:fillRef idx="1">
+                <a:schemeClr val="accent1"/>
+              </a:fillRef>
+              <a:effectRef idx="0">
+                <a:schemeClr val="accent1"/>
+              </a:effectRef>
+              <a:fontRef idx="minor">
+                <a:schemeClr val="lt1"/>
+              </a:fontRef>
+            </p:style>
+            <p:txBody>
+              <a:bodyPr rtlCol="0" anchor="ctr"/>
+              <a:lstStyle/>
+              <a:p>
+                <a:pPr algn="ctr"/>
+                <a:endParaRPr lang="en-US" b="1" dirty="0"/>
+              </a:p>
+            </p:txBody>
+          </p:sp>
+          <p:sp>
+            <p:nvSpPr>
+              <p:cNvPr id="69" name="Flowchart: Document 68">
+                <a:extLst>
+                  <a:ext uri="{FF2B5EF4-FFF2-40B4-BE49-F238E27FC236}">
+                    <a16:creationId xmlns:a16="http://schemas.microsoft.com/office/drawing/2014/main" id="{7C07FB6E-DC82-4C18-A8C3-884784330322}"/>
+                  </a:ext>
+                </a:extLst>
+              </p:cNvPr>
+              <p:cNvSpPr/>
+              <p:nvPr/>
+            </p:nvSpPr>
+            <p:spPr>
+              <a:xfrm>
+                <a:off x="3485621" y="2385885"/>
+                <a:ext cx="829965" cy="665205"/>
+              </a:xfrm>
+              <a:prstGeom prst="flowChartDocument">
+                <a:avLst/>
+              </a:prstGeom>
+            </p:spPr>
+            <p:style>
+              <a:lnRef idx="1">
+                <a:schemeClr val="accent4"/>
+              </a:lnRef>
+              <a:fillRef idx="2">
+                <a:schemeClr val="accent4"/>
+              </a:fillRef>
+              <a:effectRef idx="1">
+                <a:schemeClr val="accent4"/>
+              </a:effectRef>
+              <a:fontRef idx="minor">
+                <a:schemeClr val="dk1"/>
+              </a:fontRef>
+            </p:style>
+            <p:txBody>
+              <a:bodyPr rtlCol="0" anchor="ctr"/>
+              <a:lstStyle/>
+              <a:p>
+                <a:pPr algn="ctr"/>
+                <a:endParaRPr lang="en-US" sz="800" dirty="0"/>
+              </a:p>
+            </p:txBody>
+          </p:sp>
+          <p:sp>
+            <p:nvSpPr>
+              <p:cNvPr id="70" name="Flowchart: Document 69">
+                <a:extLst>
+                  <a:ext uri="{FF2B5EF4-FFF2-40B4-BE49-F238E27FC236}">
+                    <a16:creationId xmlns:a16="http://schemas.microsoft.com/office/drawing/2014/main" id="{144F17D8-D2BA-4FF4-AF7F-C618CA5EFD1C}"/>
+                  </a:ext>
+                </a:extLst>
+              </p:cNvPr>
+              <p:cNvSpPr/>
+              <p:nvPr/>
+            </p:nvSpPr>
+            <p:spPr>
+              <a:xfrm>
+                <a:off x="6132037" y="2226272"/>
+                <a:ext cx="829965" cy="665205"/>
+              </a:xfrm>
+              <a:prstGeom prst="flowChartDocument">
+                <a:avLst/>
+              </a:prstGeom>
+            </p:spPr>
+            <p:style>
+              <a:lnRef idx="1">
+                <a:schemeClr val="accent4"/>
+              </a:lnRef>
+              <a:fillRef idx="2">
+                <a:schemeClr val="accent4"/>
+              </a:fillRef>
+              <a:effectRef idx="1">
+                <a:schemeClr val="accent4"/>
+              </a:effectRef>
+              <a:fontRef idx="minor">
+                <a:schemeClr val="dk1"/>
+              </a:fontRef>
+            </p:style>
+            <p:txBody>
+              <a:bodyPr rtlCol="0" anchor="ctr"/>
+              <a:lstStyle/>
+              <a:p>
+                <a:pPr algn="ctr"/>
+                <a:endParaRPr lang="en-US" sz="800" dirty="0"/>
+              </a:p>
+            </p:txBody>
+          </p:sp>
+          <p:sp>
+            <p:nvSpPr>
+              <p:cNvPr id="71" name="Flowchart: Document 70">
+                <a:extLst>
+                  <a:ext uri="{FF2B5EF4-FFF2-40B4-BE49-F238E27FC236}">
+                    <a16:creationId xmlns:a16="http://schemas.microsoft.com/office/drawing/2014/main" id="{5626487F-5EF8-43B3-BEBF-6A6590F001F6}"/>
+                  </a:ext>
+                </a:extLst>
+              </p:cNvPr>
+              <p:cNvSpPr/>
+              <p:nvPr/>
+            </p:nvSpPr>
+            <p:spPr>
+              <a:xfrm>
+                <a:off x="8954504" y="1159476"/>
+                <a:ext cx="829965" cy="665205"/>
+              </a:xfrm>
+              <a:prstGeom prst="flowChartDocument">
+                <a:avLst/>
+              </a:prstGeom>
+            </p:spPr>
+            <p:style>
+              <a:lnRef idx="1">
+                <a:schemeClr val="accent4"/>
+              </a:lnRef>
+              <a:fillRef idx="2">
+                <a:schemeClr val="accent4"/>
+              </a:fillRef>
+              <a:effectRef idx="1">
+                <a:schemeClr val="accent4"/>
+              </a:effectRef>
+              <a:fontRef idx="minor">
+                <a:schemeClr val="dk1"/>
+              </a:fontRef>
+            </p:style>
+            <p:txBody>
+              <a:bodyPr rtlCol="0" anchor="ctr"/>
+              <a:lstStyle/>
+              <a:p>
+                <a:pPr algn="ctr"/>
+                <a:endParaRPr lang="en-US" sz="800" dirty="0"/>
+              </a:p>
+            </p:txBody>
+          </p:sp>
+          <p:sp>
+            <p:nvSpPr>
+              <p:cNvPr id="72" name="Flowchart: Document 71">
+                <a:extLst>
+                  <a:ext uri="{FF2B5EF4-FFF2-40B4-BE49-F238E27FC236}">
+                    <a16:creationId xmlns:a16="http://schemas.microsoft.com/office/drawing/2014/main" id="{490833BB-30C2-4AE4-8319-9B909791C30C}"/>
+                  </a:ext>
+                </a:extLst>
+              </p:cNvPr>
+              <p:cNvSpPr/>
+              <p:nvPr/>
+            </p:nvSpPr>
+            <p:spPr>
+              <a:xfrm>
+                <a:off x="3485621" y="4081336"/>
+                <a:ext cx="829965" cy="665205"/>
+              </a:xfrm>
+              <a:prstGeom prst="flowChartDocument">
+                <a:avLst/>
+              </a:prstGeom>
+            </p:spPr>
+            <p:style>
+              <a:lnRef idx="1">
+                <a:schemeClr val="accent4"/>
+              </a:lnRef>
+              <a:fillRef idx="2">
+                <a:schemeClr val="accent4"/>
+              </a:fillRef>
+              <a:effectRef idx="1">
+                <a:schemeClr val="accent4"/>
+              </a:effectRef>
+              <a:fontRef idx="minor">
+                <a:schemeClr val="dk1"/>
+              </a:fontRef>
+            </p:style>
+            <p:txBody>
+              <a:bodyPr rtlCol="0" anchor="ctr"/>
+              <a:lstStyle/>
+              <a:p>
+                <a:pPr algn="ctr"/>
+                <a:endParaRPr lang="en-US" sz="800" dirty="0"/>
+              </a:p>
+            </p:txBody>
+          </p:sp>
+          <p:sp>
+            <p:nvSpPr>
+              <p:cNvPr id="73" name="Flowchart: Document 72">
+                <a:extLst>
+                  <a:ext uri="{FF2B5EF4-FFF2-40B4-BE49-F238E27FC236}">
+                    <a16:creationId xmlns:a16="http://schemas.microsoft.com/office/drawing/2014/main" id="{56253A89-76F2-4FC7-8233-318FACE5899A}"/>
+                  </a:ext>
+                </a:extLst>
+              </p:cNvPr>
+              <p:cNvSpPr/>
+              <p:nvPr/>
+            </p:nvSpPr>
+            <p:spPr>
+              <a:xfrm>
+                <a:off x="2596455" y="4336193"/>
+                <a:ext cx="829965" cy="665205"/>
+              </a:xfrm>
+              <a:prstGeom prst="flowChartDocument">
+                <a:avLst/>
+              </a:prstGeom>
+            </p:spPr>
+            <p:style>
+              <a:lnRef idx="1">
+                <a:schemeClr val="accent4"/>
+              </a:lnRef>
+              <a:fillRef idx="2">
+                <a:schemeClr val="accent4"/>
+              </a:fillRef>
+              <a:effectRef idx="1">
+                <a:schemeClr val="accent4"/>
+              </a:effectRef>
+              <a:fontRef idx="minor">
+                <a:schemeClr val="dk1"/>
+              </a:fontRef>
+            </p:style>
+            <p:txBody>
+              <a:bodyPr rtlCol="0" anchor="ctr"/>
+              <a:lstStyle/>
+              <a:p>
+                <a:pPr algn="ctr"/>
+                <a:endParaRPr lang="en-US" sz="800" dirty="0"/>
+              </a:p>
+            </p:txBody>
+          </p:sp>
+          <p:sp>
+            <p:nvSpPr>
+              <p:cNvPr id="74" name="Flowchart: Document 73">
+                <a:extLst>
+                  <a:ext uri="{FF2B5EF4-FFF2-40B4-BE49-F238E27FC236}">
+                    <a16:creationId xmlns:a16="http://schemas.microsoft.com/office/drawing/2014/main" id="{FAA89FC9-DDB3-400A-A126-15AD5DBABD1E}"/>
+                  </a:ext>
+                </a:extLst>
+              </p:cNvPr>
+              <p:cNvSpPr/>
+              <p:nvPr/>
+            </p:nvSpPr>
+            <p:spPr>
+              <a:xfrm>
+                <a:off x="3157660" y="4711020"/>
+                <a:ext cx="829965" cy="665205"/>
+              </a:xfrm>
+              <a:prstGeom prst="flowChartDocument">
+                <a:avLst/>
+              </a:prstGeom>
+            </p:spPr>
+            <p:style>
+              <a:lnRef idx="1">
+                <a:schemeClr val="accent4"/>
+              </a:lnRef>
+              <a:fillRef idx="2">
+                <a:schemeClr val="accent4"/>
+              </a:fillRef>
+              <a:effectRef idx="1">
+                <a:schemeClr val="accent4"/>
+              </a:effectRef>
+              <a:fontRef idx="minor">
+                <a:schemeClr val="dk1"/>
+              </a:fontRef>
+            </p:style>
+            <p:txBody>
+              <a:bodyPr rtlCol="0" anchor="ctr"/>
+              <a:lstStyle/>
+              <a:p>
+                <a:pPr algn="ctr"/>
+                <a:endParaRPr lang="en-US" sz="800" dirty="0"/>
+              </a:p>
+            </p:txBody>
+          </p:sp>
+          <p:sp>
+            <p:nvSpPr>
+              <p:cNvPr id="75" name="Flowchart: Document 74">
+                <a:extLst>
+                  <a:ext uri="{FF2B5EF4-FFF2-40B4-BE49-F238E27FC236}">
+                    <a16:creationId xmlns:a16="http://schemas.microsoft.com/office/drawing/2014/main" id="{6D202516-5752-47B2-B60D-319BB103CE8E}"/>
+                  </a:ext>
+                </a:extLst>
+              </p:cNvPr>
+              <p:cNvSpPr/>
+              <p:nvPr/>
+            </p:nvSpPr>
+            <p:spPr>
+              <a:xfrm>
+                <a:off x="4118925" y="2786447"/>
+                <a:ext cx="829965" cy="665205"/>
+              </a:xfrm>
+              <a:prstGeom prst="flowChartDocument">
+                <a:avLst/>
+              </a:prstGeom>
+            </p:spPr>
+            <p:style>
+              <a:lnRef idx="1">
+                <a:schemeClr val="accent4"/>
+              </a:lnRef>
+              <a:fillRef idx="2">
+                <a:schemeClr val="accent4"/>
+              </a:fillRef>
+              <a:effectRef idx="1">
+                <a:schemeClr val="accent4"/>
+              </a:effectRef>
+              <a:fontRef idx="minor">
+                <a:schemeClr val="dk1"/>
+              </a:fontRef>
+            </p:style>
+            <p:txBody>
+              <a:bodyPr rtlCol="0" anchor="ctr"/>
+              <a:lstStyle/>
+              <a:p>
+                <a:pPr algn="ctr"/>
+                <a:endParaRPr lang="en-US" sz="800" dirty="0"/>
+              </a:p>
+            </p:txBody>
+          </p:sp>
+          <p:sp>
+            <p:nvSpPr>
+              <p:cNvPr id="76" name="Flowchart: Document 75">
+                <a:extLst>
+                  <a:ext uri="{FF2B5EF4-FFF2-40B4-BE49-F238E27FC236}">
+                    <a16:creationId xmlns:a16="http://schemas.microsoft.com/office/drawing/2014/main" id="{5ADA8932-1F4F-4C67-8F7F-C0D029E0529B}"/>
+                  </a:ext>
+                </a:extLst>
+              </p:cNvPr>
+              <p:cNvSpPr/>
+              <p:nvPr/>
+            </p:nvSpPr>
+            <p:spPr>
+              <a:xfrm>
+                <a:off x="7243112" y="2774092"/>
+                <a:ext cx="829965" cy="665205"/>
+              </a:xfrm>
+              <a:prstGeom prst="flowChartDocument">
+                <a:avLst/>
+              </a:prstGeom>
+            </p:spPr>
+            <p:style>
+              <a:lnRef idx="1">
+                <a:schemeClr val="accent4"/>
+              </a:lnRef>
+              <a:fillRef idx="2">
+                <a:schemeClr val="accent4"/>
+              </a:fillRef>
+              <a:effectRef idx="1">
+                <a:schemeClr val="accent4"/>
+              </a:effectRef>
+              <a:fontRef idx="minor">
+                <a:schemeClr val="dk1"/>
+              </a:fontRef>
+            </p:style>
+            <p:txBody>
+              <a:bodyPr rtlCol="0" anchor="ctr"/>
+              <a:lstStyle/>
+              <a:p>
+                <a:pPr algn="ctr"/>
+                <a:endParaRPr lang="en-US" sz="800" dirty="0"/>
+              </a:p>
+            </p:txBody>
+          </p:sp>
+          <p:sp>
+            <p:nvSpPr>
+              <p:cNvPr id="77" name="Flowchart: Document 76">
+                <a:extLst>
+                  <a:ext uri="{FF2B5EF4-FFF2-40B4-BE49-F238E27FC236}">
+                    <a16:creationId xmlns:a16="http://schemas.microsoft.com/office/drawing/2014/main" id="{7C11A5BE-8593-474D-8499-7233BCC98B50}"/>
+                  </a:ext>
+                </a:extLst>
+              </p:cNvPr>
+              <p:cNvSpPr/>
+              <p:nvPr/>
+            </p:nvSpPr>
+            <p:spPr>
+              <a:xfrm>
+                <a:off x="4948890" y="1987380"/>
+                <a:ext cx="829965" cy="665205"/>
+              </a:xfrm>
+              <a:prstGeom prst="flowChartDocument">
+                <a:avLst/>
+              </a:prstGeom>
+            </p:spPr>
+            <p:style>
+              <a:lnRef idx="1">
+                <a:schemeClr val="accent4"/>
+              </a:lnRef>
+              <a:fillRef idx="2">
+                <a:schemeClr val="accent4"/>
+              </a:fillRef>
+              <a:effectRef idx="1">
+                <a:schemeClr val="accent4"/>
+              </a:effectRef>
+              <a:fontRef idx="minor">
+                <a:schemeClr val="dk1"/>
+              </a:fontRef>
+            </p:style>
+            <p:txBody>
+              <a:bodyPr rtlCol="0" anchor="ctr"/>
+              <a:lstStyle/>
+              <a:p>
+                <a:pPr algn="ctr"/>
+                <a:endParaRPr lang="en-US" sz="800" dirty="0"/>
+              </a:p>
+            </p:txBody>
+          </p:sp>
+          <p:sp>
+            <p:nvSpPr>
+              <p:cNvPr id="78" name="Flowchart: Document 77">
+                <a:extLst>
+                  <a:ext uri="{FF2B5EF4-FFF2-40B4-BE49-F238E27FC236}">
+                    <a16:creationId xmlns:a16="http://schemas.microsoft.com/office/drawing/2014/main" id="{50224558-C15E-4C0E-887D-28301D51209C}"/>
+                  </a:ext>
+                </a:extLst>
+              </p:cNvPr>
+              <p:cNvSpPr/>
+              <p:nvPr/>
+            </p:nvSpPr>
+            <p:spPr>
+              <a:xfrm>
+                <a:off x="7880518" y="1159476"/>
+                <a:ext cx="829965" cy="665205"/>
+              </a:xfrm>
+              <a:prstGeom prst="flowChartDocument">
+                <a:avLst/>
+              </a:prstGeom>
+            </p:spPr>
+            <p:style>
+              <a:lnRef idx="1">
+                <a:schemeClr val="accent4"/>
+              </a:lnRef>
+              <a:fillRef idx="2">
+                <a:schemeClr val="accent4"/>
+              </a:fillRef>
+              <a:effectRef idx="1">
+                <a:schemeClr val="accent4"/>
+              </a:effectRef>
+              <a:fontRef idx="minor">
+                <a:schemeClr val="dk1"/>
+              </a:fontRef>
+            </p:style>
+            <p:txBody>
+              <a:bodyPr rtlCol="0" anchor="ctr"/>
+              <a:lstStyle/>
+              <a:p>
+                <a:pPr algn="ctr"/>
+                <a:endParaRPr lang="en-US" sz="800" dirty="0"/>
+              </a:p>
+            </p:txBody>
+          </p:sp>
+          <p:sp>
+            <p:nvSpPr>
+              <p:cNvPr id="79" name="Flowchart: Document 78">
+                <a:extLst>
+                  <a:ext uri="{FF2B5EF4-FFF2-40B4-BE49-F238E27FC236}">
+                    <a16:creationId xmlns:a16="http://schemas.microsoft.com/office/drawing/2014/main" id="{B1C807E9-DCBE-4CAB-B814-4142903D6574}"/>
+                  </a:ext>
+                </a:extLst>
+              </p:cNvPr>
+              <p:cNvSpPr/>
+              <p:nvPr/>
+            </p:nvSpPr>
+            <p:spPr>
+              <a:xfrm>
+                <a:off x="3485621" y="1577291"/>
+                <a:ext cx="829965" cy="665205"/>
+              </a:xfrm>
+              <a:prstGeom prst="flowChartDocument">
+                <a:avLst/>
+              </a:prstGeom>
+            </p:spPr>
+            <p:style>
+              <a:lnRef idx="1">
+                <a:schemeClr val="accent4"/>
+              </a:lnRef>
+              <a:fillRef idx="2">
+                <a:schemeClr val="accent4"/>
+              </a:fillRef>
+              <a:effectRef idx="1">
+                <a:schemeClr val="accent4"/>
+              </a:effectRef>
+              <a:fontRef idx="minor">
+                <a:schemeClr val="dk1"/>
+              </a:fontRef>
+            </p:style>
+            <p:txBody>
+              <a:bodyPr rtlCol="0" anchor="ctr"/>
+              <a:lstStyle/>
+              <a:p>
+                <a:pPr algn="ctr"/>
+                <a:endParaRPr lang="en-US" sz="800" dirty="0"/>
+              </a:p>
+            </p:txBody>
+          </p:sp>
+          <p:sp>
+            <p:nvSpPr>
+              <p:cNvPr id="80" name="Flowchart: Document 79">
+                <a:extLst>
+                  <a:ext uri="{FF2B5EF4-FFF2-40B4-BE49-F238E27FC236}">
+                    <a16:creationId xmlns:a16="http://schemas.microsoft.com/office/drawing/2014/main" id="{A3A56047-2B96-4783-A59D-5F937DDBB702}"/>
+                  </a:ext>
+                </a:extLst>
+              </p:cNvPr>
+              <p:cNvSpPr/>
+              <p:nvPr/>
+            </p:nvSpPr>
+            <p:spPr>
+              <a:xfrm>
+                <a:off x="6412159" y="1526057"/>
+                <a:ext cx="829965" cy="665205"/>
+              </a:xfrm>
+              <a:prstGeom prst="flowChartDocument">
+                <a:avLst/>
+              </a:prstGeom>
+            </p:spPr>
+            <p:style>
+              <a:lnRef idx="1">
+                <a:schemeClr val="accent4"/>
+              </a:lnRef>
+              <a:fillRef idx="2">
+                <a:schemeClr val="accent4"/>
+              </a:fillRef>
+              <a:effectRef idx="1">
+                <a:schemeClr val="accent4"/>
+              </a:effectRef>
+              <a:fontRef idx="minor">
+                <a:schemeClr val="dk1"/>
+              </a:fontRef>
+            </p:style>
+            <p:txBody>
+              <a:bodyPr rtlCol="0" anchor="ctr"/>
+              <a:lstStyle/>
+              <a:p>
+                <a:pPr algn="ctr"/>
+                <a:endParaRPr lang="en-US" sz="800" dirty="0"/>
+              </a:p>
+            </p:txBody>
+          </p:sp>
+          <p:sp>
+            <p:nvSpPr>
+              <p:cNvPr id="81" name="Rectangle 80">
+                <a:extLst>
+                  <a:ext uri="{FF2B5EF4-FFF2-40B4-BE49-F238E27FC236}">
+                    <a16:creationId xmlns:a16="http://schemas.microsoft.com/office/drawing/2014/main" id="{D65353C8-CBB3-4602-B28F-0CFCC3B9F00B}"/>
+                  </a:ext>
+                </a:extLst>
+              </p:cNvPr>
+              <p:cNvSpPr/>
+              <p:nvPr/>
+            </p:nvSpPr>
+            <p:spPr>
+              <a:xfrm>
+                <a:off x="3295135" y="1392194"/>
+                <a:ext cx="2592875" cy="2393089"/>
+              </a:xfrm>
+              <a:prstGeom prst="rect">
+                <a:avLst/>
+              </a:prstGeom>
+              <a:noFill/>
+              <a:ln w="19050" cap="flat" cmpd="sng" algn="ctr">
+                <a:solidFill>
+                  <a:schemeClr val="accent6"/>
+                </a:solidFill>
+                <a:prstDash val="sysDash"/>
+                <a:round/>
+                <a:headEnd type="none" w="med" len="med"/>
+                <a:tailEnd type="none" w="med" len="med"/>
+              </a:ln>
+            </p:spPr>
+            <p:style>
+              <a:lnRef idx="0">
+                <a:scrgbClr r="0" g="0" b="0"/>
+              </a:lnRef>
+              <a:fillRef idx="0">
+                <a:scrgbClr r="0" g="0" b="0"/>
+              </a:fillRef>
+              <a:effectRef idx="0">
+                <a:scrgbClr r="0" g="0" b="0"/>
+              </a:effectRef>
+              <a:fontRef idx="minor">
+                <a:schemeClr val="accent6"/>
+              </a:fontRef>
+            </p:style>
+            <p:txBody>
+              <a:bodyPr rtlCol="0" anchor="ctr"/>
+              <a:lstStyle/>
+              <a:p>
+                <a:pPr algn="ctr"/>
+                <a:endParaRPr lang="en-US"/>
+              </a:p>
+            </p:txBody>
+          </p:sp>
+        </p:grpSp>
+      </p:grpSp>
+      <p:sp>
+        <p:nvSpPr>
+          <p:cNvPr id="84" name="Rectangle 83">
+            <a:extLst>
+              <a:ext uri="{FF2B5EF4-FFF2-40B4-BE49-F238E27FC236}">
+                <a16:creationId xmlns:a16="http://schemas.microsoft.com/office/drawing/2014/main" id="{80D2C645-C978-472B-8794-0FF9DF3A756C}"/>
+              </a:ext>
+            </a:extLst>
+          </p:cNvPr>
+          <p:cNvSpPr/>
+          <p:nvPr/>
+        </p:nvSpPr>
+        <p:spPr>
+          <a:xfrm>
+            <a:off x="1111761" y="3483334"/>
+            <a:ext cx="3994175" cy="2059460"/>
+          </a:xfrm>
+          <a:prstGeom prst="rect">
+            <a:avLst/>
+          </a:prstGeom>
+          <a:solidFill>
+            <a:schemeClr val="accent3">
+              <a:lumMod val="20000"/>
+              <a:lumOff val="80000"/>
+            </a:schemeClr>
+          </a:solidFill>
+        </p:spPr>
+        <p:style>
+          <a:lnRef idx="1">
+            <a:schemeClr val="accent3"/>
+          </a:lnRef>
+          <a:fillRef idx="2">
+            <a:schemeClr val="accent3"/>
+          </a:fillRef>
+          <a:effectRef idx="1">
+            <a:schemeClr val="accent3"/>
+          </a:effectRef>
+          <a:fontRef idx="minor">
+            <a:schemeClr val="dk1"/>
+          </a:fontRef>
+        </p:style>
+        <p:txBody>
+          <a:bodyPr rtlCol="0" anchor="ctr"/>
+          <a:lstStyle/>
+          <a:p>
+            <a:pPr algn="ctr"/>
+            <a:endParaRPr lang="en-US"/>
+          </a:p>
+        </p:txBody>
+      </p:sp>
+      <p:grpSp>
+        <p:nvGrpSpPr>
+          <p:cNvPr id="114" name="Group 113">
+            <a:extLst>
+              <a:ext uri="{FF2B5EF4-FFF2-40B4-BE49-F238E27FC236}">
+                <a16:creationId xmlns:a16="http://schemas.microsoft.com/office/drawing/2014/main" id="{FD1F9A50-5EDE-4EC4-9D2D-2B7910CECE41}"/>
+              </a:ext>
+            </a:extLst>
+          </p:cNvPr>
+          <p:cNvGrpSpPr/>
+          <p:nvPr/>
+        </p:nvGrpSpPr>
+        <p:grpSpPr>
+          <a:xfrm>
+            <a:off x="1341278" y="3747120"/>
+            <a:ext cx="3512300" cy="1523518"/>
+            <a:chOff x="233908" y="754918"/>
+            <a:chExt cx="11164194" cy="4812999"/>
+          </a:xfrm>
+        </p:grpSpPr>
+        <p:sp>
+          <p:nvSpPr>
+            <p:cNvPr id="115" name="Rectangle: Rounded Corners 114">
+              <a:extLst>
+                <a:ext uri="{FF2B5EF4-FFF2-40B4-BE49-F238E27FC236}">
+                  <a16:creationId xmlns:a16="http://schemas.microsoft.com/office/drawing/2014/main" id="{B3912A0B-6563-4E19-BFC1-DFA7FF42FF18}"/>
+                </a:ext>
+              </a:extLst>
+            </p:cNvPr>
+            <p:cNvSpPr/>
+            <p:nvPr/>
+          </p:nvSpPr>
+          <p:spPr>
+            <a:xfrm>
+              <a:off x="754910" y="754918"/>
+              <a:ext cx="1828800" cy="276446"/>
+            </a:xfrm>
+            <a:prstGeom prst="roundRect">
+              <a:avLst/>
+            </a:prstGeom>
+          </p:spPr>
+          <p:style>
+            <a:lnRef idx="2">
+              <a:schemeClr val="accent1">
+                <a:shade val="50000"/>
+              </a:schemeClr>
+            </a:lnRef>
+            <a:fillRef idx="1">
+              <a:schemeClr val="accent1"/>
+            </a:fillRef>
+            <a:effectRef idx="0">
+              <a:schemeClr val="accent1"/>
+            </a:effectRef>
+            <a:fontRef idx="minor">
+              <a:schemeClr val="lt1"/>
+            </a:fontRef>
+          </p:style>
+          <p:txBody>
+            <a:bodyPr rtlCol="0" anchor="ctr"/>
+            <a:lstStyle/>
+            <a:p>
+              <a:pPr algn="ctr"/>
+              <a:endParaRPr lang="en-US"/>
+            </a:p>
+          </p:txBody>
+        </p:sp>
+        <p:sp>
+          <p:nvSpPr>
+            <p:cNvPr id="116" name="Rectangle: Rounded Corners 115">
+              <a:extLst>
+                <a:ext uri="{FF2B5EF4-FFF2-40B4-BE49-F238E27FC236}">
+                  <a16:creationId xmlns:a16="http://schemas.microsoft.com/office/drawing/2014/main" id="{CC8B1930-EB87-42AC-B8E0-706CEA8FBD52}"/>
+                </a:ext>
+              </a:extLst>
+            </p:cNvPr>
+            <p:cNvSpPr/>
+            <p:nvPr/>
+          </p:nvSpPr>
+          <p:spPr>
+            <a:xfrm>
+              <a:off x="2789272" y="754918"/>
+              <a:ext cx="2718391" cy="276446"/>
+            </a:xfrm>
+            <a:prstGeom prst="roundRect">
+              <a:avLst/>
+            </a:prstGeom>
+          </p:spPr>
+          <p:style>
+            <a:lnRef idx="2">
+              <a:schemeClr val="accent1">
+                <a:shade val="50000"/>
+              </a:schemeClr>
+            </a:lnRef>
+            <a:fillRef idx="1">
+              <a:schemeClr val="accent1"/>
+            </a:fillRef>
+            <a:effectRef idx="0">
+              <a:schemeClr val="accent1"/>
+            </a:effectRef>
+            <a:fontRef idx="minor">
+              <a:schemeClr val="lt1"/>
+            </a:fontRef>
+          </p:style>
+          <p:txBody>
+            <a:bodyPr rtlCol="0" anchor="ctr"/>
+            <a:lstStyle/>
+            <a:p>
+              <a:pPr algn="ctr"/>
+              <a:endParaRPr lang="en-US"/>
+            </a:p>
+          </p:txBody>
+        </p:sp>
+        <p:sp>
+          <p:nvSpPr>
+            <p:cNvPr id="117" name="Rectangle: Rounded Corners 116">
+              <a:extLst>
+                <a:ext uri="{FF2B5EF4-FFF2-40B4-BE49-F238E27FC236}">
+                  <a16:creationId xmlns:a16="http://schemas.microsoft.com/office/drawing/2014/main" id="{B53C1D85-09F6-42FC-8121-FC4F15399353}"/>
+                </a:ext>
+              </a:extLst>
+            </p:cNvPr>
+            <p:cNvSpPr/>
+            <p:nvPr/>
+          </p:nvSpPr>
+          <p:spPr>
+            <a:xfrm>
+              <a:off x="5713225" y="754918"/>
+              <a:ext cx="2718391" cy="276446"/>
+            </a:xfrm>
+            <a:prstGeom prst="roundRect">
+              <a:avLst/>
+            </a:prstGeom>
+          </p:spPr>
+          <p:style>
+            <a:lnRef idx="2">
+              <a:schemeClr val="accent1">
+                <a:shade val="50000"/>
+              </a:schemeClr>
+            </a:lnRef>
+            <a:fillRef idx="1">
+              <a:schemeClr val="accent1"/>
+            </a:fillRef>
+            <a:effectRef idx="0">
+              <a:schemeClr val="accent1"/>
+            </a:effectRef>
+            <a:fontRef idx="minor">
+              <a:schemeClr val="lt1"/>
+            </a:fontRef>
+          </p:style>
+          <p:txBody>
+            <a:bodyPr rtlCol="0" anchor="ctr"/>
+            <a:lstStyle/>
+            <a:p>
+              <a:pPr algn="ctr"/>
+              <a:endParaRPr lang="en-US"/>
+            </a:p>
+          </p:txBody>
+        </p:sp>
+        <p:sp>
+          <p:nvSpPr>
+            <p:cNvPr id="118" name="Rectangle: Rounded Corners 117">
+              <a:extLst>
+                <a:ext uri="{FF2B5EF4-FFF2-40B4-BE49-F238E27FC236}">
+                  <a16:creationId xmlns:a16="http://schemas.microsoft.com/office/drawing/2014/main" id="{8ED6B02B-B0BE-4DAF-87C9-7A17C3150A37}"/>
+                </a:ext>
+              </a:extLst>
+            </p:cNvPr>
+            <p:cNvSpPr/>
+            <p:nvPr/>
+          </p:nvSpPr>
+          <p:spPr>
+            <a:xfrm rot="16200000">
+              <a:off x="-125819" y="1788047"/>
+              <a:ext cx="1017175" cy="276446"/>
+            </a:xfrm>
+            <a:prstGeom prst="roundRect">
+              <a:avLst/>
+            </a:prstGeom>
+          </p:spPr>
+          <p:style>
+            <a:lnRef idx="2">
+              <a:schemeClr val="accent1">
+                <a:shade val="50000"/>
+              </a:schemeClr>
+            </a:lnRef>
+            <a:fillRef idx="1">
+              <a:schemeClr val="accent1"/>
+            </a:fillRef>
+            <a:effectRef idx="0">
+              <a:schemeClr val="accent1"/>
+            </a:effectRef>
+            <a:fontRef idx="minor">
+              <a:schemeClr val="lt1"/>
+            </a:fontRef>
+          </p:style>
+          <p:txBody>
+            <a:bodyPr rtlCol="0" anchor="ctr"/>
+            <a:lstStyle/>
+            <a:p>
+              <a:pPr algn="ctr"/>
+              <a:endParaRPr lang="en-US"/>
+            </a:p>
+          </p:txBody>
+        </p:sp>
+        <p:sp>
+          <p:nvSpPr>
+            <p:cNvPr id="119" name="Rectangle: Rounded Corners 118">
+              <a:extLst>
+                <a:ext uri="{FF2B5EF4-FFF2-40B4-BE49-F238E27FC236}">
+                  <a16:creationId xmlns:a16="http://schemas.microsoft.com/office/drawing/2014/main" id="{0FAA13BB-40D4-468E-AF91-68548A0DB8B5}"/>
+                </a:ext>
+              </a:extLst>
+            </p:cNvPr>
+            <p:cNvSpPr/>
+            <p:nvPr/>
+          </p:nvSpPr>
+          <p:spPr>
+            <a:xfrm rot="16200000">
+              <a:off x="-136456" y="3290777"/>
+              <a:ext cx="1017175" cy="276446"/>
+            </a:xfrm>
+            <a:prstGeom prst="roundRect">
+              <a:avLst/>
+            </a:prstGeom>
+          </p:spPr>
+          <p:style>
+            <a:lnRef idx="2">
+              <a:schemeClr val="accent1">
+                <a:shade val="50000"/>
+              </a:schemeClr>
+            </a:lnRef>
+            <a:fillRef idx="1">
+              <a:schemeClr val="accent1"/>
+            </a:fillRef>
+            <a:effectRef idx="0">
+              <a:schemeClr val="accent1"/>
+            </a:effectRef>
+            <a:fontRef idx="minor">
+              <a:schemeClr val="lt1"/>
+            </a:fontRef>
+          </p:style>
+          <p:txBody>
+            <a:bodyPr rtlCol="0" anchor="ctr"/>
+            <a:lstStyle/>
+            <a:p>
+              <a:pPr algn="ctr"/>
+              <a:endParaRPr lang="en-US"/>
+            </a:p>
+          </p:txBody>
+        </p:sp>
+        <p:sp>
+          <p:nvSpPr>
+            <p:cNvPr id="120" name="Rectangle: Rounded Corners 119">
+              <a:extLst>
+                <a:ext uri="{FF2B5EF4-FFF2-40B4-BE49-F238E27FC236}">
+                  <a16:creationId xmlns:a16="http://schemas.microsoft.com/office/drawing/2014/main" id="{F7E6299A-BBC0-4846-8EB3-0913BF364D32}"/>
+                </a:ext>
+              </a:extLst>
+            </p:cNvPr>
+            <p:cNvSpPr/>
+            <p:nvPr/>
+          </p:nvSpPr>
+          <p:spPr>
+            <a:xfrm rot="16200000">
+              <a:off x="-136457" y="4641119"/>
+              <a:ext cx="1017175" cy="276446"/>
+            </a:xfrm>
+            <a:prstGeom prst="roundRect">
+              <a:avLst/>
+            </a:prstGeom>
+          </p:spPr>
+          <p:style>
+            <a:lnRef idx="2">
+              <a:schemeClr val="accent1">
+                <a:shade val="50000"/>
+              </a:schemeClr>
+            </a:lnRef>
+            <a:fillRef idx="1">
+              <a:schemeClr val="accent1"/>
+            </a:fillRef>
+            <a:effectRef idx="0">
+              <a:schemeClr val="accent1"/>
+            </a:effectRef>
+            <a:fontRef idx="minor">
+              <a:schemeClr val="lt1"/>
+            </a:fontRef>
+          </p:style>
+          <p:txBody>
+            <a:bodyPr rtlCol="0" anchor="ctr"/>
+            <a:lstStyle/>
+            <a:p>
+              <a:pPr algn="ctr"/>
+              <a:endParaRPr lang="en-US"/>
+            </a:p>
+          </p:txBody>
+        </p:sp>
+        <p:cxnSp>
+          <p:nvCxnSpPr>
+            <p:cNvPr id="121" name="Straight Connector 120">
+              <a:extLst>
+                <a:ext uri="{FF2B5EF4-FFF2-40B4-BE49-F238E27FC236}">
+                  <a16:creationId xmlns:a16="http://schemas.microsoft.com/office/drawing/2014/main" id="{0F7BB8F3-4C05-4D36-88A8-95F72200C5F6}"/>
+                </a:ext>
+              </a:extLst>
+            </p:cNvPr>
+            <p:cNvCxnSpPr/>
+            <p:nvPr/>
+          </p:nvCxnSpPr>
+          <p:spPr>
+            <a:xfrm>
+              <a:off x="244545" y="1233377"/>
+              <a:ext cx="11153557" cy="0"/>
+            </a:xfrm>
+            <a:prstGeom prst="line">
+              <a:avLst/>
+            </a:prstGeom>
+          </p:spPr>
+          <p:style>
+            <a:lnRef idx="1">
+              <a:schemeClr val="accent1"/>
+            </a:lnRef>
+            <a:fillRef idx="0">
+              <a:schemeClr val="accent1"/>
+            </a:fillRef>
+            <a:effectRef idx="0">
+              <a:schemeClr val="accent1"/>
+            </a:effectRef>
+            <a:fontRef idx="minor">
+              <a:schemeClr val="tx1"/>
+            </a:fontRef>
+          </p:style>
+        </p:cxnSp>
+        <p:cxnSp>
+          <p:nvCxnSpPr>
+            <p:cNvPr id="122" name="Straight Connector 121">
+              <a:extLst>
+                <a:ext uri="{FF2B5EF4-FFF2-40B4-BE49-F238E27FC236}">
+                  <a16:creationId xmlns:a16="http://schemas.microsoft.com/office/drawing/2014/main" id="{8C7B5D85-7169-4D03-AD97-81B7AF545B15}"/>
+                </a:ext>
+              </a:extLst>
+            </p:cNvPr>
+            <p:cNvCxnSpPr/>
+            <p:nvPr/>
+          </p:nvCxnSpPr>
+          <p:spPr>
+            <a:xfrm>
+              <a:off x="244545" y="2661684"/>
+              <a:ext cx="11153557" cy="0"/>
+            </a:xfrm>
+            <a:prstGeom prst="line">
+              <a:avLst/>
+            </a:prstGeom>
+          </p:spPr>
+          <p:style>
+            <a:lnRef idx="1">
+              <a:schemeClr val="accent1"/>
+            </a:lnRef>
+            <a:fillRef idx="0">
+              <a:schemeClr val="accent1"/>
+            </a:fillRef>
+            <a:effectRef idx="0">
+              <a:schemeClr val="accent1"/>
+            </a:effectRef>
+            <a:fontRef idx="minor">
+              <a:schemeClr val="tx1"/>
+            </a:fontRef>
+          </p:style>
+        </p:cxnSp>
+        <p:cxnSp>
+          <p:nvCxnSpPr>
+            <p:cNvPr id="123" name="Straight Connector 122">
+              <a:extLst>
+                <a:ext uri="{FF2B5EF4-FFF2-40B4-BE49-F238E27FC236}">
+                  <a16:creationId xmlns:a16="http://schemas.microsoft.com/office/drawing/2014/main" id="{AF37F7AC-2C03-402E-A4EF-6159E5459561}"/>
+                </a:ext>
+              </a:extLst>
+            </p:cNvPr>
+            <p:cNvCxnSpPr/>
+            <p:nvPr/>
+          </p:nvCxnSpPr>
+          <p:spPr>
+            <a:xfrm>
+              <a:off x="244545" y="4143154"/>
+              <a:ext cx="11153557" cy="0"/>
+            </a:xfrm>
+            <a:prstGeom prst="line">
+              <a:avLst/>
+            </a:prstGeom>
+          </p:spPr>
+          <p:style>
+            <a:lnRef idx="1">
+              <a:schemeClr val="accent1"/>
+            </a:lnRef>
+            <a:fillRef idx="0">
+              <a:schemeClr val="accent1"/>
+            </a:fillRef>
+            <a:effectRef idx="0">
+              <a:schemeClr val="accent1"/>
+            </a:effectRef>
+            <a:fontRef idx="minor">
+              <a:schemeClr val="tx1"/>
+            </a:fontRef>
+          </p:style>
+        </p:cxnSp>
+        <p:cxnSp>
+          <p:nvCxnSpPr>
+            <p:cNvPr id="124" name="Straight Connector 123">
+              <a:extLst>
+                <a:ext uri="{FF2B5EF4-FFF2-40B4-BE49-F238E27FC236}">
+                  <a16:creationId xmlns:a16="http://schemas.microsoft.com/office/drawing/2014/main" id="{6C44DC1F-B47C-4560-9413-E7788FB548DC}"/>
+                </a:ext>
+              </a:extLst>
+            </p:cNvPr>
+            <p:cNvCxnSpPr/>
+            <p:nvPr/>
+          </p:nvCxnSpPr>
+          <p:spPr>
+            <a:xfrm>
+              <a:off x="244545" y="5567917"/>
+              <a:ext cx="11153557" cy="0"/>
+            </a:xfrm>
+            <a:prstGeom prst="line">
+              <a:avLst/>
+            </a:prstGeom>
+          </p:spPr>
+          <p:style>
+            <a:lnRef idx="1">
+              <a:schemeClr val="accent1"/>
+            </a:lnRef>
+            <a:fillRef idx="0">
+              <a:schemeClr val="accent1"/>
+            </a:fillRef>
+            <a:effectRef idx="0">
+              <a:schemeClr val="accent1"/>
+            </a:effectRef>
+            <a:fontRef idx="minor">
+              <a:schemeClr val="tx1"/>
+            </a:fontRef>
+          </p:style>
+        </p:cxnSp>
+        <p:sp>
+          <p:nvSpPr>
+            <p:cNvPr id="125" name="Rectangle: Single Corner Snipped 124">
+              <a:extLst>
+                <a:ext uri="{FF2B5EF4-FFF2-40B4-BE49-F238E27FC236}">
+                  <a16:creationId xmlns:a16="http://schemas.microsoft.com/office/drawing/2014/main" id="{C61964DF-30A5-4631-AFD8-3C44109664CE}"/>
+                </a:ext>
+              </a:extLst>
+            </p:cNvPr>
+            <p:cNvSpPr/>
+            <p:nvPr/>
+          </p:nvSpPr>
+          <p:spPr>
+            <a:xfrm>
+              <a:off x="797440" y="1359198"/>
+              <a:ext cx="765545" cy="361505"/>
+            </a:xfrm>
+            <a:prstGeom prst="snip1Rect">
+              <a:avLst/>
+            </a:prstGeom>
+          </p:spPr>
+          <p:style>
+            <a:lnRef idx="2">
+              <a:schemeClr val="accent4">
+                <a:shade val="50000"/>
+              </a:schemeClr>
+            </a:lnRef>
+            <a:fillRef idx="1">
+              <a:schemeClr val="accent4"/>
+            </a:fillRef>
+            <a:effectRef idx="0">
+              <a:schemeClr val="accent4"/>
+            </a:effectRef>
+            <a:fontRef idx="minor">
+              <a:schemeClr val="lt1"/>
+            </a:fontRef>
+          </p:style>
+          <p:txBody>
+            <a:bodyPr rtlCol="0" anchor="ctr"/>
+            <a:lstStyle/>
+            <a:p>
+              <a:pPr algn="ctr"/>
+              <a:endParaRPr lang="en-US"/>
+            </a:p>
+          </p:txBody>
+        </p:sp>
+        <p:sp>
+          <p:nvSpPr>
+            <p:cNvPr id="126" name="Rectangle: Single Corner Snipped 125">
+              <a:extLst>
+                <a:ext uri="{FF2B5EF4-FFF2-40B4-BE49-F238E27FC236}">
+                  <a16:creationId xmlns:a16="http://schemas.microsoft.com/office/drawing/2014/main" id="{D26B6AED-E25B-47D5-AAB9-D7AF80D58FDB}"/>
+                </a:ext>
+              </a:extLst>
+            </p:cNvPr>
+            <p:cNvSpPr/>
+            <p:nvPr/>
+          </p:nvSpPr>
+          <p:spPr>
+            <a:xfrm>
+              <a:off x="1669310" y="1368062"/>
+              <a:ext cx="765545" cy="361505"/>
+            </a:xfrm>
+            <a:prstGeom prst="snip1Rect">
+              <a:avLst/>
+            </a:prstGeom>
+          </p:spPr>
+          <p:style>
+            <a:lnRef idx="2">
+              <a:schemeClr val="accent4">
+                <a:shade val="50000"/>
+              </a:schemeClr>
+            </a:lnRef>
+            <a:fillRef idx="1">
+              <a:schemeClr val="accent4"/>
+            </a:fillRef>
+            <a:effectRef idx="0">
+              <a:schemeClr val="accent4"/>
+            </a:effectRef>
+            <a:fontRef idx="minor">
+              <a:schemeClr val="lt1"/>
+            </a:fontRef>
+          </p:style>
+          <p:txBody>
+            <a:bodyPr rtlCol="0" anchor="ctr"/>
+            <a:lstStyle/>
+            <a:p>
+              <a:pPr algn="ctr"/>
+              <a:endParaRPr lang="en-US"/>
+            </a:p>
+          </p:txBody>
+        </p:sp>
+        <p:sp>
+          <p:nvSpPr>
+            <p:cNvPr id="127" name="Rectangle: Single Corner Snipped 126">
+              <a:extLst>
+                <a:ext uri="{FF2B5EF4-FFF2-40B4-BE49-F238E27FC236}">
+                  <a16:creationId xmlns:a16="http://schemas.microsoft.com/office/drawing/2014/main" id="{26E319E8-830E-45D1-8A4F-07CBFEF84895}"/>
+                </a:ext>
+              </a:extLst>
+            </p:cNvPr>
+            <p:cNvSpPr/>
+            <p:nvPr/>
+          </p:nvSpPr>
+          <p:spPr>
+            <a:xfrm>
+              <a:off x="797440" y="1806650"/>
+              <a:ext cx="357965" cy="334924"/>
+            </a:xfrm>
+            <a:prstGeom prst="snip1Rect">
+              <a:avLst/>
+            </a:prstGeom>
+          </p:spPr>
+          <p:style>
+            <a:lnRef idx="2">
+              <a:schemeClr val="accent4">
+                <a:shade val="50000"/>
+              </a:schemeClr>
+            </a:lnRef>
+            <a:fillRef idx="1">
+              <a:schemeClr val="accent4"/>
+            </a:fillRef>
+            <a:effectRef idx="0">
+              <a:schemeClr val="accent4"/>
+            </a:effectRef>
+            <a:fontRef idx="minor">
+              <a:schemeClr val="lt1"/>
+            </a:fontRef>
+          </p:style>
+          <p:txBody>
+            <a:bodyPr rtlCol="0" anchor="ctr"/>
+            <a:lstStyle/>
+            <a:p>
+              <a:pPr algn="ctr"/>
+              <a:endParaRPr lang="en-US"/>
+            </a:p>
+          </p:txBody>
+        </p:sp>
+        <p:sp>
+          <p:nvSpPr>
+            <p:cNvPr id="128" name="Rectangle: Single Corner Snipped 127">
+              <a:extLst>
+                <a:ext uri="{FF2B5EF4-FFF2-40B4-BE49-F238E27FC236}">
+                  <a16:creationId xmlns:a16="http://schemas.microsoft.com/office/drawing/2014/main" id="{206AF094-0AE9-4D17-986C-AFB3BF03DD2B}"/>
+                </a:ext>
+              </a:extLst>
+            </p:cNvPr>
+            <p:cNvSpPr/>
+            <p:nvPr/>
+          </p:nvSpPr>
+          <p:spPr>
+            <a:xfrm>
+              <a:off x="1205020" y="1806650"/>
+              <a:ext cx="357965" cy="334924"/>
+            </a:xfrm>
+            <a:prstGeom prst="snip1Rect">
+              <a:avLst/>
+            </a:prstGeom>
+          </p:spPr>
+          <p:style>
+            <a:lnRef idx="2">
+              <a:schemeClr val="accent4">
+                <a:shade val="50000"/>
+              </a:schemeClr>
+            </a:lnRef>
+            <a:fillRef idx="1">
+              <a:schemeClr val="accent4"/>
+            </a:fillRef>
+            <a:effectRef idx="0">
+              <a:schemeClr val="accent4"/>
+            </a:effectRef>
+            <a:fontRef idx="minor">
+              <a:schemeClr val="lt1"/>
+            </a:fontRef>
+          </p:style>
+          <p:txBody>
+            <a:bodyPr rtlCol="0" anchor="ctr"/>
+            <a:lstStyle/>
+            <a:p>
+              <a:pPr algn="ctr"/>
+              <a:endParaRPr lang="en-US"/>
+            </a:p>
+          </p:txBody>
+        </p:sp>
+        <p:sp>
+          <p:nvSpPr>
+            <p:cNvPr id="129" name="Rectangle: Single Corner Snipped 128">
+              <a:extLst>
+                <a:ext uri="{FF2B5EF4-FFF2-40B4-BE49-F238E27FC236}">
+                  <a16:creationId xmlns:a16="http://schemas.microsoft.com/office/drawing/2014/main" id="{0D160112-61CF-4CB5-9B8F-351ABF458964}"/>
+                </a:ext>
+              </a:extLst>
+            </p:cNvPr>
+            <p:cNvSpPr/>
+            <p:nvPr/>
+          </p:nvSpPr>
+          <p:spPr>
+            <a:xfrm>
+              <a:off x="797439" y="2235495"/>
+              <a:ext cx="357965" cy="334924"/>
+            </a:xfrm>
+            <a:prstGeom prst="snip1Rect">
+              <a:avLst/>
+            </a:prstGeom>
+          </p:spPr>
+          <p:style>
+            <a:lnRef idx="2">
+              <a:schemeClr val="accent4">
+                <a:shade val="50000"/>
+              </a:schemeClr>
+            </a:lnRef>
+            <a:fillRef idx="1">
+              <a:schemeClr val="accent4"/>
+            </a:fillRef>
+            <a:effectRef idx="0">
+              <a:schemeClr val="accent4"/>
+            </a:effectRef>
+            <a:fontRef idx="minor">
+              <a:schemeClr val="lt1"/>
+            </a:fontRef>
+          </p:style>
+          <p:txBody>
+            <a:bodyPr rtlCol="0" anchor="ctr"/>
+            <a:lstStyle/>
+            <a:p>
+              <a:pPr algn="ctr"/>
+              <a:endParaRPr lang="en-US"/>
+            </a:p>
+          </p:txBody>
+        </p:sp>
+        <p:sp>
+          <p:nvSpPr>
+            <p:cNvPr id="130" name="Rectangle: Single Corner Snipped 129">
+              <a:extLst>
+                <a:ext uri="{FF2B5EF4-FFF2-40B4-BE49-F238E27FC236}">
+                  <a16:creationId xmlns:a16="http://schemas.microsoft.com/office/drawing/2014/main" id="{0F93A737-0922-42BB-BD40-DA2A022C335D}"/>
+                </a:ext>
+              </a:extLst>
+            </p:cNvPr>
+            <p:cNvSpPr/>
+            <p:nvPr/>
+          </p:nvSpPr>
+          <p:spPr>
+            <a:xfrm>
+              <a:off x="2711303" y="1359198"/>
+              <a:ext cx="765545" cy="361505"/>
+            </a:xfrm>
+            <a:prstGeom prst="snip1Rect">
+              <a:avLst/>
+            </a:prstGeom>
+          </p:spPr>
+          <p:style>
+            <a:lnRef idx="2">
+              <a:schemeClr val="accent4">
+                <a:shade val="50000"/>
+              </a:schemeClr>
+            </a:lnRef>
+            <a:fillRef idx="1">
+              <a:schemeClr val="accent4"/>
+            </a:fillRef>
+            <a:effectRef idx="0">
+              <a:schemeClr val="accent4"/>
+            </a:effectRef>
+            <a:fontRef idx="minor">
+              <a:schemeClr val="lt1"/>
+            </a:fontRef>
+          </p:style>
+          <p:txBody>
+            <a:bodyPr rtlCol="0" anchor="ctr"/>
+            <a:lstStyle/>
+            <a:p>
+              <a:pPr algn="ctr"/>
+              <a:endParaRPr lang="en-US"/>
+            </a:p>
+          </p:txBody>
+        </p:sp>
+        <p:sp>
+          <p:nvSpPr>
+            <p:cNvPr id="131" name="Rectangle: Single Corner Snipped 130">
+              <a:extLst>
+                <a:ext uri="{FF2B5EF4-FFF2-40B4-BE49-F238E27FC236}">
+                  <a16:creationId xmlns:a16="http://schemas.microsoft.com/office/drawing/2014/main" id="{DF1B6978-8271-416C-863D-9C7ACE71DC5D}"/>
+                </a:ext>
+              </a:extLst>
+            </p:cNvPr>
+            <p:cNvSpPr/>
+            <p:nvPr/>
+          </p:nvSpPr>
+          <p:spPr>
+            <a:xfrm>
+              <a:off x="3583173" y="1359200"/>
+              <a:ext cx="765545" cy="361505"/>
+            </a:xfrm>
+            <a:prstGeom prst="snip1Rect">
+              <a:avLst/>
+            </a:prstGeom>
+          </p:spPr>
+          <p:style>
+            <a:lnRef idx="2">
+              <a:schemeClr val="accent4">
+                <a:shade val="50000"/>
+              </a:schemeClr>
+            </a:lnRef>
+            <a:fillRef idx="1">
+              <a:schemeClr val="accent4"/>
+            </a:fillRef>
+            <a:effectRef idx="0">
+              <a:schemeClr val="accent4"/>
+            </a:effectRef>
+            <a:fontRef idx="minor">
+              <a:schemeClr val="lt1"/>
+            </a:fontRef>
+          </p:style>
+          <p:txBody>
+            <a:bodyPr rtlCol="0" anchor="ctr"/>
+            <a:lstStyle/>
+            <a:p>
+              <a:pPr algn="ctr"/>
+              <a:endParaRPr lang="en-US"/>
+            </a:p>
+          </p:txBody>
+        </p:sp>
+        <p:sp>
+          <p:nvSpPr>
+            <p:cNvPr id="132" name="Rectangle: Single Corner Snipped 131">
+              <a:extLst>
+                <a:ext uri="{FF2B5EF4-FFF2-40B4-BE49-F238E27FC236}">
+                  <a16:creationId xmlns:a16="http://schemas.microsoft.com/office/drawing/2014/main" id="{7252F620-93B7-4F9A-AF50-511801E66A75}"/>
+                </a:ext>
+              </a:extLst>
+            </p:cNvPr>
+            <p:cNvSpPr/>
+            <p:nvPr/>
+          </p:nvSpPr>
+          <p:spPr>
+            <a:xfrm>
+              <a:off x="4455043" y="1371164"/>
+              <a:ext cx="765545" cy="361505"/>
+            </a:xfrm>
+            <a:prstGeom prst="snip1Rect">
+              <a:avLst/>
+            </a:prstGeom>
+          </p:spPr>
+          <p:style>
+            <a:lnRef idx="2">
+              <a:schemeClr val="accent4">
+                <a:shade val="50000"/>
+              </a:schemeClr>
+            </a:lnRef>
+            <a:fillRef idx="1">
+              <a:schemeClr val="accent4"/>
+            </a:fillRef>
+            <a:effectRef idx="0">
+              <a:schemeClr val="accent4"/>
+            </a:effectRef>
+            <a:fontRef idx="minor">
+              <a:schemeClr val="lt1"/>
+            </a:fontRef>
+          </p:style>
+          <p:txBody>
+            <a:bodyPr rtlCol="0" anchor="ctr"/>
+            <a:lstStyle/>
+            <a:p>
+              <a:pPr algn="ctr"/>
+              <a:endParaRPr lang="en-US"/>
+            </a:p>
+          </p:txBody>
+        </p:sp>
+        <p:sp>
+          <p:nvSpPr>
+            <p:cNvPr id="133" name="Rectangle: Single Corner Snipped 132">
+              <a:extLst>
+                <a:ext uri="{FF2B5EF4-FFF2-40B4-BE49-F238E27FC236}">
+                  <a16:creationId xmlns:a16="http://schemas.microsoft.com/office/drawing/2014/main" id="{3886071D-DD09-4E43-9E4F-26C64AB07816}"/>
+                </a:ext>
+              </a:extLst>
+            </p:cNvPr>
+            <p:cNvSpPr/>
+            <p:nvPr/>
+          </p:nvSpPr>
+          <p:spPr>
+            <a:xfrm>
+              <a:off x="2711303" y="1801333"/>
+              <a:ext cx="357965" cy="334924"/>
+            </a:xfrm>
+            <a:prstGeom prst="snip1Rect">
+              <a:avLst/>
+            </a:prstGeom>
+          </p:spPr>
+          <p:style>
+            <a:lnRef idx="2">
+              <a:schemeClr val="accent4">
+                <a:shade val="50000"/>
+              </a:schemeClr>
+            </a:lnRef>
+            <a:fillRef idx="1">
+              <a:schemeClr val="accent4"/>
+            </a:fillRef>
+            <a:effectRef idx="0">
+              <a:schemeClr val="accent4"/>
+            </a:effectRef>
+            <a:fontRef idx="minor">
+              <a:schemeClr val="lt1"/>
+            </a:fontRef>
+          </p:style>
+          <p:txBody>
+            <a:bodyPr rtlCol="0" anchor="ctr"/>
+            <a:lstStyle/>
+            <a:p>
+              <a:pPr algn="ctr"/>
+              <a:endParaRPr lang="en-US"/>
+            </a:p>
+          </p:txBody>
+        </p:sp>
+        <p:sp>
+          <p:nvSpPr>
+            <p:cNvPr id="134" name="Rectangle: Single Corner Snipped 133">
+              <a:extLst>
+                <a:ext uri="{FF2B5EF4-FFF2-40B4-BE49-F238E27FC236}">
+                  <a16:creationId xmlns:a16="http://schemas.microsoft.com/office/drawing/2014/main" id="{800ECCE1-E8D4-43DE-AD47-41B2886E0BE1}"/>
+                </a:ext>
+              </a:extLst>
+            </p:cNvPr>
+            <p:cNvSpPr/>
+            <p:nvPr/>
+          </p:nvSpPr>
+          <p:spPr>
+            <a:xfrm>
+              <a:off x="3166733" y="1801333"/>
+              <a:ext cx="357965" cy="334924"/>
+            </a:xfrm>
+            <a:prstGeom prst="snip1Rect">
+              <a:avLst/>
+            </a:prstGeom>
+          </p:spPr>
+          <p:style>
+            <a:lnRef idx="2">
+              <a:schemeClr val="accent4">
+                <a:shade val="50000"/>
+              </a:schemeClr>
+            </a:lnRef>
+            <a:fillRef idx="1">
+              <a:schemeClr val="accent4"/>
+            </a:fillRef>
+            <a:effectRef idx="0">
+              <a:schemeClr val="accent4"/>
+            </a:effectRef>
+            <a:fontRef idx="minor">
+              <a:schemeClr val="lt1"/>
+            </a:fontRef>
+          </p:style>
+          <p:txBody>
+            <a:bodyPr rtlCol="0" anchor="ctr"/>
+            <a:lstStyle/>
+            <a:p>
+              <a:pPr algn="ctr"/>
+              <a:endParaRPr lang="en-US"/>
+            </a:p>
+          </p:txBody>
+        </p:sp>
+        <p:sp>
+          <p:nvSpPr>
+            <p:cNvPr id="135" name="Rectangle: Single Corner Snipped 134">
+              <a:extLst>
+                <a:ext uri="{FF2B5EF4-FFF2-40B4-BE49-F238E27FC236}">
+                  <a16:creationId xmlns:a16="http://schemas.microsoft.com/office/drawing/2014/main" id="{D38495AD-5FEB-4D9A-9187-08C38E367F41}"/>
+                </a:ext>
+              </a:extLst>
+            </p:cNvPr>
+            <p:cNvSpPr/>
+            <p:nvPr/>
+          </p:nvSpPr>
+          <p:spPr>
+            <a:xfrm>
+              <a:off x="2711302" y="2213347"/>
+              <a:ext cx="357965" cy="334924"/>
+            </a:xfrm>
+            <a:prstGeom prst="snip1Rect">
+              <a:avLst/>
+            </a:prstGeom>
+          </p:spPr>
+          <p:style>
+            <a:lnRef idx="2">
+              <a:schemeClr val="accent4">
+                <a:shade val="50000"/>
+              </a:schemeClr>
+            </a:lnRef>
+            <a:fillRef idx="1">
+              <a:schemeClr val="accent4"/>
+            </a:fillRef>
+            <a:effectRef idx="0">
+              <a:schemeClr val="accent4"/>
+            </a:effectRef>
+            <a:fontRef idx="minor">
+              <a:schemeClr val="lt1"/>
+            </a:fontRef>
+          </p:style>
+          <p:txBody>
+            <a:bodyPr rtlCol="0" anchor="ctr"/>
+            <a:lstStyle/>
+            <a:p>
+              <a:pPr algn="ctr"/>
+              <a:endParaRPr lang="en-US"/>
+            </a:p>
+          </p:txBody>
+        </p:sp>
+        <p:sp>
+          <p:nvSpPr>
+            <p:cNvPr id="136" name="Rectangle: Single Corner Snipped 135">
+              <a:extLst>
+                <a:ext uri="{FF2B5EF4-FFF2-40B4-BE49-F238E27FC236}">
+                  <a16:creationId xmlns:a16="http://schemas.microsoft.com/office/drawing/2014/main" id="{8139CCC5-34F1-495B-AAA4-84365D1523CE}"/>
+                </a:ext>
+              </a:extLst>
+            </p:cNvPr>
+            <p:cNvSpPr/>
+            <p:nvPr/>
+          </p:nvSpPr>
+          <p:spPr>
+            <a:xfrm>
+              <a:off x="3166733" y="2213347"/>
+              <a:ext cx="357965" cy="334924"/>
+            </a:xfrm>
+            <a:prstGeom prst="snip1Rect">
+              <a:avLst/>
+            </a:prstGeom>
+          </p:spPr>
+          <p:style>
+            <a:lnRef idx="2">
+              <a:schemeClr val="accent4">
+                <a:shade val="50000"/>
+              </a:schemeClr>
+            </a:lnRef>
+            <a:fillRef idx="1">
+              <a:schemeClr val="accent4"/>
+            </a:fillRef>
+            <a:effectRef idx="0">
+              <a:schemeClr val="accent4"/>
+            </a:effectRef>
+            <a:fontRef idx="minor">
+              <a:schemeClr val="lt1"/>
+            </a:fontRef>
+          </p:style>
+          <p:txBody>
+            <a:bodyPr rtlCol="0" anchor="ctr"/>
+            <a:lstStyle/>
+            <a:p>
+              <a:pPr algn="ctr"/>
+              <a:endParaRPr lang="en-US"/>
+            </a:p>
+          </p:txBody>
+        </p:sp>
+        <p:sp>
+          <p:nvSpPr>
+            <p:cNvPr id="137" name="Rectangle: Single Corner Snipped 136">
+              <a:extLst>
+                <a:ext uri="{FF2B5EF4-FFF2-40B4-BE49-F238E27FC236}">
+                  <a16:creationId xmlns:a16="http://schemas.microsoft.com/office/drawing/2014/main" id="{73F4C691-1717-4616-932C-D60F6084E81F}"/>
+                </a:ext>
+              </a:extLst>
+            </p:cNvPr>
+            <p:cNvSpPr/>
+            <p:nvPr/>
+          </p:nvSpPr>
+          <p:spPr>
+            <a:xfrm>
+              <a:off x="3583173" y="1792917"/>
+              <a:ext cx="357965" cy="334924"/>
+            </a:xfrm>
+            <a:prstGeom prst="snip1Rect">
+              <a:avLst/>
+            </a:prstGeom>
+          </p:spPr>
+          <p:style>
+            <a:lnRef idx="2">
+              <a:schemeClr val="accent4">
+                <a:shade val="50000"/>
+              </a:schemeClr>
+            </a:lnRef>
+            <a:fillRef idx="1">
+              <a:schemeClr val="accent4"/>
+            </a:fillRef>
+            <a:effectRef idx="0">
+              <a:schemeClr val="accent4"/>
+            </a:effectRef>
+            <a:fontRef idx="minor">
+              <a:schemeClr val="lt1"/>
+            </a:fontRef>
+          </p:style>
+          <p:txBody>
+            <a:bodyPr rtlCol="0" anchor="ctr"/>
+            <a:lstStyle/>
+            <a:p>
+              <a:pPr algn="ctr"/>
+              <a:endParaRPr lang="en-US"/>
+            </a:p>
+          </p:txBody>
+        </p:sp>
+        <p:sp>
+          <p:nvSpPr>
+            <p:cNvPr id="138" name="Rectangle: Single Corner Snipped 137">
+              <a:extLst>
+                <a:ext uri="{FF2B5EF4-FFF2-40B4-BE49-F238E27FC236}">
+                  <a16:creationId xmlns:a16="http://schemas.microsoft.com/office/drawing/2014/main" id="{48FF7A13-8524-41A8-BE6B-47E427706039}"/>
+                </a:ext>
+              </a:extLst>
+            </p:cNvPr>
+            <p:cNvSpPr/>
+            <p:nvPr/>
+          </p:nvSpPr>
+          <p:spPr>
+            <a:xfrm>
+              <a:off x="4001383" y="1801333"/>
+              <a:ext cx="357965" cy="334924"/>
+            </a:xfrm>
+            <a:prstGeom prst="snip1Rect">
+              <a:avLst/>
+            </a:prstGeom>
+          </p:spPr>
+          <p:style>
+            <a:lnRef idx="2">
+              <a:schemeClr val="accent4">
+                <a:shade val="50000"/>
+              </a:schemeClr>
+            </a:lnRef>
+            <a:fillRef idx="1">
+              <a:schemeClr val="accent4"/>
+            </a:fillRef>
+            <a:effectRef idx="0">
+              <a:schemeClr val="accent4"/>
+            </a:effectRef>
+            <a:fontRef idx="minor">
+              <a:schemeClr val="lt1"/>
+            </a:fontRef>
+          </p:style>
+          <p:txBody>
+            <a:bodyPr rtlCol="0" anchor="ctr"/>
+            <a:lstStyle/>
+            <a:p>
+              <a:pPr algn="ctr"/>
+              <a:endParaRPr lang="en-US"/>
+            </a:p>
+          </p:txBody>
+        </p:sp>
+        <p:sp>
+          <p:nvSpPr>
+            <p:cNvPr id="139" name="Rectangle: Single Corner Snipped 138">
+              <a:extLst>
+                <a:ext uri="{FF2B5EF4-FFF2-40B4-BE49-F238E27FC236}">
+                  <a16:creationId xmlns:a16="http://schemas.microsoft.com/office/drawing/2014/main" id="{BF6357EA-D177-417C-8C43-FF140F146FD9}"/>
+                </a:ext>
+              </a:extLst>
+            </p:cNvPr>
+            <p:cNvSpPr/>
+            <p:nvPr/>
+          </p:nvSpPr>
+          <p:spPr>
+            <a:xfrm>
+              <a:off x="4456802" y="1792033"/>
+              <a:ext cx="357965" cy="334924"/>
+            </a:xfrm>
+            <a:prstGeom prst="snip1Rect">
+              <a:avLst/>
+            </a:prstGeom>
+          </p:spPr>
+          <p:style>
+            <a:lnRef idx="2">
+              <a:schemeClr val="accent4">
+                <a:shade val="50000"/>
+              </a:schemeClr>
+            </a:lnRef>
+            <a:fillRef idx="1">
+              <a:schemeClr val="accent4"/>
+            </a:fillRef>
+            <a:effectRef idx="0">
+              <a:schemeClr val="accent4"/>
+            </a:effectRef>
+            <a:fontRef idx="minor">
+              <a:schemeClr val="lt1"/>
+            </a:fontRef>
+          </p:style>
+          <p:txBody>
+            <a:bodyPr rtlCol="0" anchor="ctr"/>
+            <a:lstStyle/>
+            <a:p>
+              <a:pPr algn="ctr"/>
+              <a:endParaRPr lang="en-US"/>
+            </a:p>
+          </p:txBody>
+        </p:sp>
+        <p:sp>
+          <p:nvSpPr>
+            <p:cNvPr id="140" name="Rectangle: Single Corner Snipped 139">
+              <a:extLst>
+                <a:ext uri="{FF2B5EF4-FFF2-40B4-BE49-F238E27FC236}">
+                  <a16:creationId xmlns:a16="http://schemas.microsoft.com/office/drawing/2014/main" id="{B2353ECC-202B-48C7-9F32-E0A68608762B}"/>
+                </a:ext>
+              </a:extLst>
+            </p:cNvPr>
+            <p:cNvSpPr/>
+            <p:nvPr/>
+          </p:nvSpPr>
+          <p:spPr>
+            <a:xfrm>
+              <a:off x="4862623" y="1787159"/>
+              <a:ext cx="357965" cy="334924"/>
+            </a:xfrm>
+            <a:prstGeom prst="snip1Rect">
+              <a:avLst/>
+            </a:prstGeom>
+          </p:spPr>
+          <p:style>
+            <a:lnRef idx="2">
+              <a:schemeClr val="accent4">
+                <a:shade val="50000"/>
+              </a:schemeClr>
+            </a:lnRef>
+            <a:fillRef idx="1">
+              <a:schemeClr val="accent4"/>
+            </a:fillRef>
+            <a:effectRef idx="0">
+              <a:schemeClr val="accent4"/>
+            </a:effectRef>
+            <a:fontRef idx="minor">
+              <a:schemeClr val="lt1"/>
+            </a:fontRef>
+          </p:style>
+          <p:txBody>
+            <a:bodyPr rtlCol="0" anchor="ctr"/>
+            <a:lstStyle/>
+            <a:p>
+              <a:pPr algn="ctr"/>
+              <a:endParaRPr lang="en-US"/>
+            </a:p>
+          </p:txBody>
+        </p:sp>
+        <p:sp>
+          <p:nvSpPr>
+            <p:cNvPr id="141" name="Rectangle: Single Corner Snipped 140">
+              <a:extLst>
+                <a:ext uri="{FF2B5EF4-FFF2-40B4-BE49-F238E27FC236}">
+                  <a16:creationId xmlns:a16="http://schemas.microsoft.com/office/drawing/2014/main" id="{7050CD7C-8B4E-4340-AF1D-BC05972BA065}"/>
+                </a:ext>
+              </a:extLst>
+            </p:cNvPr>
+            <p:cNvSpPr/>
+            <p:nvPr/>
+          </p:nvSpPr>
+          <p:spPr>
+            <a:xfrm>
+              <a:off x="797440" y="2790609"/>
+              <a:ext cx="765545" cy="361505"/>
+            </a:xfrm>
+            <a:prstGeom prst="snip1Rect">
+              <a:avLst/>
+            </a:prstGeom>
+          </p:spPr>
+          <p:style>
+            <a:lnRef idx="2">
+              <a:schemeClr val="accent4">
+                <a:shade val="50000"/>
+              </a:schemeClr>
+            </a:lnRef>
+            <a:fillRef idx="1">
+              <a:schemeClr val="accent4"/>
+            </a:fillRef>
+            <a:effectRef idx="0">
+              <a:schemeClr val="accent4"/>
+            </a:effectRef>
+            <a:fontRef idx="minor">
+              <a:schemeClr val="lt1"/>
+            </a:fontRef>
+          </p:style>
+          <p:txBody>
+            <a:bodyPr rtlCol="0" anchor="ctr"/>
+            <a:lstStyle/>
+            <a:p>
+              <a:pPr algn="ctr"/>
+              <a:endParaRPr lang="en-US"/>
+            </a:p>
+          </p:txBody>
+        </p:sp>
+        <p:sp>
+          <p:nvSpPr>
+            <p:cNvPr id="142" name="Rectangle: Single Corner Snipped 141">
+              <a:extLst>
+                <a:ext uri="{FF2B5EF4-FFF2-40B4-BE49-F238E27FC236}">
+                  <a16:creationId xmlns:a16="http://schemas.microsoft.com/office/drawing/2014/main" id="{C11C5F8D-3CCB-4E01-A7E3-04AEE36653B5}"/>
+                </a:ext>
+              </a:extLst>
+            </p:cNvPr>
+            <p:cNvSpPr/>
+            <p:nvPr/>
+          </p:nvSpPr>
+          <p:spPr>
+            <a:xfrm>
+              <a:off x="797440" y="3238061"/>
+              <a:ext cx="357965" cy="334924"/>
+            </a:xfrm>
+            <a:prstGeom prst="snip1Rect">
+              <a:avLst/>
+            </a:prstGeom>
+          </p:spPr>
+          <p:style>
+            <a:lnRef idx="2">
+              <a:schemeClr val="accent4">
+                <a:shade val="50000"/>
+              </a:schemeClr>
+            </a:lnRef>
+            <a:fillRef idx="1">
+              <a:schemeClr val="accent4"/>
+            </a:fillRef>
+            <a:effectRef idx="0">
+              <a:schemeClr val="accent4"/>
+            </a:effectRef>
+            <a:fontRef idx="minor">
+              <a:schemeClr val="lt1"/>
+            </a:fontRef>
+          </p:style>
+          <p:txBody>
+            <a:bodyPr rtlCol="0" anchor="ctr"/>
+            <a:lstStyle/>
+            <a:p>
+              <a:pPr algn="ctr"/>
+              <a:endParaRPr lang="en-US"/>
+            </a:p>
+          </p:txBody>
+        </p:sp>
+        <p:sp>
+          <p:nvSpPr>
+            <p:cNvPr id="143" name="Rectangle: Single Corner Snipped 142">
+              <a:extLst>
+                <a:ext uri="{FF2B5EF4-FFF2-40B4-BE49-F238E27FC236}">
+                  <a16:creationId xmlns:a16="http://schemas.microsoft.com/office/drawing/2014/main" id="{49BB0BB4-7713-4BBC-8802-46594B5A3B26}"/>
+                </a:ext>
+              </a:extLst>
+            </p:cNvPr>
+            <p:cNvSpPr/>
+            <p:nvPr/>
+          </p:nvSpPr>
+          <p:spPr>
+            <a:xfrm>
+              <a:off x="1205020" y="3238061"/>
+              <a:ext cx="357965" cy="334924"/>
+            </a:xfrm>
+            <a:prstGeom prst="snip1Rect">
+              <a:avLst/>
+            </a:prstGeom>
+          </p:spPr>
+          <p:style>
+            <a:lnRef idx="2">
+              <a:schemeClr val="accent4">
+                <a:shade val="50000"/>
+              </a:schemeClr>
+            </a:lnRef>
+            <a:fillRef idx="1">
+              <a:schemeClr val="accent4"/>
+            </a:fillRef>
+            <a:effectRef idx="0">
+              <a:schemeClr val="accent4"/>
+            </a:effectRef>
+            <a:fontRef idx="minor">
+              <a:schemeClr val="lt1"/>
+            </a:fontRef>
+          </p:style>
+          <p:txBody>
+            <a:bodyPr rtlCol="0" anchor="ctr"/>
+            <a:lstStyle/>
+            <a:p>
+              <a:pPr algn="ctr"/>
+              <a:endParaRPr lang="en-US"/>
+            </a:p>
+          </p:txBody>
+        </p:sp>
+        <p:sp>
+          <p:nvSpPr>
+            <p:cNvPr id="144" name="Rectangle: Single Corner Snipped 143">
+              <a:extLst>
+                <a:ext uri="{FF2B5EF4-FFF2-40B4-BE49-F238E27FC236}">
+                  <a16:creationId xmlns:a16="http://schemas.microsoft.com/office/drawing/2014/main" id="{8D5CCC9B-B821-4B4D-92B9-E08B7ED51A3E}"/>
+                </a:ext>
+              </a:extLst>
+            </p:cNvPr>
+            <p:cNvSpPr/>
+            <p:nvPr/>
+          </p:nvSpPr>
+          <p:spPr>
+            <a:xfrm>
+              <a:off x="797439" y="3666906"/>
+              <a:ext cx="357965" cy="334924"/>
+            </a:xfrm>
+            <a:prstGeom prst="snip1Rect">
+              <a:avLst/>
+            </a:prstGeom>
+          </p:spPr>
+          <p:style>
+            <a:lnRef idx="2">
+              <a:schemeClr val="accent4">
+                <a:shade val="50000"/>
+              </a:schemeClr>
+            </a:lnRef>
+            <a:fillRef idx="1">
+              <a:schemeClr val="accent4"/>
+            </a:fillRef>
+            <a:effectRef idx="0">
+              <a:schemeClr val="accent4"/>
+            </a:effectRef>
+            <a:fontRef idx="minor">
+              <a:schemeClr val="lt1"/>
+            </a:fontRef>
+          </p:style>
+          <p:txBody>
+            <a:bodyPr rtlCol="0" anchor="ctr"/>
+            <a:lstStyle/>
+            <a:p>
+              <a:pPr algn="ctr"/>
+              <a:endParaRPr lang="en-US"/>
+            </a:p>
+          </p:txBody>
+        </p:sp>
+        <p:sp>
+          <p:nvSpPr>
+            <p:cNvPr id="145" name="Rectangle: Single Corner Snipped 144">
+              <a:extLst>
+                <a:ext uri="{FF2B5EF4-FFF2-40B4-BE49-F238E27FC236}">
+                  <a16:creationId xmlns:a16="http://schemas.microsoft.com/office/drawing/2014/main" id="{E30E9324-0AA6-41E4-B28C-30181B7979CA}"/>
+                </a:ext>
+              </a:extLst>
+            </p:cNvPr>
+            <p:cNvSpPr/>
+            <p:nvPr/>
+          </p:nvSpPr>
+          <p:spPr>
+            <a:xfrm>
+              <a:off x="7513679" y="2792376"/>
+              <a:ext cx="765545" cy="361505"/>
+            </a:xfrm>
+            <a:prstGeom prst="snip1Rect">
+              <a:avLst/>
+            </a:prstGeom>
+          </p:spPr>
+          <p:style>
+            <a:lnRef idx="2">
+              <a:schemeClr val="accent4">
+                <a:shade val="50000"/>
+              </a:schemeClr>
+            </a:lnRef>
+            <a:fillRef idx="1">
+              <a:schemeClr val="accent4"/>
+            </a:fillRef>
+            <a:effectRef idx="0">
+              <a:schemeClr val="accent4"/>
+            </a:effectRef>
+            <a:fontRef idx="minor">
+              <a:schemeClr val="lt1"/>
+            </a:fontRef>
+          </p:style>
+          <p:txBody>
+            <a:bodyPr rtlCol="0" anchor="ctr"/>
+            <a:lstStyle/>
+            <a:p>
+              <a:pPr algn="ctr"/>
+              <a:endParaRPr lang="en-US"/>
+            </a:p>
+          </p:txBody>
+        </p:sp>
+        <p:sp>
+          <p:nvSpPr>
+            <p:cNvPr id="146" name="Rectangle: Single Corner Snipped 145">
+              <a:extLst>
+                <a:ext uri="{FF2B5EF4-FFF2-40B4-BE49-F238E27FC236}">
+                  <a16:creationId xmlns:a16="http://schemas.microsoft.com/office/drawing/2014/main" id="{3A680B80-3EBA-478B-AB8B-9A4508D77418}"/>
+                </a:ext>
+              </a:extLst>
+            </p:cNvPr>
+            <p:cNvSpPr/>
+            <p:nvPr/>
+          </p:nvSpPr>
+          <p:spPr>
+            <a:xfrm>
+              <a:off x="2711302" y="2790389"/>
+              <a:ext cx="357965" cy="334924"/>
+            </a:xfrm>
+            <a:prstGeom prst="snip1Rect">
+              <a:avLst/>
+            </a:prstGeom>
+          </p:spPr>
+          <p:style>
+            <a:lnRef idx="2">
+              <a:schemeClr val="accent4">
+                <a:shade val="50000"/>
+              </a:schemeClr>
+            </a:lnRef>
+            <a:fillRef idx="1">
+              <a:schemeClr val="accent4"/>
+            </a:fillRef>
+            <a:effectRef idx="0">
+              <a:schemeClr val="accent4"/>
+            </a:effectRef>
+            <a:fontRef idx="minor">
+              <a:schemeClr val="lt1"/>
+            </a:fontRef>
+          </p:style>
+          <p:txBody>
+            <a:bodyPr rtlCol="0" anchor="ctr"/>
+            <a:lstStyle/>
+            <a:p>
+              <a:pPr algn="ctr"/>
+              <a:endParaRPr lang="en-US"/>
+            </a:p>
+          </p:txBody>
+        </p:sp>
+        <p:sp>
+          <p:nvSpPr>
+            <p:cNvPr id="147" name="Rectangle: Single Corner Snipped 146">
+              <a:extLst>
+                <a:ext uri="{FF2B5EF4-FFF2-40B4-BE49-F238E27FC236}">
+                  <a16:creationId xmlns:a16="http://schemas.microsoft.com/office/drawing/2014/main" id="{DBA09450-24AE-43A5-8E25-37697F905E0E}"/>
+                </a:ext>
+              </a:extLst>
+            </p:cNvPr>
+            <p:cNvSpPr/>
+            <p:nvPr/>
+          </p:nvSpPr>
+          <p:spPr>
+            <a:xfrm>
+              <a:off x="3118882" y="2790389"/>
+              <a:ext cx="357965" cy="334924"/>
+            </a:xfrm>
+            <a:prstGeom prst="snip1Rect">
+              <a:avLst/>
+            </a:prstGeom>
+          </p:spPr>
+          <p:style>
+            <a:lnRef idx="2">
+              <a:schemeClr val="accent4">
+                <a:shade val="50000"/>
+              </a:schemeClr>
+            </a:lnRef>
+            <a:fillRef idx="1">
+              <a:schemeClr val="accent4"/>
+            </a:fillRef>
+            <a:effectRef idx="0">
+              <a:schemeClr val="accent4"/>
+            </a:effectRef>
+            <a:fontRef idx="minor">
+              <a:schemeClr val="lt1"/>
+            </a:fontRef>
+          </p:style>
+          <p:txBody>
+            <a:bodyPr rtlCol="0" anchor="ctr"/>
+            <a:lstStyle/>
+            <a:p>
+              <a:pPr algn="ctr"/>
+              <a:endParaRPr lang="en-US"/>
+            </a:p>
+          </p:txBody>
+        </p:sp>
+        <p:sp>
+          <p:nvSpPr>
+            <p:cNvPr id="148" name="Rectangle: Single Corner Snipped 147">
+              <a:extLst>
+                <a:ext uri="{FF2B5EF4-FFF2-40B4-BE49-F238E27FC236}">
+                  <a16:creationId xmlns:a16="http://schemas.microsoft.com/office/drawing/2014/main" id="{A7B4168B-22DE-46F3-B056-C5237A8F26DE}"/>
+                </a:ext>
+              </a:extLst>
+            </p:cNvPr>
+            <p:cNvSpPr/>
+            <p:nvPr/>
+          </p:nvSpPr>
+          <p:spPr>
+            <a:xfrm>
+              <a:off x="4456802" y="2788172"/>
+              <a:ext cx="357965" cy="334924"/>
+            </a:xfrm>
+            <a:prstGeom prst="snip1Rect">
+              <a:avLst/>
+            </a:prstGeom>
+          </p:spPr>
+          <p:style>
+            <a:lnRef idx="2">
+              <a:schemeClr val="accent4">
+                <a:shade val="50000"/>
+              </a:schemeClr>
+            </a:lnRef>
+            <a:fillRef idx="1">
+              <a:schemeClr val="accent4"/>
+            </a:fillRef>
+            <a:effectRef idx="0">
+              <a:schemeClr val="accent4"/>
+            </a:effectRef>
+            <a:fontRef idx="minor">
+              <a:schemeClr val="lt1"/>
+            </a:fontRef>
+          </p:style>
+          <p:txBody>
+            <a:bodyPr rtlCol="0" anchor="ctr"/>
+            <a:lstStyle/>
+            <a:p>
+              <a:pPr algn="ctr"/>
+              <a:endParaRPr lang="en-US"/>
+            </a:p>
+          </p:txBody>
+        </p:sp>
+        <p:sp>
+          <p:nvSpPr>
+            <p:cNvPr id="149" name="Rectangle: Single Corner Snipped 148">
+              <a:extLst>
+                <a:ext uri="{FF2B5EF4-FFF2-40B4-BE49-F238E27FC236}">
+                  <a16:creationId xmlns:a16="http://schemas.microsoft.com/office/drawing/2014/main" id="{745DF073-DA7D-4253-A7CC-71C7451EF1F1}"/>
+                </a:ext>
+              </a:extLst>
+            </p:cNvPr>
+            <p:cNvSpPr/>
+            <p:nvPr/>
+          </p:nvSpPr>
+          <p:spPr>
+            <a:xfrm>
+              <a:off x="6609914" y="2789731"/>
+              <a:ext cx="765545" cy="361505"/>
+            </a:xfrm>
+            <a:prstGeom prst="snip1Rect">
+              <a:avLst/>
+            </a:prstGeom>
+          </p:spPr>
+          <p:style>
+            <a:lnRef idx="2">
+              <a:schemeClr val="accent4">
+                <a:shade val="50000"/>
+              </a:schemeClr>
+            </a:lnRef>
+            <a:fillRef idx="1">
+              <a:schemeClr val="accent4"/>
+            </a:fillRef>
+            <a:effectRef idx="0">
+              <a:schemeClr val="accent4"/>
+            </a:effectRef>
+            <a:fontRef idx="minor">
+              <a:schemeClr val="lt1"/>
+            </a:fontRef>
+          </p:style>
+          <p:txBody>
+            <a:bodyPr rtlCol="0" anchor="ctr"/>
+            <a:lstStyle/>
+            <a:p>
+              <a:pPr algn="ctr"/>
+              <a:endParaRPr lang="en-US"/>
+            </a:p>
+          </p:txBody>
+        </p:sp>
+        <p:sp>
+          <p:nvSpPr>
+            <p:cNvPr id="150" name="Rectangle: Single Corner Snipped 149">
+              <a:extLst>
+                <a:ext uri="{FF2B5EF4-FFF2-40B4-BE49-F238E27FC236}">
+                  <a16:creationId xmlns:a16="http://schemas.microsoft.com/office/drawing/2014/main" id="{53B068BE-7C2D-43F3-8DEF-1BA06FA2E07A}"/>
+                </a:ext>
+              </a:extLst>
+            </p:cNvPr>
+            <p:cNvSpPr/>
+            <p:nvPr/>
+          </p:nvSpPr>
+          <p:spPr>
+            <a:xfrm>
+              <a:off x="5713225" y="2786294"/>
+              <a:ext cx="765545" cy="361505"/>
+            </a:xfrm>
+            <a:prstGeom prst="snip1Rect">
+              <a:avLst/>
+            </a:prstGeom>
+          </p:spPr>
+          <p:style>
+            <a:lnRef idx="2">
+              <a:schemeClr val="accent4">
+                <a:shade val="50000"/>
+              </a:schemeClr>
+            </a:lnRef>
+            <a:fillRef idx="1">
+              <a:schemeClr val="accent4"/>
+            </a:fillRef>
+            <a:effectRef idx="0">
+              <a:schemeClr val="accent4"/>
+            </a:effectRef>
+            <a:fontRef idx="minor">
+              <a:schemeClr val="lt1"/>
+            </a:fontRef>
+          </p:style>
+          <p:txBody>
+            <a:bodyPr rtlCol="0" anchor="ctr"/>
+            <a:lstStyle/>
+            <a:p>
+              <a:pPr algn="ctr"/>
+              <a:endParaRPr lang="en-US"/>
+            </a:p>
+          </p:txBody>
+        </p:sp>
+        <p:sp>
+          <p:nvSpPr>
+            <p:cNvPr id="151" name="Rectangle: Rounded Corners 150">
+              <a:extLst>
+                <a:ext uri="{FF2B5EF4-FFF2-40B4-BE49-F238E27FC236}">
+                  <a16:creationId xmlns:a16="http://schemas.microsoft.com/office/drawing/2014/main" id="{E9061C8C-0B57-49C6-97A6-D8E338149C81}"/>
+                </a:ext>
+              </a:extLst>
+            </p:cNvPr>
+            <p:cNvSpPr/>
+            <p:nvPr/>
+          </p:nvSpPr>
+          <p:spPr>
+            <a:xfrm>
+              <a:off x="8637178" y="758902"/>
+              <a:ext cx="2718391" cy="276446"/>
+            </a:xfrm>
+            <a:prstGeom prst="roundRect">
+              <a:avLst/>
+            </a:prstGeom>
+          </p:spPr>
+          <p:style>
+            <a:lnRef idx="2">
+              <a:schemeClr val="accent1">
+                <a:shade val="50000"/>
+              </a:schemeClr>
+            </a:lnRef>
+            <a:fillRef idx="1">
+              <a:schemeClr val="accent1"/>
+            </a:fillRef>
+            <a:effectRef idx="0">
+              <a:schemeClr val="accent1"/>
+            </a:effectRef>
+            <a:fontRef idx="minor">
+              <a:schemeClr val="lt1"/>
+            </a:fontRef>
+          </p:style>
+          <p:txBody>
+            <a:bodyPr rtlCol="0" anchor="ctr"/>
+            <a:lstStyle/>
+            <a:p>
+              <a:pPr algn="ctr"/>
+              <a:endParaRPr lang="en-US"/>
+            </a:p>
+          </p:txBody>
+        </p:sp>
+        <p:sp>
+          <p:nvSpPr>
+            <p:cNvPr id="152" name="Rectangle: Single Corner Snipped 151">
+              <a:extLst>
+                <a:ext uri="{FF2B5EF4-FFF2-40B4-BE49-F238E27FC236}">
+                  <a16:creationId xmlns:a16="http://schemas.microsoft.com/office/drawing/2014/main" id="{8120B511-978A-48C8-9BC0-6E97062B52E6}"/>
+                </a:ext>
+              </a:extLst>
+            </p:cNvPr>
+            <p:cNvSpPr/>
+            <p:nvPr/>
+          </p:nvSpPr>
+          <p:spPr>
+            <a:xfrm>
+              <a:off x="8637178" y="2811661"/>
+              <a:ext cx="765545" cy="361505"/>
+            </a:xfrm>
+            <a:prstGeom prst="snip1Rect">
+              <a:avLst/>
+            </a:prstGeom>
+          </p:spPr>
+          <p:style>
+            <a:lnRef idx="2">
+              <a:schemeClr val="accent4">
+                <a:shade val="50000"/>
+              </a:schemeClr>
+            </a:lnRef>
+            <a:fillRef idx="1">
+              <a:schemeClr val="accent4"/>
+            </a:fillRef>
+            <a:effectRef idx="0">
+              <a:schemeClr val="accent4"/>
+            </a:effectRef>
+            <a:fontRef idx="minor">
+              <a:schemeClr val="lt1"/>
+            </a:fontRef>
+          </p:style>
+          <p:txBody>
+            <a:bodyPr rtlCol="0" anchor="ctr"/>
+            <a:lstStyle/>
+            <a:p>
+              <a:pPr algn="ctr"/>
+              <a:endParaRPr lang="en-US"/>
+            </a:p>
+          </p:txBody>
+        </p:sp>
+        <p:sp>
+          <p:nvSpPr>
+            <p:cNvPr id="153" name="Rectangle: Single Corner Snipped 152">
+              <a:extLst>
+                <a:ext uri="{FF2B5EF4-FFF2-40B4-BE49-F238E27FC236}">
+                  <a16:creationId xmlns:a16="http://schemas.microsoft.com/office/drawing/2014/main" id="{5194BBE5-3795-48DA-B1DC-8A55D49F541F}"/>
+                </a:ext>
+              </a:extLst>
+            </p:cNvPr>
+            <p:cNvSpPr/>
+            <p:nvPr/>
+          </p:nvSpPr>
+          <p:spPr>
+            <a:xfrm>
+              <a:off x="9509048" y="2823625"/>
+              <a:ext cx="765545" cy="361505"/>
+            </a:xfrm>
+            <a:prstGeom prst="snip1Rect">
+              <a:avLst/>
+            </a:prstGeom>
+          </p:spPr>
+          <p:style>
+            <a:lnRef idx="2">
+              <a:schemeClr val="accent4">
+                <a:shade val="50000"/>
+              </a:schemeClr>
+            </a:lnRef>
+            <a:fillRef idx="1">
+              <a:schemeClr val="accent4"/>
+            </a:fillRef>
+            <a:effectRef idx="0">
+              <a:schemeClr val="accent4"/>
+            </a:effectRef>
+            <a:fontRef idx="minor">
+              <a:schemeClr val="lt1"/>
+            </a:fontRef>
+          </p:style>
+          <p:txBody>
+            <a:bodyPr rtlCol="0" anchor="ctr"/>
+            <a:lstStyle/>
+            <a:p>
+              <a:pPr algn="ctr"/>
+              <a:endParaRPr lang="en-US"/>
+            </a:p>
+          </p:txBody>
+        </p:sp>
+        <p:sp>
+          <p:nvSpPr>
+            <p:cNvPr id="154" name="Rectangle: Single Corner Snipped 153">
+              <a:extLst>
+                <a:ext uri="{FF2B5EF4-FFF2-40B4-BE49-F238E27FC236}">
+                  <a16:creationId xmlns:a16="http://schemas.microsoft.com/office/drawing/2014/main" id="{04D9CF1F-2B87-4670-8DBE-D9D7A7718472}"/>
+                </a:ext>
+              </a:extLst>
+            </p:cNvPr>
+            <p:cNvSpPr/>
+            <p:nvPr/>
+          </p:nvSpPr>
+          <p:spPr>
+            <a:xfrm>
+              <a:off x="8637178" y="3245378"/>
+              <a:ext cx="357965" cy="334924"/>
+            </a:xfrm>
+            <a:prstGeom prst="snip1Rect">
+              <a:avLst/>
+            </a:prstGeom>
+          </p:spPr>
+          <p:style>
+            <a:lnRef idx="2">
+              <a:schemeClr val="accent4">
+                <a:shade val="50000"/>
+              </a:schemeClr>
+            </a:lnRef>
+            <a:fillRef idx="1">
+              <a:schemeClr val="accent4"/>
+            </a:fillRef>
+            <a:effectRef idx="0">
+              <a:schemeClr val="accent4"/>
+            </a:effectRef>
+            <a:fontRef idx="minor">
+              <a:schemeClr val="lt1"/>
+            </a:fontRef>
+          </p:style>
+          <p:txBody>
+            <a:bodyPr rtlCol="0" anchor="ctr"/>
+            <a:lstStyle/>
+            <a:p>
+              <a:pPr algn="ctr"/>
+              <a:endParaRPr lang="en-US"/>
+            </a:p>
+          </p:txBody>
+        </p:sp>
+        <p:sp>
+          <p:nvSpPr>
+            <p:cNvPr id="155" name="Rectangle: Single Corner Snipped 154">
+              <a:extLst>
+                <a:ext uri="{FF2B5EF4-FFF2-40B4-BE49-F238E27FC236}">
+                  <a16:creationId xmlns:a16="http://schemas.microsoft.com/office/drawing/2014/main" id="{CCA1EE64-3080-484E-9B8C-04769DAAE725}"/>
+                </a:ext>
+              </a:extLst>
+            </p:cNvPr>
+            <p:cNvSpPr/>
+            <p:nvPr/>
+          </p:nvSpPr>
+          <p:spPr>
+            <a:xfrm>
+              <a:off x="9055388" y="3253794"/>
+              <a:ext cx="357965" cy="334924"/>
+            </a:xfrm>
+            <a:prstGeom prst="snip1Rect">
+              <a:avLst/>
+            </a:prstGeom>
+          </p:spPr>
+          <p:style>
+            <a:lnRef idx="2">
+              <a:schemeClr val="accent4">
+                <a:shade val="50000"/>
+              </a:schemeClr>
+            </a:lnRef>
+            <a:fillRef idx="1">
+              <a:schemeClr val="accent4"/>
+            </a:fillRef>
+            <a:effectRef idx="0">
+              <a:schemeClr val="accent4"/>
+            </a:effectRef>
+            <a:fontRef idx="minor">
+              <a:schemeClr val="lt1"/>
+            </a:fontRef>
+          </p:style>
+          <p:txBody>
+            <a:bodyPr rtlCol="0" anchor="ctr"/>
+            <a:lstStyle/>
+            <a:p>
+              <a:pPr algn="ctr"/>
+              <a:endParaRPr lang="en-US"/>
+            </a:p>
+          </p:txBody>
+        </p:sp>
+        <p:sp>
+          <p:nvSpPr>
+            <p:cNvPr id="156" name="Rectangle: Single Corner Snipped 155">
+              <a:extLst>
+                <a:ext uri="{FF2B5EF4-FFF2-40B4-BE49-F238E27FC236}">
+                  <a16:creationId xmlns:a16="http://schemas.microsoft.com/office/drawing/2014/main" id="{BDDE51E1-E038-400E-AF8D-A3B66576A1F4}"/>
+                </a:ext>
+              </a:extLst>
+            </p:cNvPr>
+            <p:cNvSpPr/>
+            <p:nvPr/>
+          </p:nvSpPr>
+          <p:spPr>
+            <a:xfrm>
+              <a:off x="9510807" y="3244494"/>
+              <a:ext cx="357965" cy="334924"/>
+            </a:xfrm>
+            <a:prstGeom prst="snip1Rect">
+              <a:avLst/>
+            </a:prstGeom>
+          </p:spPr>
+          <p:style>
+            <a:lnRef idx="2">
+              <a:schemeClr val="accent4">
+                <a:shade val="50000"/>
+              </a:schemeClr>
+            </a:lnRef>
+            <a:fillRef idx="1">
+              <a:schemeClr val="accent4"/>
+            </a:fillRef>
+            <a:effectRef idx="0">
+              <a:schemeClr val="accent4"/>
+            </a:effectRef>
+            <a:fontRef idx="minor">
+              <a:schemeClr val="lt1"/>
+            </a:fontRef>
+          </p:style>
+          <p:txBody>
+            <a:bodyPr rtlCol="0" anchor="ctr"/>
+            <a:lstStyle/>
+            <a:p>
+              <a:pPr algn="ctr"/>
+              <a:endParaRPr lang="en-US"/>
+            </a:p>
+          </p:txBody>
+        </p:sp>
+        <p:sp>
+          <p:nvSpPr>
+            <p:cNvPr id="157" name="Rectangle: Single Corner Snipped 156">
+              <a:extLst>
+                <a:ext uri="{FF2B5EF4-FFF2-40B4-BE49-F238E27FC236}">
+                  <a16:creationId xmlns:a16="http://schemas.microsoft.com/office/drawing/2014/main" id="{97E936D3-2A90-420A-9EFA-8D6DF8590111}"/>
+                </a:ext>
+              </a:extLst>
+            </p:cNvPr>
+            <p:cNvSpPr/>
+            <p:nvPr/>
+          </p:nvSpPr>
+          <p:spPr>
+            <a:xfrm>
+              <a:off x="9916628" y="3239620"/>
+              <a:ext cx="357965" cy="334924"/>
+            </a:xfrm>
+            <a:prstGeom prst="snip1Rect">
+              <a:avLst/>
+            </a:prstGeom>
+          </p:spPr>
+          <p:style>
+            <a:lnRef idx="2">
+              <a:schemeClr val="accent4">
+                <a:shade val="50000"/>
+              </a:schemeClr>
+            </a:lnRef>
+            <a:fillRef idx="1">
+              <a:schemeClr val="accent4"/>
+            </a:fillRef>
+            <a:effectRef idx="0">
+              <a:schemeClr val="accent4"/>
+            </a:effectRef>
+            <a:fontRef idx="minor">
+              <a:schemeClr val="lt1"/>
+            </a:fontRef>
+          </p:style>
+          <p:txBody>
+            <a:bodyPr rtlCol="0" anchor="ctr"/>
+            <a:lstStyle/>
+            <a:p>
+              <a:pPr algn="ctr"/>
+              <a:endParaRPr lang="en-US"/>
+            </a:p>
+          </p:txBody>
+        </p:sp>
+        <p:sp>
+          <p:nvSpPr>
+            <p:cNvPr id="158" name="Rectangle: Single Corner Snipped 157">
+              <a:extLst>
+                <a:ext uri="{FF2B5EF4-FFF2-40B4-BE49-F238E27FC236}">
+                  <a16:creationId xmlns:a16="http://schemas.microsoft.com/office/drawing/2014/main" id="{FC3D7CC0-9082-43BB-90F0-F538A1635705}"/>
+                </a:ext>
+              </a:extLst>
+            </p:cNvPr>
+            <p:cNvSpPr/>
+            <p:nvPr/>
+          </p:nvSpPr>
+          <p:spPr>
+            <a:xfrm>
+              <a:off x="10412824" y="4316288"/>
+              <a:ext cx="765545" cy="361505"/>
+            </a:xfrm>
+            <a:prstGeom prst="snip1Rect">
+              <a:avLst/>
+            </a:prstGeom>
+          </p:spPr>
+          <p:style>
+            <a:lnRef idx="2">
+              <a:schemeClr val="accent4">
+                <a:shade val="50000"/>
+              </a:schemeClr>
+            </a:lnRef>
+            <a:fillRef idx="1">
+              <a:schemeClr val="accent4"/>
+            </a:fillRef>
+            <a:effectRef idx="0">
+              <a:schemeClr val="accent4"/>
+            </a:effectRef>
+            <a:fontRef idx="minor">
+              <a:schemeClr val="lt1"/>
+            </a:fontRef>
+          </p:style>
+          <p:txBody>
+            <a:bodyPr rtlCol="0" anchor="ctr"/>
+            <a:lstStyle/>
+            <a:p>
+              <a:pPr algn="ctr"/>
+              <a:endParaRPr lang="en-US"/>
+            </a:p>
+          </p:txBody>
+        </p:sp>
+        <p:sp>
+          <p:nvSpPr>
+            <p:cNvPr id="159" name="Rectangle: Single Corner Snipped 158">
+              <a:extLst>
+                <a:ext uri="{FF2B5EF4-FFF2-40B4-BE49-F238E27FC236}">
+                  <a16:creationId xmlns:a16="http://schemas.microsoft.com/office/drawing/2014/main" id="{33A25939-36D0-4098-92CB-FA864B4F8DAE}"/>
+                </a:ext>
+              </a:extLst>
+            </p:cNvPr>
+            <p:cNvSpPr/>
+            <p:nvPr/>
+          </p:nvSpPr>
+          <p:spPr>
+            <a:xfrm>
+              <a:off x="9509059" y="4313643"/>
+              <a:ext cx="765545" cy="361505"/>
+            </a:xfrm>
+            <a:prstGeom prst="snip1Rect">
+              <a:avLst/>
+            </a:prstGeom>
+          </p:spPr>
+          <p:style>
+            <a:lnRef idx="2">
+              <a:schemeClr val="accent4">
+                <a:shade val="50000"/>
+              </a:schemeClr>
+            </a:lnRef>
+            <a:fillRef idx="1">
+              <a:schemeClr val="accent4"/>
+            </a:fillRef>
+            <a:effectRef idx="0">
+              <a:schemeClr val="accent4"/>
+            </a:effectRef>
+            <a:fontRef idx="minor">
+              <a:schemeClr val="lt1"/>
+            </a:fontRef>
+          </p:style>
+          <p:txBody>
+            <a:bodyPr rtlCol="0" anchor="ctr"/>
+            <a:lstStyle/>
+            <a:p>
+              <a:pPr algn="ctr"/>
+              <a:endParaRPr lang="en-US"/>
+            </a:p>
+          </p:txBody>
+        </p:sp>
+        <p:sp>
+          <p:nvSpPr>
+            <p:cNvPr id="160" name="Rectangle: Single Corner Snipped 159">
+              <a:extLst>
+                <a:ext uri="{FF2B5EF4-FFF2-40B4-BE49-F238E27FC236}">
+                  <a16:creationId xmlns:a16="http://schemas.microsoft.com/office/drawing/2014/main" id="{4AB53986-9D11-484A-B932-EB37D138A444}"/>
+                </a:ext>
+              </a:extLst>
+            </p:cNvPr>
+            <p:cNvSpPr/>
+            <p:nvPr/>
+          </p:nvSpPr>
+          <p:spPr>
+            <a:xfrm>
+              <a:off x="8612370" y="4310206"/>
+              <a:ext cx="765545" cy="361505"/>
+            </a:xfrm>
+            <a:prstGeom prst="snip1Rect">
+              <a:avLst/>
+            </a:prstGeom>
+          </p:spPr>
+          <p:style>
+            <a:lnRef idx="2">
+              <a:schemeClr val="accent4">
+                <a:shade val="50000"/>
+              </a:schemeClr>
+            </a:lnRef>
+            <a:fillRef idx="1">
+              <a:schemeClr val="accent4"/>
+            </a:fillRef>
+            <a:effectRef idx="0">
+              <a:schemeClr val="accent4"/>
+            </a:effectRef>
+            <a:fontRef idx="minor">
+              <a:schemeClr val="lt1"/>
+            </a:fontRef>
+          </p:style>
+          <p:txBody>
+            <a:bodyPr rtlCol="0" anchor="ctr"/>
+            <a:lstStyle/>
+            <a:p>
+              <a:pPr algn="ctr"/>
+              <a:endParaRPr lang="en-US"/>
+            </a:p>
+          </p:txBody>
+        </p:sp>
+      </p:grpSp>
+      <p:sp>
+        <p:nvSpPr>
+          <p:cNvPr id="161" name="Rectangle: Single Corner Snipped 160">
+            <a:extLst>
+              <a:ext uri="{FF2B5EF4-FFF2-40B4-BE49-F238E27FC236}">
+                <a16:creationId xmlns:a16="http://schemas.microsoft.com/office/drawing/2014/main" id="{2EB095D0-C942-4720-887E-ECE494FC826A}"/>
+              </a:ext>
+            </a:extLst>
+          </p:cNvPr>
+          <p:cNvSpPr/>
+          <p:nvPr/>
+        </p:nvSpPr>
+        <p:spPr>
+          <a:xfrm>
+            <a:off x="6693676" y="3751143"/>
+            <a:ext cx="514199" cy="248302"/>
+          </a:xfrm>
+          <a:prstGeom prst="snip1Rect">
+            <a:avLst/>
+          </a:prstGeom>
+        </p:spPr>
+        <p:style>
+          <a:lnRef idx="1">
+            <a:schemeClr val="accent4"/>
+          </a:lnRef>
+          <a:fillRef idx="2">
+            <a:schemeClr val="accent4"/>
+          </a:fillRef>
+          <a:effectRef idx="1">
+            <a:schemeClr val="accent4"/>
+          </a:effectRef>
+          <a:fontRef idx="minor">
+            <a:schemeClr val="dk1"/>
+          </a:fontRef>
+        </p:style>
+        <p:txBody>
+          <a:bodyPr rtlCol="0" anchor="ctr"/>
+          <a:lstStyle/>
+          <a:p>
+            <a:pPr algn="ctr"/>
+            <a:endParaRPr lang="en-US"/>
+          </a:p>
+        </p:txBody>
+      </p:sp>
+      <p:sp>
+        <p:nvSpPr>
+          <p:cNvPr id="163" name="Rectangle: Single Corner Snipped 162">
+            <a:extLst>
+              <a:ext uri="{FF2B5EF4-FFF2-40B4-BE49-F238E27FC236}">
+                <a16:creationId xmlns:a16="http://schemas.microsoft.com/office/drawing/2014/main" id="{B5348544-EE96-4CFE-8F8C-0D0CD6CE18AC}"/>
+              </a:ext>
+            </a:extLst>
+          </p:cNvPr>
+          <p:cNvSpPr/>
+          <p:nvPr/>
+        </p:nvSpPr>
+        <p:spPr>
+          <a:xfrm>
+            <a:off x="6693676" y="4073122"/>
+            <a:ext cx="514199" cy="248302"/>
+          </a:xfrm>
+          <a:prstGeom prst="snip1Rect">
+            <a:avLst/>
+          </a:prstGeom>
+        </p:spPr>
+        <p:style>
+          <a:lnRef idx="1">
+            <a:schemeClr val="accent4"/>
+          </a:lnRef>
+          <a:fillRef idx="2">
+            <a:schemeClr val="accent4"/>
+          </a:fillRef>
+          <a:effectRef idx="1">
+            <a:schemeClr val="accent4"/>
+          </a:effectRef>
+          <a:fontRef idx="minor">
+            <a:schemeClr val="dk1"/>
+          </a:fontRef>
+        </p:style>
+        <p:txBody>
+          <a:bodyPr rtlCol="0" anchor="ctr"/>
+          <a:lstStyle/>
+          <a:p>
+            <a:pPr algn="ctr"/>
+            <a:endParaRPr lang="en-US"/>
+          </a:p>
+        </p:txBody>
+      </p:sp>
+      <p:sp>
+        <p:nvSpPr>
+          <p:cNvPr id="165" name="Rectangle: Single Corner Snipped 164">
+            <a:extLst>
+              <a:ext uri="{FF2B5EF4-FFF2-40B4-BE49-F238E27FC236}">
+                <a16:creationId xmlns:a16="http://schemas.microsoft.com/office/drawing/2014/main" id="{C273D5CE-96ED-48A8-AFD3-97B108D068A6}"/>
+              </a:ext>
+            </a:extLst>
+          </p:cNvPr>
+          <p:cNvSpPr/>
+          <p:nvPr/>
+        </p:nvSpPr>
+        <p:spPr>
+          <a:xfrm>
+            <a:off x="6700824" y="4393224"/>
+            <a:ext cx="514199" cy="248302"/>
+          </a:xfrm>
+          <a:prstGeom prst="snip1Rect">
+            <a:avLst/>
+          </a:prstGeom>
+        </p:spPr>
+        <p:style>
+          <a:lnRef idx="1">
+            <a:schemeClr val="accent4"/>
+          </a:lnRef>
+          <a:fillRef idx="2">
+            <a:schemeClr val="accent4"/>
+          </a:fillRef>
+          <a:effectRef idx="1">
+            <a:schemeClr val="accent4"/>
+          </a:effectRef>
+          <a:fontRef idx="minor">
+            <a:schemeClr val="dk1"/>
+          </a:fontRef>
+        </p:style>
+        <p:txBody>
+          <a:bodyPr rtlCol="0" anchor="ctr"/>
+          <a:lstStyle/>
+          <a:p>
+            <a:pPr algn="ctr"/>
+            <a:endParaRPr lang="en-US"/>
+          </a:p>
+        </p:txBody>
+      </p:sp>
+      <p:sp>
+        <p:nvSpPr>
+          <p:cNvPr id="167" name="Rectangle: Single Corner Snipped 166">
+            <a:extLst>
+              <a:ext uri="{FF2B5EF4-FFF2-40B4-BE49-F238E27FC236}">
+                <a16:creationId xmlns:a16="http://schemas.microsoft.com/office/drawing/2014/main" id="{4C401604-DA5B-48BD-B801-8CEFFBCAD99D}"/>
+              </a:ext>
+            </a:extLst>
+          </p:cNvPr>
+          <p:cNvSpPr/>
+          <p:nvPr/>
+        </p:nvSpPr>
+        <p:spPr>
+          <a:xfrm>
+            <a:off x="6700824" y="4738021"/>
+            <a:ext cx="514199" cy="248302"/>
+          </a:xfrm>
+          <a:prstGeom prst="snip1Rect">
+            <a:avLst/>
+          </a:prstGeom>
+        </p:spPr>
+        <p:style>
+          <a:lnRef idx="1">
+            <a:schemeClr val="accent4"/>
+          </a:lnRef>
+          <a:fillRef idx="2">
+            <a:schemeClr val="accent4"/>
+          </a:fillRef>
+          <a:effectRef idx="1">
+            <a:schemeClr val="accent4"/>
+          </a:effectRef>
+          <a:fontRef idx="minor">
+            <a:schemeClr val="dk1"/>
+          </a:fontRef>
+        </p:style>
+        <p:txBody>
+          <a:bodyPr rtlCol="0" anchor="ctr"/>
+          <a:lstStyle/>
+          <a:p>
+            <a:pPr algn="ctr"/>
+            <a:endParaRPr lang="en-US"/>
+          </a:p>
+        </p:txBody>
+      </p:sp>
+      <p:sp>
+        <p:nvSpPr>
+          <p:cNvPr id="169" name="Rectangle: Single Corner Snipped 168">
+            <a:extLst>
+              <a:ext uri="{FF2B5EF4-FFF2-40B4-BE49-F238E27FC236}">
+                <a16:creationId xmlns:a16="http://schemas.microsoft.com/office/drawing/2014/main" id="{7C845F3D-33F7-4E2C-8F07-CC0875A62B8A}"/>
+              </a:ext>
+            </a:extLst>
+          </p:cNvPr>
+          <p:cNvSpPr/>
+          <p:nvPr/>
+        </p:nvSpPr>
+        <p:spPr>
+          <a:xfrm>
+            <a:off x="6693675" y="5082818"/>
+            <a:ext cx="514199" cy="248302"/>
+          </a:xfrm>
+          <a:prstGeom prst="snip1Rect">
+            <a:avLst/>
+          </a:prstGeom>
+        </p:spPr>
+        <p:style>
+          <a:lnRef idx="1">
+            <a:schemeClr val="accent4"/>
+          </a:lnRef>
+          <a:fillRef idx="2">
+            <a:schemeClr val="accent4"/>
+          </a:fillRef>
+          <a:effectRef idx="1">
+            <a:schemeClr val="accent4"/>
+          </a:effectRef>
+          <a:fontRef idx="minor">
+            <a:schemeClr val="dk1"/>
+          </a:fontRef>
+        </p:style>
+        <p:txBody>
+          <a:bodyPr rtlCol="0" anchor="ctr"/>
+          <a:lstStyle/>
+          <a:p>
+            <a:pPr algn="ctr"/>
+            <a:endParaRPr lang="en-US"/>
+          </a:p>
+        </p:txBody>
+      </p:sp>
+      <p:sp>
+        <p:nvSpPr>
+          <p:cNvPr id="171" name="Rectangle: Single Corner Snipped 170">
+            <a:extLst>
+              <a:ext uri="{FF2B5EF4-FFF2-40B4-BE49-F238E27FC236}">
+                <a16:creationId xmlns:a16="http://schemas.microsoft.com/office/drawing/2014/main" id="{975E546F-197E-4FAA-B871-EA202E65ABC6}"/>
+              </a:ext>
+            </a:extLst>
+          </p:cNvPr>
+          <p:cNvSpPr/>
+          <p:nvPr/>
+        </p:nvSpPr>
+        <p:spPr>
+          <a:xfrm>
+            <a:off x="7390469" y="3748917"/>
+            <a:ext cx="514199" cy="248302"/>
+          </a:xfrm>
+          <a:prstGeom prst="snip1Rect">
+            <a:avLst/>
+          </a:prstGeom>
+        </p:spPr>
+        <p:style>
+          <a:lnRef idx="1">
+            <a:schemeClr val="accent4"/>
+          </a:lnRef>
+          <a:fillRef idx="2">
+            <a:schemeClr val="accent4"/>
+          </a:fillRef>
+          <a:effectRef idx="1">
+            <a:schemeClr val="accent4"/>
+          </a:effectRef>
+          <a:fontRef idx="minor">
+            <a:schemeClr val="dk1"/>
+          </a:fontRef>
+        </p:style>
+        <p:txBody>
+          <a:bodyPr rtlCol="0" anchor="ctr"/>
+          <a:lstStyle/>
+          <a:p>
+            <a:pPr algn="ctr"/>
+            <a:endParaRPr lang="en-US"/>
+          </a:p>
+        </p:txBody>
+      </p:sp>
+      <p:sp>
+        <p:nvSpPr>
+          <p:cNvPr id="173" name="Rectangle: Single Corner Snipped 172">
+            <a:extLst>
+              <a:ext uri="{FF2B5EF4-FFF2-40B4-BE49-F238E27FC236}">
+                <a16:creationId xmlns:a16="http://schemas.microsoft.com/office/drawing/2014/main" id="{ECF3BDA0-189D-4F2C-855B-837206716A18}"/>
+              </a:ext>
+            </a:extLst>
+          </p:cNvPr>
+          <p:cNvSpPr/>
+          <p:nvPr/>
+        </p:nvSpPr>
+        <p:spPr>
+          <a:xfrm>
+            <a:off x="7390469" y="4070896"/>
+            <a:ext cx="514199" cy="248302"/>
+          </a:xfrm>
+          <a:prstGeom prst="snip1Rect">
+            <a:avLst/>
+          </a:prstGeom>
+        </p:spPr>
+        <p:style>
+          <a:lnRef idx="1">
+            <a:schemeClr val="accent4"/>
+          </a:lnRef>
+          <a:fillRef idx="2">
+            <a:schemeClr val="accent4"/>
+          </a:fillRef>
+          <a:effectRef idx="1">
+            <a:schemeClr val="accent4"/>
+          </a:effectRef>
+          <a:fontRef idx="minor">
+            <a:schemeClr val="dk1"/>
+          </a:fontRef>
+        </p:style>
+        <p:txBody>
+          <a:bodyPr rtlCol="0" anchor="ctr"/>
+          <a:lstStyle/>
+          <a:p>
+            <a:pPr algn="ctr"/>
+            <a:endParaRPr lang="en-US"/>
+          </a:p>
+        </p:txBody>
+      </p:sp>
+      <p:sp>
+        <p:nvSpPr>
+          <p:cNvPr id="175" name="Rectangle: Single Corner Snipped 174">
+            <a:extLst>
+              <a:ext uri="{FF2B5EF4-FFF2-40B4-BE49-F238E27FC236}">
+                <a16:creationId xmlns:a16="http://schemas.microsoft.com/office/drawing/2014/main" id="{17E8FAAC-2419-4BB8-BF25-6F53A1C17CA8}"/>
+              </a:ext>
+            </a:extLst>
+          </p:cNvPr>
+          <p:cNvSpPr/>
+          <p:nvPr/>
+        </p:nvSpPr>
+        <p:spPr>
+          <a:xfrm>
+            <a:off x="7397617" y="4390998"/>
+            <a:ext cx="514199" cy="248302"/>
+          </a:xfrm>
+          <a:prstGeom prst="snip1Rect">
+            <a:avLst/>
+          </a:prstGeom>
+        </p:spPr>
+        <p:style>
+          <a:lnRef idx="1">
+            <a:schemeClr val="accent4"/>
+          </a:lnRef>
+          <a:fillRef idx="2">
+            <a:schemeClr val="accent4"/>
+          </a:fillRef>
+          <a:effectRef idx="1">
+            <a:schemeClr val="accent4"/>
+          </a:effectRef>
+          <a:fontRef idx="minor">
+            <a:schemeClr val="dk1"/>
+          </a:fontRef>
+        </p:style>
+        <p:txBody>
+          <a:bodyPr rtlCol="0" anchor="ctr"/>
+          <a:lstStyle/>
+          <a:p>
+            <a:pPr algn="ctr"/>
+            <a:endParaRPr lang="en-US"/>
+          </a:p>
+        </p:txBody>
+      </p:sp>
+      <p:sp>
+        <p:nvSpPr>
+          <p:cNvPr id="177" name="Rectangle: Single Corner Snipped 176">
+            <a:extLst>
+              <a:ext uri="{FF2B5EF4-FFF2-40B4-BE49-F238E27FC236}">
+                <a16:creationId xmlns:a16="http://schemas.microsoft.com/office/drawing/2014/main" id="{35DC2BF1-2B90-415C-B1A2-FFDAC9DDB257}"/>
+              </a:ext>
+            </a:extLst>
+          </p:cNvPr>
+          <p:cNvSpPr/>
+          <p:nvPr/>
+        </p:nvSpPr>
+        <p:spPr>
+          <a:xfrm>
+            <a:off x="7397617" y="4735795"/>
+            <a:ext cx="514199" cy="248302"/>
+          </a:xfrm>
+          <a:prstGeom prst="snip1Rect">
+            <a:avLst/>
+          </a:prstGeom>
+        </p:spPr>
+        <p:style>
+          <a:lnRef idx="1">
+            <a:schemeClr val="accent4"/>
+          </a:lnRef>
+          <a:fillRef idx="2">
+            <a:schemeClr val="accent4"/>
+          </a:fillRef>
+          <a:effectRef idx="1">
+            <a:schemeClr val="accent4"/>
+          </a:effectRef>
+          <a:fontRef idx="minor">
+            <a:schemeClr val="dk1"/>
+          </a:fontRef>
+        </p:style>
+        <p:txBody>
+          <a:bodyPr rtlCol="0" anchor="ctr"/>
+          <a:lstStyle/>
+          <a:p>
+            <a:pPr algn="ctr"/>
+            <a:endParaRPr lang="en-US"/>
+          </a:p>
+        </p:txBody>
+      </p:sp>
+      <p:sp>
+        <p:nvSpPr>
+          <p:cNvPr id="179" name="Rectangle: Single Corner Snipped 178">
+            <a:extLst>
+              <a:ext uri="{FF2B5EF4-FFF2-40B4-BE49-F238E27FC236}">
+                <a16:creationId xmlns:a16="http://schemas.microsoft.com/office/drawing/2014/main" id="{3F2ED7AB-20E6-4930-8078-0D1E43AC14BF}"/>
+              </a:ext>
+            </a:extLst>
+          </p:cNvPr>
+          <p:cNvSpPr/>
+          <p:nvPr/>
+        </p:nvSpPr>
+        <p:spPr>
+          <a:xfrm>
+            <a:off x="7390468" y="5080592"/>
+            <a:ext cx="514199" cy="248302"/>
+          </a:xfrm>
+          <a:prstGeom prst="snip1Rect">
+            <a:avLst/>
+          </a:prstGeom>
+        </p:spPr>
+        <p:style>
+          <a:lnRef idx="1">
+            <a:schemeClr val="accent4"/>
+          </a:lnRef>
+          <a:fillRef idx="2">
+            <a:schemeClr val="accent4"/>
+          </a:fillRef>
+          <a:effectRef idx="1">
+            <a:schemeClr val="accent4"/>
+          </a:effectRef>
+          <a:fontRef idx="minor">
+            <a:schemeClr val="dk1"/>
+          </a:fontRef>
+        </p:style>
+        <p:txBody>
+          <a:bodyPr rtlCol="0" anchor="ctr"/>
+          <a:lstStyle/>
+          <a:p>
+            <a:pPr algn="ctr"/>
+            <a:endParaRPr lang="en-US"/>
+          </a:p>
+        </p:txBody>
+      </p:sp>
+      <p:sp>
+        <p:nvSpPr>
+          <p:cNvPr id="181" name="Rectangle: Single Corner Snipped 180">
+            <a:extLst>
+              <a:ext uri="{FF2B5EF4-FFF2-40B4-BE49-F238E27FC236}">
+                <a16:creationId xmlns:a16="http://schemas.microsoft.com/office/drawing/2014/main" id="{4CE2752A-88B8-49DE-949F-E887566EC7EB}"/>
+              </a:ext>
+            </a:extLst>
+          </p:cNvPr>
+          <p:cNvSpPr/>
+          <p:nvPr/>
+        </p:nvSpPr>
+        <p:spPr>
+          <a:xfrm>
+            <a:off x="8064219" y="3758174"/>
+            <a:ext cx="514199" cy="248302"/>
+          </a:xfrm>
+          <a:prstGeom prst="snip1Rect">
+            <a:avLst/>
+          </a:prstGeom>
+        </p:spPr>
+        <p:style>
+          <a:lnRef idx="1">
+            <a:schemeClr val="accent4"/>
+          </a:lnRef>
+          <a:fillRef idx="2">
+            <a:schemeClr val="accent4"/>
+          </a:fillRef>
+          <a:effectRef idx="1">
+            <a:schemeClr val="accent4"/>
+          </a:effectRef>
+          <a:fontRef idx="minor">
+            <a:schemeClr val="dk1"/>
+          </a:fontRef>
+        </p:style>
+        <p:txBody>
+          <a:bodyPr rtlCol="0" anchor="ctr"/>
+          <a:lstStyle/>
+          <a:p>
+            <a:pPr algn="ctr"/>
+            <a:endParaRPr lang="en-US"/>
+          </a:p>
+        </p:txBody>
+      </p:sp>
+      <p:sp>
+        <p:nvSpPr>
+          <p:cNvPr id="183" name="Rectangle: Single Corner Snipped 182">
+            <a:extLst>
+              <a:ext uri="{FF2B5EF4-FFF2-40B4-BE49-F238E27FC236}">
+                <a16:creationId xmlns:a16="http://schemas.microsoft.com/office/drawing/2014/main" id="{DDA943CC-E56A-4B83-BCEB-993CECA4F023}"/>
+              </a:ext>
+            </a:extLst>
+          </p:cNvPr>
+          <p:cNvSpPr/>
+          <p:nvPr/>
+        </p:nvSpPr>
+        <p:spPr>
+          <a:xfrm>
+            <a:off x="8064219" y="4080153"/>
+            <a:ext cx="514199" cy="248302"/>
+          </a:xfrm>
+          <a:prstGeom prst="snip1Rect">
+            <a:avLst/>
+          </a:prstGeom>
+        </p:spPr>
+        <p:style>
+          <a:lnRef idx="1">
+            <a:schemeClr val="accent4"/>
+          </a:lnRef>
+          <a:fillRef idx="2">
+            <a:schemeClr val="accent4"/>
+          </a:fillRef>
+          <a:effectRef idx="1">
+            <a:schemeClr val="accent4"/>
+          </a:effectRef>
+          <a:fontRef idx="minor">
+            <a:schemeClr val="dk1"/>
+          </a:fontRef>
+        </p:style>
+        <p:txBody>
+          <a:bodyPr rtlCol="0" anchor="ctr"/>
+          <a:lstStyle/>
+          <a:p>
+            <a:pPr algn="ctr"/>
+            <a:endParaRPr lang="en-US"/>
+          </a:p>
+        </p:txBody>
+      </p:sp>
+      <p:sp>
+        <p:nvSpPr>
+          <p:cNvPr id="185" name="Rectangle: Single Corner Snipped 184">
+            <a:extLst>
+              <a:ext uri="{FF2B5EF4-FFF2-40B4-BE49-F238E27FC236}">
+                <a16:creationId xmlns:a16="http://schemas.microsoft.com/office/drawing/2014/main" id="{7E055EAB-DDE6-4D55-AF27-1284501E8BBA}"/>
+              </a:ext>
+            </a:extLst>
+          </p:cNvPr>
+          <p:cNvSpPr/>
+          <p:nvPr/>
+        </p:nvSpPr>
+        <p:spPr>
+          <a:xfrm>
+            <a:off x="8071367" y="4400255"/>
+            <a:ext cx="514199" cy="248302"/>
+          </a:xfrm>
+          <a:prstGeom prst="snip1Rect">
+            <a:avLst/>
+          </a:prstGeom>
+        </p:spPr>
+        <p:style>
+          <a:lnRef idx="1">
+            <a:schemeClr val="accent4"/>
+          </a:lnRef>
+          <a:fillRef idx="2">
+            <a:schemeClr val="accent4"/>
+          </a:fillRef>
+          <a:effectRef idx="1">
+            <a:schemeClr val="accent4"/>
+          </a:effectRef>
+          <a:fontRef idx="minor">
+            <a:schemeClr val="dk1"/>
+          </a:fontRef>
+        </p:style>
+        <p:txBody>
+          <a:bodyPr rtlCol="0" anchor="ctr"/>
+          <a:lstStyle/>
+          <a:p>
+            <a:pPr algn="ctr"/>
+            <a:endParaRPr lang="en-US"/>
+          </a:p>
+        </p:txBody>
+      </p:sp>
+      <p:sp>
+        <p:nvSpPr>
+          <p:cNvPr id="187" name="Rectangle: Single Corner Snipped 186">
+            <a:extLst>
+              <a:ext uri="{FF2B5EF4-FFF2-40B4-BE49-F238E27FC236}">
+                <a16:creationId xmlns:a16="http://schemas.microsoft.com/office/drawing/2014/main" id="{638A95AA-4A9F-415C-AED8-8A685AFF311E}"/>
+              </a:ext>
+            </a:extLst>
+          </p:cNvPr>
+          <p:cNvSpPr/>
+          <p:nvPr/>
+        </p:nvSpPr>
+        <p:spPr>
+          <a:xfrm>
+            <a:off x="8071367" y="4745052"/>
+            <a:ext cx="514199" cy="248302"/>
+          </a:xfrm>
+          <a:prstGeom prst="snip1Rect">
+            <a:avLst/>
+          </a:prstGeom>
+        </p:spPr>
+        <p:style>
+          <a:lnRef idx="1">
+            <a:schemeClr val="accent4"/>
+          </a:lnRef>
+          <a:fillRef idx="2">
+            <a:schemeClr val="accent4"/>
+          </a:fillRef>
+          <a:effectRef idx="1">
+            <a:schemeClr val="accent4"/>
+          </a:effectRef>
+          <a:fontRef idx="minor">
+            <a:schemeClr val="dk1"/>
+          </a:fontRef>
+        </p:style>
+        <p:txBody>
+          <a:bodyPr rtlCol="0" anchor="ctr"/>
+          <a:lstStyle/>
+          <a:p>
+            <a:pPr algn="ctr"/>
+            <a:endParaRPr lang="en-US"/>
+          </a:p>
+        </p:txBody>
+      </p:sp>
+      <p:sp>
+        <p:nvSpPr>
+          <p:cNvPr id="189" name="Rectangle: Single Corner Snipped 188">
+            <a:extLst>
+              <a:ext uri="{FF2B5EF4-FFF2-40B4-BE49-F238E27FC236}">
+                <a16:creationId xmlns:a16="http://schemas.microsoft.com/office/drawing/2014/main" id="{1E993218-BF00-4A5C-AE2E-CFA5F1E75F7A}"/>
+              </a:ext>
+            </a:extLst>
+          </p:cNvPr>
+          <p:cNvSpPr/>
+          <p:nvPr/>
+        </p:nvSpPr>
+        <p:spPr>
+          <a:xfrm>
+            <a:off x="8064218" y="5089849"/>
+            <a:ext cx="514199" cy="248302"/>
+          </a:xfrm>
+          <a:prstGeom prst="snip1Rect">
+            <a:avLst/>
+          </a:prstGeom>
+        </p:spPr>
+        <p:style>
+          <a:lnRef idx="1">
+            <a:schemeClr val="accent4"/>
+          </a:lnRef>
+          <a:fillRef idx="2">
+            <a:schemeClr val="accent4"/>
+          </a:fillRef>
+          <a:effectRef idx="1">
+            <a:schemeClr val="accent4"/>
+          </a:effectRef>
+          <a:fontRef idx="minor">
+            <a:schemeClr val="dk1"/>
+          </a:fontRef>
+        </p:style>
+        <p:txBody>
+          <a:bodyPr rtlCol="0" anchor="ctr"/>
+          <a:lstStyle/>
+          <a:p>
+            <a:pPr algn="ctr"/>
+            <a:endParaRPr lang="en-US"/>
+          </a:p>
+        </p:txBody>
+      </p:sp>
+      <p:cxnSp>
+        <p:nvCxnSpPr>
+          <p:cNvPr id="196" name="Connector: Elbow 195">
+            <a:extLst>
+              <a:ext uri="{FF2B5EF4-FFF2-40B4-BE49-F238E27FC236}">
+                <a16:creationId xmlns:a16="http://schemas.microsoft.com/office/drawing/2014/main" id="{8C344CCC-C266-4B1E-945D-84E2433B08ED}"/>
+              </a:ext>
+            </a:extLst>
+          </p:cNvPr>
+          <p:cNvCxnSpPr>
+            <a:stCxn id="62" idx="3"/>
+            <a:endCxn id="84" idx="1"/>
+          </p:cNvCxnSpPr>
+          <p:nvPr/>
+        </p:nvCxnSpPr>
+        <p:spPr>
+          <a:xfrm flipH="1">
+            <a:off x="1111761" y="1581666"/>
+            <a:ext cx="10211448" cy="2931398"/>
+          </a:xfrm>
+          <a:prstGeom prst="bentConnector5">
+            <a:avLst>
+              <a:gd name="adj1" fmla="val -2239"/>
+              <a:gd name="adj2" fmla="val 50000"/>
+              <a:gd name="adj3" fmla="val 104009"/>
+            </a:avLst>
+          </a:prstGeom>
+          <a:ln w="63500">
+            <a:tailEnd type="triangle"/>
+          </a:ln>
+        </p:spPr>
+        <p:style>
+          <a:lnRef idx="1">
+            <a:schemeClr val="accent1"/>
+          </a:lnRef>
+          <a:fillRef idx="0">
+            <a:schemeClr val="accent1"/>
+          </a:fillRef>
+          <a:effectRef idx="0">
+            <a:schemeClr val="accent1"/>
+          </a:effectRef>
+          <a:fontRef idx="minor">
+            <a:schemeClr val="tx1"/>
+          </a:fontRef>
+        </p:style>
+      </p:cxnSp>
+      <p:cxnSp>
+        <p:nvCxnSpPr>
+          <p:cNvPr id="199" name="Straight Arrow Connector 198">
+            <a:extLst>
+              <a:ext uri="{FF2B5EF4-FFF2-40B4-BE49-F238E27FC236}">
+                <a16:creationId xmlns:a16="http://schemas.microsoft.com/office/drawing/2014/main" id="{FC0DB781-B4A5-412C-AD88-ADD42646F2C3}"/>
+              </a:ext>
+            </a:extLst>
+          </p:cNvPr>
+          <p:cNvCxnSpPr>
+            <a:stCxn id="3" idx="3"/>
+            <a:endCxn id="29" idx="1"/>
+          </p:cNvCxnSpPr>
+          <p:nvPr/>
+        </p:nvCxnSpPr>
+        <p:spPr>
+          <a:xfrm>
+            <a:off x="3097428" y="1581666"/>
+            <a:ext cx="619275" cy="0"/>
+          </a:xfrm>
+          <a:prstGeom prst="straightConnector1">
+            <a:avLst/>
+          </a:prstGeom>
+          <a:ln w="63500">
+            <a:tailEnd type="triangle"/>
+          </a:ln>
+        </p:spPr>
+        <p:style>
+          <a:lnRef idx="1">
+            <a:schemeClr val="accent1"/>
+          </a:lnRef>
+          <a:fillRef idx="0">
+            <a:schemeClr val="accent1"/>
+          </a:fillRef>
+          <a:effectRef idx="0">
+            <a:schemeClr val="accent1"/>
+          </a:effectRef>
+          <a:fontRef idx="minor">
+            <a:schemeClr val="tx1"/>
+          </a:fontRef>
+        </p:style>
+      </p:cxnSp>
+      <p:cxnSp>
+        <p:nvCxnSpPr>
+          <p:cNvPr id="201" name="Straight Arrow Connector 200">
+            <a:extLst>
+              <a:ext uri="{FF2B5EF4-FFF2-40B4-BE49-F238E27FC236}">
+                <a16:creationId xmlns:a16="http://schemas.microsoft.com/office/drawing/2014/main" id="{E16DE7E9-8309-49F7-A871-E13B88822891}"/>
+              </a:ext>
+            </a:extLst>
+          </p:cNvPr>
+          <p:cNvCxnSpPr>
+            <a:stCxn id="29" idx="3"/>
+            <a:endCxn id="62" idx="1"/>
+          </p:cNvCxnSpPr>
+          <p:nvPr/>
+        </p:nvCxnSpPr>
+        <p:spPr>
+          <a:xfrm>
+            <a:off x="7710878" y="1581666"/>
+            <a:ext cx="621644" cy="0"/>
+          </a:xfrm>
+          <a:prstGeom prst="straightConnector1">
+            <a:avLst/>
+          </a:prstGeom>
+          <a:ln w="63500">
+            <a:tailEnd type="triangle"/>
+          </a:ln>
+        </p:spPr>
+        <p:style>
+          <a:lnRef idx="1">
+            <a:schemeClr val="accent1"/>
+          </a:lnRef>
+          <a:fillRef idx="0">
+            <a:schemeClr val="accent1"/>
+          </a:fillRef>
+          <a:effectRef idx="0">
+            <a:schemeClr val="accent1"/>
+          </a:effectRef>
+          <a:fontRef idx="minor">
+            <a:schemeClr val="tx1"/>
+          </a:fontRef>
+        </p:style>
+      </p:cxnSp>
+      <p:cxnSp>
+        <p:nvCxnSpPr>
+          <p:cNvPr id="203" name="Straight Arrow Connector 202">
+            <a:extLst>
+              <a:ext uri="{FF2B5EF4-FFF2-40B4-BE49-F238E27FC236}">
+                <a16:creationId xmlns:a16="http://schemas.microsoft.com/office/drawing/2014/main" id="{98121705-6F64-4C6F-B5E8-BDB079A12E15}"/>
+              </a:ext>
+            </a:extLst>
+          </p:cNvPr>
+          <p:cNvCxnSpPr>
+            <a:stCxn id="84" idx="3"/>
+            <a:endCxn id="31" idx="1"/>
+          </p:cNvCxnSpPr>
+          <p:nvPr/>
+        </p:nvCxnSpPr>
+        <p:spPr>
+          <a:xfrm>
+            <a:off x="5105936" y="4513064"/>
+            <a:ext cx="1291279" cy="1444"/>
+          </a:xfrm>
+          <a:prstGeom prst="straightConnector1">
+            <a:avLst/>
+          </a:prstGeom>
+          <a:ln w="63500">
+            <a:tailEnd type="triangle"/>
+          </a:ln>
+        </p:spPr>
+        <p:style>
+          <a:lnRef idx="1">
+            <a:schemeClr val="accent1"/>
+          </a:lnRef>
+          <a:fillRef idx="0">
+            <a:schemeClr val="accent1"/>
+          </a:fillRef>
+          <a:effectRef idx="0">
+            <a:schemeClr val="accent1"/>
+          </a:effectRef>
+          <a:fontRef idx="minor">
+            <a:schemeClr val="tx1"/>
+          </a:fontRef>
+        </p:style>
+      </p:cxnSp>
+    </p:spTree>
+    <p:extLst>
+      <p:ext uri="{BB962C8B-B14F-4D97-AF65-F5344CB8AC3E}">
+        <p14:creationId xmlns:p14="http://schemas.microsoft.com/office/powerpoint/2010/main" val="1971359233"/>
+      </p:ext>
+    </p:extLst>
+  </p:cSld>
+  <p:clrMapOvr>
+    <a:masterClrMapping/>
+  </p:clrMapOvr>
+</p:sld>
+</file>
+
+<file path=ppt/slides/slide7.xml><?xml version="1.0" encoding="utf-8"?>
+<p:sld xmlns:a="http://schemas.openxmlformats.org/drawingml/2006/main" xmlns:r="http://schemas.openxmlformats.org/officeDocument/2006/relationships" xmlns:p="http://schemas.openxmlformats.org/presentationml/2006/main">
+  <p:cSld>
+    <p:spTree>
+      <p:nvGrpSpPr>
+        <p:cNvPr id="1" name=""/>
+        <p:cNvGrpSpPr/>
+        <p:nvPr/>
+      </p:nvGrpSpPr>
+      <p:grpSpPr>
+        <a:xfrm>
+          <a:off x="0" y="0"/>
+          <a:ext cx="0" cy="0"/>
+          <a:chOff x="0" y="0"/>
+          <a:chExt cx="0" cy="0"/>
+        </a:xfrm>
+      </p:grpSpPr>
+      <p:cxnSp>
+        <p:nvCxnSpPr>
+          <p:cNvPr id="3" name="Straight Arrow Connector 2">
+            <a:extLst>
+              <a:ext uri="{FF2B5EF4-FFF2-40B4-BE49-F238E27FC236}">
+                <a16:creationId xmlns:a16="http://schemas.microsoft.com/office/drawing/2014/main" id="{251276EE-0CF1-4A53-801A-132B42BCAC10}"/>
+              </a:ext>
+            </a:extLst>
+          </p:cNvPr>
+          <p:cNvCxnSpPr/>
+          <p:nvPr/>
+        </p:nvCxnSpPr>
+        <p:spPr>
+          <a:xfrm>
+            <a:off x="1869989" y="5033319"/>
+            <a:ext cx="8270789" cy="0"/>
+          </a:xfrm>
+          <a:prstGeom prst="straightConnector1">
+            <a:avLst/>
+          </a:prstGeom>
+          <a:ln>
+            <a:tailEnd type="triangle"/>
+          </a:ln>
+        </p:spPr>
+        <p:style>
+          <a:lnRef idx="1">
+            <a:schemeClr val="accent1"/>
+          </a:lnRef>
+          <a:fillRef idx="0">
+            <a:schemeClr val="accent1"/>
+          </a:fillRef>
+          <a:effectRef idx="0">
+            <a:schemeClr val="accent1"/>
+          </a:effectRef>
+          <a:fontRef idx="minor">
+            <a:schemeClr val="tx1"/>
+          </a:fontRef>
+        </p:style>
+      </p:cxnSp>
+      <p:cxnSp>
+        <p:nvCxnSpPr>
+          <p:cNvPr id="7" name="Straight Arrow Connector 6">
+            <a:extLst>
+              <a:ext uri="{FF2B5EF4-FFF2-40B4-BE49-F238E27FC236}">
+                <a16:creationId xmlns:a16="http://schemas.microsoft.com/office/drawing/2014/main" id="{6ECB6BA6-FB95-4545-A721-C7D8F32BAEDA}"/>
+              </a:ext>
+            </a:extLst>
+          </p:cNvPr>
+          <p:cNvCxnSpPr>
+            <a:cxnSpLocks/>
+          </p:cNvCxnSpPr>
+          <p:nvPr/>
+        </p:nvCxnSpPr>
+        <p:spPr>
+          <a:xfrm flipV="1">
+            <a:off x="2537254" y="963827"/>
+            <a:ext cx="0" cy="4670854"/>
+          </a:xfrm>
+          <a:prstGeom prst="straightConnector1">
+            <a:avLst/>
+          </a:prstGeom>
+          <a:ln>
+            <a:tailEnd type="triangle"/>
+          </a:ln>
+        </p:spPr>
+        <p:style>
+          <a:lnRef idx="1">
+            <a:schemeClr val="accent1"/>
+          </a:lnRef>
+          <a:fillRef idx="0">
+            <a:schemeClr val="accent1"/>
+          </a:fillRef>
+          <a:effectRef idx="0">
+            <a:schemeClr val="accent1"/>
+          </a:effectRef>
+          <a:fontRef idx="minor">
+            <a:schemeClr val="tx1"/>
+          </a:fontRef>
+        </p:style>
+      </p:cxnSp>
+      <p:sp>
+        <p:nvSpPr>
+          <p:cNvPr id="8" name="Rectangle 7">
+            <a:extLst>
+              <a:ext uri="{FF2B5EF4-FFF2-40B4-BE49-F238E27FC236}">
+                <a16:creationId xmlns:a16="http://schemas.microsoft.com/office/drawing/2014/main" id="{420995D7-3984-4473-8AD1-EFEB544B80BA}"/>
+              </a:ext>
+            </a:extLst>
+          </p:cNvPr>
+          <p:cNvSpPr/>
+          <p:nvPr/>
+        </p:nvSpPr>
+        <p:spPr>
+          <a:xfrm>
+            <a:off x="6267960" y="5243386"/>
+            <a:ext cx="1252151" cy="230657"/>
+          </a:xfrm>
+          <a:prstGeom prst="rect">
+            <a:avLst/>
+          </a:prstGeom>
+        </p:spPr>
+        <p:style>
+          <a:lnRef idx="2">
+            <a:schemeClr val="accent5">
+              <a:shade val="50000"/>
+            </a:schemeClr>
+          </a:lnRef>
+          <a:fillRef idx="1">
+            <a:schemeClr val="accent5"/>
+          </a:fillRef>
+          <a:effectRef idx="0">
+            <a:schemeClr val="accent5"/>
+          </a:effectRef>
+          <a:fontRef idx="minor">
+            <a:schemeClr val="lt1"/>
+          </a:fontRef>
+        </p:style>
+        <p:txBody>
+          <a:bodyPr rtlCol="0" anchor="ctr"/>
+          <a:lstStyle/>
+          <a:p>
+            <a:pPr algn="ctr"/>
+            <a:endParaRPr lang="en-US" dirty="0"/>
+          </a:p>
+        </p:txBody>
+      </p:sp>
+      <p:sp>
+        <p:nvSpPr>
+          <p:cNvPr id="10" name="Rectangle 9">
+            <a:extLst>
+              <a:ext uri="{FF2B5EF4-FFF2-40B4-BE49-F238E27FC236}">
+                <a16:creationId xmlns:a16="http://schemas.microsoft.com/office/drawing/2014/main" id="{C988B782-8F69-494B-83C5-E37EEFFD581A}"/>
+              </a:ext>
+            </a:extLst>
+          </p:cNvPr>
+          <p:cNvSpPr/>
+          <p:nvPr/>
+        </p:nvSpPr>
+        <p:spPr>
+          <a:xfrm>
+            <a:off x="1050323" y="2689654"/>
+            <a:ext cx="1252151" cy="230657"/>
+          </a:xfrm>
+          <a:prstGeom prst="rect">
+            <a:avLst/>
+          </a:prstGeom>
+        </p:spPr>
+        <p:style>
+          <a:lnRef idx="2">
+            <a:schemeClr val="accent5">
+              <a:shade val="50000"/>
+            </a:schemeClr>
+          </a:lnRef>
+          <a:fillRef idx="1">
+            <a:schemeClr val="accent5"/>
+          </a:fillRef>
+          <a:effectRef idx="0">
+            <a:schemeClr val="accent5"/>
+          </a:effectRef>
+          <a:fontRef idx="minor">
+            <a:schemeClr val="lt1"/>
+          </a:fontRef>
+        </p:style>
+        <p:txBody>
+          <a:bodyPr rtlCol="0" anchor="ctr"/>
+          <a:lstStyle/>
+          <a:p>
+            <a:pPr algn="ctr"/>
+            <a:endParaRPr lang="en-US" dirty="0"/>
+          </a:p>
+        </p:txBody>
+      </p:sp>
+      <p:sp>
+        <p:nvSpPr>
+          <p:cNvPr id="12" name="Rectangle 11">
+            <a:extLst>
+              <a:ext uri="{FF2B5EF4-FFF2-40B4-BE49-F238E27FC236}">
+                <a16:creationId xmlns:a16="http://schemas.microsoft.com/office/drawing/2014/main" id="{4155CCFC-F649-4C23-967D-FE635B0480C9}"/>
+              </a:ext>
+            </a:extLst>
+          </p:cNvPr>
+          <p:cNvSpPr/>
+          <p:nvPr/>
+        </p:nvSpPr>
+        <p:spPr>
+          <a:xfrm>
+            <a:off x="4798540" y="345989"/>
+            <a:ext cx="3496961" cy="230657"/>
+          </a:xfrm>
+          <a:prstGeom prst="rect">
+            <a:avLst/>
+          </a:prstGeom>
+        </p:spPr>
+        <p:style>
+          <a:lnRef idx="2">
+            <a:schemeClr val="accent1">
+              <a:shade val="50000"/>
+            </a:schemeClr>
+          </a:lnRef>
+          <a:fillRef idx="1">
+            <a:schemeClr val="accent1"/>
+          </a:fillRef>
+          <a:effectRef idx="0">
+            <a:schemeClr val="accent1"/>
+          </a:effectRef>
+          <a:fontRef idx="minor">
+            <a:schemeClr val="lt1"/>
+          </a:fontRef>
+        </p:style>
+        <p:txBody>
+          <a:bodyPr rtlCol="0" anchor="ctr"/>
+          <a:lstStyle/>
+          <a:p>
+            <a:pPr algn="ctr"/>
+            <a:endParaRPr lang="en-US" b="1" dirty="0"/>
+          </a:p>
+        </p:txBody>
+      </p:sp>
+      <p:sp>
+        <p:nvSpPr>
+          <p:cNvPr id="15" name="Flowchart: Document 14">
+            <a:extLst>
+              <a:ext uri="{FF2B5EF4-FFF2-40B4-BE49-F238E27FC236}">
+                <a16:creationId xmlns:a16="http://schemas.microsoft.com/office/drawing/2014/main" id="{0A9B30EA-DC2B-4DDF-892A-A8D24C49A47C}"/>
+              </a:ext>
+            </a:extLst>
+          </p:cNvPr>
+          <p:cNvSpPr/>
+          <p:nvPr/>
+        </p:nvSpPr>
+        <p:spPr>
+          <a:xfrm>
+            <a:off x="3485621" y="2385885"/>
+            <a:ext cx="829965" cy="665205"/>
+          </a:xfrm>
+          <a:prstGeom prst="flowChartDocument">
+            <a:avLst/>
+          </a:prstGeom>
+        </p:spPr>
+        <p:style>
+          <a:lnRef idx="1">
+            <a:schemeClr val="accent4"/>
+          </a:lnRef>
+          <a:fillRef idx="2">
+            <a:schemeClr val="accent4"/>
+          </a:fillRef>
+          <a:effectRef idx="1">
+            <a:schemeClr val="accent4"/>
+          </a:effectRef>
+          <a:fontRef idx="minor">
+            <a:schemeClr val="dk1"/>
+          </a:fontRef>
+        </p:style>
+        <p:txBody>
+          <a:bodyPr rtlCol="0" anchor="ctr"/>
+          <a:lstStyle/>
+          <a:p>
+            <a:pPr algn="ctr"/>
+            <a:endParaRPr lang="en-US" sz="800" dirty="0"/>
+          </a:p>
+        </p:txBody>
+      </p:sp>
+      <p:sp>
+        <p:nvSpPr>
+          <p:cNvPr id="17" name="Flowchart: Document 16">
+            <a:extLst>
+              <a:ext uri="{FF2B5EF4-FFF2-40B4-BE49-F238E27FC236}">
+                <a16:creationId xmlns:a16="http://schemas.microsoft.com/office/drawing/2014/main" id="{20AA115E-2B16-4B77-A21F-9ED86068290F}"/>
+              </a:ext>
+            </a:extLst>
+          </p:cNvPr>
+          <p:cNvSpPr/>
+          <p:nvPr/>
+        </p:nvSpPr>
+        <p:spPr>
+          <a:xfrm>
+            <a:off x="6132037" y="2226272"/>
+            <a:ext cx="829965" cy="665205"/>
+          </a:xfrm>
+          <a:prstGeom prst="flowChartDocument">
+            <a:avLst/>
+          </a:prstGeom>
+        </p:spPr>
+        <p:style>
+          <a:lnRef idx="1">
+            <a:schemeClr val="accent4"/>
+          </a:lnRef>
+          <a:fillRef idx="2">
+            <a:schemeClr val="accent4"/>
+          </a:fillRef>
+          <a:effectRef idx="1">
+            <a:schemeClr val="accent4"/>
+          </a:effectRef>
+          <a:fontRef idx="minor">
+            <a:schemeClr val="dk1"/>
+          </a:fontRef>
+        </p:style>
+        <p:txBody>
+          <a:bodyPr rtlCol="0" anchor="ctr"/>
+          <a:lstStyle/>
+          <a:p>
+            <a:pPr algn="ctr"/>
+            <a:endParaRPr lang="en-US" sz="800" dirty="0"/>
+          </a:p>
+        </p:txBody>
+      </p:sp>
+      <p:sp>
+        <p:nvSpPr>
+          <p:cNvPr id="19" name="Flowchart: Document 18">
+            <a:extLst>
+              <a:ext uri="{FF2B5EF4-FFF2-40B4-BE49-F238E27FC236}">
+                <a16:creationId xmlns:a16="http://schemas.microsoft.com/office/drawing/2014/main" id="{2603FC96-F1C3-4F1D-B4B6-50B48327A2AF}"/>
+              </a:ext>
+            </a:extLst>
+          </p:cNvPr>
+          <p:cNvSpPr/>
+          <p:nvPr/>
+        </p:nvSpPr>
+        <p:spPr>
+          <a:xfrm>
+            <a:off x="8954504" y="1159476"/>
+            <a:ext cx="829965" cy="665205"/>
+          </a:xfrm>
+          <a:prstGeom prst="flowChartDocument">
+            <a:avLst/>
+          </a:prstGeom>
+        </p:spPr>
+        <p:style>
+          <a:lnRef idx="1">
+            <a:schemeClr val="accent4"/>
+          </a:lnRef>
+          <a:fillRef idx="2">
+            <a:schemeClr val="accent4"/>
+          </a:fillRef>
+          <a:effectRef idx="1">
+            <a:schemeClr val="accent4"/>
+          </a:effectRef>
+          <a:fontRef idx="minor">
+            <a:schemeClr val="dk1"/>
+          </a:fontRef>
+        </p:style>
+        <p:txBody>
+          <a:bodyPr rtlCol="0" anchor="ctr"/>
+          <a:lstStyle/>
+          <a:p>
+            <a:pPr algn="ctr"/>
+            <a:endParaRPr lang="en-US" sz="800" dirty="0"/>
+          </a:p>
+        </p:txBody>
+      </p:sp>
+      <p:sp>
+        <p:nvSpPr>
+          <p:cNvPr id="21" name="Flowchart: Document 20">
+            <a:extLst>
+              <a:ext uri="{FF2B5EF4-FFF2-40B4-BE49-F238E27FC236}">
+                <a16:creationId xmlns:a16="http://schemas.microsoft.com/office/drawing/2014/main" id="{8194A1B7-3C40-48A5-9777-4D328450B673}"/>
+              </a:ext>
+            </a:extLst>
+          </p:cNvPr>
+          <p:cNvSpPr/>
+          <p:nvPr/>
+        </p:nvSpPr>
+        <p:spPr>
+          <a:xfrm>
+            <a:off x="3485621" y="4081336"/>
+            <a:ext cx="829965" cy="665205"/>
+          </a:xfrm>
+          <a:prstGeom prst="flowChartDocument">
+            <a:avLst/>
+          </a:prstGeom>
+        </p:spPr>
+        <p:style>
+          <a:lnRef idx="1">
+            <a:schemeClr val="accent4"/>
+          </a:lnRef>
+          <a:fillRef idx="2">
+            <a:schemeClr val="accent4"/>
+          </a:fillRef>
+          <a:effectRef idx="1">
+            <a:schemeClr val="accent4"/>
+          </a:effectRef>
+          <a:fontRef idx="minor">
+            <a:schemeClr val="dk1"/>
+          </a:fontRef>
+        </p:style>
+        <p:txBody>
+          <a:bodyPr rtlCol="0" anchor="ctr"/>
+          <a:lstStyle/>
+          <a:p>
+            <a:pPr algn="ctr"/>
+            <a:endParaRPr lang="en-US" sz="800" dirty="0"/>
+          </a:p>
+        </p:txBody>
+      </p:sp>
+      <p:sp>
+        <p:nvSpPr>
+          <p:cNvPr id="23" name="Flowchart: Document 22">
+            <a:extLst>
+              <a:ext uri="{FF2B5EF4-FFF2-40B4-BE49-F238E27FC236}">
+                <a16:creationId xmlns:a16="http://schemas.microsoft.com/office/drawing/2014/main" id="{8EB8D959-626D-4285-9DC9-94C13B4D8CFA}"/>
+              </a:ext>
+            </a:extLst>
+          </p:cNvPr>
+          <p:cNvSpPr/>
+          <p:nvPr/>
+        </p:nvSpPr>
+        <p:spPr>
+          <a:xfrm>
+            <a:off x="2596455" y="4336193"/>
+            <a:ext cx="829965" cy="665205"/>
+          </a:xfrm>
+          <a:prstGeom prst="flowChartDocument">
+            <a:avLst/>
+          </a:prstGeom>
+        </p:spPr>
+        <p:style>
+          <a:lnRef idx="1">
+            <a:schemeClr val="accent4"/>
+          </a:lnRef>
+          <a:fillRef idx="2">
+            <a:schemeClr val="accent4"/>
+          </a:fillRef>
+          <a:effectRef idx="1">
+            <a:schemeClr val="accent4"/>
+          </a:effectRef>
+          <a:fontRef idx="minor">
+            <a:schemeClr val="dk1"/>
+          </a:fontRef>
+        </p:style>
+        <p:txBody>
+          <a:bodyPr rtlCol="0" anchor="ctr"/>
+          <a:lstStyle/>
+          <a:p>
+            <a:pPr algn="ctr"/>
+            <a:endParaRPr lang="en-US" sz="800" dirty="0"/>
+          </a:p>
+        </p:txBody>
+      </p:sp>
+      <p:sp>
+        <p:nvSpPr>
+          <p:cNvPr id="25" name="Flowchart: Document 24">
+            <a:extLst>
+              <a:ext uri="{FF2B5EF4-FFF2-40B4-BE49-F238E27FC236}">
+                <a16:creationId xmlns:a16="http://schemas.microsoft.com/office/drawing/2014/main" id="{8FC19F93-86B8-404E-9F34-56829FFDFFF1}"/>
+              </a:ext>
+            </a:extLst>
+          </p:cNvPr>
+          <p:cNvSpPr/>
+          <p:nvPr/>
+        </p:nvSpPr>
+        <p:spPr>
+          <a:xfrm>
+            <a:off x="3157660" y="4711020"/>
+            <a:ext cx="829965" cy="665205"/>
+          </a:xfrm>
+          <a:prstGeom prst="flowChartDocument">
+            <a:avLst/>
+          </a:prstGeom>
+        </p:spPr>
+        <p:style>
+          <a:lnRef idx="1">
+            <a:schemeClr val="accent4"/>
+          </a:lnRef>
+          <a:fillRef idx="2">
+            <a:schemeClr val="accent4"/>
+          </a:fillRef>
+          <a:effectRef idx="1">
+            <a:schemeClr val="accent4"/>
+          </a:effectRef>
+          <a:fontRef idx="minor">
+            <a:schemeClr val="dk1"/>
+          </a:fontRef>
+        </p:style>
+        <p:txBody>
+          <a:bodyPr rtlCol="0" anchor="ctr"/>
+          <a:lstStyle/>
+          <a:p>
+            <a:pPr algn="ctr"/>
+            <a:endParaRPr lang="en-US" sz="800" dirty="0"/>
+          </a:p>
+        </p:txBody>
+      </p:sp>
+      <p:sp>
+        <p:nvSpPr>
+          <p:cNvPr id="27" name="Flowchart: Document 26">
+            <a:extLst>
+              <a:ext uri="{FF2B5EF4-FFF2-40B4-BE49-F238E27FC236}">
+                <a16:creationId xmlns:a16="http://schemas.microsoft.com/office/drawing/2014/main" id="{6D2D85A2-947F-48B4-BBB3-DD02A023945D}"/>
+              </a:ext>
+            </a:extLst>
+          </p:cNvPr>
+          <p:cNvSpPr/>
+          <p:nvPr/>
+        </p:nvSpPr>
+        <p:spPr>
+          <a:xfrm>
+            <a:off x="4118925" y="2786447"/>
+            <a:ext cx="829965" cy="665205"/>
+          </a:xfrm>
+          <a:prstGeom prst="flowChartDocument">
+            <a:avLst/>
+          </a:prstGeom>
+        </p:spPr>
+        <p:style>
+          <a:lnRef idx="1">
+            <a:schemeClr val="accent4"/>
+          </a:lnRef>
+          <a:fillRef idx="2">
+            <a:schemeClr val="accent4"/>
+          </a:fillRef>
+          <a:effectRef idx="1">
+            <a:schemeClr val="accent4"/>
+          </a:effectRef>
+          <a:fontRef idx="minor">
+            <a:schemeClr val="dk1"/>
+          </a:fontRef>
+        </p:style>
+        <p:txBody>
+          <a:bodyPr rtlCol="0" anchor="ctr"/>
+          <a:lstStyle/>
+          <a:p>
+            <a:pPr algn="ctr"/>
+            <a:endParaRPr lang="en-US" sz="800" dirty="0"/>
+          </a:p>
+        </p:txBody>
+      </p:sp>
+      <p:sp>
+        <p:nvSpPr>
+          <p:cNvPr id="29" name="Flowchart: Document 28">
+            <a:extLst>
+              <a:ext uri="{FF2B5EF4-FFF2-40B4-BE49-F238E27FC236}">
+                <a16:creationId xmlns:a16="http://schemas.microsoft.com/office/drawing/2014/main" id="{321B644B-5F45-43BC-8CA7-BBC4C592C460}"/>
+              </a:ext>
+            </a:extLst>
+          </p:cNvPr>
+          <p:cNvSpPr/>
+          <p:nvPr/>
+        </p:nvSpPr>
+        <p:spPr>
+          <a:xfrm>
+            <a:off x="7243112" y="2774092"/>
+            <a:ext cx="829965" cy="665205"/>
+          </a:xfrm>
+          <a:prstGeom prst="flowChartDocument">
+            <a:avLst/>
+          </a:prstGeom>
+        </p:spPr>
+        <p:style>
+          <a:lnRef idx="1">
+            <a:schemeClr val="accent4"/>
+          </a:lnRef>
+          <a:fillRef idx="2">
+            <a:schemeClr val="accent4"/>
+          </a:fillRef>
+          <a:effectRef idx="1">
+            <a:schemeClr val="accent4"/>
+          </a:effectRef>
+          <a:fontRef idx="minor">
+            <a:schemeClr val="dk1"/>
+          </a:fontRef>
+        </p:style>
+        <p:txBody>
+          <a:bodyPr rtlCol="0" anchor="ctr"/>
+          <a:lstStyle/>
+          <a:p>
+            <a:pPr algn="ctr"/>
+            <a:endParaRPr lang="en-US" sz="800" dirty="0"/>
+          </a:p>
+        </p:txBody>
+      </p:sp>
+      <p:sp>
+        <p:nvSpPr>
+          <p:cNvPr id="31" name="Flowchart: Document 30">
+            <a:extLst>
+              <a:ext uri="{FF2B5EF4-FFF2-40B4-BE49-F238E27FC236}">
+                <a16:creationId xmlns:a16="http://schemas.microsoft.com/office/drawing/2014/main" id="{1B3B9A2F-EE1B-4158-99C5-62D951E2CDD5}"/>
+              </a:ext>
+            </a:extLst>
+          </p:cNvPr>
+          <p:cNvSpPr/>
+          <p:nvPr/>
+        </p:nvSpPr>
+        <p:spPr>
+          <a:xfrm>
+            <a:off x="4948890" y="1987380"/>
+            <a:ext cx="829965" cy="665205"/>
+          </a:xfrm>
+          <a:prstGeom prst="flowChartDocument">
+            <a:avLst/>
+          </a:prstGeom>
+        </p:spPr>
+        <p:style>
+          <a:lnRef idx="1">
+            <a:schemeClr val="accent4"/>
+          </a:lnRef>
+          <a:fillRef idx="2">
+            <a:schemeClr val="accent4"/>
+          </a:fillRef>
+          <a:effectRef idx="1">
+            <a:schemeClr val="accent4"/>
+          </a:effectRef>
+          <a:fontRef idx="minor">
+            <a:schemeClr val="dk1"/>
+          </a:fontRef>
+        </p:style>
+        <p:txBody>
+          <a:bodyPr rtlCol="0" anchor="ctr"/>
+          <a:lstStyle/>
+          <a:p>
+            <a:pPr algn="ctr"/>
+            <a:endParaRPr lang="en-US" sz="800" dirty="0"/>
+          </a:p>
+        </p:txBody>
+      </p:sp>
+      <p:sp>
+        <p:nvSpPr>
+          <p:cNvPr id="33" name="Flowchart: Document 32">
+            <a:extLst>
+              <a:ext uri="{FF2B5EF4-FFF2-40B4-BE49-F238E27FC236}">
+                <a16:creationId xmlns:a16="http://schemas.microsoft.com/office/drawing/2014/main" id="{38F0A77F-884B-492B-A34C-D45A29E2867A}"/>
+              </a:ext>
+            </a:extLst>
+          </p:cNvPr>
+          <p:cNvSpPr/>
+          <p:nvPr/>
+        </p:nvSpPr>
+        <p:spPr>
+          <a:xfrm>
+            <a:off x="7880518" y="1159476"/>
+            <a:ext cx="829965" cy="665205"/>
+          </a:xfrm>
+          <a:prstGeom prst="flowChartDocument">
+            <a:avLst/>
+          </a:prstGeom>
+        </p:spPr>
+        <p:style>
+          <a:lnRef idx="1">
+            <a:schemeClr val="accent4"/>
+          </a:lnRef>
+          <a:fillRef idx="2">
+            <a:schemeClr val="accent4"/>
+          </a:fillRef>
+          <a:effectRef idx="1">
+            <a:schemeClr val="accent4"/>
+          </a:effectRef>
+          <a:fontRef idx="minor">
+            <a:schemeClr val="dk1"/>
+          </a:fontRef>
+        </p:style>
+        <p:txBody>
+          <a:bodyPr rtlCol="0" anchor="ctr"/>
+          <a:lstStyle/>
+          <a:p>
+            <a:pPr algn="ctr"/>
+            <a:endParaRPr lang="en-US" sz="800" dirty="0"/>
+          </a:p>
+        </p:txBody>
+      </p:sp>
+      <p:sp>
+        <p:nvSpPr>
+          <p:cNvPr id="35" name="Flowchart: Document 34">
+            <a:extLst>
+              <a:ext uri="{FF2B5EF4-FFF2-40B4-BE49-F238E27FC236}">
+                <a16:creationId xmlns:a16="http://schemas.microsoft.com/office/drawing/2014/main" id="{35B2182C-89D8-4955-B962-9BFC120DB358}"/>
+              </a:ext>
+            </a:extLst>
+          </p:cNvPr>
+          <p:cNvSpPr/>
+          <p:nvPr/>
+        </p:nvSpPr>
+        <p:spPr>
+          <a:xfrm>
+            <a:off x="3485621" y="1577291"/>
+            <a:ext cx="829965" cy="665205"/>
+          </a:xfrm>
+          <a:prstGeom prst="flowChartDocument">
+            <a:avLst/>
+          </a:prstGeom>
+        </p:spPr>
+        <p:style>
+          <a:lnRef idx="1">
+            <a:schemeClr val="accent4"/>
+          </a:lnRef>
+          <a:fillRef idx="2">
+            <a:schemeClr val="accent4"/>
+          </a:fillRef>
+          <a:effectRef idx="1">
+            <a:schemeClr val="accent4"/>
+          </a:effectRef>
+          <a:fontRef idx="minor">
+            <a:schemeClr val="dk1"/>
+          </a:fontRef>
+        </p:style>
+        <p:txBody>
+          <a:bodyPr rtlCol="0" anchor="ctr"/>
+          <a:lstStyle/>
+          <a:p>
+            <a:pPr algn="ctr"/>
+            <a:endParaRPr lang="en-US" sz="800" dirty="0"/>
+          </a:p>
+        </p:txBody>
+      </p:sp>
+      <p:sp>
+        <p:nvSpPr>
+          <p:cNvPr id="37" name="Flowchart: Document 36">
+            <a:extLst>
+              <a:ext uri="{FF2B5EF4-FFF2-40B4-BE49-F238E27FC236}">
+                <a16:creationId xmlns:a16="http://schemas.microsoft.com/office/drawing/2014/main" id="{FB72189F-FAD2-4620-B1AB-1F6FC78DA46F}"/>
+              </a:ext>
+            </a:extLst>
+          </p:cNvPr>
+          <p:cNvSpPr/>
+          <p:nvPr/>
+        </p:nvSpPr>
+        <p:spPr>
+          <a:xfrm>
+            <a:off x="6412159" y="1526057"/>
+            <a:ext cx="829965" cy="665205"/>
+          </a:xfrm>
+          <a:prstGeom prst="flowChartDocument">
+            <a:avLst/>
+          </a:prstGeom>
+        </p:spPr>
+        <p:style>
+          <a:lnRef idx="1">
+            <a:schemeClr val="accent4"/>
+          </a:lnRef>
+          <a:fillRef idx="2">
+            <a:schemeClr val="accent4"/>
+          </a:fillRef>
+          <a:effectRef idx="1">
+            <a:schemeClr val="accent4"/>
+          </a:effectRef>
+          <a:fontRef idx="minor">
+            <a:schemeClr val="dk1"/>
+          </a:fontRef>
+        </p:style>
+        <p:txBody>
+          <a:bodyPr rtlCol="0" anchor="ctr"/>
+          <a:lstStyle/>
+          <a:p>
+            <a:pPr algn="ctr"/>
+            <a:endParaRPr lang="en-US" sz="800" dirty="0"/>
+          </a:p>
+        </p:txBody>
+      </p:sp>
+      <p:sp>
+        <p:nvSpPr>
+          <p:cNvPr id="38" name="Rectangle 37">
+            <a:extLst>
+              <a:ext uri="{FF2B5EF4-FFF2-40B4-BE49-F238E27FC236}">
+                <a16:creationId xmlns:a16="http://schemas.microsoft.com/office/drawing/2014/main" id="{41EAB183-526E-4591-B32C-7C87D49D0D86}"/>
+              </a:ext>
+            </a:extLst>
+          </p:cNvPr>
+          <p:cNvSpPr/>
+          <p:nvPr/>
+        </p:nvSpPr>
+        <p:spPr>
+          <a:xfrm>
+            <a:off x="3295135" y="1392194"/>
+            <a:ext cx="2592875" cy="2393089"/>
+          </a:xfrm>
+          <a:prstGeom prst="rect">
+            <a:avLst/>
+          </a:prstGeom>
+          <a:noFill/>
+          <a:ln w="19050" cap="flat" cmpd="sng" algn="ctr">
+            <a:solidFill>
+              <a:schemeClr val="accent6"/>
+            </a:solidFill>
+            <a:prstDash val="sysDash"/>
+            <a:round/>
+            <a:headEnd type="none" w="med" len="med"/>
+            <a:tailEnd type="none" w="med" len="med"/>
+          </a:ln>
+        </p:spPr>
+        <p:style>
+          <a:lnRef idx="0">
+            <a:scrgbClr r="0" g="0" b="0"/>
+          </a:lnRef>
+          <a:fillRef idx="0">
+            <a:scrgbClr r="0" g="0" b="0"/>
+          </a:fillRef>
+          <a:effectRef idx="0">
+            <a:scrgbClr r="0" g="0" b="0"/>
+          </a:effectRef>
+          <a:fontRef idx="minor">
+            <a:schemeClr val="accent6"/>
+          </a:fontRef>
+        </p:style>
+        <p:txBody>
+          <a:bodyPr rtlCol="0" anchor="ctr"/>
+          <a:lstStyle/>
+          <a:p>
+            <a:pPr algn="ctr"/>
+            <a:endParaRPr lang="en-US"/>
+          </a:p>
+        </p:txBody>
+      </p:sp>
+    </p:spTree>
+    <p:extLst>
+      <p:ext uri="{BB962C8B-B14F-4D97-AF65-F5344CB8AC3E}">
+        <p14:creationId xmlns:p14="http://schemas.microsoft.com/office/powerpoint/2010/main" val="2777738634"/>
+      </p:ext>
+    </p:extLst>
+  </p:cSld>
+  <p:clrMapOvr>
+    <a:masterClrMapping/>
+  </p:clrMapOvr>
+</p:sld>
+</file>
+
+<file path=ppt/slides/slide8.xml><?xml version="1.0" encoding="utf-8"?>
+<p:sld xmlns:a="http://schemas.openxmlformats.org/drawingml/2006/main" xmlns:r="http://schemas.openxmlformats.org/officeDocument/2006/relationships" xmlns:p="http://schemas.openxmlformats.org/presentationml/2006/main">
+  <p:cSld>
+    <p:spTree>
+      <p:nvGrpSpPr>
+        <p:cNvPr id="1" name=""/>
+        <p:cNvGrpSpPr/>
+        <p:nvPr/>
+      </p:nvGrpSpPr>
+      <p:grpSpPr>
+        <a:xfrm>
+          <a:off x="0" y="0"/>
+          <a:ext cx="0" cy="0"/>
+          <a:chOff x="0" y="0"/>
+          <a:chExt cx="0" cy="0"/>
+        </a:xfrm>
+      </p:grpSpPr>
+      <p:grpSp>
+        <p:nvGrpSpPr>
+          <p:cNvPr id="91" name="Group 90">
+            <a:extLst>
+              <a:ext uri="{FF2B5EF4-FFF2-40B4-BE49-F238E27FC236}">
+                <a16:creationId xmlns:a16="http://schemas.microsoft.com/office/drawing/2014/main" id="{E725B254-6F3A-4758-B049-6442416DF495}"/>
+              </a:ext>
+            </a:extLst>
+          </p:cNvPr>
+          <p:cNvGrpSpPr/>
+          <p:nvPr/>
+        </p:nvGrpSpPr>
+        <p:grpSpPr>
+          <a:xfrm>
+            <a:off x="233908" y="754918"/>
+            <a:ext cx="11164194" cy="4812999"/>
+            <a:chOff x="233908" y="754918"/>
+            <a:chExt cx="11164194" cy="4812999"/>
+          </a:xfrm>
+        </p:grpSpPr>
+        <p:sp>
+          <p:nvSpPr>
+            <p:cNvPr id="2" name="Rectangle: Rounded Corners 1">
+              <a:extLst>
+                <a:ext uri="{FF2B5EF4-FFF2-40B4-BE49-F238E27FC236}">
+                  <a16:creationId xmlns:a16="http://schemas.microsoft.com/office/drawing/2014/main" id="{B0CB98C1-BC47-49E0-883E-06B6A3FA3A95}"/>
+                </a:ext>
+              </a:extLst>
+            </p:cNvPr>
+            <p:cNvSpPr/>
+            <p:nvPr/>
+          </p:nvSpPr>
+          <p:spPr>
+            <a:xfrm>
+              <a:off x="754910" y="754918"/>
+              <a:ext cx="1828800" cy="276446"/>
+            </a:xfrm>
+            <a:prstGeom prst="roundRect">
+              <a:avLst/>
+            </a:prstGeom>
+          </p:spPr>
+          <p:style>
+            <a:lnRef idx="2">
+              <a:schemeClr val="accent1">
+                <a:shade val="50000"/>
+              </a:schemeClr>
+            </a:lnRef>
+            <a:fillRef idx="1">
+              <a:schemeClr val="accent1"/>
+            </a:fillRef>
+            <a:effectRef idx="0">
+              <a:schemeClr val="accent1"/>
+            </a:effectRef>
+            <a:fontRef idx="minor">
+              <a:schemeClr val="lt1"/>
+            </a:fontRef>
+          </p:style>
+          <p:txBody>
+            <a:bodyPr rtlCol="0" anchor="ctr"/>
+            <a:lstStyle/>
+            <a:p>
+              <a:pPr algn="ctr"/>
+              <a:endParaRPr lang="en-US"/>
+            </a:p>
+          </p:txBody>
+        </p:sp>
+        <p:sp>
+          <p:nvSpPr>
+            <p:cNvPr id="4" name="Rectangle: Rounded Corners 3">
+              <a:extLst>
+                <a:ext uri="{FF2B5EF4-FFF2-40B4-BE49-F238E27FC236}">
+                  <a16:creationId xmlns:a16="http://schemas.microsoft.com/office/drawing/2014/main" id="{D8028E1A-6499-4E21-8ECA-EBB288CC76DB}"/>
+                </a:ext>
+              </a:extLst>
+            </p:cNvPr>
+            <p:cNvSpPr/>
+            <p:nvPr/>
+          </p:nvSpPr>
+          <p:spPr>
+            <a:xfrm>
+              <a:off x="2789272" y="754918"/>
+              <a:ext cx="2718391" cy="276446"/>
+            </a:xfrm>
+            <a:prstGeom prst="roundRect">
+              <a:avLst/>
+            </a:prstGeom>
+          </p:spPr>
+          <p:style>
+            <a:lnRef idx="2">
+              <a:schemeClr val="accent1">
+                <a:shade val="50000"/>
+              </a:schemeClr>
+            </a:lnRef>
+            <a:fillRef idx="1">
+              <a:schemeClr val="accent1"/>
+            </a:fillRef>
+            <a:effectRef idx="0">
+              <a:schemeClr val="accent1"/>
+            </a:effectRef>
+            <a:fontRef idx="minor">
+              <a:schemeClr val="lt1"/>
+            </a:fontRef>
+          </p:style>
+          <p:txBody>
+            <a:bodyPr rtlCol="0" anchor="ctr"/>
+            <a:lstStyle/>
+            <a:p>
+              <a:pPr algn="ctr"/>
+              <a:endParaRPr lang="en-US"/>
+            </a:p>
+          </p:txBody>
+        </p:sp>
+        <p:sp>
+          <p:nvSpPr>
+            <p:cNvPr id="6" name="Rectangle: Rounded Corners 5">
+              <a:extLst>
+                <a:ext uri="{FF2B5EF4-FFF2-40B4-BE49-F238E27FC236}">
+                  <a16:creationId xmlns:a16="http://schemas.microsoft.com/office/drawing/2014/main" id="{CE55B2AC-9597-4933-B692-6E4EF69335B2}"/>
+                </a:ext>
+              </a:extLst>
+            </p:cNvPr>
+            <p:cNvSpPr/>
+            <p:nvPr/>
+          </p:nvSpPr>
+          <p:spPr>
+            <a:xfrm>
+              <a:off x="5713225" y="754918"/>
+              <a:ext cx="2718391" cy="276446"/>
+            </a:xfrm>
+            <a:prstGeom prst="roundRect">
+              <a:avLst/>
+            </a:prstGeom>
+          </p:spPr>
+          <p:style>
+            <a:lnRef idx="2">
+              <a:schemeClr val="accent1">
+                <a:shade val="50000"/>
+              </a:schemeClr>
+            </a:lnRef>
+            <a:fillRef idx="1">
+              <a:schemeClr val="accent1"/>
+            </a:fillRef>
+            <a:effectRef idx="0">
+              <a:schemeClr val="accent1"/>
+            </a:effectRef>
+            <a:fontRef idx="minor">
+              <a:schemeClr val="lt1"/>
+            </a:fontRef>
+          </p:style>
+          <p:txBody>
+            <a:bodyPr rtlCol="0" anchor="ctr"/>
+            <a:lstStyle/>
+            <a:p>
+              <a:pPr algn="ctr"/>
+              <a:endParaRPr lang="en-US"/>
+            </a:p>
+          </p:txBody>
+        </p:sp>
+        <p:sp>
+          <p:nvSpPr>
+            <p:cNvPr id="8" name="Rectangle: Rounded Corners 7">
+              <a:extLst>
+                <a:ext uri="{FF2B5EF4-FFF2-40B4-BE49-F238E27FC236}">
+                  <a16:creationId xmlns:a16="http://schemas.microsoft.com/office/drawing/2014/main" id="{A1472E2B-F02C-476A-9612-00BAFA75679D}"/>
+                </a:ext>
+              </a:extLst>
+            </p:cNvPr>
+            <p:cNvSpPr/>
+            <p:nvPr/>
+          </p:nvSpPr>
+          <p:spPr>
+            <a:xfrm rot="16200000">
+              <a:off x="-125819" y="1788047"/>
+              <a:ext cx="1017175" cy="276446"/>
+            </a:xfrm>
+            <a:prstGeom prst="roundRect">
+              <a:avLst/>
+            </a:prstGeom>
+          </p:spPr>
+          <p:style>
+            <a:lnRef idx="2">
+              <a:schemeClr val="accent1">
+                <a:shade val="50000"/>
+              </a:schemeClr>
+            </a:lnRef>
+            <a:fillRef idx="1">
+              <a:schemeClr val="accent1"/>
+            </a:fillRef>
+            <a:effectRef idx="0">
+              <a:schemeClr val="accent1"/>
+            </a:effectRef>
+            <a:fontRef idx="minor">
+              <a:schemeClr val="lt1"/>
+            </a:fontRef>
+          </p:style>
+          <p:txBody>
+            <a:bodyPr rtlCol="0" anchor="ctr"/>
+            <a:lstStyle/>
+            <a:p>
+              <a:pPr algn="ctr"/>
+              <a:endParaRPr lang="en-US"/>
+            </a:p>
+          </p:txBody>
+        </p:sp>
+        <p:sp>
+          <p:nvSpPr>
+            <p:cNvPr id="10" name="Rectangle: Rounded Corners 9">
+              <a:extLst>
+                <a:ext uri="{FF2B5EF4-FFF2-40B4-BE49-F238E27FC236}">
+                  <a16:creationId xmlns:a16="http://schemas.microsoft.com/office/drawing/2014/main" id="{79977CD7-0520-48AB-B9C5-989BF82809AB}"/>
+                </a:ext>
+              </a:extLst>
+            </p:cNvPr>
+            <p:cNvSpPr/>
+            <p:nvPr/>
+          </p:nvSpPr>
+          <p:spPr>
+            <a:xfrm rot="16200000">
+              <a:off x="-136456" y="3290777"/>
+              <a:ext cx="1017175" cy="276446"/>
+            </a:xfrm>
+            <a:prstGeom prst="roundRect">
+              <a:avLst/>
+            </a:prstGeom>
+          </p:spPr>
+          <p:style>
+            <a:lnRef idx="2">
+              <a:schemeClr val="accent1">
+                <a:shade val="50000"/>
+              </a:schemeClr>
+            </a:lnRef>
+            <a:fillRef idx="1">
+              <a:schemeClr val="accent1"/>
+            </a:fillRef>
+            <a:effectRef idx="0">
+              <a:schemeClr val="accent1"/>
+            </a:effectRef>
+            <a:fontRef idx="minor">
+              <a:schemeClr val="lt1"/>
+            </a:fontRef>
+          </p:style>
+          <p:txBody>
+            <a:bodyPr rtlCol="0" anchor="ctr"/>
+            <a:lstStyle/>
+            <a:p>
+              <a:pPr algn="ctr"/>
+              <a:endParaRPr lang="en-US"/>
+            </a:p>
+          </p:txBody>
+        </p:sp>
+        <p:sp>
+          <p:nvSpPr>
+            <p:cNvPr id="12" name="Rectangle: Rounded Corners 11">
+              <a:extLst>
+                <a:ext uri="{FF2B5EF4-FFF2-40B4-BE49-F238E27FC236}">
+                  <a16:creationId xmlns:a16="http://schemas.microsoft.com/office/drawing/2014/main" id="{53352EEC-2409-4352-A633-1A968405A8D7}"/>
+                </a:ext>
+              </a:extLst>
+            </p:cNvPr>
+            <p:cNvSpPr/>
+            <p:nvPr/>
+          </p:nvSpPr>
+          <p:spPr>
+            <a:xfrm rot="16200000">
+              <a:off x="-136457" y="4641119"/>
+              <a:ext cx="1017175" cy="276446"/>
+            </a:xfrm>
+            <a:prstGeom prst="roundRect">
+              <a:avLst/>
+            </a:prstGeom>
+          </p:spPr>
+          <p:style>
+            <a:lnRef idx="2">
+              <a:schemeClr val="accent1">
+                <a:shade val="50000"/>
+              </a:schemeClr>
+            </a:lnRef>
+            <a:fillRef idx="1">
+              <a:schemeClr val="accent1"/>
+            </a:fillRef>
+            <a:effectRef idx="0">
+              <a:schemeClr val="accent1"/>
+            </a:effectRef>
+            <a:fontRef idx="minor">
+              <a:schemeClr val="lt1"/>
+            </a:fontRef>
+          </p:style>
+          <p:txBody>
+            <a:bodyPr rtlCol="0" anchor="ctr"/>
+            <a:lstStyle/>
+            <a:p>
+              <a:pPr algn="ctr"/>
+              <a:endParaRPr lang="en-US"/>
+            </a:p>
+          </p:txBody>
+        </p:sp>
+        <p:cxnSp>
+          <p:nvCxnSpPr>
+            <p:cNvPr id="14" name="Straight Connector 13">
+              <a:extLst>
+                <a:ext uri="{FF2B5EF4-FFF2-40B4-BE49-F238E27FC236}">
+                  <a16:creationId xmlns:a16="http://schemas.microsoft.com/office/drawing/2014/main" id="{0710615A-FB0B-4788-B760-2038AE6F7B58}"/>
+                </a:ext>
+              </a:extLst>
+            </p:cNvPr>
+            <p:cNvCxnSpPr/>
+            <p:nvPr/>
+          </p:nvCxnSpPr>
+          <p:spPr>
+            <a:xfrm>
+              <a:off x="244545" y="1233377"/>
+              <a:ext cx="11153557" cy="0"/>
+            </a:xfrm>
+            <a:prstGeom prst="line">
+              <a:avLst/>
+            </a:prstGeom>
+          </p:spPr>
+          <p:style>
+            <a:lnRef idx="1">
+              <a:schemeClr val="accent1"/>
+            </a:lnRef>
+            <a:fillRef idx="0">
+              <a:schemeClr val="accent1"/>
+            </a:fillRef>
+            <a:effectRef idx="0">
+              <a:schemeClr val="accent1"/>
+            </a:effectRef>
+            <a:fontRef idx="minor">
+              <a:schemeClr val="tx1"/>
+            </a:fontRef>
+          </p:style>
+        </p:cxnSp>
+        <p:cxnSp>
+          <p:nvCxnSpPr>
+            <p:cNvPr id="15" name="Straight Connector 14">
+              <a:extLst>
+                <a:ext uri="{FF2B5EF4-FFF2-40B4-BE49-F238E27FC236}">
+                  <a16:creationId xmlns:a16="http://schemas.microsoft.com/office/drawing/2014/main" id="{D64CD544-6697-401F-BD7E-BF875035B12F}"/>
+                </a:ext>
+              </a:extLst>
+            </p:cNvPr>
+            <p:cNvCxnSpPr/>
+            <p:nvPr/>
+          </p:nvCxnSpPr>
+          <p:spPr>
+            <a:xfrm>
+              <a:off x="244545" y="2661684"/>
+              <a:ext cx="11153557" cy="0"/>
+            </a:xfrm>
+            <a:prstGeom prst="line">
+              <a:avLst/>
+            </a:prstGeom>
+          </p:spPr>
+          <p:style>
+            <a:lnRef idx="1">
+              <a:schemeClr val="accent1"/>
+            </a:lnRef>
+            <a:fillRef idx="0">
+              <a:schemeClr val="accent1"/>
+            </a:fillRef>
+            <a:effectRef idx="0">
+              <a:schemeClr val="accent1"/>
+            </a:effectRef>
+            <a:fontRef idx="minor">
+              <a:schemeClr val="tx1"/>
+            </a:fontRef>
+          </p:style>
+        </p:cxnSp>
+        <p:cxnSp>
+          <p:nvCxnSpPr>
+            <p:cNvPr id="16" name="Straight Connector 15">
+              <a:extLst>
+                <a:ext uri="{FF2B5EF4-FFF2-40B4-BE49-F238E27FC236}">
+                  <a16:creationId xmlns:a16="http://schemas.microsoft.com/office/drawing/2014/main" id="{9E151B7C-66DA-4642-9256-C001C2AD4C3C}"/>
+                </a:ext>
+              </a:extLst>
+            </p:cNvPr>
+            <p:cNvCxnSpPr/>
+            <p:nvPr/>
+          </p:nvCxnSpPr>
+          <p:spPr>
+            <a:xfrm>
+              <a:off x="244545" y="4143154"/>
+              <a:ext cx="11153557" cy="0"/>
+            </a:xfrm>
+            <a:prstGeom prst="line">
+              <a:avLst/>
+            </a:prstGeom>
+          </p:spPr>
+          <p:style>
+            <a:lnRef idx="1">
+              <a:schemeClr val="accent1"/>
+            </a:lnRef>
+            <a:fillRef idx="0">
+              <a:schemeClr val="accent1"/>
+            </a:fillRef>
+            <a:effectRef idx="0">
+              <a:schemeClr val="accent1"/>
+            </a:effectRef>
+            <a:fontRef idx="minor">
+              <a:schemeClr val="tx1"/>
+            </a:fontRef>
+          </p:style>
+        </p:cxnSp>
+        <p:cxnSp>
+          <p:nvCxnSpPr>
+            <p:cNvPr id="17" name="Straight Connector 16">
+              <a:extLst>
+                <a:ext uri="{FF2B5EF4-FFF2-40B4-BE49-F238E27FC236}">
+                  <a16:creationId xmlns:a16="http://schemas.microsoft.com/office/drawing/2014/main" id="{7E820683-280C-4706-BD4B-66BEBD440A2A}"/>
+                </a:ext>
+              </a:extLst>
+            </p:cNvPr>
+            <p:cNvCxnSpPr/>
+            <p:nvPr/>
+          </p:nvCxnSpPr>
+          <p:spPr>
+            <a:xfrm>
+              <a:off x="244545" y="5567917"/>
+              <a:ext cx="11153557" cy="0"/>
+            </a:xfrm>
+            <a:prstGeom prst="line">
+              <a:avLst/>
+            </a:prstGeom>
+          </p:spPr>
+          <p:style>
+            <a:lnRef idx="1">
+              <a:schemeClr val="accent1"/>
+            </a:lnRef>
+            <a:fillRef idx="0">
+              <a:schemeClr val="accent1"/>
+            </a:fillRef>
+            <a:effectRef idx="0">
+              <a:schemeClr val="accent1"/>
+            </a:effectRef>
+            <a:fontRef idx="minor">
+              <a:schemeClr val="tx1"/>
+            </a:fontRef>
+          </p:style>
+        </p:cxnSp>
+        <p:sp>
+          <p:nvSpPr>
+            <p:cNvPr id="18" name="Rectangle: Single Corner Snipped 17">
+              <a:extLst>
+                <a:ext uri="{FF2B5EF4-FFF2-40B4-BE49-F238E27FC236}">
+                  <a16:creationId xmlns:a16="http://schemas.microsoft.com/office/drawing/2014/main" id="{4472691C-B160-4A27-AC66-1028F8CF50A3}"/>
+                </a:ext>
+              </a:extLst>
+            </p:cNvPr>
+            <p:cNvSpPr/>
+            <p:nvPr/>
+          </p:nvSpPr>
+          <p:spPr>
+            <a:xfrm>
+              <a:off x="797440" y="1359198"/>
+              <a:ext cx="765545" cy="361505"/>
+            </a:xfrm>
+            <a:prstGeom prst="snip1Rect">
+              <a:avLst/>
+            </a:prstGeom>
+          </p:spPr>
+          <p:style>
+            <a:lnRef idx="2">
+              <a:schemeClr val="accent4">
+                <a:shade val="50000"/>
+              </a:schemeClr>
+            </a:lnRef>
+            <a:fillRef idx="1">
+              <a:schemeClr val="accent4"/>
+            </a:fillRef>
+            <a:effectRef idx="0">
+              <a:schemeClr val="accent4"/>
+            </a:effectRef>
+            <a:fontRef idx="minor">
+              <a:schemeClr val="lt1"/>
+            </a:fontRef>
+          </p:style>
+          <p:txBody>
+            <a:bodyPr rtlCol="0" anchor="ctr"/>
+            <a:lstStyle/>
+            <a:p>
+              <a:pPr algn="ctr"/>
+              <a:endParaRPr lang="en-US"/>
+            </a:p>
+          </p:txBody>
+        </p:sp>
+        <p:sp>
+          <p:nvSpPr>
+            <p:cNvPr id="20" name="Rectangle: Single Corner Snipped 19">
+              <a:extLst>
+                <a:ext uri="{FF2B5EF4-FFF2-40B4-BE49-F238E27FC236}">
+                  <a16:creationId xmlns:a16="http://schemas.microsoft.com/office/drawing/2014/main" id="{0EF5042C-D2AF-41AC-A055-846AC7DC0F8C}"/>
+                </a:ext>
+              </a:extLst>
+            </p:cNvPr>
+            <p:cNvSpPr/>
+            <p:nvPr/>
+          </p:nvSpPr>
+          <p:spPr>
+            <a:xfrm>
+              <a:off x="1669310" y="1368062"/>
+              <a:ext cx="765545" cy="361505"/>
+            </a:xfrm>
+            <a:prstGeom prst="snip1Rect">
+              <a:avLst/>
+            </a:prstGeom>
+          </p:spPr>
+          <p:style>
+            <a:lnRef idx="2">
+              <a:schemeClr val="accent4">
+                <a:shade val="50000"/>
+              </a:schemeClr>
+            </a:lnRef>
+            <a:fillRef idx="1">
+              <a:schemeClr val="accent4"/>
+            </a:fillRef>
+            <a:effectRef idx="0">
+              <a:schemeClr val="accent4"/>
+            </a:effectRef>
+            <a:fontRef idx="minor">
+              <a:schemeClr val="lt1"/>
+            </a:fontRef>
+          </p:style>
+          <p:txBody>
+            <a:bodyPr rtlCol="0" anchor="ctr"/>
+            <a:lstStyle/>
+            <a:p>
+              <a:pPr algn="ctr"/>
+              <a:endParaRPr lang="en-US"/>
+            </a:p>
+          </p:txBody>
+        </p:sp>
+        <p:sp>
+          <p:nvSpPr>
+            <p:cNvPr id="22" name="Rectangle: Single Corner Snipped 21">
+              <a:extLst>
+                <a:ext uri="{FF2B5EF4-FFF2-40B4-BE49-F238E27FC236}">
+                  <a16:creationId xmlns:a16="http://schemas.microsoft.com/office/drawing/2014/main" id="{0EE51ABA-19B3-4106-910E-81D837C2D461}"/>
+                </a:ext>
+              </a:extLst>
+            </p:cNvPr>
+            <p:cNvSpPr/>
+            <p:nvPr/>
+          </p:nvSpPr>
+          <p:spPr>
+            <a:xfrm>
+              <a:off x="797440" y="1806650"/>
+              <a:ext cx="357965" cy="334924"/>
+            </a:xfrm>
+            <a:prstGeom prst="snip1Rect">
+              <a:avLst/>
+            </a:prstGeom>
+          </p:spPr>
+          <p:style>
+            <a:lnRef idx="2">
+              <a:schemeClr val="accent4">
+                <a:shade val="50000"/>
+              </a:schemeClr>
+            </a:lnRef>
+            <a:fillRef idx="1">
+              <a:schemeClr val="accent4"/>
+            </a:fillRef>
+            <a:effectRef idx="0">
+              <a:schemeClr val="accent4"/>
+            </a:effectRef>
+            <a:fontRef idx="minor">
+              <a:schemeClr val="lt1"/>
+            </a:fontRef>
+          </p:style>
+          <p:txBody>
+            <a:bodyPr rtlCol="0" anchor="ctr"/>
+            <a:lstStyle/>
+            <a:p>
+              <a:pPr algn="ctr"/>
+              <a:endParaRPr lang="en-US"/>
+            </a:p>
+          </p:txBody>
+        </p:sp>
+        <p:sp>
+          <p:nvSpPr>
+            <p:cNvPr id="24" name="Rectangle: Single Corner Snipped 23">
+              <a:extLst>
+                <a:ext uri="{FF2B5EF4-FFF2-40B4-BE49-F238E27FC236}">
+                  <a16:creationId xmlns:a16="http://schemas.microsoft.com/office/drawing/2014/main" id="{881031A1-7280-4FD7-A26E-2C33DF5919BB}"/>
+                </a:ext>
+              </a:extLst>
+            </p:cNvPr>
+            <p:cNvSpPr/>
+            <p:nvPr/>
+          </p:nvSpPr>
+          <p:spPr>
+            <a:xfrm>
+              <a:off x="1205020" y="1806650"/>
+              <a:ext cx="357965" cy="334924"/>
+            </a:xfrm>
+            <a:prstGeom prst="snip1Rect">
+              <a:avLst/>
+            </a:prstGeom>
+          </p:spPr>
+          <p:style>
+            <a:lnRef idx="2">
+              <a:schemeClr val="accent4">
+                <a:shade val="50000"/>
+              </a:schemeClr>
+            </a:lnRef>
+            <a:fillRef idx="1">
+              <a:schemeClr val="accent4"/>
+            </a:fillRef>
+            <a:effectRef idx="0">
+              <a:schemeClr val="accent4"/>
+            </a:effectRef>
+            <a:fontRef idx="minor">
+              <a:schemeClr val="lt1"/>
+            </a:fontRef>
+          </p:style>
+          <p:txBody>
+            <a:bodyPr rtlCol="0" anchor="ctr"/>
+            <a:lstStyle/>
+            <a:p>
+              <a:pPr algn="ctr"/>
+              <a:endParaRPr lang="en-US"/>
+            </a:p>
+          </p:txBody>
+        </p:sp>
+        <p:sp>
+          <p:nvSpPr>
+            <p:cNvPr id="26" name="Rectangle: Single Corner Snipped 25">
+              <a:extLst>
+                <a:ext uri="{FF2B5EF4-FFF2-40B4-BE49-F238E27FC236}">
+                  <a16:creationId xmlns:a16="http://schemas.microsoft.com/office/drawing/2014/main" id="{C345F992-C7AB-4DD8-954B-A031BC95965E}"/>
+                </a:ext>
+              </a:extLst>
+            </p:cNvPr>
+            <p:cNvSpPr/>
+            <p:nvPr/>
+          </p:nvSpPr>
+          <p:spPr>
+            <a:xfrm>
+              <a:off x="797439" y="2235495"/>
+              <a:ext cx="357965" cy="334924"/>
+            </a:xfrm>
+            <a:prstGeom prst="snip1Rect">
+              <a:avLst/>
+            </a:prstGeom>
+          </p:spPr>
+          <p:style>
+            <a:lnRef idx="2">
+              <a:schemeClr val="accent4">
+                <a:shade val="50000"/>
+              </a:schemeClr>
+            </a:lnRef>
+            <a:fillRef idx="1">
+              <a:schemeClr val="accent4"/>
+            </a:fillRef>
+            <a:effectRef idx="0">
+              <a:schemeClr val="accent4"/>
+            </a:effectRef>
+            <a:fontRef idx="minor">
+              <a:schemeClr val="lt1"/>
+            </a:fontRef>
+          </p:style>
+          <p:txBody>
+            <a:bodyPr rtlCol="0" anchor="ctr"/>
+            <a:lstStyle/>
+            <a:p>
+              <a:pPr algn="ctr"/>
+              <a:endParaRPr lang="en-US"/>
+            </a:p>
+          </p:txBody>
+        </p:sp>
+        <p:sp>
+          <p:nvSpPr>
+            <p:cNvPr id="28" name="Rectangle: Single Corner Snipped 27">
+              <a:extLst>
+                <a:ext uri="{FF2B5EF4-FFF2-40B4-BE49-F238E27FC236}">
+                  <a16:creationId xmlns:a16="http://schemas.microsoft.com/office/drawing/2014/main" id="{37B02A27-5774-4DCD-8B1C-665582BAF261}"/>
+                </a:ext>
+              </a:extLst>
+            </p:cNvPr>
+            <p:cNvSpPr/>
+            <p:nvPr/>
+          </p:nvSpPr>
+          <p:spPr>
+            <a:xfrm>
+              <a:off x="2711303" y="1359198"/>
+              <a:ext cx="765545" cy="361505"/>
+            </a:xfrm>
+            <a:prstGeom prst="snip1Rect">
+              <a:avLst/>
+            </a:prstGeom>
+          </p:spPr>
+          <p:style>
+            <a:lnRef idx="2">
+              <a:schemeClr val="accent4">
+                <a:shade val="50000"/>
+              </a:schemeClr>
+            </a:lnRef>
+            <a:fillRef idx="1">
+              <a:schemeClr val="accent4"/>
+            </a:fillRef>
+            <a:effectRef idx="0">
+              <a:schemeClr val="accent4"/>
+            </a:effectRef>
+            <a:fontRef idx="minor">
+              <a:schemeClr val="lt1"/>
+            </a:fontRef>
+          </p:style>
+          <p:txBody>
+            <a:bodyPr rtlCol="0" anchor="ctr"/>
+            <a:lstStyle/>
+            <a:p>
+              <a:pPr algn="ctr"/>
+              <a:endParaRPr lang="en-US"/>
+            </a:p>
+          </p:txBody>
+        </p:sp>
+        <p:sp>
+          <p:nvSpPr>
+            <p:cNvPr id="30" name="Rectangle: Single Corner Snipped 29">
+              <a:extLst>
+                <a:ext uri="{FF2B5EF4-FFF2-40B4-BE49-F238E27FC236}">
+                  <a16:creationId xmlns:a16="http://schemas.microsoft.com/office/drawing/2014/main" id="{1C86E708-87FB-4B57-ACCE-67377E3DB780}"/>
+                </a:ext>
+              </a:extLst>
+            </p:cNvPr>
+            <p:cNvSpPr/>
+            <p:nvPr/>
+          </p:nvSpPr>
+          <p:spPr>
+            <a:xfrm>
+              <a:off x="3583173" y="1359200"/>
+              <a:ext cx="765545" cy="361505"/>
+            </a:xfrm>
+            <a:prstGeom prst="snip1Rect">
+              <a:avLst/>
+            </a:prstGeom>
+          </p:spPr>
+          <p:style>
+            <a:lnRef idx="2">
+              <a:schemeClr val="accent4">
+                <a:shade val="50000"/>
+              </a:schemeClr>
+            </a:lnRef>
+            <a:fillRef idx="1">
+              <a:schemeClr val="accent4"/>
+            </a:fillRef>
+            <a:effectRef idx="0">
+              <a:schemeClr val="accent4"/>
+            </a:effectRef>
+            <a:fontRef idx="minor">
+              <a:schemeClr val="lt1"/>
+            </a:fontRef>
+          </p:style>
+          <p:txBody>
+            <a:bodyPr rtlCol="0" anchor="ctr"/>
+            <a:lstStyle/>
+            <a:p>
+              <a:pPr algn="ctr"/>
+              <a:endParaRPr lang="en-US"/>
+            </a:p>
+          </p:txBody>
+        </p:sp>
+        <p:sp>
+          <p:nvSpPr>
+            <p:cNvPr id="32" name="Rectangle: Single Corner Snipped 31">
+              <a:extLst>
+                <a:ext uri="{FF2B5EF4-FFF2-40B4-BE49-F238E27FC236}">
+                  <a16:creationId xmlns:a16="http://schemas.microsoft.com/office/drawing/2014/main" id="{4BD73B1B-1203-4D22-805A-F36A463D26C4}"/>
+                </a:ext>
+              </a:extLst>
+            </p:cNvPr>
+            <p:cNvSpPr/>
+            <p:nvPr/>
+          </p:nvSpPr>
+          <p:spPr>
+            <a:xfrm>
+              <a:off x="4455043" y="1371164"/>
+              <a:ext cx="765545" cy="361505"/>
+            </a:xfrm>
+            <a:prstGeom prst="snip1Rect">
+              <a:avLst/>
+            </a:prstGeom>
+          </p:spPr>
+          <p:style>
+            <a:lnRef idx="2">
+              <a:schemeClr val="accent4">
+                <a:shade val="50000"/>
+              </a:schemeClr>
+            </a:lnRef>
+            <a:fillRef idx="1">
+              <a:schemeClr val="accent4"/>
+            </a:fillRef>
+            <a:effectRef idx="0">
+              <a:schemeClr val="accent4"/>
+            </a:effectRef>
+            <a:fontRef idx="minor">
+              <a:schemeClr val="lt1"/>
+            </a:fontRef>
+          </p:style>
+          <p:txBody>
+            <a:bodyPr rtlCol="0" anchor="ctr"/>
+            <a:lstStyle/>
+            <a:p>
+              <a:pPr algn="ctr"/>
+              <a:endParaRPr lang="en-US"/>
+            </a:p>
+          </p:txBody>
+        </p:sp>
+        <p:sp>
+          <p:nvSpPr>
+            <p:cNvPr id="34" name="Rectangle: Single Corner Snipped 33">
+              <a:extLst>
+                <a:ext uri="{FF2B5EF4-FFF2-40B4-BE49-F238E27FC236}">
+                  <a16:creationId xmlns:a16="http://schemas.microsoft.com/office/drawing/2014/main" id="{3D166F4D-C4DB-486B-B0F3-2151C34A91B8}"/>
+                </a:ext>
+              </a:extLst>
+            </p:cNvPr>
+            <p:cNvSpPr/>
+            <p:nvPr/>
+          </p:nvSpPr>
+          <p:spPr>
+            <a:xfrm>
+              <a:off x="2711303" y="1801333"/>
+              <a:ext cx="357965" cy="334924"/>
+            </a:xfrm>
+            <a:prstGeom prst="snip1Rect">
+              <a:avLst/>
+            </a:prstGeom>
+          </p:spPr>
+          <p:style>
+            <a:lnRef idx="2">
+              <a:schemeClr val="accent4">
+                <a:shade val="50000"/>
+              </a:schemeClr>
+            </a:lnRef>
+            <a:fillRef idx="1">
+              <a:schemeClr val="accent4"/>
+            </a:fillRef>
+            <a:effectRef idx="0">
+              <a:schemeClr val="accent4"/>
+            </a:effectRef>
+            <a:fontRef idx="minor">
+              <a:schemeClr val="lt1"/>
+            </a:fontRef>
+          </p:style>
+          <p:txBody>
+            <a:bodyPr rtlCol="0" anchor="ctr"/>
+            <a:lstStyle/>
+            <a:p>
+              <a:pPr algn="ctr"/>
+              <a:endParaRPr lang="en-US"/>
+            </a:p>
+          </p:txBody>
+        </p:sp>
+        <p:sp>
+          <p:nvSpPr>
+            <p:cNvPr id="36" name="Rectangle: Single Corner Snipped 35">
+              <a:extLst>
+                <a:ext uri="{FF2B5EF4-FFF2-40B4-BE49-F238E27FC236}">
+                  <a16:creationId xmlns:a16="http://schemas.microsoft.com/office/drawing/2014/main" id="{C7470454-BA95-4B69-946A-748E8DE07250}"/>
+                </a:ext>
+              </a:extLst>
+            </p:cNvPr>
+            <p:cNvSpPr/>
+            <p:nvPr/>
+          </p:nvSpPr>
+          <p:spPr>
+            <a:xfrm>
+              <a:off x="3166733" y="1801333"/>
+              <a:ext cx="357965" cy="334924"/>
+            </a:xfrm>
+            <a:prstGeom prst="snip1Rect">
+              <a:avLst/>
+            </a:prstGeom>
+          </p:spPr>
+          <p:style>
+            <a:lnRef idx="2">
+              <a:schemeClr val="accent4">
+                <a:shade val="50000"/>
+              </a:schemeClr>
+            </a:lnRef>
+            <a:fillRef idx="1">
+              <a:schemeClr val="accent4"/>
+            </a:fillRef>
+            <a:effectRef idx="0">
+              <a:schemeClr val="accent4"/>
+            </a:effectRef>
+            <a:fontRef idx="minor">
+              <a:schemeClr val="lt1"/>
+            </a:fontRef>
+          </p:style>
+          <p:txBody>
+            <a:bodyPr rtlCol="0" anchor="ctr"/>
+            <a:lstStyle/>
+            <a:p>
+              <a:pPr algn="ctr"/>
+              <a:endParaRPr lang="en-US"/>
+            </a:p>
+          </p:txBody>
+        </p:sp>
+        <p:sp>
+          <p:nvSpPr>
+            <p:cNvPr id="38" name="Rectangle: Single Corner Snipped 37">
+              <a:extLst>
+                <a:ext uri="{FF2B5EF4-FFF2-40B4-BE49-F238E27FC236}">
+                  <a16:creationId xmlns:a16="http://schemas.microsoft.com/office/drawing/2014/main" id="{7DC06D15-436E-4BDB-91C1-D68DFCD16495}"/>
+                </a:ext>
+              </a:extLst>
+            </p:cNvPr>
+            <p:cNvSpPr/>
+            <p:nvPr/>
+          </p:nvSpPr>
+          <p:spPr>
+            <a:xfrm>
+              <a:off x="2711302" y="2213347"/>
+              <a:ext cx="357965" cy="334924"/>
+            </a:xfrm>
+            <a:prstGeom prst="snip1Rect">
+              <a:avLst/>
+            </a:prstGeom>
+          </p:spPr>
+          <p:style>
+            <a:lnRef idx="2">
+              <a:schemeClr val="accent4">
+                <a:shade val="50000"/>
+              </a:schemeClr>
+            </a:lnRef>
+            <a:fillRef idx="1">
+              <a:schemeClr val="accent4"/>
+            </a:fillRef>
+            <a:effectRef idx="0">
+              <a:schemeClr val="accent4"/>
+            </a:effectRef>
+            <a:fontRef idx="minor">
+              <a:schemeClr val="lt1"/>
+            </a:fontRef>
+          </p:style>
+          <p:txBody>
+            <a:bodyPr rtlCol="0" anchor="ctr"/>
+            <a:lstStyle/>
+            <a:p>
+              <a:pPr algn="ctr"/>
+              <a:endParaRPr lang="en-US"/>
+            </a:p>
+          </p:txBody>
+        </p:sp>
+        <p:sp>
+          <p:nvSpPr>
+            <p:cNvPr id="40" name="Rectangle: Single Corner Snipped 39">
+              <a:extLst>
+                <a:ext uri="{FF2B5EF4-FFF2-40B4-BE49-F238E27FC236}">
+                  <a16:creationId xmlns:a16="http://schemas.microsoft.com/office/drawing/2014/main" id="{35F707E2-6497-43FC-B3EE-41919D6DE04F}"/>
+                </a:ext>
+              </a:extLst>
+            </p:cNvPr>
+            <p:cNvSpPr/>
+            <p:nvPr/>
+          </p:nvSpPr>
+          <p:spPr>
+            <a:xfrm>
+              <a:off x="3166733" y="2213347"/>
+              <a:ext cx="357965" cy="334924"/>
+            </a:xfrm>
+            <a:prstGeom prst="snip1Rect">
+              <a:avLst/>
+            </a:prstGeom>
+          </p:spPr>
+          <p:style>
+            <a:lnRef idx="2">
+              <a:schemeClr val="accent4">
+                <a:shade val="50000"/>
+              </a:schemeClr>
+            </a:lnRef>
+            <a:fillRef idx="1">
+              <a:schemeClr val="accent4"/>
+            </a:fillRef>
+            <a:effectRef idx="0">
+              <a:schemeClr val="accent4"/>
+            </a:effectRef>
+            <a:fontRef idx="minor">
+              <a:schemeClr val="lt1"/>
+            </a:fontRef>
+          </p:style>
+          <p:txBody>
+            <a:bodyPr rtlCol="0" anchor="ctr"/>
+            <a:lstStyle/>
+            <a:p>
+              <a:pPr algn="ctr"/>
+              <a:endParaRPr lang="en-US"/>
+            </a:p>
+          </p:txBody>
+        </p:sp>
+        <p:sp>
+          <p:nvSpPr>
+            <p:cNvPr id="42" name="Rectangle: Single Corner Snipped 41">
+              <a:extLst>
+                <a:ext uri="{FF2B5EF4-FFF2-40B4-BE49-F238E27FC236}">
+                  <a16:creationId xmlns:a16="http://schemas.microsoft.com/office/drawing/2014/main" id="{18986C1A-0949-4E4A-8C36-4400B3F0EC55}"/>
+                </a:ext>
+              </a:extLst>
+            </p:cNvPr>
+            <p:cNvSpPr/>
+            <p:nvPr/>
+          </p:nvSpPr>
+          <p:spPr>
+            <a:xfrm>
+              <a:off x="3583173" y="1792917"/>
+              <a:ext cx="357965" cy="334924"/>
+            </a:xfrm>
+            <a:prstGeom prst="snip1Rect">
+              <a:avLst/>
+            </a:prstGeom>
+          </p:spPr>
+          <p:style>
+            <a:lnRef idx="2">
+              <a:schemeClr val="accent4">
+                <a:shade val="50000"/>
+              </a:schemeClr>
+            </a:lnRef>
+            <a:fillRef idx="1">
+              <a:schemeClr val="accent4"/>
+            </a:fillRef>
+            <a:effectRef idx="0">
+              <a:schemeClr val="accent4"/>
+            </a:effectRef>
+            <a:fontRef idx="minor">
+              <a:schemeClr val="lt1"/>
+            </a:fontRef>
+          </p:style>
+          <p:txBody>
+            <a:bodyPr rtlCol="0" anchor="ctr"/>
+            <a:lstStyle/>
+            <a:p>
+              <a:pPr algn="ctr"/>
+              <a:endParaRPr lang="en-US"/>
+            </a:p>
+          </p:txBody>
+        </p:sp>
+        <p:sp>
+          <p:nvSpPr>
+            <p:cNvPr id="44" name="Rectangle: Single Corner Snipped 43">
+              <a:extLst>
+                <a:ext uri="{FF2B5EF4-FFF2-40B4-BE49-F238E27FC236}">
+                  <a16:creationId xmlns:a16="http://schemas.microsoft.com/office/drawing/2014/main" id="{FB452480-62A2-408A-8938-C4D8232C6AD4}"/>
+                </a:ext>
+              </a:extLst>
+            </p:cNvPr>
+            <p:cNvSpPr/>
+            <p:nvPr/>
+          </p:nvSpPr>
+          <p:spPr>
+            <a:xfrm>
+              <a:off x="4001383" y="1801333"/>
+              <a:ext cx="357965" cy="334924"/>
+            </a:xfrm>
+            <a:prstGeom prst="snip1Rect">
+              <a:avLst/>
+            </a:prstGeom>
+          </p:spPr>
+          <p:style>
+            <a:lnRef idx="2">
+              <a:schemeClr val="accent4">
+                <a:shade val="50000"/>
+              </a:schemeClr>
+            </a:lnRef>
+            <a:fillRef idx="1">
+              <a:schemeClr val="accent4"/>
+            </a:fillRef>
+            <a:effectRef idx="0">
+              <a:schemeClr val="accent4"/>
+            </a:effectRef>
+            <a:fontRef idx="minor">
+              <a:schemeClr val="lt1"/>
+            </a:fontRef>
+          </p:style>
+          <p:txBody>
+            <a:bodyPr rtlCol="0" anchor="ctr"/>
+            <a:lstStyle/>
+            <a:p>
+              <a:pPr algn="ctr"/>
+              <a:endParaRPr lang="en-US"/>
+            </a:p>
+          </p:txBody>
+        </p:sp>
+        <p:sp>
+          <p:nvSpPr>
+            <p:cNvPr id="46" name="Rectangle: Single Corner Snipped 45">
+              <a:extLst>
+                <a:ext uri="{FF2B5EF4-FFF2-40B4-BE49-F238E27FC236}">
+                  <a16:creationId xmlns:a16="http://schemas.microsoft.com/office/drawing/2014/main" id="{A1D42DB6-B8A2-463E-8EC1-EFF41C68DE93}"/>
+                </a:ext>
+              </a:extLst>
+            </p:cNvPr>
+            <p:cNvSpPr/>
+            <p:nvPr/>
+          </p:nvSpPr>
+          <p:spPr>
+            <a:xfrm>
+              <a:off x="4456802" y="1792033"/>
+              <a:ext cx="357965" cy="334924"/>
+            </a:xfrm>
+            <a:prstGeom prst="snip1Rect">
+              <a:avLst/>
+            </a:prstGeom>
+          </p:spPr>
+          <p:style>
+            <a:lnRef idx="2">
+              <a:schemeClr val="accent4">
+                <a:shade val="50000"/>
+              </a:schemeClr>
+            </a:lnRef>
+            <a:fillRef idx="1">
+              <a:schemeClr val="accent4"/>
+            </a:fillRef>
+            <a:effectRef idx="0">
+              <a:schemeClr val="accent4"/>
+            </a:effectRef>
+            <a:fontRef idx="minor">
+              <a:schemeClr val="lt1"/>
+            </a:fontRef>
+          </p:style>
+          <p:txBody>
+            <a:bodyPr rtlCol="0" anchor="ctr"/>
+            <a:lstStyle/>
+            <a:p>
+              <a:pPr algn="ctr"/>
+              <a:endParaRPr lang="en-US"/>
+            </a:p>
+          </p:txBody>
+        </p:sp>
+        <p:sp>
+          <p:nvSpPr>
+            <p:cNvPr id="48" name="Rectangle: Single Corner Snipped 47">
+              <a:extLst>
+                <a:ext uri="{FF2B5EF4-FFF2-40B4-BE49-F238E27FC236}">
+                  <a16:creationId xmlns:a16="http://schemas.microsoft.com/office/drawing/2014/main" id="{DE6302D7-AB6C-47D4-9F60-82D8A7B9AEED}"/>
+                </a:ext>
+              </a:extLst>
+            </p:cNvPr>
+            <p:cNvSpPr/>
+            <p:nvPr/>
+          </p:nvSpPr>
+          <p:spPr>
+            <a:xfrm>
+              <a:off x="4862623" y="1787159"/>
+              <a:ext cx="357965" cy="334924"/>
+            </a:xfrm>
+            <a:prstGeom prst="snip1Rect">
+              <a:avLst/>
+            </a:prstGeom>
+          </p:spPr>
+          <p:style>
+            <a:lnRef idx="2">
+              <a:schemeClr val="accent4">
+                <a:shade val="50000"/>
+              </a:schemeClr>
+            </a:lnRef>
+            <a:fillRef idx="1">
+              <a:schemeClr val="accent4"/>
+            </a:fillRef>
+            <a:effectRef idx="0">
+              <a:schemeClr val="accent4"/>
+            </a:effectRef>
+            <a:fontRef idx="minor">
+              <a:schemeClr val="lt1"/>
+            </a:fontRef>
+          </p:style>
+          <p:txBody>
+            <a:bodyPr rtlCol="0" anchor="ctr"/>
+            <a:lstStyle/>
+            <a:p>
+              <a:pPr algn="ctr"/>
+              <a:endParaRPr lang="en-US"/>
+            </a:p>
+          </p:txBody>
+        </p:sp>
+        <p:sp>
+          <p:nvSpPr>
+            <p:cNvPr id="50" name="Rectangle: Single Corner Snipped 49">
+              <a:extLst>
+                <a:ext uri="{FF2B5EF4-FFF2-40B4-BE49-F238E27FC236}">
+                  <a16:creationId xmlns:a16="http://schemas.microsoft.com/office/drawing/2014/main" id="{35A910AC-55DB-4926-8161-8E0ACA78CF72}"/>
+                </a:ext>
+              </a:extLst>
+            </p:cNvPr>
+            <p:cNvSpPr/>
+            <p:nvPr/>
+          </p:nvSpPr>
+          <p:spPr>
+            <a:xfrm>
+              <a:off x="797440" y="2790609"/>
+              <a:ext cx="765545" cy="361505"/>
+            </a:xfrm>
+            <a:prstGeom prst="snip1Rect">
+              <a:avLst/>
+            </a:prstGeom>
+          </p:spPr>
+          <p:style>
+            <a:lnRef idx="2">
+              <a:schemeClr val="accent4">
+                <a:shade val="50000"/>
+              </a:schemeClr>
+            </a:lnRef>
+            <a:fillRef idx="1">
+              <a:schemeClr val="accent4"/>
+            </a:fillRef>
+            <a:effectRef idx="0">
+              <a:schemeClr val="accent4"/>
+            </a:effectRef>
+            <a:fontRef idx="minor">
+              <a:schemeClr val="lt1"/>
+            </a:fontRef>
+          </p:style>
+          <p:txBody>
+            <a:bodyPr rtlCol="0" anchor="ctr"/>
+            <a:lstStyle/>
+            <a:p>
+              <a:pPr algn="ctr"/>
+              <a:endParaRPr lang="en-US"/>
+            </a:p>
+          </p:txBody>
+        </p:sp>
+        <p:sp>
+          <p:nvSpPr>
+            <p:cNvPr id="52" name="Rectangle: Single Corner Snipped 51">
+              <a:extLst>
+                <a:ext uri="{FF2B5EF4-FFF2-40B4-BE49-F238E27FC236}">
+                  <a16:creationId xmlns:a16="http://schemas.microsoft.com/office/drawing/2014/main" id="{9F449694-EA39-49FD-8015-1EEE6850242C}"/>
+                </a:ext>
+              </a:extLst>
+            </p:cNvPr>
+            <p:cNvSpPr/>
+            <p:nvPr/>
+          </p:nvSpPr>
+          <p:spPr>
+            <a:xfrm>
+              <a:off x="797440" y="3238061"/>
+              <a:ext cx="357965" cy="334924"/>
+            </a:xfrm>
+            <a:prstGeom prst="snip1Rect">
+              <a:avLst/>
+            </a:prstGeom>
+          </p:spPr>
+          <p:style>
+            <a:lnRef idx="2">
+              <a:schemeClr val="accent4">
+                <a:shade val="50000"/>
+              </a:schemeClr>
+            </a:lnRef>
+            <a:fillRef idx="1">
+              <a:schemeClr val="accent4"/>
+            </a:fillRef>
+            <a:effectRef idx="0">
+              <a:schemeClr val="accent4"/>
+            </a:effectRef>
+            <a:fontRef idx="minor">
+              <a:schemeClr val="lt1"/>
+            </a:fontRef>
+          </p:style>
+          <p:txBody>
+            <a:bodyPr rtlCol="0" anchor="ctr"/>
+            <a:lstStyle/>
+            <a:p>
+              <a:pPr algn="ctr"/>
+              <a:endParaRPr lang="en-US"/>
+            </a:p>
+          </p:txBody>
+        </p:sp>
+        <p:sp>
+          <p:nvSpPr>
+            <p:cNvPr id="54" name="Rectangle: Single Corner Snipped 53">
+              <a:extLst>
+                <a:ext uri="{FF2B5EF4-FFF2-40B4-BE49-F238E27FC236}">
+                  <a16:creationId xmlns:a16="http://schemas.microsoft.com/office/drawing/2014/main" id="{47BF8BBC-91AE-4992-85A0-085AC0B11B60}"/>
+                </a:ext>
+              </a:extLst>
+            </p:cNvPr>
+            <p:cNvSpPr/>
+            <p:nvPr/>
+          </p:nvSpPr>
+          <p:spPr>
+            <a:xfrm>
+              <a:off x="1205020" y="3238061"/>
+              <a:ext cx="357965" cy="334924"/>
+            </a:xfrm>
+            <a:prstGeom prst="snip1Rect">
+              <a:avLst/>
+            </a:prstGeom>
+          </p:spPr>
+          <p:style>
+            <a:lnRef idx="2">
+              <a:schemeClr val="accent4">
+                <a:shade val="50000"/>
+              </a:schemeClr>
+            </a:lnRef>
+            <a:fillRef idx="1">
+              <a:schemeClr val="accent4"/>
+            </a:fillRef>
+            <a:effectRef idx="0">
+              <a:schemeClr val="accent4"/>
+            </a:effectRef>
+            <a:fontRef idx="minor">
+              <a:schemeClr val="lt1"/>
+            </a:fontRef>
+          </p:style>
+          <p:txBody>
+            <a:bodyPr rtlCol="0" anchor="ctr"/>
+            <a:lstStyle/>
+            <a:p>
+              <a:pPr algn="ctr"/>
+              <a:endParaRPr lang="en-US"/>
+            </a:p>
+          </p:txBody>
+        </p:sp>
+        <p:sp>
+          <p:nvSpPr>
+            <p:cNvPr id="56" name="Rectangle: Single Corner Snipped 55">
+              <a:extLst>
+                <a:ext uri="{FF2B5EF4-FFF2-40B4-BE49-F238E27FC236}">
+                  <a16:creationId xmlns:a16="http://schemas.microsoft.com/office/drawing/2014/main" id="{C9182985-A317-4F88-80AF-CBB87C6BBC31}"/>
+                </a:ext>
+              </a:extLst>
+            </p:cNvPr>
+            <p:cNvSpPr/>
+            <p:nvPr/>
+          </p:nvSpPr>
+          <p:spPr>
+            <a:xfrm>
+              <a:off x="797439" y="3666906"/>
+              <a:ext cx="357965" cy="334924"/>
+            </a:xfrm>
+            <a:prstGeom prst="snip1Rect">
+              <a:avLst/>
+            </a:prstGeom>
+          </p:spPr>
+          <p:style>
+            <a:lnRef idx="2">
+              <a:schemeClr val="accent4">
+                <a:shade val="50000"/>
+              </a:schemeClr>
+            </a:lnRef>
+            <a:fillRef idx="1">
+              <a:schemeClr val="accent4"/>
+            </a:fillRef>
+            <a:effectRef idx="0">
+              <a:schemeClr val="accent4"/>
+            </a:effectRef>
+            <a:fontRef idx="minor">
+              <a:schemeClr val="lt1"/>
+            </a:fontRef>
+          </p:style>
+          <p:txBody>
+            <a:bodyPr rtlCol="0" anchor="ctr"/>
+            <a:lstStyle/>
+            <a:p>
+              <a:pPr algn="ctr"/>
+              <a:endParaRPr lang="en-US"/>
+            </a:p>
+          </p:txBody>
+        </p:sp>
+        <p:sp>
+          <p:nvSpPr>
+            <p:cNvPr id="58" name="Rectangle: Single Corner Snipped 57">
+              <a:extLst>
+                <a:ext uri="{FF2B5EF4-FFF2-40B4-BE49-F238E27FC236}">
+                  <a16:creationId xmlns:a16="http://schemas.microsoft.com/office/drawing/2014/main" id="{30CC246C-A746-43A0-A593-AD513C81ED68}"/>
+                </a:ext>
+              </a:extLst>
+            </p:cNvPr>
+            <p:cNvSpPr/>
+            <p:nvPr/>
+          </p:nvSpPr>
+          <p:spPr>
+            <a:xfrm>
+              <a:off x="7513679" y="2792376"/>
+              <a:ext cx="765545" cy="361505"/>
+            </a:xfrm>
+            <a:prstGeom prst="snip1Rect">
+              <a:avLst/>
+            </a:prstGeom>
+          </p:spPr>
+          <p:style>
+            <a:lnRef idx="2">
+              <a:schemeClr val="accent4">
+                <a:shade val="50000"/>
+              </a:schemeClr>
+            </a:lnRef>
+            <a:fillRef idx="1">
+              <a:schemeClr val="accent4"/>
+            </a:fillRef>
+            <a:effectRef idx="0">
+              <a:schemeClr val="accent4"/>
+            </a:effectRef>
+            <a:fontRef idx="minor">
+              <a:schemeClr val="lt1"/>
+            </a:fontRef>
+          </p:style>
+          <p:txBody>
+            <a:bodyPr rtlCol="0" anchor="ctr"/>
+            <a:lstStyle/>
+            <a:p>
+              <a:pPr algn="ctr"/>
+              <a:endParaRPr lang="en-US"/>
+            </a:p>
+          </p:txBody>
+        </p:sp>
+        <p:sp>
+          <p:nvSpPr>
+            <p:cNvPr id="60" name="Rectangle: Single Corner Snipped 59">
+              <a:extLst>
+                <a:ext uri="{FF2B5EF4-FFF2-40B4-BE49-F238E27FC236}">
+                  <a16:creationId xmlns:a16="http://schemas.microsoft.com/office/drawing/2014/main" id="{A72C0F83-B0CA-45FC-9BD8-06A713961C8C}"/>
+                </a:ext>
+              </a:extLst>
+            </p:cNvPr>
+            <p:cNvSpPr/>
+            <p:nvPr/>
+          </p:nvSpPr>
+          <p:spPr>
+            <a:xfrm>
+              <a:off x="2711302" y="2790389"/>
+              <a:ext cx="357965" cy="334924"/>
+            </a:xfrm>
+            <a:prstGeom prst="snip1Rect">
+              <a:avLst/>
+            </a:prstGeom>
+          </p:spPr>
+          <p:style>
+            <a:lnRef idx="2">
+              <a:schemeClr val="accent4">
+                <a:shade val="50000"/>
+              </a:schemeClr>
+            </a:lnRef>
+            <a:fillRef idx="1">
+              <a:schemeClr val="accent4"/>
+            </a:fillRef>
+            <a:effectRef idx="0">
+              <a:schemeClr val="accent4"/>
+            </a:effectRef>
+            <a:fontRef idx="minor">
+              <a:schemeClr val="lt1"/>
+            </a:fontRef>
+          </p:style>
+          <p:txBody>
+            <a:bodyPr rtlCol="0" anchor="ctr"/>
+            <a:lstStyle/>
+            <a:p>
+              <a:pPr algn="ctr"/>
+              <a:endParaRPr lang="en-US"/>
+            </a:p>
+          </p:txBody>
+        </p:sp>
+        <p:sp>
+          <p:nvSpPr>
+            <p:cNvPr id="62" name="Rectangle: Single Corner Snipped 61">
+              <a:extLst>
+                <a:ext uri="{FF2B5EF4-FFF2-40B4-BE49-F238E27FC236}">
+                  <a16:creationId xmlns:a16="http://schemas.microsoft.com/office/drawing/2014/main" id="{A0EF0C43-8E25-4C9B-971B-19B2930B45C5}"/>
+                </a:ext>
+              </a:extLst>
+            </p:cNvPr>
+            <p:cNvSpPr/>
+            <p:nvPr/>
+          </p:nvSpPr>
+          <p:spPr>
+            <a:xfrm>
+              <a:off x="3118882" y="2790389"/>
+              <a:ext cx="357965" cy="334924"/>
+            </a:xfrm>
+            <a:prstGeom prst="snip1Rect">
+              <a:avLst/>
+            </a:prstGeom>
+          </p:spPr>
+          <p:style>
+            <a:lnRef idx="2">
+              <a:schemeClr val="accent4">
+                <a:shade val="50000"/>
+              </a:schemeClr>
+            </a:lnRef>
+            <a:fillRef idx="1">
+              <a:schemeClr val="accent4"/>
+            </a:fillRef>
+            <a:effectRef idx="0">
+              <a:schemeClr val="accent4"/>
+            </a:effectRef>
+            <a:fontRef idx="minor">
+              <a:schemeClr val="lt1"/>
+            </a:fontRef>
+          </p:style>
+          <p:txBody>
+            <a:bodyPr rtlCol="0" anchor="ctr"/>
+            <a:lstStyle/>
+            <a:p>
+              <a:pPr algn="ctr"/>
+              <a:endParaRPr lang="en-US"/>
+            </a:p>
+          </p:txBody>
+        </p:sp>
+        <p:sp>
+          <p:nvSpPr>
+            <p:cNvPr id="66" name="Rectangle: Single Corner Snipped 65">
+              <a:extLst>
+                <a:ext uri="{FF2B5EF4-FFF2-40B4-BE49-F238E27FC236}">
+                  <a16:creationId xmlns:a16="http://schemas.microsoft.com/office/drawing/2014/main" id="{FD96CE1D-E9BA-48A9-BD61-B1141A5C54B7}"/>
+                </a:ext>
+              </a:extLst>
+            </p:cNvPr>
+            <p:cNvSpPr/>
+            <p:nvPr/>
+          </p:nvSpPr>
+          <p:spPr>
+            <a:xfrm>
+              <a:off x="4456802" y="2788172"/>
+              <a:ext cx="357965" cy="334924"/>
+            </a:xfrm>
+            <a:prstGeom prst="snip1Rect">
+              <a:avLst/>
+            </a:prstGeom>
+          </p:spPr>
+          <p:style>
+            <a:lnRef idx="2">
+              <a:schemeClr val="accent4">
+                <a:shade val="50000"/>
+              </a:schemeClr>
+            </a:lnRef>
+            <a:fillRef idx="1">
+              <a:schemeClr val="accent4"/>
+            </a:fillRef>
+            <a:effectRef idx="0">
+              <a:schemeClr val="accent4"/>
+            </a:effectRef>
+            <a:fontRef idx="minor">
+              <a:schemeClr val="lt1"/>
+            </a:fontRef>
+          </p:style>
+          <p:txBody>
+            <a:bodyPr rtlCol="0" anchor="ctr"/>
+            <a:lstStyle/>
+            <a:p>
+              <a:pPr algn="ctr"/>
+              <a:endParaRPr lang="en-US"/>
+            </a:p>
+          </p:txBody>
+        </p:sp>
+        <p:sp>
+          <p:nvSpPr>
+            <p:cNvPr id="68" name="Rectangle: Single Corner Snipped 67">
+              <a:extLst>
+                <a:ext uri="{FF2B5EF4-FFF2-40B4-BE49-F238E27FC236}">
+                  <a16:creationId xmlns:a16="http://schemas.microsoft.com/office/drawing/2014/main" id="{0C32AA14-6B2E-46E3-ABE3-8507A796A46A}"/>
+                </a:ext>
+              </a:extLst>
+            </p:cNvPr>
+            <p:cNvSpPr/>
+            <p:nvPr/>
+          </p:nvSpPr>
+          <p:spPr>
+            <a:xfrm>
+              <a:off x="6609914" y="2789731"/>
+              <a:ext cx="765545" cy="361505"/>
+            </a:xfrm>
+            <a:prstGeom prst="snip1Rect">
+              <a:avLst/>
+            </a:prstGeom>
+          </p:spPr>
+          <p:style>
+            <a:lnRef idx="2">
+              <a:schemeClr val="accent4">
+                <a:shade val="50000"/>
+              </a:schemeClr>
+            </a:lnRef>
+            <a:fillRef idx="1">
+              <a:schemeClr val="accent4"/>
+            </a:fillRef>
+            <a:effectRef idx="0">
+              <a:schemeClr val="accent4"/>
+            </a:effectRef>
+            <a:fontRef idx="minor">
+              <a:schemeClr val="lt1"/>
+            </a:fontRef>
+          </p:style>
+          <p:txBody>
+            <a:bodyPr rtlCol="0" anchor="ctr"/>
+            <a:lstStyle/>
+            <a:p>
+              <a:pPr algn="ctr"/>
+              <a:endParaRPr lang="en-US"/>
+            </a:p>
+          </p:txBody>
+        </p:sp>
+        <p:sp>
+          <p:nvSpPr>
+            <p:cNvPr id="70" name="Rectangle: Single Corner Snipped 69">
+              <a:extLst>
+                <a:ext uri="{FF2B5EF4-FFF2-40B4-BE49-F238E27FC236}">
+                  <a16:creationId xmlns:a16="http://schemas.microsoft.com/office/drawing/2014/main" id="{8ED34818-8CDC-416B-8709-DB0BC7553AC4}"/>
+                </a:ext>
+              </a:extLst>
+            </p:cNvPr>
+            <p:cNvSpPr/>
+            <p:nvPr/>
+          </p:nvSpPr>
+          <p:spPr>
+            <a:xfrm>
+              <a:off x="5713225" y="2786294"/>
+              <a:ext cx="765545" cy="361505"/>
+            </a:xfrm>
+            <a:prstGeom prst="snip1Rect">
+              <a:avLst/>
+            </a:prstGeom>
+          </p:spPr>
+          <p:style>
+            <a:lnRef idx="2">
+              <a:schemeClr val="accent4">
+                <a:shade val="50000"/>
+              </a:schemeClr>
+            </a:lnRef>
+            <a:fillRef idx="1">
+              <a:schemeClr val="accent4"/>
+            </a:fillRef>
+            <a:effectRef idx="0">
+              <a:schemeClr val="accent4"/>
+            </a:effectRef>
+            <a:fontRef idx="minor">
+              <a:schemeClr val="lt1"/>
+            </a:fontRef>
+          </p:style>
+          <p:txBody>
+            <a:bodyPr rtlCol="0" anchor="ctr"/>
+            <a:lstStyle/>
+            <a:p>
+              <a:pPr algn="ctr"/>
+              <a:endParaRPr lang="en-US"/>
+            </a:p>
+          </p:txBody>
+        </p:sp>
+        <p:sp>
+          <p:nvSpPr>
+            <p:cNvPr id="72" name="Rectangle: Rounded Corners 71">
+              <a:extLst>
+                <a:ext uri="{FF2B5EF4-FFF2-40B4-BE49-F238E27FC236}">
+                  <a16:creationId xmlns:a16="http://schemas.microsoft.com/office/drawing/2014/main" id="{045FAB44-3302-4F85-A802-AEA79E953088}"/>
+                </a:ext>
+              </a:extLst>
+            </p:cNvPr>
+            <p:cNvSpPr/>
+            <p:nvPr/>
+          </p:nvSpPr>
+          <p:spPr>
+            <a:xfrm>
+              <a:off x="8637178" y="758902"/>
+              <a:ext cx="2718391" cy="276446"/>
+            </a:xfrm>
+            <a:prstGeom prst="roundRect">
+              <a:avLst/>
+            </a:prstGeom>
+          </p:spPr>
+          <p:style>
+            <a:lnRef idx="2">
+              <a:schemeClr val="accent1">
+                <a:shade val="50000"/>
+              </a:schemeClr>
+            </a:lnRef>
+            <a:fillRef idx="1">
+              <a:schemeClr val="accent1"/>
+            </a:fillRef>
+            <a:effectRef idx="0">
+              <a:schemeClr val="accent1"/>
+            </a:effectRef>
+            <a:fontRef idx="minor">
+              <a:schemeClr val="lt1"/>
+            </a:fontRef>
+          </p:style>
+          <p:txBody>
+            <a:bodyPr rtlCol="0" anchor="ctr"/>
+            <a:lstStyle/>
+            <a:p>
+              <a:pPr algn="ctr"/>
+              <a:endParaRPr lang="en-US"/>
+            </a:p>
+          </p:txBody>
+        </p:sp>
+        <p:sp>
+          <p:nvSpPr>
+            <p:cNvPr id="74" name="Rectangle: Single Corner Snipped 73">
+              <a:extLst>
+                <a:ext uri="{FF2B5EF4-FFF2-40B4-BE49-F238E27FC236}">
+                  <a16:creationId xmlns:a16="http://schemas.microsoft.com/office/drawing/2014/main" id="{698845B6-B851-4075-B962-857932AE7BE2}"/>
+                </a:ext>
+              </a:extLst>
+            </p:cNvPr>
+            <p:cNvSpPr/>
+            <p:nvPr/>
+          </p:nvSpPr>
+          <p:spPr>
+            <a:xfrm>
+              <a:off x="8637178" y="2811661"/>
+              <a:ext cx="765545" cy="361505"/>
+            </a:xfrm>
+            <a:prstGeom prst="snip1Rect">
+              <a:avLst/>
+            </a:prstGeom>
+          </p:spPr>
+          <p:style>
+            <a:lnRef idx="2">
+              <a:schemeClr val="accent4">
+                <a:shade val="50000"/>
+              </a:schemeClr>
+            </a:lnRef>
+            <a:fillRef idx="1">
+              <a:schemeClr val="accent4"/>
+            </a:fillRef>
+            <a:effectRef idx="0">
+              <a:schemeClr val="accent4"/>
+            </a:effectRef>
+            <a:fontRef idx="minor">
+              <a:schemeClr val="lt1"/>
+            </a:fontRef>
+          </p:style>
+          <p:txBody>
+            <a:bodyPr rtlCol="0" anchor="ctr"/>
+            <a:lstStyle/>
+            <a:p>
+              <a:pPr algn="ctr"/>
+              <a:endParaRPr lang="en-US"/>
+            </a:p>
+          </p:txBody>
+        </p:sp>
+        <p:sp>
+          <p:nvSpPr>
+            <p:cNvPr id="76" name="Rectangle: Single Corner Snipped 75">
+              <a:extLst>
+                <a:ext uri="{FF2B5EF4-FFF2-40B4-BE49-F238E27FC236}">
+                  <a16:creationId xmlns:a16="http://schemas.microsoft.com/office/drawing/2014/main" id="{0BC15A7D-F98A-4D94-8B46-94ED531358ED}"/>
+                </a:ext>
+              </a:extLst>
+            </p:cNvPr>
+            <p:cNvSpPr/>
+            <p:nvPr/>
+          </p:nvSpPr>
+          <p:spPr>
+            <a:xfrm>
+              <a:off x="9509048" y="2823625"/>
+              <a:ext cx="765545" cy="361505"/>
+            </a:xfrm>
+            <a:prstGeom prst="snip1Rect">
+              <a:avLst/>
+            </a:prstGeom>
+          </p:spPr>
+          <p:style>
+            <a:lnRef idx="2">
+              <a:schemeClr val="accent4">
+                <a:shade val="50000"/>
+              </a:schemeClr>
+            </a:lnRef>
+            <a:fillRef idx="1">
+              <a:schemeClr val="accent4"/>
+            </a:fillRef>
+            <a:effectRef idx="0">
+              <a:schemeClr val="accent4"/>
+            </a:effectRef>
+            <a:fontRef idx="minor">
+              <a:schemeClr val="lt1"/>
+            </a:fontRef>
+          </p:style>
+          <p:txBody>
+            <a:bodyPr rtlCol="0" anchor="ctr"/>
+            <a:lstStyle/>
+            <a:p>
+              <a:pPr algn="ctr"/>
+              <a:endParaRPr lang="en-US"/>
+            </a:p>
+          </p:txBody>
+        </p:sp>
+        <p:sp>
+          <p:nvSpPr>
+            <p:cNvPr id="78" name="Rectangle: Single Corner Snipped 77">
+              <a:extLst>
+                <a:ext uri="{FF2B5EF4-FFF2-40B4-BE49-F238E27FC236}">
+                  <a16:creationId xmlns:a16="http://schemas.microsoft.com/office/drawing/2014/main" id="{257A8657-C02D-431D-8F04-4B0D66A5EC35}"/>
+                </a:ext>
+              </a:extLst>
+            </p:cNvPr>
+            <p:cNvSpPr/>
+            <p:nvPr/>
+          </p:nvSpPr>
+          <p:spPr>
+            <a:xfrm>
+              <a:off x="8637178" y="3245378"/>
+              <a:ext cx="357965" cy="334924"/>
+            </a:xfrm>
+            <a:prstGeom prst="snip1Rect">
+              <a:avLst/>
+            </a:prstGeom>
+          </p:spPr>
+          <p:style>
+            <a:lnRef idx="2">
+              <a:schemeClr val="accent4">
+                <a:shade val="50000"/>
+              </a:schemeClr>
+            </a:lnRef>
+            <a:fillRef idx="1">
+              <a:schemeClr val="accent4"/>
+            </a:fillRef>
+            <a:effectRef idx="0">
+              <a:schemeClr val="accent4"/>
+            </a:effectRef>
+            <a:fontRef idx="minor">
+              <a:schemeClr val="lt1"/>
+            </a:fontRef>
+          </p:style>
+          <p:txBody>
+            <a:bodyPr rtlCol="0" anchor="ctr"/>
+            <a:lstStyle/>
+            <a:p>
+              <a:pPr algn="ctr"/>
+              <a:endParaRPr lang="en-US"/>
+            </a:p>
+          </p:txBody>
+        </p:sp>
+        <p:sp>
+          <p:nvSpPr>
+            <p:cNvPr id="80" name="Rectangle: Single Corner Snipped 79">
+              <a:extLst>
+                <a:ext uri="{FF2B5EF4-FFF2-40B4-BE49-F238E27FC236}">
+                  <a16:creationId xmlns:a16="http://schemas.microsoft.com/office/drawing/2014/main" id="{88EB55B6-23D5-4517-8D0B-4CBEB68D8C0D}"/>
+                </a:ext>
+              </a:extLst>
+            </p:cNvPr>
+            <p:cNvSpPr/>
+            <p:nvPr/>
+          </p:nvSpPr>
+          <p:spPr>
+            <a:xfrm>
+              <a:off x="9055388" y="3253794"/>
+              <a:ext cx="357965" cy="334924"/>
+            </a:xfrm>
+            <a:prstGeom prst="snip1Rect">
+              <a:avLst/>
+            </a:prstGeom>
+          </p:spPr>
+          <p:style>
+            <a:lnRef idx="2">
+              <a:schemeClr val="accent4">
+                <a:shade val="50000"/>
+              </a:schemeClr>
+            </a:lnRef>
+            <a:fillRef idx="1">
+              <a:schemeClr val="accent4"/>
+            </a:fillRef>
+            <a:effectRef idx="0">
+              <a:schemeClr val="accent4"/>
+            </a:effectRef>
+            <a:fontRef idx="minor">
+              <a:schemeClr val="lt1"/>
+            </a:fontRef>
+          </p:style>
+          <p:txBody>
+            <a:bodyPr rtlCol="0" anchor="ctr"/>
+            <a:lstStyle/>
+            <a:p>
+              <a:pPr algn="ctr"/>
+              <a:endParaRPr lang="en-US"/>
+            </a:p>
+          </p:txBody>
+        </p:sp>
+        <p:sp>
+          <p:nvSpPr>
+            <p:cNvPr id="82" name="Rectangle: Single Corner Snipped 81">
+              <a:extLst>
+                <a:ext uri="{FF2B5EF4-FFF2-40B4-BE49-F238E27FC236}">
+                  <a16:creationId xmlns:a16="http://schemas.microsoft.com/office/drawing/2014/main" id="{6ABEAA90-F855-4C8A-A4DA-FD29B542D85C}"/>
+                </a:ext>
+              </a:extLst>
+            </p:cNvPr>
+            <p:cNvSpPr/>
+            <p:nvPr/>
+          </p:nvSpPr>
+          <p:spPr>
+            <a:xfrm>
+              <a:off x="9510807" y="3244494"/>
+              <a:ext cx="357965" cy="334924"/>
+            </a:xfrm>
+            <a:prstGeom prst="snip1Rect">
+              <a:avLst/>
+            </a:prstGeom>
+          </p:spPr>
+          <p:style>
+            <a:lnRef idx="2">
+              <a:schemeClr val="accent4">
+                <a:shade val="50000"/>
+              </a:schemeClr>
+            </a:lnRef>
+            <a:fillRef idx="1">
+              <a:schemeClr val="accent4"/>
+            </a:fillRef>
+            <a:effectRef idx="0">
+              <a:schemeClr val="accent4"/>
+            </a:effectRef>
+            <a:fontRef idx="minor">
+              <a:schemeClr val="lt1"/>
+            </a:fontRef>
+          </p:style>
+          <p:txBody>
+            <a:bodyPr rtlCol="0" anchor="ctr"/>
+            <a:lstStyle/>
+            <a:p>
+              <a:pPr algn="ctr"/>
+              <a:endParaRPr lang="en-US"/>
+            </a:p>
+          </p:txBody>
+        </p:sp>
+        <p:sp>
+          <p:nvSpPr>
+            <p:cNvPr id="84" name="Rectangle: Single Corner Snipped 83">
+              <a:extLst>
+                <a:ext uri="{FF2B5EF4-FFF2-40B4-BE49-F238E27FC236}">
+                  <a16:creationId xmlns:a16="http://schemas.microsoft.com/office/drawing/2014/main" id="{1CF8F27F-5229-4D4E-A964-3AFA3F19BA21}"/>
+                </a:ext>
+              </a:extLst>
+            </p:cNvPr>
+            <p:cNvSpPr/>
+            <p:nvPr/>
+          </p:nvSpPr>
+          <p:spPr>
+            <a:xfrm>
+              <a:off x="9916628" y="3239620"/>
+              <a:ext cx="357965" cy="334924"/>
+            </a:xfrm>
+            <a:prstGeom prst="snip1Rect">
+              <a:avLst/>
+            </a:prstGeom>
+          </p:spPr>
+          <p:style>
+            <a:lnRef idx="2">
+              <a:schemeClr val="accent4">
+                <a:shade val="50000"/>
+              </a:schemeClr>
+            </a:lnRef>
+            <a:fillRef idx="1">
+              <a:schemeClr val="accent4"/>
+            </a:fillRef>
+            <a:effectRef idx="0">
+              <a:schemeClr val="accent4"/>
+            </a:effectRef>
+            <a:fontRef idx="minor">
+              <a:schemeClr val="lt1"/>
+            </a:fontRef>
+          </p:style>
+          <p:txBody>
+            <a:bodyPr rtlCol="0" anchor="ctr"/>
+            <a:lstStyle/>
+            <a:p>
+              <a:pPr algn="ctr"/>
+              <a:endParaRPr lang="en-US"/>
+            </a:p>
+          </p:txBody>
+        </p:sp>
+        <p:sp>
+          <p:nvSpPr>
+            <p:cNvPr id="86" name="Rectangle: Single Corner Snipped 85">
+              <a:extLst>
+                <a:ext uri="{FF2B5EF4-FFF2-40B4-BE49-F238E27FC236}">
+                  <a16:creationId xmlns:a16="http://schemas.microsoft.com/office/drawing/2014/main" id="{28B7210C-28BA-4233-A78E-4256D764BF32}"/>
+                </a:ext>
+              </a:extLst>
+            </p:cNvPr>
+            <p:cNvSpPr/>
+            <p:nvPr/>
+          </p:nvSpPr>
+          <p:spPr>
+            <a:xfrm>
+              <a:off x="10412824" y="4316288"/>
+              <a:ext cx="765545" cy="361505"/>
+            </a:xfrm>
+            <a:prstGeom prst="snip1Rect">
+              <a:avLst/>
+            </a:prstGeom>
+          </p:spPr>
+          <p:style>
+            <a:lnRef idx="2">
+              <a:schemeClr val="accent4">
+                <a:shade val="50000"/>
+              </a:schemeClr>
+            </a:lnRef>
+            <a:fillRef idx="1">
+              <a:schemeClr val="accent4"/>
+            </a:fillRef>
+            <a:effectRef idx="0">
+              <a:schemeClr val="accent4"/>
+            </a:effectRef>
+            <a:fontRef idx="minor">
+              <a:schemeClr val="lt1"/>
+            </a:fontRef>
+          </p:style>
+          <p:txBody>
+            <a:bodyPr rtlCol="0" anchor="ctr"/>
+            <a:lstStyle/>
+            <a:p>
+              <a:pPr algn="ctr"/>
+              <a:endParaRPr lang="en-US"/>
+            </a:p>
+          </p:txBody>
+        </p:sp>
+        <p:sp>
+          <p:nvSpPr>
+            <p:cNvPr id="88" name="Rectangle: Single Corner Snipped 87">
+              <a:extLst>
+                <a:ext uri="{FF2B5EF4-FFF2-40B4-BE49-F238E27FC236}">
+                  <a16:creationId xmlns:a16="http://schemas.microsoft.com/office/drawing/2014/main" id="{34332449-6E83-425F-9EB4-6CD48FEC1BE1}"/>
+                </a:ext>
+              </a:extLst>
+            </p:cNvPr>
+            <p:cNvSpPr/>
+            <p:nvPr/>
+          </p:nvSpPr>
+          <p:spPr>
+            <a:xfrm>
+              <a:off x="9509059" y="4313643"/>
+              <a:ext cx="765545" cy="361505"/>
+            </a:xfrm>
+            <a:prstGeom prst="snip1Rect">
+              <a:avLst/>
+            </a:prstGeom>
+          </p:spPr>
+          <p:style>
+            <a:lnRef idx="2">
+              <a:schemeClr val="accent4">
+                <a:shade val="50000"/>
+              </a:schemeClr>
+            </a:lnRef>
+            <a:fillRef idx="1">
+              <a:schemeClr val="accent4"/>
+            </a:fillRef>
+            <a:effectRef idx="0">
+              <a:schemeClr val="accent4"/>
+            </a:effectRef>
+            <a:fontRef idx="minor">
+              <a:schemeClr val="lt1"/>
+            </a:fontRef>
+          </p:style>
+          <p:txBody>
+            <a:bodyPr rtlCol="0" anchor="ctr"/>
+            <a:lstStyle/>
+            <a:p>
+              <a:pPr algn="ctr"/>
+              <a:endParaRPr lang="en-US"/>
+            </a:p>
+          </p:txBody>
+        </p:sp>
+        <p:sp>
+          <p:nvSpPr>
+            <p:cNvPr id="90" name="Rectangle: Single Corner Snipped 89">
+              <a:extLst>
+                <a:ext uri="{FF2B5EF4-FFF2-40B4-BE49-F238E27FC236}">
+                  <a16:creationId xmlns:a16="http://schemas.microsoft.com/office/drawing/2014/main" id="{7BAD39DE-9393-4233-8F4F-CF4F68912260}"/>
+                </a:ext>
+              </a:extLst>
+            </p:cNvPr>
+            <p:cNvSpPr/>
+            <p:nvPr/>
+          </p:nvSpPr>
+          <p:spPr>
+            <a:xfrm>
+              <a:off x="8612370" y="4310206"/>
+              <a:ext cx="765545" cy="361505"/>
+            </a:xfrm>
+            <a:prstGeom prst="snip1Rect">
+              <a:avLst/>
+            </a:prstGeom>
+          </p:spPr>
+          <p:style>
+            <a:lnRef idx="2">
+              <a:schemeClr val="accent4">
+                <a:shade val="50000"/>
+              </a:schemeClr>
+            </a:lnRef>
+            <a:fillRef idx="1">
+              <a:schemeClr val="accent4"/>
+            </a:fillRef>
+            <a:effectRef idx="0">
+              <a:schemeClr val="accent4"/>
+            </a:effectRef>
+            <a:fontRef idx="minor">
+              <a:schemeClr val="lt1"/>
+            </a:fontRef>
+          </p:style>
+          <p:txBody>
+            <a:bodyPr rtlCol="0" anchor="ctr"/>
+            <a:lstStyle/>
+            <a:p>
+              <a:pPr algn="ctr"/>
+              <a:endParaRPr lang="en-US"/>
+            </a:p>
+          </p:txBody>
+        </p:sp>
+      </p:grpSp>
+    </p:spTree>
+    <p:extLst>
+      <p:ext uri="{BB962C8B-B14F-4D97-AF65-F5344CB8AC3E}">
+        <p14:creationId xmlns:p14="http://schemas.microsoft.com/office/powerpoint/2010/main" val="1786796278"/>
+      </p:ext>
+    </p:extLst>
+  </p:cSld>
+  <p:clrMapOvr>
+    <a:masterClrMapping/>
+  </p:clrMapOvr>
+</p:sld>
+</file>
+
 <file path=ppt/theme/theme1.xml><?xml version="1.0" encoding="utf-8"?>
 <a:theme xmlns:a="http://schemas.openxmlformats.org/drawingml/2006/main" name="Office Theme">
   <a:themeElements>

--- a/Sprint Cadence Diagrams.pptx
+++ b/Sprint Cadence Diagrams.pptx
@@ -13,6 +13,7 @@
     <p:sldId id="261" r:id="rId7"/>
     <p:sldId id="262" r:id="rId8"/>
     <p:sldId id="263" r:id="rId9"/>
+    <p:sldId id="264" r:id="rId10"/>
   </p:sldIdLst>
   <p:sldSz cx="12192000" cy="6858000"/>
   <p:notesSz cx="6858000" cy="9144000"/>
@@ -17498,6 +17499,66 @@
 </p:sld>
 </file>
 
+<file path=ppt/slides/slide9.xml><?xml version="1.0" encoding="utf-8"?>
+<p:sld xmlns:a="http://schemas.openxmlformats.org/drawingml/2006/main" xmlns:r="http://schemas.openxmlformats.org/officeDocument/2006/relationships" xmlns:p="http://schemas.openxmlformats.org/presentationml/2006/main">
+  <p:cSld>
+    <p:spTree>
+      <p:nvGrpSpPr>
+        <p:cNvPr id="1" name=""/>
+        <p:cNvGrpSpPr/>
+        <p:nvPr/>
+      </p:nvGrpSpPr>
+      <p:grpSpPr>
+        <a:xfrm>
+          <a:off x="0" y="0"/>
+          <a:ext cx="0" cy="0"/>
+          <a:chOff x="0" y="0"/>
+          <a:chExt cx="0" cy="0"/>
+        </a:xfrm>
+      </p:grpSpPr>
+      <p:pic>
+        <p:nvPicPr>
+          <p:cNvPr id="3" name="Picture 2">
+            <a:extLst>
+              <a:ext uri="{FF2B5EF4-FFF2-40B4-BE49-F238E27FC236}">
+                <a16:creationId xmlns:a16="http://schemas.microsoft.com/office/drawing/2014/main" id="{4D048467-7067-4E38-B536-700691661111}"/>
+              </a:ext>
+            </a:extLst>
+          </p:cNvPr>
+          <p:cNvPicPr>
+            <a:picLocks noChangeAspect="1"/>
+          </p:cNvPicPr>
+          <p:nvPr/>
+        </p:nvPicPr>
+        <p:blipFill>
+          <a:blip r:embed="rId2"/>
+          <a:stretch>
+            <a:fillRect/>
+          </a:stretch>
+        </p:blipFill>
+        <p:spPr>
+          <a:xfrm>
+            <a:off x="1919756" y="1359243"/>
+            <a:ext cx="5118553" cy="2317355"/>
+          </a:xfrm>
+          <a:prstGeom prst="rect">
+            <a:avLst/>
+          </a:prstGeom>
+        </p:spPr>
+      </p:pic>
+    </p:spTree>
+    <p:extLst>
+      <p:ext uri="{BB962C8B-B14F-4D97-AF65-F5344CB8AC3E}">
+        <p14:creationId xmlns:p14="http://schemas.microsoft.com/office/powerpoint/2010/main" val="2441154599"/>
+      </p:ext>
+    </p:extLst>
+  </p:cSld>
+  <p:clrMapOvr>
+    <a:masterClrMapping/>
+  </p:clrMapOvr>
+</p:sld>
+</file>
+
 <file path=ppt/theme/theme1.xml><?xml version="1.0" encoding="utf-8"?>
 <a:theme xmlns:a="http://schemas.openxmlformats.org/drawingml/2006/main" name="Office Theme">
   <a:themeElements>

--- a/Sprint Cadence Diagrams.pptx
+++ b/Sprint Cadence Diagrams.pptx
@@ -14,6 +14,7 @@
     <p:sldId id="262" r:id="rId8"/>
     <p:sldId id="263" r:id="rId9"/>
     <p:sldId id="264" r:id="rId10"/>
+    <p:sldId id="265" r:id="rId11"/>
   </p:sldIdLst>
   <p:sldSz cx="12192000" cy="6858000"/>
   <p:notesSz cx="6858000" cy="9144000"/>
@@ -6689,6 +6690,745 @@
 </p:sld>
 </file>
 
+<file path=ppt/slides/slide10.xml><?xml version="1.0" encoding="utf-8"?>
+<p:sld xmlns:a="http://schemas.openxmlformats.org/drawingml/2006/main" xmlns:r="http://schemas.openxmlformats.org/officeDocument/2006/relationships" xmlns:p="http://schemas.openxmlformats.org/presentationml/2006/main">
+  <p:cSld>
+    <p:spTree>
+      <p:nvGrpSpPr>
+        <p:cNvPr id="1" name=""/>
+        <p:cNvGrpSpPr/>
+        <p:nvPr/>
+      </p:nvGrpSpPr>
+      <p:grpSpPr>
+        <a:xfrm>
+          <a:off x="0" y="0"/>
+          <a:ext cx="0" cy="0"/>
+          <a:chOff x="0" y="0"/>
+          <a:chExt cx="0" cy="0"/>
+        </a:xfrm>
+      </p:grpSpPr>
+      <p:sp>
+        <p:nvSpPr>
+          <p:cNvPr id="3" name="Rectangle 2">
+            <a:extLst>
+              <a:ext uri="{FF2B5EF4-FFF2-40B4-BE49-F238E27FC236}">
+                <a16:creationId xmlns:a16="http://schemas.microsoft.com/office/drawing/2014/main" id="{AAE9FF72-DDDD-4818-9CC0-D49F372D166B}"/>
+              </a:ext>
+            </a:extLst>
+          </p:cNvPr>
+          <p:cNvSpPr/>
+          <p:nvPr/>
+        </p:nvSpPr>
+        <p:spPr>
+          <a:xfrm>
+            <a:off x="1826055" y="706674"/>
+            <a:ext cx="5991653" cy="3058018"/>
+          </a:xfrm>
+          <a:prstGeom prst="rect">
+            <a:avLst/>
+          </a:prstGeom>
+          <a:solidFill>
+            <a:schemeClr val="accent3">
+              <a:lumMod val="20000"/>
+              <a:lumOff val="80000"/>
+            </a:schemeClr>
+          </a:solidFill>
+        </p:spPr>
+        <p:style>
+          <a:lnRef idx="1">
+            <a:schemeClr val="accent3"/>
+          </a:lnRef>
+          <a:fillRef idx="2">
+            <a:schemeClr val="accent3"/>
+          </a:fillRef>
+          <a:effectRef idx="1">
+            <a:schemeClr val="accent3"/>
+          </a:effectRef>
+          <a:fontRef idx="minor">
+            <a:schemeClr val="dk1"/>
+          </a:fontRef>
+        </p:style>
+        <p:txBody>
+          <a:bodyPr rtlCol="0" anchor="ctr"/>
+          <a:lstStyle/>
+          <a:p>
+            <a:pPr algn="ctr"/>
+            <a:endParaRPr lang="en-US"/>
+          </a:p>
+        </p:txBody>
+      </p:sp>
+      <p:sp>
+        <p:nvSpPr>
+          <p:cNvPr id="4" name="Oval 3">
+            <a:extLst>
+              <a:ext uri="{FF2B5EF4-FFF2-40B4-BE49-F238E27FC236}">
+                <a16:creationId xmlns:a16="http://schemas.microsoft.com/office/drawing/2014/main" id="{A4188641-627F-4975-B664-9B3BBD9C0182}"/>
+              </a:ext>
+            </a:extLst>
+          </p:cNvPr>
+          <p:cNvSpPr/>
+          <p:nvPr/>
+        </p:nvSpPr>
+        <p:spPr>
+          <a:xfrm>
+            <a:off x="4951329" y="930563"/>
+            <a:ext cx="2465211" cy="2493139"/>
+          </a:xfrm>
+          <a:prstGeom prst="ellipse">
+            <a:avLst/>
+          </a:prstGeom>
+          <a:solidFill>
+            <a:srgbClr val="FFFFFF">
+              <a:alpha val="0"/>
+            </a:srgbClr>
+          </a:solidFill>
+          <a:ln w="25400">
+            <a:solidFill>
+              <a:srgbClr val="FF0000"/>
+            </a:solidFill>
+          </a:ln>
+        </p:spPr>
+        <p:style>
+          <a:lnRef idx="2">
+            <a:schemeClr val="accent1">
+              <a:shade val="50000"/>
+            </a:schemeClr>
+          </a:lnRef>
+          <a:fillRef idx="1">
+            <a:schemeClr val="accent1"/>
+          </a:fillRef>
+          <a:effectRef idx="0">
+            <a:schemeClr val="accent1"/>
+          </a:effectRef>
+          <a:fontRef idx="minor">
+            <a:schemeClr val="lt1"/>
+          </a:fontRef>
+        </p:style>
+        <p:txBody>
+          <a:bodyPr rtlCol="0" anchor="ctr"/>
+          <a:lstStyle/>
+          <a:p>
+            <a:pPr algn="ctr"/>
+            <a:endParaRPr lang="en-US"/>
+          </a:p>
+        </p:txBody>
+      </p:sp>
+      <p:sp>
+        <p:nvSpPr>
+          <p:cNvPr id="5" name="Rectangle 4">
+            <a:extLst>
+              <a:ext uri="{FF2B5EF4-FFF2-40B4-BE49-F238E27FC236}">
+                <a16:creationId xmlns:a16="http://schemas.microsoft.com/office/drawing/2014/main" id="{08D287E0-A0B9-4495-B3FF-3236CE5E2C72}"/>
+              </a:ext>
+            </a:extLst>
+          </p:cNvPr>
+          <p:cNvSpPr/>
+          <p:nvPr/>
+        </p:nvSpPr>
+        <p:spPr>
+          <a:xfrm>
+            <a:off x="2184464" y="930564"/>
+            <a:ext cx="2465211" cy="2493139"/>
+          </a:xfrm>
+          <a:prstGeom prst="rect">
+            <a:avLst/>
+          </a:prstGeom>
+          <a:noFill/>
+          <a:ln w="25400">
+            <a:solidFill>
+              <a:srgbClr val="FF0000"/>
+            </a:solidFill>
+          </a:ln>
+        </p:spPr>
+        <p:style>
+          <a:lnRef idx="2">
+            <a:schemeClr val="accent1">
+              <a:shade val="50000"/>
+            </a:schemeClr>
+          </a:lnRef>
+          <a:fillRef idx="1">
+            <a:schemeClr val="accent1"/>
+          </a:fillRef>
+          <a:effectRef idx="0">
+            <a:schemeClr val="accent1"/>
+          </a:effectRef>
+          <a:fontRef idx="minor">
+            <a:schemeClr val="lt1"/>
+          </a:fontRef>
+        </p:style>
+        <p:txBody>
+          <a:bodyPr rtlCol="0" anchor="ctr"/>
+          <a:lstStyle/>
+          <a:p>
+            <a:pPr algn="ctr"/>
+            <a:endParaRPr lang="en-US"/>
+          </a:p>
+        </p:txBody>
+      </p:sp>
+      <p:cxnSp>
+        <p:nvCxnSpPr>
+          <p:cNvPr id="6" name="Straight Connector 5">
+            <a:extLst>
+              <a:ext uri="{FF2B5EF4-FFF2-40B4-BE49-F238E27FC236}">
+                <a16:creationId xmlns:a16="http://schemas.microsoft.com/office/drawing/2014/main" id="{4259FAEE-3B41-400E-B680-ED29F5DA3CF4}"/>
+              </a:ext>
+            </a:extLst>
+          </p:cNvPr>
+          <p:cNvCxnSpPr>
+            <a:cxnSpLocks/>
+          </p:cNvCxnSpPr>
+          <p:nvPr/>
+        </p:nvCxnSpPr>
+        <p:spPr>
+          <a:xfrm>
+            <a:off x="2184464" y="937665"/>
+            <a:ext cx="1232605" cy="1239468"/>
+          </a:xfrm>
+          <a:prstGeom prst="line">
+            <a:avLst/>
+          </a:prstGeom>
+          <a:ln w="25400">
+            <a:solidFill>
+              <a:srgbClr val="FF0000"/>
+            </a:solidFill>
+          </a:ln>
+        </p:spPr>
+        <p:style>
+          <a:lnRef idx="1">
+            <a:schemeClr val="accent1"/>
+          </a:lnRef>
+          <a:fillRef idx="0">
+            <a:schemeClr val="accent1"/>
+          </a:fillRef>
+          <a:effectRef idx="0">
+            <a:schemeClr val="accent1"/>
+          </a:effectRef>
+          <a:fontRef idx="minor">
+            <a:schemeClr val="tx1"/>
+          </a:fontRef>
+        </p:style>
+      </p:cxnSp>
+      <p:cxnSp>
+        <p:nvCxnSpPr>
+          <p:cNvPr id="7" name="Straight Connector 6">
+            <a:extLst>
+              <a:ext uri="{FF2B5EF4-FFF2-40B4-BE49-F238E27FC236}">
+                <a16:creationId xmlns:a16="http://schemas.microsoft.com/office/drawing/2014/main" id="{BF129029-13D8-4C72-8D5A-AE6F4E4624DF}"/>
+              </a:ext>
+            </a:extLst>
+          </p:cNvPr>
+          <p:cNvCxnSpPr>
+            <a:cxnSpLocks/>
+          </p:cNvCxnSpPr>
+          <p:nvPr/>
+        </p:nvCxnSpPr>
+        <p:spPr>
+          <a:xfrm flipV="1">
+            <a:off x="2184464" y="2184234"/>
+            <a:ext cx="1232605" cy="1252823"/>
+          </a:xfrm>
+          <a:prstGeom prst="line">
+            <a:avLst/>
+          </a:prstGeom>
+          <a:ln w="25400">
+            <a:solidFill>
+              <a:srgbClr val="FF0000"/>
+            </a:solidFill>
+          </a:ln>
+        </p:spPr>
+        <p:style>
+          <a:lnRef idx="1">
+            <a:schemeClr val="accent1"/>
+          </a:lnRef>
+          <a:fillRef idx="0">
+            <a:schemeClr val="accent1"/>
+          </a:fillRef>
+          <a:effectRef idx="0">
+            <a:schemeClr val="accent1"/>
+          </a:effectRef>
+          <a:fontRef idx="minor">
+            <a:schemeClr val="tx1"/>
+          </a:fontRef>
+        </p:style>
+      </p:cxnSp>
+      <p:cxnSp>
+        <p:nvCxnSpPr>
+          <p:cNvPr id="8" name="Straight Connector 7">
+            <a:extLst>
+              <a:ext uri="{FF2B5EF4-FFF2-40B4-BE49-F238E27FC236}">
+                <a16:creationId xmlns:a16="http://schemas.microsoft.com/office/drawing/2014/main" id="{7F96485C-D632-4533-ACB1-B31547981DB8}"/>
+              </a:ext>
+            </a:extLst>
+          </p:cNvPr>
+          <p:cNvCxnSpPr>
+            <a:cxnSpLocks/>
+            <a:endCxn id="5" idx="3"/>
+          </p:cNvCxnSpPr>
+          <p:nvPr/>
+        </p:nvCxnSpPr>
+        <p:spPr>
+          <a:xfrm>
+            <a:off x="3417069" y="2177134"/>
+            <a:ext cx="1232606" cy="0"/>
+          </a:xfrm>
+          <a:prstGeom prst="line">
+            <a:avLst/>
+          </a:prstGeom>
+          <a:ln w="25400">
+            <a:solidFill>
+              <a:srgbClr val="FF0000"/>
+            </a:solidFill>
+          </a:ln>
+        </p:spPr>
+        <p:style>
+          <a:lnRef idx="1">
+            <a:schemeClr val="accent1"/>
+          </a:lnRef>
+          <a:fillRef idx="0">
+            <a:schemeClr val="accent1"/>
+          </a:fillRef>
+          <a:effectRef idx="0">
+            <a:schemeClr val="accent1"/>
+          </a:effectRef>
+          <a:fontRef idx="minor">
+            <a:schemeClr val="tx1"/>
+          </a:fontRef>
+        </p:style>
+      </p:cxnSp>
+      <p:cxnSp>
+        <p:nvCxnSpPr>
+          <p:cNvPr id="9" name="Straight Connector 8">
+            <a:extLst>
+              <a:ext uri="{FF2B5EF4-FFF2-40B4-BE49-F238E27FC236}">
+                <a16:creationId xmlns:a16="http://schemas.microsoft.com/office/drawing/2014/main" id="{00A9E6E9-75BF-4272-A7CA-A338076539AA}"/>
+              </a:ext>
+            </a:extLst>
+          </p:cNvPr>
+          <p:cNvCxnSpPr>
+            <a:cxnSpLocks/>
+          </p:cNvCxnSpPr>
+          <p:nvPr/>
+        </p:nvCxnSpPr>
+        <p:spPr>
+          <a:xfrm>
+            <a:off x="4649675" y="2177133"/>
+            <a:ext cx="301653" cy="0"/>
+          </a:xfrm>
+          <a:prstGeom prst="line">
+            <a:avLst/>
+          </a:prstGeom>
+          <a:ln w="25400">
+            <a:solidFill>
+              <a:srgbClr val="FF0000"/>
+            </a:solidFill>
+          </a:ln>
+        </p:spPr>
+        <p:style>
+          <a:lnRef idx="1">
+            <a:schemeClr val="accent1"/>
+          </a:lnRef>
+          <a:fillRef idx="0">
+            <a:schemeClr val="accent1"/>
+          </a:fillRef>
+          <a:effectRef idx="0">
+            <a:schemeClr val="accent1"/>
+          </a:effectRef>
+          <a:fontRef idx="minor">
+            <a:schemeClr val="tx1"/>
+          </a:fontRef>
+        </p:style>
+      </p:cxnSp>
+      <p:cxnSp>
+        <p:nvCxnSpPr>
+          <p:cNvPr id="10" name="Straight Connector 9">
+            <a:extLst>
+              <a:ext uri="{FF2B5EF4-FFF2-40B4-BE49-F238E27FC236}">
+                <a16:creationId xmlns:a16="http://schemas.microsoft.com/office/drawing/2014/main" id="{D32CE7F3-974C-4ADA-AAAD-AE22A7763F04}"/>
+              </a:ext>
+            </a:extLst>
+          </p:cNvPr>
+          <p:cNvCxnSpPr>
+            <a:cxnSpLocks/>
+            <a:endCxn id="4" idx="7"/>
+          </p:cNvCxnSpPr>
+          <p:nvPr/>
+        </p:nvCxnSpPr>
+        <p:spPr>
+          <a:xfrm flipV="1">
+            <a:off x="6183934" y="1295675"/>
+            <a:ext cx="871584" cy="881458"/>
+          </a:xfrm>
+          <a:prstGeom prst="line">
+            <a:avLst/>
+          </a:prstGeom>
+          <a:ln w="25400">
+            <a:solidFill>
+              <a:srgbClr val="FF0000"/>
+            </a:solidFill>
+          </a:ln>
+        </p:spPr>
+        <p:style>
+          <a:lnRef idx="1">
+            <a:schemeClr val="accent1"/>
+          </a:lnRef>
+          <a:fillRef idx="0">
+            <a:schemeClr val="accent1"/>
+          </a:fillRef>
+          <a:effectRef idx="0">
+            <a:schemeClr val="accent1"/>
+          </a:effectRef>
+          <a:fontRef idx="minor">
+            <a:schemeClr val="tx1"/>
+          </a:fontRef>
+        </p:style>
+      </p:cxnSp>
+      <p:cxnSp>
+        <p:nvCxnSpPr>
+          <p:cNvPr id="11" name="Straight Connector 10">
+            <a:extLst>
+              <a:ext uri="{FF2B5EF4-FFF2-40B4-BE49-F238E27FC236}">
+                <a16:creationId xmlns:a16="http://schemas.microsoft.com/office/drawing/2014/main" id="{C4608710-2800-44D7-B0B7-14DC3F55CBD2}"/>
+              </a:ext>
+            </a:extLst>
+          </p:cNvPr>
+          <p:cNvCxnSpPr>
+            <a:cxnSpLocks/>
+            <a:endCxn id="4" idx="5"/>
+          </p:cNvCxnSpPr>
+          <p:nvPr/>
+        </p:nvCxnSpPr>
+        <p:spPr>
+          <a:xfrm>
+            <a:off x="6183934" y="2177132"/>
+            <a:ext cx="871584" cy="881458"/>
+          </a:xfrm>
+          <a:prstGeom prst="line">
+            <a:avLst/>
+          </a:prstGeom>
+          <a:ln w="25400">
+            <a:solidFill>
+              <a:srgbClr val="FF0000"/>
+            </a:solidFill>
+          </a:ln>
+        </p:spPr>
+        <p:style>
+          <a:lnRef idx="1">
+            <a:schemeClr val="accent1"/>
+          </a:lnRef>
+          <a:fillRef idx="0">
+            <a:schemeClr val="accent1"/>
+          </a:fillRef>
+          <a:effectRef idx="0">
+            <a:schemeClr val="accent1"/>
+          </a:effectRef>
+          <a:fontRef idx="minor">
+            <a:schemeClr val="tx1"/>
+          </a:fontRef>
+        </p:style>
+      </p:cxnSp>
+      <p:cxnSp>
+        <p:nvCxnSpPr>
+          <p:cNvPr id="12" name="Straight Connector 11">
+            <a:extLst>
+              <a:ext uri="{FF2B5EF4-FFF2-40B4-BE49-F238E27FC236}">
+                <a16:creationId xmlns:a16="http://schemas.microsoft.com/office/drawing/2014/main" id="{C3BFDFF8-BE6A-4C39-9E5E-A1D2A98EEE6E}"/>
+              </a:ext>
+            </a:extLst>
+          </p:cNvPr>
+          <p:cNvCxnSpPr>
+            <a:cxnSpLocks/>
+            <a:stCxn id="4" idx="2"/>
+          </p:cNvCxnSpPr>
+          <p:nvPr/>
+        </p:nvCxnSpPr>
+        <p:spPr>
+          <a:xfrm flipV="1">
+            <a:off x="4951329" y="2177132"/>
+            <a:ext cx="1232605" cy="1"/>
+          </a:xfrm>
+          <a:prstGeom prst="line">
+            <a:avLst/>
+          </a:prstGeom>
+          <a:ln w="25400">
+            <a:solidFill>
+              <a:srgbClr val="FF0000"/>
+            </a:solidFill>
+          </a:ln>
+        </p:spPr>
+        <p:style>
+          <a:lnRef idx="1">
+            <a:schemeClr val="accent1"/>
+          </a:lnRef>
+          <a:fillRef idx="0">
+            <a:schemeClr val="accent1"/>
+          </a:fillRef>
+          <a:effectRef idx="0">
+            <a:schemeClr val="accent1"/>
+          </a:effectRef>
+          <a:fontRef idx="minor">
+            <a:schemeClr val="tx1"/>
+          </a:fontRef>
+        </p:style>
+      </p:cxnSp>
+      <p:sp>
+        <p:nvSpPr>
+          <p:cNvPr id="33" name="TextBox 32">
+            <a:extLst>
+              <a:ext uri="{FF2B5EF4-FFF2-40B4-BE49-F238E27FC236}">
+                <a16:creationId xmlns:a16="http://schemas.microsoft.com/office/drawing/2014/main" id="{7AE0211D-5355-4FB2-A5C6-CEFD8C67EBBD}"/>
+              </a:ext>
+            </a:extLst>
+          </p:cNvPr>
+          <p:cNvSpPr txBox="1"/>
+          <p:nvPr/>
+        </p:nvSpPr>
+        <p:spPr>
+          <a:xfrm>
+            <a:off x="6398064" y="2069409"/>
+            <a:ext cx="959108" cy="246221"/>
+          </a:xfrm>
+          <a:prstGeom prst="rect">
+            <a:avLst/>
+          </a:prstGeom>
+          <a:noFill/>
+        </p:spPr>
+        <p:txBody>
+          <a:bodyPr wrap="square" rtlCol="0">
+            <a:spAutoFit/>
+          </a:bodyPr>
+          <a:lstStyle/>
+          <a:p>
+            <a:pPr algn="ctr"/>
+            <a:r>
+              <a:rPr lang="en-US" sz="1000" b="1" dirty="0"/>
+              <a:t>Customer Jobs</a:t>
+            </a:r>
+          </a:p>
+        </p:txBody>
+      </p:sp>
+      <p:sp>
+        <p:nvSpPr>
+          <p:cNvPr id="35" name="TextBox 34">
+            <a:extLst>
+              <a:ext uri="{FF2B5EF4-FFF2-40B4-BE49-F238E27FC236}">
+                <a16:creationId xmlns:a16="http://schemas.microsoft.com/office/drawing/2014/main" id="{00BEC291-6C0A-4EAE-AB14-2650D800EA67}"/>
+              </a:ext>
+            </a:extLst>
+          </p:cNvPr>
+          <p:cNvSpPr txBox="1"/>
+          <p:nvPr/>
+        </p:nvSpPr>
+        <p:spPr>
+          <a:xfrm>
+            <a:off x="5442831" y="1397969"/>
+            <a:ext cx="959108" cy="246221"/>
+          </a:xfrm>
+          <a:prstGeom prst="rect">
+            <a:avLst/>
+          </a:prstGeom>
+          <a:noFill/>
+        </p:spPr>
+        <p:txBody>
+          <a:bodyPr wrap="square" rtlCol="0">
+            <a:spAutoFit/>
+          </a:bodyPr>
+          <a:lstStyle/>
+          <a:p>
+            <a:pPr algn="ctr"/>
+            <a:r>
+              <a:rPr lang="en-US" sz="1000" b="1" dirty="0"/>
+              <a:t>Gains</a:t>
+            </a:r>
+          </a:p>
+        </p:txBody>
+      </p:sp>
+      <p:sp>
+        <p:nvSpPr>
+          <p:cNvPr id="37" name="TextBox 36">
+            <a:extLst>
+              <a:ext uri="{FF2B5EF4-FFF2-40B4-BE49-F238E27FC236}">
+                <a16:creationId xmlns:a16="http://schemas.microsoft.com/office/drawing/2014/main" id="{FFC0549F-EB6E-45AF-9C02-217124263ACB}"/>
+              </a:ext>
+            </a:extLst>
+          </p:cNvPr>
+          <p:cNvSpPr txBox="1"/>
+          <p:nvPr/>
+        </p:nvSpPr>
+        <p:spPr>
+          <a:xfrm>
+            <a:off x="5458067" y="2479241"/>
+            <a:ext cx="959108" cy="246221"/>
+          </a:xfrm>
+          <a:prstGeom prst="rect">
+            <a:avLst/>
+          </a:prstGeom>
+          <a:noFill/>
+        </p:spPr>
+        <p:txBody>
+          <a:bodyPr wrap="square" rtlCol="0">
+            <a:spAutoFit/>
+          </a:bodyPr>
+          <a:lstStyle/>
+          <a:p>
+            <a:pPr algn="ctr"/>
+            <a:r>
+              <a:rPr lang="en-US" sz="1000" b="1" dirty="0"/>
+              <a:t>Pains</a:t>
+            </a:r>
+          </a:p>
+        </p:txBody>
+      </p:sp>
+      <p:sp>
+        <p:nvSpPr>
+          <p:cNvPr id="39" name="TextBox 38">
+            <a:extLst>
+              <a:ext uri="{FF2B5EF4-FFF2-40B4-BE49-F238E27FC236}">
+                <a16:creationId xmlns:a16="http://schemas.microsoft.com/office/drawing/2014/main" id="{4DEBE464-7868-4289-91E1-65966D467F69}"/>
+              </a:ext>
+            </a:extLst>
+          </p:cNvPr>
+          <p:cNvSpPr txBox="1"/>
+          <p:nvPr/>
+        </p:nvSpPr>
+        <p:spPr>
+          <a:xfrm>
+            <a:off x="2148533" y="2054021"/>
+            <a:ext cx="959108" cy="246221"/>
+          </a:xfrm>
+          <a:prstGeom prst="rect">
+            <a:avLst/>
+          </a:prstGeom>
+          <a:noFill/>
+        </p:spPr>
+        <p:txBody>
+          <a:bodyPr wrap="square" rtlCol="0">
+            <a:spAutoFit/>
+          </a:bodyPr>
+          <a:lstStyle/>
+          <a:p>
+            <a:pPr algn="ctr"/>
+            <a:r>
+              <a:rPr lang="en-US" sz="1000" b="1" dirty="0"/>
+              <a:t>Products</a:t>
+            </a:r>
+          </a:p>
+        </p:txBody>
+      </p:sp>
+      <p:sp>
+        <p:nvSpPr>
+          <p:cNvPr id="41" name="TextBox 40">
+            <a:extLst>
+              <a:ext uri="{FF2B5EF4-FFF2-40B4-BE49-F238E27FC236}">
+                <a16:creationId xmlns:a16="http://schemas.microsoft.com/office/drawing/2014/main" id="{245E18F4-3548-4BD2-B5A4-9B46D1BA2140}"/>
+              </a:ext>
+            </a:extLst>
+          </p:cNvPr>
+          <p:cNvSpPr txBox="1"/>
+          <p:nvPr/>
+        </p:nvSpPr>
+        <p:spPr>
+          <a:xfrm>
+            <a:off x="3411597" y="1401684"/>
+            <a:ext cx="959108" cy="246221"/>
+          </a:xfrm>
+          <a:prstGeom prst="rect">
+            <a:avLst/>
+          </a:prstGeom>
+          <a:noFill/>
+        </p:spPr>
+        <p:txBody>
+          <a:bodyPr wrap="square" rtlCol="0">
+            <a:spAutoFit/>
+          </a:bodyPr>
+          <a:lstStyle/>
+          <a:p>
+            <a:pPr algn="ctr"/>
+            <a:r>
+              <a:rPr lang="en-US" sz="1000" b="1" dirty="0"/>
+              <a:t>Gain Creators</a:t>
+            </a:r>
+          </a:p>
+        </p:txBody>
+      </p:sp>
+      <p:sp>
+        <p:nvSpPr>
+          <p:cNvPr id="43" name="TextBox 42">
+            <a:extLst>
+              <a:ext uri="{FF2B5EF4-FFF2-40B4-BE49-F238E27FC236}">
+                <a16:creationId xmlns:a16="http://schemas.microsoft.com/office/drawing/2014/main" id="{611C2D3A-5E05-4D56-AD44-DCE4FA17CBD3}"/>
+              </a:ext>
+            </a:extLst>
+          </p:cNvPr>
+          <p:cNvSpPr txBox="1"/>
+          <p:nvPr/>
+        </p:nvSpPr>
+        <p:spPr>
+          <a:xfrm>
+            <a:off x="3491750" y="2482956"/>
+            <a:ext cx="959108" cy="246221"/>
+          </a:xfrm>
+          <a:prstGeom prst="rect">
+            <a:avLst/>
+          </a:prstGeom>
+          <a:noFill/>
+        </p:spPr>
+        <p:txBody>
+          <a:bodyPr wrap="square" rtlCol="0">
+            <a:spAutoFit/>
+          </a:bodyPr>
+          <a:lstStyle/>
+          <a:p>
+            <a:pPr algn="ctr"/>
+            <a:r>
+              <a:rPr lang="en-US" sz="1000" b="1" dirty="0"/>
+              <a:t>Pain Relievers</a:t>
+            </a:r>
+          </a:p>
+        </p:txBody>
+      </p:sp>
+      <p:pic>
+        <p:nvPicPr>
+          <p:cNvPr id="45" name="Picture 44">
+            <a:extLst>
+              <a:ext uri="{FF2B5EF4-FFF2-40B4-BE49-F238E27FC236}">
+                <a16:creationId xmlns:a16="http://schemas.microsoft.com/office/drawing/2014/main" id="{D0B02E79-D376-4CE0-A227-82FDF62AB978}"/>
+              </a:ext>
+            </a:extLst>
+          </p:cNvPr>
+          <p:cNvPicPr>
+            <a:picLocks noChangeAspect="1"/>
+          </p:cNvPicPr>
+          <p:nvPr/>
+        </p:nvPicPr>
+        <p:blipFill>
+          <a:blip r:embed="rId2"/>
+          <a:stretch>
+            <a:fillRect/>
+          </a:stretch>
+        </p:blipFill>
+        <p:spPr>
+          <a:xfrm>
+            <a:off x="6398064" y="4292934"/>
+            <a:ext cx="4316984" cy="2208996"/>
+          </a:xfrm>
+          <a:prstGeom prst="rect">
+            <a:avLst/>
+          </a:prstGeom>
+        </p:spPr>
+      </p:pic>
+    </p:spTree>
+    <p:extLst>
+      <p:ext uri="{BB962C8B-B14F-4D97-AF65-F5344CB8AC3E}">
+        <p14:creationId xmlns:p14="http://schemas.microsoft.com/office/powerpoint/2010/main" val="550022243"/>
+      </p:ext>
+    </p:extLst>
+  </p:cSld>
+  <p:clrMapOvr>
+    <a:masterClrMapping/>
+  </p:clrMapOvr>
+</p:sld>
+</file>
+
 <file path=ppt/slides/slide2.xml><?xml version="1.0" encoding="utf-8"?>
 <p:sld xmlns:a="http://schemas.openxmlformats.org/drawingml/2006/main" xmlns:r="http://schemas.openxmlformats.org/officeDocument/2006/relationships" xmlns:p="http://schemas.openxmlformats.org/presentationml/2006/main">
   <p:cSld>

--- a/Sprint Cadence Diagrams.pptx
+++ b/Sprint Cadence Diagrams.pptx
@@ -12,9 +12,11 @@
     <p:sldId id="260" r:id="rId6"/>
     <p:sldId id="261" r:id="rId7"/>
     <p:sldId id="262" r:id="rId8"/>
-    <p:sldId id="263" r:id="rId9"/>
-    <p:sldId id="264" r:id="rId10"/>
-    <p:sldId id="265" r:id="rId11"/>
+    <p:sldId id="266" r:id="rId9"/>
+    <p:sldId id="263" r:id="rId10"/>
+    <p:sldId id="267" r:id="rId11"/>
+    <p:sldId id="264" r:id="rId12"/>
+    <p:sldId id="265" r:id="rId13"/>
   </p:sldIdLst>
   <p:sldSz cx="12192000" cy="6858000"/>
   <p:notesSz cx="6858000" cy="9144000"/>
@@ -6709,6 +6711,173 @@
       </p:grpSpPr>
       <p:sp>
         <p:nvSpPr>
+          <p:cNvPr id="4" name="Rectangle 3">
+            <a:extLst>
+              <a:ext uri="{FF2B5EF4-FFF2-40B4-BE49-F238E27FC236}">
+                <a16:creationId xmlns:a16="http://schemas.microsoft.com/office/drawing/2014/main" id="{8B719503-64CC-460D-A215-0E70648D2823}"/>
+              </a:ext>
+            </a:extLst>
+          </p:cNvPr>
+          <p:cNvSpPr/>
+          <p:nvPr/>
+        </p:nvSpPr>
+        <p:spPr>
+          <a:xfrm>
+            <a:off x="2817341" y="1103870"/>
+            <a:ext cx="4357816" cy="2207741"/>
+          </a:xfrm>
+          <a:prstGeom prst="rect">
+            <a:avLst/>
+          </a:prstGeom>
+          <a:solidFill>
+            <a:schemeClr val="bg2"/>
+          </a:solidFill>
+        </p:spPr>
+        <p:style>
+          <a:lnRef idx="1">
+            <a:schemeClr val="accent3"/>
+          </a:lnRef>
+          <a:fillRef idx="2">
+            <a:schemeClr val="accent3"/>
+          </a:fillRef>
+          <a:effectRef idx="1">
+            <a:schemeClr val="accent3"/>
+          </a:effectRef>
+          <a:fontRef idx="minor">
+            <a:schemeClr val="dk1"/>
+          </a:fontRef>
+        </p:style>
+        <p:txBody>
+          <a:bodyPr rtlCol="0" anchor="ctr"/>
+          <a:lstStyle/>
+          <a:p>
+            <a:pPr algn="ctr"/>
+            <a:endParaRPr lang="en-US"/>
+          </a:p>
+        </p:txBody>
+      </p:sp>
+      <p:pic>
+        <p:nvPicPr>
+          <p:cNvPr id="3" name="Picture 2">
+            <a:extLst>
+              <a:ext uri="{FF2B5EF4-FFF2-40B4-BE49-F238E27FC236}">
+                <a16:creationId xmlns:a16="http://schemas.microsoft.com/office/drawing/2014/main" id="{B4728816-7E3B-48B0-9DDC-D4FF5E79257F}"/>
+              </a:ext>
+            </a:extLst>
+          </p:cNvPr>
+          <p:cNvPicPr>
+            <a:picLocks noChangeAspect="1"/>
+          </p:cNvPicPr>
+          <p:nvPr/>
+        </p:nvPicPr>
+        <p:blipFill>
+          <a:blip r:embed="rId2"/>
+          <a:stretch>
+            <a:fillRect/>
+          </a:stretch>
+        </p:blipFill>
+        <p:spPr>
+          <a:xfrm>
+            <a:off x="2960359" y="1230746"/>
+            <a:ext cx="3932195" cy="1899632"/>
+          </a:xfrm>
+          <a:prstGeom prst="rect">
+            <a:avLst/>
+          </a:prstGeom>
+        </p:spPr>
+      </p:pic>
+    </p:spTree>
+    <p:extLst>
+      <p:ext uri="{BB962C8B-B14F-4D97-AF65-F5344CB8AC3E}">
+        <p14:creationId xmlns:p14="http://schemas.microsoft.com/office/powerpoint/2010/main" val="1151581452"/>
+      </p:ext>
+    </p:extLst>
+  </p:cSld>
+  <p:clrMapOvr>
+    <a:masterClrMapping/>
+  </p:clrMapOvr>
+</p:sld>
+</file>
+
+<file path=ppt/slides/slide11.xml><?xml version="1.0" encoding="utf-8"?>
+<p:sld xmlns:a="http://schemas.openxmlformats.org/drawingml/2006/main" xmlns:r="http://schemas.openxmlformats.org/officeDocument/2006/relationships" xmlns:p="http://schemas.openxmlformats.org/presentationml/2006/main">
+  <p:cSld>
+    <p:spTree>
+      <p:nvGrpSpPr>
+        <p:cNvPr id="1" name=""/>
+        <p:cNvGrpSpPr/>
+        <p:nvPr/>
+      </p:nvGrpSpPr>
+      <p:grpSpPr>
+        <a:xfrm>
+          <a:off x="0" y="0"/>
+          <a:ext cx="0" cy="0"/>
+          <a:chOff x="0" y="0"/>
+          <a:chExt cx="0" cy="0"/>
+        </a:xfrm>
+      </p:grpSpPr>
+      <p:pic>
+        <p:nvPicPr>
+          <p:cNvPr id="3" name="Picture 2">
+            <a:extLst>
+              <a:ext uri="{FF2B5EF4-FFF2-40B4-BE49-F238E27FC236}">
+                <a16:creationId xmlns:a16="http://schemas.microsoft.com/office/drawing/2014/main" id="{4D048467-7067-4E38-B536-700691661111}"/>
+              </a:ext>
+            </a:extLst>
+          </p:cNvPr>
+          <p:cNvPicPr>
+            <a:picLocks noChangeAspect="1"/>
+          </p:cNvPicPr>
+          <p:nvPr/>
+        </p:nvPicPr>
+        <p:blipFill>
+          <a:blip r:embed="rId2"/>
+          <a:stretch>
+            <a:fillRect/>
+          </a:stretch>
+        </p:blipFill>
+        <p:spPr>
+          <a:xfrm>
+            <a:off x="1919756" y="1359243"/>
+            <a:ext cx="5118553" cy="2317355"/>
+          </a:xfrm>
+          <a:prstGeom prst="rect">
+            <a:avLst/>
+          </a:prstGeom>
+        </p:spPr>
+      </p:pic>
+    </p:spTree>
+    <p:extLst>
+      <p:ext uri="{BB962C8B-B14F-4D97-AF65-F5344CB8AC3E}">
+        <p14:creationId xmlns:p14="http://schemas.microsoft.com/office/powerpoint/2010/main" val="2441154599"/>
+      </p:ext>
+    </p:extLst>
+  </p:cSld>
+  <p:clrMapOvr>
+    <a:masterClrMapping/>
+  </p:clrMapOvr>
+</p:sld>
+</file>
+
+<file path=ppt/slides/slide12.xml><?xml version="1.0" encoding="utf-8"?>
+<p:sld xmlns:a="http://schemas.openxmlformats.org/drawingml/2006/main" xmlns:r="http://schemas.openxmlformats.org/officeDocument/2006/relationships" xmlns:p="http://schemas.openxmlformats.org/presentationml/2006/main">
+  <p:cSld>
+    <p:spTree>
+      <p:nvGrpSpPr>
+        <p:cNvPr id="1" name=""/>
+        <p:cNvGrpSpPr/>
+        <p:nvPr/>
+      </p:nvGrpSpPr>
+      <p:grpSpPr>
+        <a:xfrm>
+          <a:off x="0" y="0"/>
+          <a:ext cx="0" cy="0"/>
+          <a:chOff x="0" y="0"/>
+          <a:chExt cx="0" cy="0"/>
+        </a:xfrm>
+      </p:grpSpPr>
+      <p:sp>
+        <p:nvSpPr>
           <p:cNvPr id="3" name="Rectangle 2">
             <a:extLst>
               <a:ext uri="{FF2B5EF4-FFF2-40B4-BE49-F238E27FC236}">
@@ -16129,6 +16298,66 @@
           <a:chExt cx="0" cy="0"/>
         </a:xfrm>
       </p:grpSpPr>
+      <p:pic>
+        <p:nvPicPr>
+          <p:cNvPr id="3" name="Picture 2">
+            <a:extLst>
+              <a:ext uri="{FF2B5EF4-FFF2-40B4-BE49-F238E27FC236}">
+                <a16:creationId xmlns:a16="http://schemas.microsoft.com/office/drawing/2014/main" id="{3DE35BC6-0B88-4BA7-B633-CBDCF0F5EEAC}"/>
+              </a:ext>
+            </a:extLst>
+          </p:cNvPr>
+          <p:cNvPicPr>
+            <a:picLocks noChangeAspect="1"/>
+          </p:cNvPicPr>
+          <p:nvPr/>
+        </p:nvPicPr>
+        <p:blipFill>
+          <a:blip r:embed="rId2"/>
+          <a:stretch>
+            <a:fillRect/>
+          </a:stretch>
+        </p:blipFill>
+        <p:spPr>
+          <a:xfrm>
+            <a:off x="2512540" y="1460156"/>
+            <a:ext cx="4193060" cy="2419502"/>
+          </a:xfrm>
+          <a:prstGeom prst="rect">
+            <a:avLst/>
+          </a:prstGeom>
+        </p:spPr>
+      </p:pic>
+    </p:spTree>
+    <p:extLst>
+      <p:ext uri="{BB962C8B-B14F-4D97-AF65-F5344CB8AC3E}">
+        <p14:creationId xmlns:p14="http://schemas.microsoft.com/office/powerpoint/2010/main" val="1114236191"/>
+      </p:ext>
+    </p:extLst>
+  </p:cSld>
+  <p:clrMapOvr>
+    <a:masterClrMapping/>
+  </p:clrMapOvr>
+</p:sld>
+</file>
+
+<file path=ppt/slides/slide9.xml><?xml version="1.0" encoding="utf-8"?>
+<p:sld xmlns:a="http://schemas.openxmlformats.org/drawingml/2006/main" xmlns:r="http://schemas.openxmlformats.org/officeDocument/2006/relationships" xmlns:p="http://schemas.openxmlformats.org/presentationml/2006/main">
+  <p:cSld>
+    <p:spTree>
+      <p:nvGrpSpPr>
+        <p:cNvPr id="1" name=""/>
+        <p:cNvGrpSpPr/>
+        <p:nvPr/>
+      </p:nvGrpSpPr>
+      <p:grpSpPr>
+        <a:xfrm>
+          <a:off x="0" y="0"/>
+          <a:ext cx="0" cy="0"/>
+          <a:chOff x="0" y="0"/>
+          <a:chExt cx="0" cy="0"/>
+        </a:xfrm>
+      </p:grpSpPr>
       <p:grpSp>
         <p:nvGrpSpPr>
           <p:cNvPr id="91" name="Group 90">
@@ -18226,42 +18455,12 @@
           </p:txBody>
         </p:sp>
       </p:grpSp>
-    </p:spTree>
-    <p:extLst>
-      <p:ext uri="{BB962C8B-B14F-4D97-AF65-F5344CB8AC3E}">
-        <p14:creationId xmlns:p14="http://schemas.microsoft.com/office/powerpoint/2010/main" val="1786796278"/>
-      </p:ext>
-    </p:extLst>
-  </p:cSld>
-  <p:clrMapOvr>
-    <a:masterClrMapping/>
-  </p:clrMapOvr>
-</p:sld>
-</file>
-
-<file path=ppt/slides/slide9.xml><?xml version="1.0" encoding="utf-8"?>
-<p:sld xmlns:a="http://schemas.openxmlformats.org/drawingml/2006/main" xmlns:r="http://schemas.openxmlformats.org/officeDocument/2006/relationships" xmlns:p="http://schemas.openxmlformats.org/presentationml/2006/main">
-  <p:cSld>
-    <p:spTree>
-      <p:nvGrpSpPr>
-        <p:cNvPr id="1" name=""/>
-        <p:cNvGrpSpPr/>
-        <p:nvPr/>
-      </p:nvGrpSpPr>
-      <p:grpSpPr>
-        <a:xfrm>
-          <a:off x="0" y="0"/>
-          <a:ext cx="0" cy="0"/>
-          <a:chOff x="0" y="0"/>
-          <a:chExt cx="0" cy="0"/>
-        </a:xfrm>
-      </p:grpSpPr>
       <p:pic>
         <p:nvPicPr>
-          <p:cNvPr id="3" name="Picture 2">
-            <a:extLst>
-              <a:ext uri="{FF2B5EF4-FFF2-40B4-BE49-F238E27FC236}">
-                <a16:creationId xmlns:a16="http://schemas.microsoft.com/office/drawing/2014/main" id="{4D048467-7067-4E38-B536-700691661111}"/>
+          <p:cNvPr id="5" name="Picture 4">
+            <a:extLst>
+              <a:ext uri="{FF2B5EF4-FFF2-40B4-BE49-F238E27FC236}">
+                <a16:creationId xmlns:a16="http://schemas.microsoft.com/office/drawing/2014/main" id="{2FB4ABE6-7646-486D-8FB7-259C8BEF3B8A}"/>
               </a:ext>
             </a:extLst>
           </p:cNvPr>
@@ -18278,18 +18477,1881 @@
         </p:blipFill>
         <p:spPr>
           <a:xfrm>
-            <a:off x="1919756" y="1359243"/>
-            <a:ext cx="5118553" cy="2317355"/>
+            <a:off x="1394966" y="178542"/>
+            <a:ext cx="548688" cy="536494"/>
           </a:xfrm>
           <a:prstGeom prst="rect">
             <a:avLst/>
           </a:prstGeom>
         </p:spPr>
       </p:pic>
+      <p:sp>
+        <p:nvSpPr>
+          <p:cNvPr id="7" name="Freeform 225">
+            <a:extLst>
+              <a:ext uri="{FF2B5EF4-FFF2-40B4-BE49-F238E27FC236}">
+                <a16:creationId xmlns:a16="http://schemas.microsoft.com/office/drawing/2014/main" id="{802E9C95-315D-4FF0-ACD1-7AD17239731C}"/>
+              </a:ext>
+            </a:extLst>
+          </p:cNvPr>
+          <p:cNvSpPr>
+            <a:spLocks noEditPoints="1"/>
+          </p:cNvSpPr>
+          <p:nvPr/>
+        </p:nvSpPr>
+        <p:spPr bwMode="auto">
+          <a:xfrm>
+            <a:off x="3877712" y="178542"/>
+            <a:ext cx="549124" cy="536674"/>
+          </a:xfrm>
+          <a:custGeom>
+            <a:avLst/>
+            <a:gdLst>
+              <a:gd name="T0" fmla="*/ 282 w 288"/>
+              <a:gd name="T1" fmla="*/ 288 h 288"/>
+              <a:gd name="T2" fmla="*/ 6 w 288"/>
+              <a:gd name="T3" fmla="*/ 288 h 288"/>
+              <a:gd name="T4" fmla="*/ 0 w 288"/>
+              <a:gd name="T5" fmla="*/ 282 h 288"/>
+              <a:gd name="T6" fmla="*/ 12 w 288"/>
+              <a:gd name="T7" fmla="*/ 231 h 288"/>
+              <a:gd name="T8" fmla="*/ 93 w 288"/>
+              <a:gd name="T9" fmla="*/ 187 h 288"/>
+              <a:gd name="T10" fmla="*/ 108 w 288"/>
+              <a:gd name="T11" fmla="*/ 181 h 288"/>
+              <a:gd name="T12" fmla="*/ 108 w 288"/>
+              <a:gd name="T13" fmla="*/ 152 h 288"/>
+              <a:gd name="T14" fmla="*/ 90 w 288"/>
+              <a:gd name="T15" fmla="*/ 117 h 288"/>
+              <a:gd name="T16" fmla="*/ 84 w 288"/>
+              <a:gd name="T17" fmla="*/ 106 h 288"/>
+              <a:gd name="T18" fmla="*/ 89 w 288"/>
+              <a:gd name="T19" fmla="*/ 81 h 288"/>
+              <a:gd name="T20" fmla="*/ 88 w 288"/>
+              <a:gd name="T21" fmla="*/ 79 h 288"/>
+              <a:gd name="T22" fmla="*/ 87 w 288"/>
+              <a:gd name="T23" fmla="*/ 26 h 288"/>
+              <a:gd name="T24" fmla="*/ 104 w 288"/>
+              <a:gd name="T25" fmla="*/ 18 h 288"/>
+              <a:gd name="T26" fmla="*/ 155 w 288"/>
+              <a:gd name="T27" fmla="*/ 0 h 288"/>
+              <a:gd name="T28" fmla="*/ 210 w 288"/>
+              <a:gd name="T29" fmla="*/ 28 h 288"/>
+              <a:gd name="T30" fmla="*/ 200 w 288"/>
+              <a:gd name="T31" fmla="*/ 78 h 288"/>
+              <a:gd name="T32" fmla="*/ 199 w 288"/>
+              <a:gd name="T33" fmla="*/ 81 h 288"/>
+              <a:gd name="T34" fmla="*/ 204 w 288"/>
+              <a:gd name="T35" fmla="*/ 106 h 288"/>
+              <a:gd name="T36" fmla="*/ 198 w 288"/>
+              <a:gd name="T37" fmla="*/ 117 h 288"/>
+              <a:gd name="T38" fmla="*/ 180 w 288"/>
+              <a:gd name="T39" fmla="*/ 152 h 288"/>
+              <a:gd name="T40" fmla="*/ 180 w 288"/>
+              <a:gd name="T41" fmla="*/ 181 h 288"/>
+              <a:gd name="T42" fmla="*/ 194 w 288"/>
+              <a:gd name="T43" fmla="*/ 187 h 288"/>
+              <a:gd name="T44" fmla="*/ 275 w 288"/>
+              <a:gd name="T45" fmla="*/ 231 h 288"/>
+              <a:gd name="T46" fmla="*/ 288 w 288"/>
+              <a:gd name="T47" fmla="*/ 282 h 288"/>
+              <a:gd name="T48" fmla="*/ 282 w 288"/>
+              <a:gd name="T49" fmla="*/ 288 h 288"/>
+              <a:gd name="T50" fmla="*/ 12 w 288"/>
+              <a:gd name="T51" fmla="*/ 276 h 288"/>
+              <a:gd name="T52" fmla="*/ 275 w 288"/>
+              <a:gd name="T53" fmla="*/ 276 h 288"/>
+              <a:gd name="T54" fmla="*/ 264 w 288"/>
+              <a:gd name="T55" fmla="*/ 236 h 288"/>
+              <a:gd name="T56" fmla="*/ 190 w 288"/>
+              <a:gd name="T57" fmla="*/ 198 h 288"/>
+              <a:gd name="T58" fmla="*/ 172 w 288"/>
+              <a:gd name="T59" fmla="*/ 191 h 288"/>
+              <a:gd name="T60" fmla="*/ 168 w 288"/>
+              <a:gd name="T61" fmla="*/ 185 h 288"/>
+              <a:gd name="T62" fmla="*/ 168 w 288"/>
+              <a:gd name="T63" fmla="*/ 149 h 288"/>
+              <a:gd name="T64" fmla="*/ 170 w 288"/>
+              <a:gd name="T65" fmla="*/ 144 h 288"/>
+              <a:gd name="T66" fmla="*/ 186 w 288"/>
+              <a:gd name="T67" fmla="*/ 113 h 288"/>
+              <a:gd name="T68" fmla="*/ 190 w 288"/>
+              <a:gd name="T69" fmla="*/ 108 h 288"/>
+              <a:gd name="T70" fmla="*/ 192 w 288"/>
+              <a:gd name="T71" fmla="*/ 95 h 288"/>
+              <a:gd name="T72" fmla="*/ 189 w 288"/>
+              <a:gd name="T73" fmla="*/ 89 h 288"/>
+              <a:gd name="T74" fmla="*/ 186 w 288"/>
+              <a:gd name="T75" fmla="*/ 83 h 288"/>
+              <a:gd name="T76" fmla="*/ 189 w 288"/>
+              <a:gd name="T77" fmla="*/ 74 h 288"/>
+              <a:gd name="T78" fmla="*/ 198 w 288"/>
+              <a:gd name="T79" fmla="*/ 31 h 288"/>
+              <a:gd name="T80" fmla="*/ 154 w 288"/>
+              <a:gd name="T81" fmla="*/ 12 h 288"/>
+              <a:gd name="T82" fmla="*/ 113 w 288"/>
+              <a:gd name="T83" fmla="*/ 25 h 288"/>
+              <a:gd name="T84" fmla="*/ 108 w 288"/>
+              <a:gd name="T85" fmla="*/ 29 h 288"/>
+              <a:gd name="T86" fmla="*/ 97 w 288"/>
+              <a:gd name="T87" fmla="*/ 34 h 288"/>
+              <a:gd name="T88" fmla="*/ 100 w 288"/>
+              <a:gd name="T89" fmla="*/ 75 h 288"/>
+              <a:gd name="T90" fmla="*/ 102 w 288"/>
+              <a:gd name="T91" fmla="*/ 83 h 288"/>
+              <a:gd name="T92" fmla="*/ 98 w 288"/>
+              <a:gd name="T93" fmla="*/ 89 h 288"/>
+              <a:gd name="T94" fmla="*/ 95 w 288"/>
+              <a:gd name="T95" fmla="*/ 95 h 288"/>
+              <a:gd name="T96" fmla="*/ 97 w 288"/>
+              <a:gd name="T97" fmla="*/ 108 h 288"/>
+              <a:gd name="T98" fmla="*/ 102 w 288"/>
+              <a:gd name="T99" fmla="*/ 113 h 288"/>
+              <a:gd name="T100" fmla="*/ 117 w 288"/>
+              <a:gd name="T101" fmla="*/ 144 h 288"/>
+              <a:gd name="T102" fmla="*/ 120 w 288"/>
+              <a:gd name="T103" fmla="*/ 149 h 288"/>
+              <a:gd name="T104" fmla="*/ 120 w 288"/>
+              <a:gd name="T105" fmla="*/ 185 h 288"/>
+              <a:gd name="T106" fmla="*/ 116 w 288"/>
+              <a:gd name="T107" fmla="*/ 191 h 288"/>
+              <a:gd name="T108" fmla="*/ 97 w 288"/>
+              <a:gd name="T109" fmla="*/ 198 h 288"/>
+              <a:gd name="T110" fmla="*/ 23 w 288"/>
+              <a:gd name="T111" fmla="*/ 236 h 288"/>
+              <a:gd name="T112" fmla="*/ 12 w 288"/>
+              <a:gd name="T113" fmla="*/ 276 h 288"/>
+            </a:gdLst>
+            <a:ahLst/>
+            <a:cxnLst>
+              <a:cxn ang="0">
+                <a:pos x="T0" y="T1"/>
+              </a:cxn>
+              <a:cxn ang="0">
+                <a:pos x="T2" y="T3"/>
+              </a:cxn>
+              <a:cxn ang="0">
+                <a:pos x="T4" y="T5"/>
+              </a:cxn>
+              <a:cxn ang="0">
+                <a:pos x="T6" y="T7"/>
+              </a:cxn>
+              <a:cxn ang="0">
+                <a:pos x="T8" y="T9"/>
+              </a:cxn>
+              <a:cxn ang="0">
+                <a:pos x="T10" y="T11"/>
+              </a:cxn>
+              <a:cxn ang="0">
+                <a:pos x="T12" y="T13"/>
+              </a:cxn>
+              <a:cxn ang="0">
+                <a:pos x="T14" y="T15"/>
+              </a:cxn>
+              <a:cxn ang="0">
+                <a:pos x="T16" y="T17"/>
+              </a:cxn>
+              <a:cxn ang="0">
+                <a:pos x="T18" y="T19"/>
+              </a:cxn>
+              <a:cxn ang="0">
+                <a:pos x="T20" y="T21"/>
+              </a:cxn>
+              <a:cxn ang="0">
+                <a:pos x="T22" y="T23"/>
+              </a:cxn>
+              <a:cxn ang="0">
+                <a:pos x="T24" y="T25"/>
+              </a:cxn>
+              <a:cxn ang="0">
+                <a:pos x="T26" y="T27"/>
+              </a:cxn>
+              <a:cxn ang="0">
+                <a:pos x="T28" y="T29"/>
+              </a:cxn>
+              <a:cxn ang="0">
+                <a:pos x="T30" y="T31"/>
+              </a:cxn>
+              <a:cxn ang="0">
+                <a:pos x="T32" y="T33"/>
+              </a:cxn>
+              <a:cxn ang="0">
+                <a:pos x="T34" y="T35"/>
+              </a:cxn>
+              <a:cxn ang="0">
+                <a:pos x="T36" y="T37"/>
+              </a:cxn>
+              <a:cxn ang="0">
+                <a:pos x="T38" y="T39"/>
+              </a:cxn>
+              <a:cxn ang="0">
+                <a:pos x="T40" y="T41"/>
+              </a:cxn>
+              <a:cxn ang="0">
+                <a:pos x="T42" y="T43"/>
+              </a:cxn>
+              <a:cxn ang="0">
+                <a:pos x="T44" y="T45"/>
+              </a:cxn>
+              <a:cxn ang="0">
+                <a:pos x="T46" y="T47"/>
+              </a:cxn>
+              <a:cxn ang="0">
+                <a:pos x="T48" y="T49"/>
+              </a:cxn>
+              <a:cxn ang="0">
+                <a:pos x="T50" y="T51"/>
+              </a:cxn>
+              <a:cxn ang="0">
+                <a:pos x="T52" y="T53"/>
+              </a:cxn>
+              <a:cxn ang="0">
+                <a:pos x="T54" y="T55"/>
+              </a:cxn>
+              <a:cxn ang="0">
+                <a:pos x="T56" y="T57"/>
+              </a:cxn>
+              <a:cxn ang="0">
+                <a:pos x="T58" y="T59"/>
+              </a:cxn>
+              <a:cxn ang="0">
+                <a:pos x="T60" y="T61"/>
+              </a:cxn>
+              <a:cxn ang="0">
+                <a:pos x="T62" y="T63"/>
+              </a:cxn>
+              <a:cxn ang="0">
+                <a:pos x="T64" y="T65"/>
+              </a:cxn>
+              <a:cxn ang="0">
+                <a:pos x="T66" y="T67"/>
+              </a:cxn>
+              <a:cxn ang="0">
+                <a:pos x="T68" y="T69"/>
+              </a:cxn>
+              <a:cxn ang="0">
+                <a:pos x="T70" y="T71"/>
+              </a:cxn>
+              <a:cxn ang="0">
+                <a:pos x="T72" y="T73"/>
+              </a:cxn>
+              <a:cxn ang="0">
+                <a:pos x="T74" y="T75"/>
+              </a:cxn>
+              <a:cxn ang="0">
+                <a:pos x="T76" y="T77"/>
+              </a:cxn>
+              <a:cxn ang="0">
+                <a:pos x="T78" y="T79"/>
+              </a:cxn>
+              <a:cxn ang="0">
+                <a:pos x="T80" y="T81"/>
+              </a:cxn>
+              <a:cxn ang="0">
+                <a:pos x="T82" y="T83"/>
+              </a:cxn>
+              <a:cxn ang="0">
+                <a:pos x="T84" y="T85"/>
+              </a:cxn>
+              <a:cxn ang="0">
+                <a:pos x="T86" y="T87"/>
+              </a:cxn>
+              <a:cxn ang="0">
+                <a:pos x="T88" y="T89"/>
+              </a:cxn>
+              <a:cxn ang="0">
+                <a:pos x="T90" y="T91"/>
+              </a:cxn>
+              <a:cxn ang="0">
+                <a:pos x="T92" y="T93"/>
+              </a:cxn>
+              <a:cxn ang="0">
+                <a:pos x="T94" y="T95"/>
+              </a:cxn>
+              <a:cxn ang="0">
+                <a:pos x="T96" y="T97"/>
+              </a:cxn>
+              <a:cxn ang="0">
+                <a:pos x="T98" y="T99"/>
+              </a:cxn>
+              <a:cxn ang="0">
+                <a:pos x="T100" y="T101"/>
+              </a:cxn>
+              <a:cxn ang="0">
+                <a:pos x="T102" y="T103"/>
+              </a:cxn>
+              <a:cxn ang="0">
+                <a:pos x="T104" y="T105"/>
+              </a:cxn>
+              <a:cxn ang="0">
+                <a:pos x="T106" y="T107"/>
+              </a:cxn>
+              <a:cxn ang="0">
+                <a:pos x="T108" y="T109"/>
+              </a:cxn>
+              <a:cxn ang="0">
+                <a:pos x="T110" y="T111"/>
+              </a:cxn>
+              <a:cxn ang="0">
+                <a:pos x="T112" y="T113"/>
+              </a:cxn>
+            </a:cxnLst>
+            <a:rect l="0" t="0" r="r" b="b"/>
+            <a:pathLst>
+              <a:path w="288" h="288">
+                <a:moveTo>
+                  <a:pt x="282" y="288"/>
+                </a:moveTo>
+                <a:cubicBezTo>
+                  <a:pt x="6" y="288"/>
+                  <a:pt x="6" y="288"/>
+                  <a:pt x="6" y="288"/>
+                </a:cubicBezTo>
+                <a:cubicBezTo>
+                  <a:pt x="2" y="288"/>
+                  <a:pt x="0" y="285"/>
+                  <a:pt x="0" y="282"/>
+                </a:cubicBezTo>
+                <a:cubicBezTo>
+                  <a:pt x="0" y="281"/>
+                  <a:pt x="0" y="256"/>
+                  <a:pt x="12" y="231"/>
+                </a:cubicBezTo>
+                <a:cubicBezTo>
+                  <a:pt x="21" y="213"/>
+                  <a:pt x="51" y="202"/>
+                  <a:pt x="93" y="187"/>
+                </a:cubicBezTo>
+                <a:cubicBezTo>
+                  <a:pt x="98" y="185"/>
+                  <a:pt x="103" y="183"/>
+                  <a:pt x="108" y="181"/>
+                </a:cubicBezTo>
+                <a:cubicBezTo>
+                  <a:pt x="108" y="152"/>
+                  <a:pt x="108" y="152"/>
+                  <a:pt x="108" y="152"/>
+                </a:cubicBezTo>
+                <a:cubicBezTo>
+                  <a:pt x="102" y="148"/>
+                  <a:pt x="91" y="136"/>
+                  <a:pt x="90" y="117"/>
+                </a:cubicBezTo>
+                <a:cubicBezTo>
+                  <a:pt x="87" y="115"/>
+                  <a:pt x="85" y="111"/>
+                  <a:pt x="84" y="106"/>
+                </a:cubicBezTo>
+                <a:cubicBezTo>
+                  <a:pt x="82" y="97"/>
+                  <a:pt x="83" y="87"/>
+                  <a:pt x="89" y="81"/>
+                </a:cubicBezTo>
+                <a:cubicBezTo>
+                  <a:pt x="89" y="80"/>
+                  <a:pt x="88" y="80"/>
+                  <a:pt x="88" y="79"/>
+                </a:cubicBezTo>
+                <a:cubicBezTo>
+                  <a:pt x="84" y="65"/>
+                  <a:pt x="77" y="40"/>
+                  <a:pt x="87" y="26"/>
+                </a:cubicBezTo>
+                <a:cubicBezTo>
+                  <a:pt x="91" y="21"/>
+                  <a:pt x="96" y="18"/>
+                  <a:pt x="104" y="18"/>
+                </a:cubicBezTo>
+                <a:cubicBezTo>
+                  <a:pt x="111" y="4"/>
+                  <a:pt x="135" y="0"/>
+                  <a:pt x="155" y="0"/>
+                </a:cubicBezTo>
+                <a:cubicBezTo>
+                  <a:pt x="178" y="1"/>
+                  <a:pt x="206" y="8"/>
+                  <a:pt x="210" y="28"/>
+                </a:cubicBezTo>
+                <a:cubicBezTo>
+                  <a:pt x="213" y="45"/>
+                  <a:pt x="204" y="67"/>
+                  <a:pt x="200" y="78"/>
+                </a:cubicBezTo>
+                <a:cubicBezTo>
+                  <a:pt x="199" y="79"/>
+                  <a:pt x="199" y="80"/>
+                  <a:pt x="199" y="81"/>
+                </a:cubicBezTo>
+                <a:cubicBezTo>
+                  <a:pt x="205" y="87"/>
+                  <a:pt x="206" y="97"/>
+                  <a:pt x="204" y="106"/>
+                </a:cubicBezTo>
+                <a:cubicBezTo>
+                  <a:pt x="202" y="111"/>
+                  <a:pt x="200" y="115"/>
+                  <a:pt x="198" y="117"/>
+                </a:cubicBezTo>
+                <a:cubicBezTo>
+                  <a:pt x="196" y="136"/>
+                  <a:pt x="185" y="148"/>
+                  <a:pt x="180" y="152"/>
+                </a:cubicBezTo>
+                <a:cubicBezTo>
+                  <a:pt x="180" y="181"/>
+                  <a:pt x="180" y="181"/>
+                  <a:pt x="180" y="181"/>
+                </a:cubicBezTo>
+                <a:cubicBezTo>
+                  <a:pt x="185" y="183"/>
+                  <a:pt x="190" y="185"/>
+                  <a:pt x="194" y="187"/>
+                </a:cubicBezTo>
+                <a:cubicBezTo>
+                  <a:pt x="236" y="202"/>
+                  <a:pt x="266" y="213"/>
+                  <a:pt x="275" y="231"/>
+                </a:cubicBezTo>
+                <a:cubicBezTo>
+                  <a:pt x="287" y="256"/>
+                  <a:pt x="288" y="281"/>
+                  <a:pt x="288" y="282"/>
+                </a:cubicBezTo>
+                <a:cubicBezTo>
+                  <a:pt x="288" y="285"/>
+                  <a:pt x="285" y="288"/>
+                  <a:pt x="282" y="288"/>
+                </a:cubicBezTo>
+                <a:close/>
+                <a:moveTo>
+                  <a:pt x="12" y="276"/>
+                </a:moveTo>
+                <a:cubicBezTo>
+                  <a:pt x="275" y="276"/>
+                  <a:pt x="275" y="276"/>
+                  <a:pt x="275" y="276"/>
+                </a:cubicBezTo>
+                <a:cubicBezTo>
+                  <a:pt x="274" y="268"/>
+                  <a:pt x="272" y="252"/>
+                  <a:pt x="264" y="236"/>
+                </a:cubicBezTo>
+                <a:cubicBezTo>
+                  <a:pt x="258" y="223"/>
+                  <a:pt x="226" y="211"/>
+                  <a:pt x="190" y="198"/>
+                </a:cubicBezTo>
+                <a:cubicBezTo>
+                  <a:pt x="184" y="196"/>
+                  <a:pt x="178" y="193"/>
+                  <a:pt x="172" y="191"/>
+                </a:cubicBezTo>
+                <a:cubicBezTo>
+                  <a:pt x="169" y="190"/>
+                  <a:pt x="168" y="188"/>
+                  <a:pt x="168" y="185"/>
+                </a:cubicBezTo>
+                <a:cubicBezTo>
+                  <a:pt x="168" y="149"/>
+                  <a:pt x="168" y="149"/>
+                  <a:pt x="168" y="149"/>
+                </a:cubicBezTo>
+                <a:cubicBezTo>
+                  <a:pt x="168" y="147"/>
+                  <a:pt x="169" y="145"/>
+                  <a:pt x="170" y="144"/>
+                </a:cubicBezTo>
+                <a:cubicBezTo>
+                  <a:pt x="171" y="144"/>
+                  <a:pt x="186" y="134"/>
+                  <a:pt x="186" y="113"/>
+                </a:cubicBezTo>
+                <a:cubicBezTo>
+                  <a:pt x="186" y="111"/>
+                  <a:pt x="188" y="108"/>
+                  <a:pt x="190" y="108"/>
+                </a:cubicBezTo>
+                <a:cubicBezTo>
+                  <a:pt x="191" y="106"/>
+                  <a:pt x="193" y="100"/>
+                  <a:pt x="192" y="95"/>
+                </a:cubicBezTo>
+                <a:cubicBezTo>
+                  <a:pt x="192" y="92"/>
+                  <a:pt x="191" y="90"/>
+                  <a:pt x="189" y="89"/>
+                </a:cubicBezTo>
+                <a:cubicBezTo>
+                  <a:pt x="187" y="88"/>
+                  <a:pt x="186" y="86"/>
+                  <a:pt x="186" y="83"/>
+                </a:cubicBezTo>
+                <a:cubicBezTo>
+                  <a:pt x="186" y="81"/>
+                  <a:pt x="187" y="79"/>
+                  <a:pt x="189" y="74"/>
+                </a:cubicBezTo>
+                <a:cubicBezTo>
+                  <a:pt x="193" y="63"/>
+                  <a:pt x="200" y="44"/>
+                  <a:pt x="198" y="31"/>
+                </a:cubicBezTo>
+                <a:cubicBezTo>
+                  <a:pt x="196" y="20"/>
+                  <a:pt x="178" y="13"/>
+                  <a:pt x="154" y="12"/>
+                </a:cubicBezTo>
+                <a:cubicBezTo>
+                  <a:pt x="131" y="11"/>
+                  <a:pt x="115" y="18"/>
+                  <a:pt x="113" y="25"/>
+                </a:cubicBezTo>
+                <a:cubicBezTo>
+                  <a:pt x="113" y="27"/>
+                  <a:pt x="110" y="29"/>
+                  <a:pt x="108" y="29"/>
+                </a:cubicBezTo>
+                <a:cubicBezTo>
+                  <a:pt x="102" y="29"/>
+                  <a:pt x="99" y="31"/>
+                  <a:pt x="97" y="34"/>
+                </a:cubicBezTo>
+                <a:cubicBezTo>
+                  <a:pt x="90" y="43"/>
+                  <a:pt x="97" y="66"/>
+                  <a:pt x="100" y="75"/>
+                </a:cubicBezTo>
+                <a:cubicBezTo>
+                  <a:pt x="101" y="80"/>
+                  <a:pt x="102" y="82"/>
+                  <a:pt x="102" y="83"/>
+                </a:cubicBezTo>
+                <a:cubicBezTo>
+                  <a:pt x="102" y="86"/>
+                  <a:pt x="100" y="88"/>
+                  <a:pt x="98" y="89"/>
+                </a:cubicBezTo>
+                <a:cubicBezTo>
+                  <a:pt x="96" y="90"/>
+                  <a:pt x="95" y="92"/>
+                  <a:pt x="95" y="95"/>
+                </a:cubicBezTo>
+                <a:cubicBezTo>
+                  <a:pt x="94" y="100"/>
+                  <a:pt x="96" y="106"/>
+                  <a:pt x="97" y="108"/>
+                </a:cubicBezTo>
+                <a:cubicBezTo>
+                  <a:pt x="100" y="108"/>
+                  <a:pt x="102" y="111"/>
+                  <a:pt x="102" y="113"/>
+                </a:cubicBezTo>
+                <a:cubicBezTo>
+                  <a:pt x="102" y="134"/>
+                  <a:pt x="117" y="144"/>
+                  <a:pt x="117" y="144"/>
+                </a:cubicBezTo>
+                <a:cubicBezTo>
+                  <a:pt x="119" y="145"/>
+                  <a:pt x="120" y="147"/>
+                  <a:pt x="120" y="149"/>
+                </a:cubicBezTo>
+                <a:cubicBezTo>
+                  <a:pt x="120" y="185"/>
+                  <a:pt x="120" y="185"/>
+                  <a:pt x="120" y="185"/>
+                </a:cubicBezTo>
+                <a:cubicBezTo>
+                  <a:pt x="120" y="188"/>
+                  <a:pt x="118" y="190"/>
+                  <a:pt x="116" y="191"/>
+                </a:cubicBezTo>
+                <a:cubicBezTo>
+                  <a:pt x="109" y="193"/>
+                  <a:pt x="103" y="196"/>
+                  <a:pt x="97" y="198"/>
+                </a:cubicBezTo>
+                <a:cubicBezTo>
+                  <a:pt x="61" y="211"/>
+                  <a:pt x="30" y="223"/>
+                  <a:pt x="23" y="236"/>
+                </a:cubicBezTo>
+                <a:cubicBezTo>
+                  <a:pt x="15" y="252"/>
+                  <a:pt x="13" y="268"/>
+                  <a:pt x="12" y="276"/>
+                </a:cubicBezTo>
+                <a:close/>
+              </a:path>
+            </a:pathLst>
+          </a:custGeom>
+          <a:solidFill>
+            <a:schemeClr val="tx2"/>
+          </a:solidFill>
+          <a:ln>
+            <a:noFill/>
+          </a:ln>
+        </p:spPr>
+        <p:txBody>
+          <a:bodyPr vert="horz" wrap="square" lIns="91440" tIns="45720" rIns="91440" bIns="45720" numCol="1" anchor="t" anchorCtr="0" compatLnSpc="1">
+            <a:prstTxWarp prst="textNoShape">
+              <a:avLst/>
+            </a:prstTxWarp>
+          </a:bodyPr>
+          <a:lstStyle/>
+          <a:p>
+            <a:endParaRPr lang="en-US" dirty="0">
+              <a:latin typeface="+mn-lt"/>
+            </a:endParaRPr>
+          </a:p>
+        </p:txBody>
+      </p:sp>
+      <p:sp>
+        <p:nvSpPr>
+          <p:cNvPr id="9" name="Freeform 225">
+            <a:extLst>
+              <a:ext uri="{FF2B5EF4-FFF2-40B4-BE49-F238E27FC236}">
+                <a16:creationId xmlns:a16="http://schemas.microsoft.com/office/drawing/2014/main" id="{293F04C5-9AEE-4E3D-85ED-9786D2E4944A}"/>
+              </a:ext>
+            </a:extLst>
+          </p:cNvPr>
+          <p:cNvSpPr>
+            <a:spLocks noEditPoints="1"/>
+          </p:cNvSpPr>
+          <p:nvPr/>
+        </p:nvSpPr>
+        <p:spPr bwMode="auto">
+          <a:xfrm>
+            <a:off x="6797858" y="178542"/>
+            <a:ext cx="549124" cy="536674"/>
+          </a:xfrm>
+          <a:custGeom>
+            <a:avLst/>
+            <a:gdLst>
+              <a:gd name="T0" fmla="*/ 282 w 288"/>
+              <a:gd name="T1" fmla="*/ 288 h 288"/>
+              <a:gd name="T2" fmla="*/ 6 w 288"/>
+              <a:gd name="T3" fmla="*/ 288 h 288"/>
+              <a:gd name="T4" fmla="*/ 0 w 288"/>
+              <a:gd name="T5" fmla="*/ 282 h 288"/>
+              <a:gd name="T6" fmla="*/ 12 w 288"/>
+              <a:gd name="T7" fmla="*/ 231 h 288"/>
+              <a:gd name="T8" fmla="*/ 93 w 288"/>
+              <a:gd name="T9" fmla="*/ 187 h 288"/>
+              <a:gd name="T10" fmla="*/ 108 w 288"/>
+              <a:gd name="T11" fmla="*/ 181 h 288"/>
+              <a:gd name="T12" fmla="*/ 108 w 288"/>
+              <a:gd name="T13" fmla="*/ 152 h 288"/>
+              <a:gd name="T14" fmla="*/ 90 w 288"/>
+              <a:gd name="T15" fmla="*/ 117 h 288"/>
+              <a:gd name="T16" fmla="*/ 84 w 288"/>
+              <a:gd name="T17" fmla="*/ 106 h 288"/>
+              <a:gd name="T18" fmla="*/ 89 w 288"/>
+              <a:gd name="T19" fmla="*/ 81 h 288"/>
+              <a:gd name="T20" fmla="*/ 88 w 288"/>
+              <a:gd name="T21" fmla="*/ 79 h 288"/>
+              <a:gd name="T22" fmla="*/ 87 w 288"/>
+              <a:gd name="T23" fmla="*/ 26 h 288"/>
+              <a:gd name="T24" fmla="*/ 104 w 288"/>
+              <a:gd name="T25" fmla="*/ 18 h 288"/>
+              <a:gd name="T26" fmla="*/ 155 w 288"/>
+              <a:gd name="T27" fmla="*/ 0 h 288"/>
+              <a:gd name="T28" fmla="*/ 210 w 288"/>
+              <a:gd name="T29" fmla="*/ 28 h 288"/>
+              <a:gd name="T30" fmla="*/ 200 w 288"/>
+              <a:gd name="T31" fmla="*/ 78 h 288"/>
+              <a:gd name="T32" fmla="*/ 199 w 288"/>
+              <a:gd name="T33" fmla="*/ 81 h 288"/>
+              <a:gd name="T34" fmla="*/ 204 w 288"/>
+              <a:gd name="T35" fmla="*/ 106 h 288"/>
+              <a:gd name="T36" fmla="*/ 198 w 288"/>
+              <a:gd name="T37" fmla="*/ 117 h 288"/>
+              <a:gd name="T38" fmla="*/ 180 w 288"/>
+              <a:gd name="T39" fmla="*/ 152 h 288"/>
+              <a:gd name="T40" fmla="*/ 180 w 288"/>
+              <a:gd name="T41" fmla="*/ 181 h 288"/>
+              <a:gd name="T42" fmla="*/ 194 w 288"/>
+              <a:gd name="T43" fmla="*/ 187 h 288"/>
+              <a:gd name="T44" fmla="*/ 275 w 288"/>
+              <a:gd name="T45" fmla="*/ 231 h 288"/>
+              <a:gd name="T46" fmla="*/ 288 w 288"/>
+              <a:gd name="T47" fmla="*/ 282 h 288"/>
+              <a:gd name="T48" fmla="*/ 282 w 288"/>
+              <a:gd name="T49" fmla="*/ 288 h 288"/>
+              <a:gd name="T50" fmla="*/ 12 w 288"/>
+              <a:gd name="T51" fmla="*/ 276 h 288"/>
+              <a:gd name="T52" fmla="*/ 275 w 288"/>
+              <a:gd name="T53" fmla="*/ 276 h 288"/>
+              <a:gd name="T54" fmla="*/ 264 w 288"/>
+              <a:gd name="T55" fmla="*/ 236 h 288"/>
+              <a:gd name="T56" fmla="*/ 190 w 288"/>
+              <a:gd name="T57" fmla="*/ 198 h 288"/>
+              <a:gd name="T58" fmla="*/ 172 w 288"/>
+              <a:gd name="T59" fmla="*/ 191 h 288"/>
+              <a:gd name="T60" fmla="*/ 168 w 288"/>
+              <a:gd name="T61" fmla="*/ 185 h 288"/>
+              <a:gd name="T62" fmla="*/ 168 w 288"/>
+              <a:gd name="T63" fmla="*/ 149 h 288"/>
+              <a:gd name="T64" fmla="*/ 170 w 288"/>
+              <a:gd name="T65" fmla="*/ 144 h 288"/>
+              <a:gd name="T66" fmla="*/ 186 w 288"/>
+              <a:gd name="T67" fmla="*/ 113 h 288"/>
+              <a:gd name="T68" fmla="*/ 190 w 288"/>
+              <a:gd name="T69" fmla="*/ 108 h 288"/>
+              <a:gd name="T70" fmla="*/ 192 w 288"/>
+              <a:gd name="T71" fmla="*/ 95 h 288"/>
+              <a:gd name="T72" fmla="*/ 189 w 288"/>
+              <a:gd name="T73" fmla="*/ 89 h 288"/>
+              <a:gd name="T74" fmla="*/ 186 w 288"/>
+              <a:gd name="T75" fmla="*/ 83 h 288"/>
+              <a:gd name="T76" fmla="*/ 189 w 288"/>
+              <a:gd name="T77" fmla="*/ 74 h 288"/>
+              <a:gd name="T78" fmla="*/ 198 w 288"/>
+              <a:gd name="T79" fmla="*/ 31 h 288"/>
+              <a:gd name="T80" fmla="*/ 154 w 288"/>
+              <a:gd name="T81" fmla="*/ 12 h 288"/>
+              <a:gd name="T82" fmla="*/ 113 w 288"/>
+              <a:gd name="T83" fmla="*/ 25 h 288"/>
+              <a:gd name="T84" fmla="*/ 108 w 288"/>
+              <a:gd name="T85" fmla="*/ 29 h 288"/>
+              <a:gd name="T86" fmla="*/ 97 w 288"/>
+              <a:gd name="T87" fmla="*/ 34 h 288"/>
+              <a:gd name="T88" fmla="*/ 100 w 288"/>
+              <a:gd name="T89" fmla="*/ 75 h 288"/>
+              <a:gd name="T90" fmla="*/ 102 w 288"/>
+              <a:gd name="T91" fmla="*/ 83 h 288"/>
+              <a:gd name="T92" fmla="*/ 98 w 288"/>
+              <a:gd name="T93" fmla="*/ 89 h 288"/>
+              <a:gd name="T94" fmla="*/ 95 w 288"/>
+              <a:gd name="T95" fmla="*/ 95 h 288"/>
+              <a:gd name="T96" fmla="*/ 97 w 288"/>
+              <a:gd name="T97" fmla="*/ 108 h 288"/>
+              <a:gd name="T98" fmla="*/ 102 w 288"/>
+              <a:gd name="T99" fmla="*/ 113 h 288"/>
+              <a:gd name="T100" fmla="*/ 117 w 288"/>
+              <a:gd name="T101" fmla="*/ 144 h 288"/>
+              <a:gd name="T102" fmla="*/ 120 w 288"/>
+              <a:gd name="T103" fmla="*/ 149 h 288"/>
+              <a:gd name="T104" fmla="*/ 120 w 288"/>
+              <a:gd name="T105" fmla="*/ 185 h 288"/>
+              <a:gd name="T106" fmla="*/ 116 w 288"/>
+              <a:gd name="T107" fmla="*/ 191 h 288"/>
+              <a:gd name="T108" fmla="*/ 97 w 288"/>
+              <a:gd name="T109" fmla="*/ 198 h 288"/>
+              <a:gd name="T110" fmla="*/ 23 w 288"/>
+              <a:gd name="T111" fmla="*/ 236 h 288"/>
+              <a:gd name="T112" fmla="*/ 12 w 288"/>
+              <a:gd name="T113" fmla="*/ 276 h 288"/>
+            </a:gdLst>
+            <a:ahLst/>
+            <a:cxnLst>
+              <a:cxn ang="0">
+                <a:pos x="T0" y="T1"/>
+              </a:cxn>
+              <a:cxn ang="0">
+                <a:pos x="T2" y="T3"/>
+              </a:cxn>
+              <a:cxn ang="0">
+                <a:pos x="T4" y="T5"/>
+              </a:cxn>
+              <a:cxn ang="0">
+                <a:pos x="T6" y="T7"/>
+              </a:cxn>
+              <a:cxn ang="0">
+                <a:pos x="T8" y="T9"/>
+              </a:cxn>
+              <a:cxn ang="0">
+                <a:pos x="T10" y="T11"/>
+              </a:cxn>
+              <a:cxn ang="0">
+                <a:pos x="T12" y="T13"/>
+              </a:cxn>
+              <a:cxn ang="0">
+                <a:pos x="T14" y="T15"/>
+              </a:cxn>
+              <a:cxn ang="0">
+                <a:pos x="T16" y="T17"/>
+              </a:cxn>
+              <a:cxn ang="0">
+                <a:pos x="T18" y="T19"/>
+              </a:cxn>
+              <a:cxn ang="0">
+                <a:pos x="T20" y="T21"/>
+              </a:cxn>
+              <a:cxn ang="0">
+                <a:pos x="T22" y="T23"/>
+              </a:cxn>
+              <a:cxn ang="0">
+                <a:pos x="T24" y="T25"/>
+              </a:cxn>
+              <a:cxn ang="0">
+                <a:pos x="T26" y="T27"/>
+              </a:cxn>
+              <a:cxn ang="0">
+                <a:pos x="T28" y="T29"/>
+              </a:cxn>
+              <a:cxn ang="0">
+                <a:pos x="T30" y="T31"/>
+              </a:cxn>
+              <a:cxn ang="0">
+                <a:pos x="T32" y="T33"/>
+              </a:cxn>
+              <a:cxn ang="0">
+                <a:pos x="T34" y="T35"/>
+              </a:cxn>
+              <a:cxn ang="0">
+                <a:pos x="T36" y="T37"/>
+              </a:cxn>
+              <a:cxn ang="0">
+                <a:pos x="T38" y="T39"/>
+              </a:cxn>
+              <a:cxn ang="0">
+                <a:pos x="T40" y="T41"/>
+              </a:cxn>
+              <a:cxn ang="0">
+                <a:pos x="T42" y="T43"/>
+              </a:cxn>
+              <a:cxn ang="0">
+                <a:pos x="T44" y="T45"/>
+              </a:cxn>
+              <a:cxn ang="0">
+                <a:pos x="T46" y="T47"/>
+              </a:cxn>
+              <a:cxn ang="0">
+                <a:pos x="T48" y="T49"/>
+              </a:cxn>
+              <a:cxn ang="0">
+                <a:pos x="T50" y="T51"/>
+              </a:cxn>
+              <a:cxn ang="0">
+                <a:pos x="T52" y="T53"/>
+              </a:cxn>
+              <a:cxn ang="0">
+                <a:pos x="T54" y="T55"/>
+              </a:cxn>
+              <a:cxn ang="0">
+                <a:pos x="T56" y="T57"/>
+              </a:cxn>
+              <a:cxn ang="0">
+                <a:pos x="T58" y="T59"/>
+              </a:cxn>
+              <a:cxn ang="0">
+                <a:pos x="T60" y="T61"/>
+              </a:cxn>
+              <a:cxn ang="0">
+                <a:pos x="T62" y="T63"/>
+              </a:cxn>
+              <a:cxn ang="0">
+                <a:pos x="T64" y="T65"/>
+              </a:cxn>
+              <a:cxn ang="0">
+                <a:pos x="T66" y="T67"/>
+              </a:cxn>
+              <a:cxn ang="0">
+                <a:pos x="T68" y="T69"/>
+              </a:cxn>
+              <a:cxn ang="0">
+                <a:pos x="T70" y="T71"/>
+              </a:cxn>
+              <a:cxn ang="0">
+                <a:pos x="T72" y="T73"/>
+              </a:cxn>
+              <a:cxn ang="0">
+                <a:pos x="T74" y="T75"/>
+              </a:cxn>
+              <a:cxn ang="0">
+                <a:pos x="T76" y="T77"/>
+              </a:cxn>
+              <a:cxn ang="0">
+                <a:pos x="T78" y="T79"/>
+              </a:cxn>
+              <a:cxn ang="0">
+                <a:pos x="T80" y="T81"/>
+              </a:cxn>
+              <a:cxn ang="0">
+                <a:pos x="T82" y="T83"/>
+              </a:cxn>
+              <a:cxn ang="0">
+                <a:pos x="T84" y="T85"/>
+              </a:cxn>
+              <a:cxn ang="0">
+                <a:pos x="T86" y="T87"/>
+              </a:cxn>
+              <a:cxn ang="0">
+                <a:pos x="T88" y="T89"/>
+              </a:cxn>
+              <a:cxn ang="0">
+                <a:pos x="T90" y="T91"/>
+              </a:cxn>
+              <a:cxn ang="0">
+                <a:pos x="T92" y="T93"/>
+              </a:cxn>
+              <a:cxn ang="0">
+                <a:pos x="T94" y="T95"/>
+              </a:cxn>
+              <a:cxn ang="0">
+                <a:pos x="T96" y="T97"/>
+              </a:cxn>
+              <a:cxn ang="0">
+                <a:pos x="T98" y="T99"/>
+              </a:cxn>
+              <a:cxn ang="0">
+                <a:pos x="T100" y="T101"/>
+              </a:cxn>
+              <a:cxn ang="0">
+                <a:pos x="T102" y="T103"/>
+              </a:cxn>
+              <a:cxn ang="0">
+                <a:pos x="T104" y="T105"/>
+              </a:cxn>
+              <a:cxn ang="0">
+                <a:pos x="T106" y="T107"/>
+              </a:cxn>
+              <a:cxn ang="0">
+                <a:pos x="T108" y="T109"/>
+              </a:cxn>
+              <a:cxn ang="0">
+                <a:pos x="T110" y="T111"/>
+              </a:cxn>
+              <a:cxn ang="0">
+                <a:pos x="T112" y="T113"/>
+              </a:cxn>
+            </a:cxnLst>
+            <a:rect l="0" t="0" r="r" b="b"/>
+            <a:pathLst>
+              <a:path w="288" h="288">
+                <a:moveTo>
+                  <a:pt x="282" y="288"/>
+                </a:moveTo>
+                <a:cubicBezTo>
+                  <a:pt x="6" y="288"/>
+                  <a:pt x="6" y="288"/>
+                  <a:pt x="6" y="288"/>
+                </a:cubicBezTo>
+                <a:cubicBezTo>
+                  <a:pt x="2" y="288"/>
+                  <a:pt x="0" y="285"/>
+                  <a:pt x="0" y="282"/>
+                </a:cubicBezTo>
+                <a:cubicBezTo>
+                  <a:pt x="0" y="281"/>
+                  <a:pt x="0" y="256"/>
+                  <a:pt x="12" y="231"/>
+                </a:cubicBezTo>
+                <a:cubicBezTo>
+                  <a:pt x="21" y="213"/>
+                  <a:pt x="51" y="202"/>
+                  <a:pt x="93" y="187"/>
+                </a:cubicBezTo>
+                <a:cubicBezTo>
+                  <a:pt x="98" y="185"/>
+                  <a:pt x="103" y="183"/>
+                  <a:pt x="108" y="181"/>
+                </a:cubicBezTo>
+                <a:cubicBezTo>
+                  <a:pt x="108" y="152"/>
+                  <a:pt x="108" y="152"/>
+                  <a:pt x="108" y="152"/>
+                </a:cubicBezTo>
+                <a:cubicBezTo>
+                  <a:pt x="102" y="148"/>
+                  <a:pt x="91" y="136"/>
+                  <a:pt x="90" y="117"/>
+                </a:cubicBezTo>
+                <a:cubicBezTo>
+                  <a:pt x="87" y="115"/>
+                  <a:pt x="85" y="111"/>
+                  <a:pt x="84" y="106"/>
+                </a:cubicBezTo>
+                <a:cubicBezTo>
+                  <a:pt x="82" y="97"/>
+                  <a:pt x="83" y="87"/>
+                  <a:pt x="89" y="81"/>
+                </a:cubicBezTo>
+                <a:cubicBezTo>
+                  <a:pt x="89" y="80"/>
+                  <a:pt x="88" y="80"/>
+                  <a:pt x="88" y="79"/>
+                </a:cubicBezTo>
+                <a:cubicBezTo>
+                  <a:pt x="84" y="65"/>
+                  <a:pt x="77" y="40"/>
+                  <a:pt x="87" y="26"/>
+                </a:cubicBezTo>
+                <a:cubicBezTo>
+                  <a:pt x="91" y="21"/>
+                  <a:pt x="96" y="18"/>
+                  <a:pt x="104" y="18"/>
+                </a:cubicBezTo>
+                <a:cubicBezTo>
+                  <a:pt x="111" y="4"/>
+                  <a:pt x="135" y="0"/>
+                  <a:pt x="155" y="0"/>
+                </a:cubicBezTo>
+                <a:cubicBezTo>
+                  <a:pt x="178" y="1"/>
+                  <a:pt x="206" y="8"/>
+                  <a:pt x="210" y="28"/>
+                </a:cubicBezTo>
+                <a:cubicBezTo>
+                  <a:pt x="213" y="45"/>
+                  <a:pt x="204" y="67"/>
+                  <a:pt x="200" y="78"/>
+                </a:cubicBezTo>
+                <a:cubicBezTo>
+                  <a:pt x="199" y="79"/>
+                  <a:pt x="199" y="80"/>
+                  <a:pt x="199" y="81"/>
+                </a:cubicBezTo>
+                <a:cubicBezTo>
+                  <a:pt x="205" y="87"/>
+                  <a:pt x="206" y="97"/>
+                  <a:pt x="204" y="106"/>
+                </a:cubicBezTo>
+                <a:cubicBezTo>
+                  <a:pt x="202" y="111"/>
+                  <a:pt x="200" y="115"/>
+                  <a:pt x="198" y="117"/>
+                </a:cubicBezTo>
+                <a:cubicBezTo>
+                  <a:pt x="196" y="136"/>
+                  <a:pt x="185" y="148"/>
+                  <a:pt x="180" y="152"/>
+                </a:cubicBezTo>
+                <a:cubicBezTo>
+                  <a:pt x="180" y="181"/>
+                  <a:pt x="180" y="181"/>
+                  <a:pt x="180" y="181"/>
+                </a:cubicBezTo>
+                <a:cubicBezTo>
+                  <a:pt x="185" y="183"/>
+                  <a:pt x="190" y="185"/>
+                  <a:pt x="194" y="187"/>
+                </a:cubicBezTo>
+                <a:cubicBezTo>
+                  <a:pt x="236" y="202"/>
+                  <a:pt x="266" y="213"/>
+                  <a:pt x="275" y="231"/>
+                </a:cubicBezTo>
+                <a:cubicBezTo>
+                  <a:pt x="287" y="256"/>
+                  <a:pt x="288" y="281"/>
+                  <a:pt x="288" y="282"/>
+                </a:cubicBezTo>
+                <a:cubicBezTo>
+                  <a:pt x="288" y="285"/>
+                  <a:pt x="285" y="288"/>
+                  <a:pt x="282" y="288"/>
+                </a:cubicBezTo>
+                <a:close/>
+                <a:moveTo>
+                  <a:pt x="12" y="276"/>
+                </a:moveTo>
+                <a:cubicBezTo>
+                  <a:pt x="275" y="276"/>
+                  <a:pt x="275" y="276"/>
+                  <a:pt x="275" y="276"/>
+                </a:cubicBezTo>
+                <a:cubicBezTo>
+                  <a:pt x="274" y="268"/>
+                  <a:pt x="272" y="252"/>
+                  <a:pt x="264" y="236"/>
+                </a:cubicBezTo>
+                <a:cubicBezTo>
+                  <a:pt x="258" y="223"/>
+                  <a:pt x="226" y="211"/>
+                  <a:pt x="190" y="198"/>
+                </a:cubicBezTo>
+                <a:cubicBezTo>
+                  <a:pt x="184" y="196"/>
+                  <a:pt x="178" y="193"/>
+                  <a:pt x="172" y="191"/>
+                </a:cubicBezTo>
+                <a:cubicBezTo>
+                  <a:pt x="169" y="190"/>
+                  <a:pt x="168" y="188"/>
+                  <a:pt x="168" y="185"/>
+                </a:cubicBezTo>
+                <a:cubicBezTo>
+                  <a:pt x="168" y="149"/>
+                  <a:pt x="168" y="149"/>
+                  <a:pt x="168" y="149"/>
+                </a:cubicBezTo>
+                <a:cubicBezTo>
+                  <a:pt x="168" y="147"/>
+                  <a:pt x="169" y="145"/>
+                  <a:pt x="170" y="144"/>
+                </a:cubicBezTo>
+                <a:cubicBezTo>
+                  <a:pt x="171" y="144"/>
+                  <a:pt x="186" y="134"/>
+                  <a:pt x="186" y="113"/>
+                </a:cubicBezTo>
+                <a:cubicBezTo>
+                  <a:pt x="186" y="111"/>
+                  <a:pt x="188" y="108"/>
+                  <a:pt x="190" y="108"/>
+                </a:cubicBezTo>
+                <a:cubicBezTo>
+                  <a:pt x="191" y="106"/>
+                  <a:pt x="193" y="100"/>
+                  <a:pt x="192" y="95"/>
+                </a:cubicBezTo>
+                <a:cubicBezTo>
+                  <a:pt x="192" y="92"/>
+                  <a:pt x="191" y="90"/>
+                  <a:pt x="189" y="89"/>
+                </a:cubicBezTo>
+                <a:cubicBezTo>
+                  <a:pt x="187" y="88"/>
+                  <a:pt x="186" y="86"/>
+                  <a:pt x="186" y="83"/>
+                </a:cubicBezTo>
+                <a:cubicBezTo>
+                  <a:pt x="186" y="81"/>
+                  <a:pt x="187" y="79"/>
+                  <a:pt x="189" y="74"/>
+                </a:cubicBezTo>
+                <a:cubicBezTo>
+                  <a:pt x="193" y="63"/>
+                  <a:pt x="200" y="44"/>
+                  <a:pt x="198" y="31"/>
+                </a:cubicBezTo>
+                <a:cubicBezTo>
+                  <a:pt x="196" y="20"/>
+                  <a:pt x="178" y="13"/>
+                  <a:pt x="154" y="12"/>
+                </a:cubicBezTo>
+                <a:cubicBezTo>
+                  <a:pt x="131" y="11"/>
+                  <a:pt x="115" y="18"/>
+                  <a:pt x="113" y="25"/>
+                </a:cubicBezTo>
+                <a:cubicBezTo>
+                  <a:pt x="113" y="27"/>
+                  <a:pt x="110" y="29"/>
+                  <a:pt x="108" y="29"/>
+                </a:cubicBezTo>
+                <a:cubicBezTo>
+                  <a:pt x="102" y="29"/>
+                  <a:pt x="99" y="31"/>
+                  <a:pt x="97" y="34"/>
+                </a:cubicBezTo>
+                <a:cubicBezTo>
+                  <a:pt x="90" y="43"/>
+                  <a:pt x="97" y="66"/>
+                  <a:pt x="100" y="75"/>
+                </a:cubicBezTo>
+                <a:cubicBezTo>
+                  <a:pt x="101" y="80"/>
+                  <a:pt x="102" y="82"/>
+                  <a:pt x="102" y="83"/>
+                </a:cubicBezTo>
+                <a:cubicBezTo>
+                  <a:pt x="102" y="86"/>
+                  <a:pt x="100" y="88"/>
+                  <a:pt x="98" y="89"/>
+                </a:cubicBezTo>
+                <a:cubicBezTo>
+                  <a:pt x="96" y="90"/>
+                  <a:pt x="95" y="92"/>
+                  <a:pt x="95" y="95"/>
+                </a:cubicBezTo>
+                <a:cubicBezTo>
+                  <a:pt x="94" y="100"/>
+                  <a:pt x="96" y="106"/>
+                  <a:pt x="97" y="108"/>
+                </a:cubicBezTo>
+                <a:cubicBezTo>
+                  <a:pt x="100" y="108"/>
+                  <a:pt x="102" y="111"/>
+                  <a:pt x="102" y="113"/>
+                </a:cubicBezTo>
+                <a:cubicBezTo>
+                  <a:pt x="102" y="134"/>
+                  <a:pt x="117" y="144"/>
+                  <a:pt x="117" y="144"/>
+                </a:cubicBezTo>
+                <a:cubicBezTo>
+                  <a:pt x="119" y="145"/>
+                  <a:pt x="120" y="147"/>
+                  <a:pt x="120" y="149"/>
+                </a:cubicBezTo>
+                <a:cubicBezTo>
+                  <a:pt x="120" y="185"/>
+                  <a:pt x="120" y="185"/>
+                  <a:pt x="120" y="185"/>
+                </a:cubicBezTo>
+                <a:cubicBezTo>
+                  <a:pt x="120" y="188"/>
+                  <a:pt x="118" y="190"/>
+                  <a:pt x="116" y="191"/>
+                </a:cubicBezTo>
+                <a:cubicBezTo>
+                  <a:pt x="109" y="193"/>
+                  <a:pt x="103" y="196"/>
+                  <a:pt x="97" y="198"/>
+                </a:cubicBezTo>
+                <a:cubicBezTo>
+                  <a:pt x="61" y="211"/>
+                  <a:pt x="30" y="223"/>
+                  <a:pt x="23" y="236"/>
+                </a:cubicBezTo>
+                <a:cubicBezTo>
+                  <a:pt x="15" y="252"/>
+                  <a:pt x="13" y="268"/>
+                  <a:pt x="12" y="276"/>
+                </a:cubicBezTo>
+                <a:close/>
+              </a:path>
+            </a:pathLst>
+          </a:custGeom>
+          <a:solidFill>
+            <a:schemeClr val="tx2"/>
+          </a:solidFill>
+          <a:ln>
+            <a:noFill/>
+          </a:ln>
+        </p:spPr>
+        <p:txBody>
+          <a:bodyPr vert="horz" wrap="square" lIns="91440" tIns="45720" rIns="91440" bIns="45720" numCol="1" anchor="t" anchorCtr="0" compatLnSpc="1">
+            <a:prstTxWarp prst="textNoShape">
+              <a:avLst/>
+            </a:prstTxWarp>
+          </a:bodyPr>
+          <a:lstStyle/>
+          <a:p>
+            <a:endParaRPr lang="en-US" dirty="0">
+              <a:latin typeface="+mn-lt"/>
+            </a:endParaRPr>
+          </a:p>
+        </p:txBody>
+      </p:sp>
+      <p:sp>
+        <p:nvSpPr>
+          <p:cNvPr id="11" name="Freeform 225">
+            <a:extLst>
+              <a:ext uri="{FF2B5EF4-FFF2-40B4-BE49-F238E27FC236}">
+                <a16:creationId xmlns:a16="http://schemas.microsoft.com/office/drawing/2014/main" id="{0972A19F-40E4-4765-AEA4-E5ED2051D842}"/>
+              </a:ext>
+            </a:extLst>
+          </p:cNvPr>
+          <p:cNvSpPr>
+            <a:spLocks noEditPoints="1"/>
+          </p:cNvSpPr>
+          <p:nvPr/>
+        </p:nvSpPr>
+        <p:spPr bwMode="auto">
+          <a:xfrm>
+            <a:off x="9725469" y="170865"/>
+            <a:ext cx="549124" cy="536674"/>
+          </a:xfrm>
+          <a:custGeom>
+            <a:avLst/>
+            <a:gdLst>
+              <a:gd name="T0" fmla="*/ 282 w 288"/>
+              <a:gd name="T1" fmla="*/ 288 h 288"/>
+              <a:gd name="T2" fmla="*/ 6 w 288"/>
+              <a:gd name="T3" fmla="*/ 288 h 288"/>
+              <a:gd name="T4" fmla="*/ 0 w 288"/>
+              <a:gd name="T5" fmla="*/ 282 h 288"/>
+              <a:gd name="T6" fmla="*/ 12 w 288"/>
+              <a:gd name="T7" fmla="*/ 231 h 288"/>
+              <a:gd name="T8" fmla="*/ 93 w 288"/>
+              <a:gd name="T9" fmla="*/ 187 h 288"/>
+              <a:gd name="T10" fmla="*/ 108 w 288"/>
+              <a:gd name="T11" fmla="*/ 181 h 288"/>
+              <a:gd name="T12" fmla="*/ 108 w 288"/>
+              <a:gd name="T13" fmla="*/ 152 h 288"/>
+              <a:gd name="T14" fmla="*/ 90 w 288"/>
+              <a:gd name="T15" fmla="*/ 117 h 288"/>
+              <a:gd name="T16" fmla="*/ 84 w 288"/>
+              <a:gd name="T17" fmla="*/ 106 h 288"/>
+              <a:gd name="T18" fmla="*/ 89 w 288"/>
+              <a:gd name="T19" fmla="*/ 81 h 288"/>
+              <a:gd name="T20" fmla="*/ 88 w 288"/>
+              <a:gd name="T21" fmla="*/ 79 h 288"/>
+              <a:gd name="T22" fmla="*/ 87 w 288"/>
+              <a:gd name="T23" fmla="*/ 26 h 288"/>
+              <a:gd name="T24" fmla="*/ 104 w 288"/>
+              <a:gd name="T25" fmla="*/ 18 h 288"/>
+              <a:gd name="T26" fmla="*/ 155 w 288"/>
+              <a:gd name="T27" fmla="*/ 0 h 288"/>
+              <a:gd name="T28" fmla="*/ 210 w 288"/>
+              <a:gd name="T29" fmla="*/ 28 h 288"/>
+              <a:gd name="T30" fmla="*/ 200 w 288"/>
+              <a:gd name="T31" fmla="*/ 78 h 288"/>
+              <a:gd name="T32" fmla="*/ 199 w 288"/>
+              <a:gd name="T33" fmla="*/ 81 h 288"/>
+              <a:gd name="T34" fmla="*/ 204 w 288"/>
+              <a:gd name="T35" fmla="*/ 106 h 288"/>
+              <a:gd name="T36" fmla="*/ 198 w 288"/>
+              <a:gd name="T37" fmla="*/ 117 h 288"/>
+              <a:gd name="T38" fmla="*/ 180 w 288"/>
+              <a:gd name="T39" fmla="*/ 152 h 288"/>
+              <a:gd name="T40" fmla="*/ 180 w 288"/>
+              <a:gd name="T41" fmla="*/ 181 h 288"/>
+              <a:gd name="T42" fmla="*/ 194 w 288"/>
+              <a:gd name="T43" fmla="*/ 187 h 288"/>
+              <a:gd name="T44" fmla="*/ 275 w 288"/>
+              <a:gd name="T45" fmla="*/ 231 h 288"/>
+              <a:gd name="T46" fmla="*/ 288 w 288"/>
+              <a:gd name="T47" fmla="*/ 282 h 288"/>
+              <a:gd name="T48" fmla="*/ 282 w 288"/>
+              <a:gd name="T49" fmla="*/ 288 h 288"/>
+              <a:gd name="T50" fmla="*/ 12 w 288"/>
+              <a:gd name="T51" fmla="*/ 276 h 288"/>
+              <a:gd name="T52" fmla="*/ 275 w 288"/>
+              <a:gd name="T53" fmla="*/ 276 h 288"/>
+              <a:gd name="T54" fmla="*/ 264 w 288"/>
+              <a:gd name="T55" fmla="*/ 236 h 288"/>
+              <a:gd name="T56" fmla="*/ 190 w 288"/>
+              <a:gd name="T57" fmla="*/ 198 h 288"/>
+              <a:gd name="T58" fmla="*/ 172 w 288"/>
+              <a:gd name="T59" fmla="*/ 191 h 288"/>
+              <a:gd name="T60" fmla="*/ 168 w 288"/>
+              <a:gd name="T61" fmla="*/ 185 h 288"/>
+              <a:gd name="T62" fmla="*/ 168 w 288"/>
+              <a:gd name="T63" fmla="*/ 149 h 288"/>
+              <a:gd name="T64" fmla="*/ 170 w 288"/>
+              <a:gd name="T65" fmla="*/ 144 h 288"/>
+              <a:gd name="T66" fmla="*/ 186 w 288"/>
+              <a:gd name="T67" fmla="*/ 113 h 288"/>
+              <a:gd name="T68" fmla="*/ 190 w 288"/>
+              <a:gd name="T69" fmla="*/ 108 h 288"/>
+              <a:gd name="T70" fmla="*/ 192 w 288"/>
+              <a:gd name="T71" fmla="*/ 95 h 288"/>
+              <a:gd name="T72" fmla="*/ 189 w 288"/>
+              <a:gd name="T73" fmla="*/ 89 h 288"/>
+              <a:gd name="T74" fmla="*/ 186 w 288"/>
+              <a:gd name="T75" fmla="*/ 83 h 288"/>
+              <a:gd name="T76" fmla="*/ 189 w 288"/>
+              <a:gd name="T77" fmla="*/ 74 h 288"/>
+              <a:gd name="T78" fmla="*/ 198 w 288"/>
+              <a:gd name="T79" fmla="*/ 31 h 288"/>
+              <a:gd name="T80" fmla="*/ 154 w 288"/>
+              <a:gd name="T81" fmla="*/ 12 h 288"/>
+              <a:gd name="T82" fmla="*/ 113 w 288"/>
+              <a:gd name="T83" fmla="*/ 25 h 288"/>
+              <a:gd name="T84" fmla="*/ 108 w 288"/>
+              <a:gd name="T85" fmla="*/ 29 h 288"/>
+              <a:gd name="T86" fmla="*/ 97 w 288"/>
+              <a:gd name="T87" fmla="*/ 34 h 288"/>
+              <a:gd name="T88" fmla="*/ 100 w 288"/>
+              <a:gd name="T89" fmla="*/ 75 h 288"/>
+              <a:gd name="T90" fmla="*/ 102 w 288"/>
+              <a:gd name="T91" fmla="*/ 83 h 288"/>
+              <a:gd name="T92" fmla="*/ 98 w 288"/>
+              <a:gd name="T93" fmla="*/ 89 h 288"/>
+              <a:gd name="T94" fmla="*/ 95 w 288"/>
+              <a:gd name="T95" fmla="*/ 95 h 288"/>
+              <a:gd name="T96" fmla="*/ 97 w 288"/>
+              <a:gd name="T97" fmla="*/ 108 h 288"/>
+              <a:gd name="T98" fmla="*/ 102 w 288"/>
+              <a:gd name="T99" fmla="*/ 113 h 288"/>
+              <a:gd name="T100" fmla="*/ 117 w 288"/>
+              <a:gd name="T101" fmla="*/ 144 h 288"/>
+              <a:gd name="T102" fmla="*/ 120 w 288"/>
+              <a:gd name="T103" fmla="*/ 149 h 288"/>
+              <a:gd name="T104" fmla="*/ 120 w 288"/>
+              <a:gd name="T105" fmla="*/ 185 h 288"/>
+              <a:gd name="T106" fmla="*/ 116 w 288"/>
+              <a:gd name="T107" fmla="*/ 191 h 288"/>
+              <a:gd name="T108" fmla="*/ 97 w 288"/>
+              <a:gd name="T109" fmla="*/ 198 h 288"/>
+              <a:gd name="T110" fmla="*/ 23 w 288"/>
+              <a:gd name="T111" fmla="*/ 236 h 288"/>
+              <a:gd name="T112" fmla="*/ 12 w 288"/>
+              <a:gd name="T113" fmla="*/ 276 h 288"/>
+            </a:gdLst>
+            <a:ahLst/>
+            <a:cxnLst>
+              <a:cxn ang="0">
+                <a:pos x="T0" y="T1"/>
+              </a:cxn>
+              <a:cxn ang="0">
+                <a:pos x="T2" y="T3"/>
+              </a:cxn>
+              <a:cxn ang="0">
+                <a:pos x="T4" y="T5"/>
+              </a:cxn>
+              <a:cxn ang="0">
+                <a:pos x="T6" y="T7"/>
+              </a:cxn>
+              <a:cxn ang="0">
+                <a:pos x="T8" y="T9"/>
+              </a:cxn>
+              <a:cxn ang="0">
+                <a:pos x="T10" y="T11"/>
+              </a:cxn>
+              <a:cxn ang="0">
+                <a:pos x="T12" y="T13"/>
+              </a:cxn>
+              <a:cxn ang="0">
+                <a:pos x="T14" y="T15"/>
+              </a:cxn>
+              <a:cxn ang="0">
+                <a:pos x="T16" y="T17"/>
+              </a:cxn>
+              <a:cxn ang="0">
+                <a:pos x="T18" y="T19"/>
+              </a:cxn>
+              <a:cxn ang="0">
+                <a:pos x="T20" y="T21"/>
+              </a:cxn>
+              <a:cxn ang="0">
+                <a:pos x="T22" y="T23"/>
+              </a:cxn>
+              <a:cxn ang="0">
+                <a:pos x="T24" y="T25"/>
+              </a:cxn>
+              <a:cxn ang="0">
+                <a:pos x="T26" y="T27"/>
+              </a:cxn>
+              <a:cxn ang="0">
+                <a:pos x="T28" y="T29"/>
+              </a:cxn>
+              <a:cxn ang="0">
+                <a:pos x="T30" y="T31"/>
+              </a:cxn>
+              <a:cxn ang="0">
+                <a:pos x="T32" y="T33"/>
+              </a:cxn>
+              <a:cxn ang="0">
+                <a:pos x="T34" y="T35"/>
+              </a:cxn>
+              <a:cxn ang="0">
+                <a:pos x="T36" y="T37"/>
+              </a:cxn>
+              <a:cxn ang="0">
+                <a:pos x="T38" y="T39"/>
+              </a:cxn>
+              <a:cxn ang="0">
+                <a:pos x="T40" y="T41"/>
+              </a:cxn>
+              <a:cxn ang="0">
+                <a:pos x="T42" y="T43"/>
+              </a:cxn>
+              <a:cxn ang="0">
+                <a:pos x="T44" y="T45"/>
+              </a:cxn>
+              <a:cxn ang="0">
+                <a:pos x="T46" y="T47"/>
+              </a:cxn>
+              <a:cxn ang="0">
+                <a:pos x="T48" y="T49"/>
+              </a:cxn>
+              <a:cxn ang="0">
+                <a:pos x="T50" y="T51"/>
+              </a:cxn>
+              <a:cxn ang="0">
+                <a:pos x="T52" y="T53"/>
+              </a:cxn>
+              <a:cxn ang="0">
+                <a:pos x="T54" y="T55"/>
+              </a:cxn>
+              <a:cxn ang="0">
+                <a:pos x="T56" y="T57"/>
+              </a:cxn>
+              <a:cxn ang="0">
+                <a:pos x="T58" y="T59"/>
+              </a:cxn>
+              <a:cxn ang="0">
+                <a:pos x="T60" y="T61"/>
+              </a:cxn>
+              <a:cxn ang="0">
+                <a:pos x="T62" y="T63"/>
+              </a:cxn>
+              <a:cxn ang="0">
+                <a:pos x="T64" y="T65"/>
+              </a:cxn>
+              <a:cxn ang="0">
+                <a:pos x="T66" y="T67"/>
+              </a:cxn>
+              <a:cxn ang="0">
+                <a:pos x="T68" y="T69"/>
+              </a:cxn>
+              <a:cxn ang="0">
+                <a:pos x="T70" y="T71"/>
+              </a:cxn>
+              <a:cxn ang="0">
+                <a:pos x="T72" y="T73"/>
+              </a:cxn>
+              <a:cxn ang="0">
+                <a:pos x="T74" y="T75"/>
+              </a:cxn>
+              <a:cxn ang="0">
+                <a:pos x="T76" y="T77"/>
+              </a:cxn>
+              <a:cxn ang="0">
+                <a:pos x="T78" y="T79"/>
+              </a:cxn>
+              <a:cxn ang="0">
+                <a:pos x="T80" y="T81"/>
+              </a:cxn>
+              <a:cxn ang="0">
+                <a:pos x="T82" y="T83"/>
+              </a:cxn>
+              <a:cxn ang="0">
+                <a:pos x="T84" y="T85"/>
+              </a:cxn>
+              <a:cxn ang="0">
+                <a:pos x="T86" y="T87"/>
+              </a:cxn>
+              <a:cxn ang="0">
+                <a:pos x="T88" y="T89"/>
+              </a:cxn>
+              <a:cxn ang="0">
+                <a:pos x="T90" y="T91"/>
+              </a:cxn>
+              <a:cxn ang="0">
+                <a:pos x="T92" y="T93"/>
+              </a:cxn>
+              <a:cxn ang="0">
+                <a:pos x="T94" y="T95"/>
+              </a:cxn>
+              <a:cxn ang="0">
+                <a:pos x="T96" y="T97"/>
+              </a:cxn>
+              <a:cxn ang="0">
+                <a:pos x="T98" y="T99"/>
+              </a:cxn>
+              <a:cxn ang="0">
+                <a:pos x="T100" y="T101"/>
+              </a:cxn>
+              <a:cxn ang="0">
+                <a:pos x="T102" y="T103"/>
+              </a:cxn>
+              <a:cxn ang="0">
+                <a:pos x="T104" y="T105"/>
+              </a:cxn>
+              <a:cxn ang="0">
+                <a:pos x="T106" y="T107"/>
+              </a:cxn>
+              <a:cxn ang="0">
+                <a:pos x="T108" y="T109"/>
+              </a:cxn>
+              <a:cxn ang="0">
+                <a:pos x="T110" y="T111"/>
+              </a:cxn>
+              <a:cxn ang="0">
+                <a:pos x="T112" y="T113"/>
+              </a:cxn>
+            </a:cxnLst>
+            <a:rect l="0" t="0" r="r" b="b"/>
+            <a:pathLst>
+              <a:path w="288" h="288">
+                <a:moveTo>
+                  <a:pt x="282" y="288"/>
+                </a:moveTo>
+                <a:cubicBezTo>
+                  <a:pt x="6" y="288"/>
+                  <a:pt x="6" y="288"/>
+                  <a:pt x="6" y="288"/>
+                </a:cubicBezTo>
+                <a:cubicBezTo>
+                  <a:pt x="2" y="288"/>
+                  <a:pt x="0" y="285"/>
+                  <a:pt x="0" y="282"/>
+                </a:cubicBezTo>
+                <a:cubicBezTo>
+                  <a:pt x="0" y="281"/>
+                  <a:pt x="0" y="256"/>
+                  <a:pt x="12" y="231"/>
+                </a:cubicBezTo>
+                <a:cubicBezTo>
+                  <a:pt x="21" y="213"/>
+                  <a:pt x="51" y="202"/>
+                  <a:pt x="93" y="187"/>
+                </a:cubicBezTo>
+                <a:cubicBezTo>
+                  <a:pt x="98" y="185"/>
+                  <a:pt x="103" y="183"/>
+                  <a:pt x="108" y="181"/>
+                </a:cubicBezTo>
+                <a:cubicBezTo>
+                  <a:pt x="108" y="152"/>
+                  <a:pt x="108" y="152"/>
+                  <a:pt x="108" y="152"/>
+                </a:cubicBezTo>
+                <a:cubicBezTo>
+                  <a:pt x="102" y="148"/>
+                  <a:pt x="91" y="136"/>
+                  <a:pt x="90" y="117"/>
+                </a:cubicBezTo>
+                <a:cubicBezTo>
+                  <a:pt x="87" y="115"/>
+                  <a:pt x="85" y="111"/>
+                  <a:pt x="84" y="106"/>
+                </a:cubicBezTo>
+                <a:cubicBezTo>
+                  <a:pt x="82" y="97"/>
+                  <a:pt x="83" y="87"/>
+                  <a:pt x="89" y="81"/>
+                </a:cubicBezTo>
+                <a:cubicBezTo>
+                  <a:pt x="89" y="80"/>
+                  <a:pt x="88" y="80"/>
+                  <a:pt x="88" y="79"/>
+                </a:cubicBezTo>
+                <a:cubicBezTo>
+                  <a:pt x="84" y="65"/>
+                  <a:pt x="77" y="40"/>
+                  <a:pt x="87" y="26"/>
+                </a:cubicBezTo>
+                <a:cubicBezTo>
+                  <a:pt x="91" y="21"/>
+                  <a:pt x="96" y="18"/>
+                  <a:pt x="104" y="18"/>
+                </a:cubicBezTo>
+                <a:cubicBezTo>
+                  <a:pt x="111" y="4"/>
+                  <a:pt x="135" y="0"/>
+                  <a:pt x="155" y="0"/>
+                </a:cubicBezTo>
+                <a:cubicBezTo>
+                  <a:pt x="178" y="1"/>
+                  <a:pt x="206" y="8"/>
+                  <a:pt x="210" y="28"/>
+                </a:cubicBezTo>
+                <a:cubicBezTo>
+                  <a:pt x="213" y="45"/>
+                  <a:pt x="204" y="67"/>
+                  <a:pt x="200" y="78"/>
+                </a:cubicBezTo>
+                <a:cubicBezTo>
+                  <a:pt x="199" y="79"/>
+                  <a:pt x="199" y="80"/>
+                  <a:pt x="199" y="81"/>
+                </a:cubicBezTo>
+                <a:cubicBezTo>
+                  <a:pt x="205" y="87"/>
+                  <a:pt x="206" y="97"/>
+                  <a:pt x="204" y="106"/>
+                </a:cubicBezTo>
+                <a:cubicBezTo>
+                  <a:pt x="202" y="111"/>
+                  <a:pt x="200" y="115"/>
+                  <a:pt x="198" y="117"/>
+                </a:cubicBezTo>
+                <a:cubicBezTo>
+                  <a:pt x="196" y="136"/>
+                  <a:pt x="185" y="148"/>
+                  <a:pt x="180" y="152"/>
+                </a:cubicBezTo>
+                <a:cubicBezTo>
+                  <a:pt x="180" y="181"/>
+                  <a:pt x="180" y="181"/>
+                  <a:pt x="180" y="181"/>
+                </a:cubicBezTo>
+                <a:cubicBezTo>
+                  <a:pt x="185" y="183"/>
+                  <a:pt x="190" y="185"/>
+                  <a:pt x="194" y="187"/>
+                </a:cubicBezTo>
+                <a:cubicBezTo>
+                  <a:pt x="236" y="202"/>
+                  <a:pt x="266" y="213"/>
+                  <a:pt x="275" y="231"/>
+                </a:cubicBezTo>
+                <a:cubicBezTo>
+                  <a:pt x="287" y="256"/>
+                  <a:pt x="288" y="281"/>
+                  <a:pt x="288" y="282"/>
+                </a:cubicBezTo>
+                <a:cubicBezTo>
+                  <a:pt x="288" y="285"/>
+                  <a:pt x="285" y="288"/>
+                  <a:pt x="282" y="288"/>
+                </a:cubicBezTo>
+                <a:close/>
+                <a:moveTo>
+                  <a:pt x="12" y="276"/>
+                </a:moveTo>
+                <a:cubicBezTo>
+                  <a:pt x="275" y="276"/>
+                  <a:pt x="275" y="276"/>
+                  <a:pt x="275" y="276"/>
+                </a:cubicBezTo>
+                <a:cubicBezTo>
+                  <a:pt x="274" y="268"/>
+                  <a:pt x="272" y="252"/>
+                  <a:pt x="264" y="236"/>
+                </a:cubicBezTo>
+                <a:cubicBezTo>
+                  <a:pt x="258" y="223"/>
+                  <a:pt x="226" y="211"/>
+                  <a:pt x="190" y="198"/>
+                </a:cubicBezTo>
+                <a:cubicBezTo>
+                  <a:pt x="184" y="196"/>
+                  <a:pt x="178" y="193"/>
+                  <a:pt x="172" y="191"/>
+                </a:cubicBezTo>
+                <a:cubicBezTo>
+                  <a:pt x="169" y="190"/>
+                  <a:pt x="168" y="188"/>
+                  <a:pt x="168" y="185"/>
+                </a:cubicBezTo>
+                <a:cubicBezTo>
+                  <a:pt x="168" y="149"/>
+                  <a:pt x="168" y="149"/>
+                  <a:pt x="168" y="149"/>
+                </a:cubicBezTo>
+                <a:cubicBezTo>
+                  <a:pt x="168" y="147"/>
+                  <a:pt x="169" y="145"/>
+                  <a:pt x="170" y="144"/>
+                </a:cubicBezTo>
+                <a:cubicBezTo>
+                  <a:pt x="171" y="144"/>
+                  <a:pt x="186" y="134"/>
+                  <a:pt x="186" y="113"/>
+                </a:cubicBezTo>
+                <a:cubicBezTo>
+                  <a:pt x="186" y="111"/>
+                  <a:pt x="188" y="108"/>
+                  <a:pt x="190" y="108"/>
+                </a:cubicBezTo>
+                <a:cubicBezTo>
+                  <a:pt x="191" y="106"/>
+                  <a:pt x="193" y="100"/>
+                  <a:pt x="192" y="95"/>
+                </a:cubicBezTo>
+                <a:cubicBezTo>
+                  <a:pt x="192" y="92"/>
+                  <a:pt x="191" y="90"/>
+                  <a:pt x="189" y="89"/>
+                </a:cubicBezTo>
+                <a:cubicBezTo>
+                  <a:pt x="187" y="88"/>
+                  <a:pt x="186" y="86"/>
+                  <a:pt x="186" y="83"/>
+                </a:cubicBezTo>
+                <a:cubicBezTo>
+                  <a:pt x="186" y="81"/>
+                  <a:pt x="187" y="79"/>
+                  <a:pt x="189" y="74"/>
+                </a:cubicBezTo>
+                <a:cubicBezTo>
+                  <a:pt x="193" y="63"/>
+                  <a:pt x="200" y="44"/>
+                  <a:pt x="198" y="31"/>
+                </a:cubicBezTo>
+                <a:cubicBezTo>
+                  <a:pt x="196" y="20"/>
+                  <a:pt x="178" y="13"/>
+                  <a:pt x="154" y="12"/>
+                </a:cubicBezTo>
+                <a:cubicBezTo>
+                  <a:pt x="131" y="11"/>
+                  <a:pt x="115" y="18"/>
+                  <a:pt x="113" y="25"/>
+                </a:cubicBezTo>
+                <a:cubicBezTo>
+                  <a:pt x="113" y="27"/>
+                  <a:pt x="110" y="29"/>
+                  <a:pt x="108" y="29"/>
+                </a:cubicBezTo>
+                <a:cubicBezTo>
+                  <a:pt x="102" y="29"/>
+                  <a:pt x="99" y="31"/>
+                  <a:pt x="97" y="34"/>
+                </a:cubicBezTo>
+                <a:cubicBezTo>
+                  <a:pt x="90" y="43"/>
+                  <a:pt x="97" y="66"/>
+                  <a:pt x="100" y="75"/>
+                </a:cubicBezTo>
+                <a:cubicBezTo>
+                  <a:pt x="101" y="80"/>
+                  <a:pt x="102" y="82"/>
+                  <a:pt x="102" y="83"/>
+                </a:cubicBezTo>
+                <a:cubicBezTo>
+                  <a:pt x="102" y="86"/>
+                  <a:pt x="100" y="88"/>
+                  <a:pt x="98" y="89"/>
+                </a:cubicBezTo>
+                <a:cubicBezTo>
+                  <a:pt x="96" y="90"/>
+                  <a:pt x="95" y="92"/>
+                  <a:pt x="95" y="95"/>
+                </a:cubicBezTo>
+                <a:cubicBezTo>
+                  <a:pt x="94" y="100"/>
+                  <a:pt x="96" y="106"/>
+                  <a:pt x="97" y="108"/>
+                </a:cubicBezTo>
+                <a:cubicBezTo>
+                  <a:pt x="100" y="108"/>
+                  <a:pt x="102" y="111"/>
+                  <a:pt x="102" y="113"/>
+                </a:cubicBezTo>
+                <a:cubicBezTo>
+                  <a:pt x="102" y="134"/>
+                  <a:pt x="117" y="144"/>
+                  <a:pt x="117" y="144"/>
+                </a:cubicBezTo>
+                <a:cubicBezTo>
+                  <a:pt x="119" y="145"/>
+                  <a:pt x="120" y="147"/>
+                  <a:pt x="120" y="149"/>
+                </a:cubicBezTo>
+                <a:cubicBezTo>
+                  <a:pt x="120" y="185"/>
+                  <a:pt x="120" y="185"/>
+                  <a:pt x="120" y="185"/>
+                </a:cubicBezTo>
+                <a:cubicBezTo>
+                  <a:pt x="120" y="188"/>
+                  <a:pt x="118" y="190"/>
+                  <a:pt x="116" y="191"/>
+                </a:cubicBezTo>
+                <a:cubicBezTo>
+                  <a:pt x="109" y="193"/>
+                  <a:pt x="103" y="196"/>
+                  <a:pt x="97" y="198"/>
+                </a:cubicBezTo>
+                <a:cubicBezTo>
+                  <a:pt x="61" y="211"/>
+                  <a:pt x="30" y="223"/>
+                  <a:pt x="23" y="236"/>
+                </a:cubicBezTo>
+                <a:cubicBezTo>
+                  <a:pt x="15" y="252"/>
+                  <a:pt x="13" y="268"/>
+                  <a:pt x="12" y="276"/>
+                </a:cubicBezTo>
+                <a:close/>
+              </a:path>
+            </a:pathLst>
+          </a:custGeom>
+          <a:solidFill>
+            <a:schemeClr val="tx2"/>
+          </a:solidFill>
+          <a:ln>
+            <a:noFill/>
+          </a:ln>
+        </p:spPr>
+        <p:txBody>
+          <a:bodyPr vert="horz" wrap="square" lIns="91440" tIns="45720" rIns="91440" bIns="45720" numCol="1" anchor="t" anchorCtr="0" compatLnSpc="1">
+            <a:prstTxWarp prst="textNoShape">
+              <a:avLst/>
+            </a:prstTxWarp>
+          </a:bodyPr>
+          <a:lstStyle/>
+          <a:p>
+            <a:endParaRPr lang="en-US" dirty="0">
+              <a:latin typeface="+mn-lt"/>
+            </a:endParaRPr>
+          </a:p>
+        </p:txBody>
+      </p:sp>
     </p:spTree>
     <p:extLst>
       <p:ext uri="{BB962C8B-B14F-4D97-AF65-F5344CB8AC3E}">
-        <p14:creationId xmlns:p14="http://schemas.microsoft.com/office/powerpoint/2010/main" val="2441154599"/>
+        <p14:creationId xmlns:p14="http://schemas.microsoft.com/office/powerpoint/2010/main" val="1786796278"/>
       </p:ext>
     </p:extLst>
   </p:cSld>

--- a/Sprint Cadence Diagrams.pptx
+++ b/Sprint Cadence Diagrams.pptx
@@ -17,6 +17,7 @@
     <p:sldId id="267" r:id="rId11"/>
     <p:sldId id="264" r:id="rId12"/>
     <p:sldId id="265" r:id="rId13"/>
+    <p:sldId id="268" r:id="rId14"/>
   </p:sldIdLst>
   <p:sldSz cx="12192000" cy="6858000"/>
   <p:notesSz cx="6858000" cy="9144000"/>
@@ -2784,7 +2785,7 @@
           <a:p>
             <a:fld id="{0C3A9CC2-761E-433C-A323-6D1ABF677EB6}" type="datetimeFigureOut">
               <a:rPr lang="en-US" smtClean="0"/>
-              <a:t>9/1/2020</a:t>
+              <a:t>9/2/2020</a:t>
             </a:fld>
             <a:endParaRPr lang="en-US"/>
           </a:p>
@@ -2982,7 +2983,7 @@
           <a:p>
             <a:fld id="{0C3A9CC2-761E-433C-A323-6D1ABF677EB6}" type="datetimeFigureOut">
               <a:rPr lang="en-US" smtClean="0"/>
-              <a:t>9/1/2020</a:t>
+              <a:t>9/2/2020</a:t>
             </a:fld>
             <a:endParaRPr lang="en-US"/>
           </a:p>
@@ -3190,7 +3191,7 @@
           <a:p>
             <a:fld id="{0C3A9CC2-761E-433C-A323-6D1ABF677EB6}" type="datetimeFigureOut">
               <a:rPr lang="en-US" smtClean="0"/>
-              <a:t>9/1/2020</a:t>
+              <a:t>9/2/2020</a:t>
             </a:fld>
             <a:endParaRPr lang="en-US"/>
           </a:p>
@@ -3388,7 +3389,7 @@
           <a:p>
             <a:fld id="{0C3A9CC2-761E-433C-A323-6D1ABF677EB6}" type="datetimeFigureOut">
               <a:rPr lang="en-US" smtClean="0"/>
-              <a:t>9/1/2020</a:t>
+              <a:t>9/2/2020</a:t>
             </a:fld>
             <a:endParaRPr lang="en-US"/>
           </a:p>
@@ -3663,7 +3664,7 @@
           <a:p>
             <a:fld id="{0C3A9CC2-761E-433C-A323-6D1ABF677EB6}" type="datetimeFigureOut">
               <a:rPr lang="en-US" smtClean="0"/>
-              <a:t>9/1/2020</a:t>
+              <a:t>9/2/2020</a:t>
             </a:fld>
             <a:endParaRPr lang="en-US"/>
           </a:p>
@@ -3928,7 +3929,7 @@
           <a:p>
             <a:fld id="{0C3A9CC2-761E-433C-A323-6D1ABF677EB6}" type="datetimeFigureOut">
               <a:rPr lang="en-US" smtClean="0"/>
-              <a:t>9/1/2020</a:t>
+              <a:t>9/2/2020</a:t>
             </a:fld>
             <a:endParaRPr lang="en-US"/>
           </a:p>
@@ -4340,7 +4341,7 @@
           <a:p>
             <a:fld id="{0C3A9CC2-761E-433C-A323-6D1ABF677EB6}" type="datetimeFigureOut">
               <a:rPr lang="en-US" smtClean="0"/>
-              <a:t>9/1/2020</a:t>
+              <a:t>9/2/2020</a:t>
             </a:fld>
             <a:endParaRPr lang="en-US"/>
           </a:p>
@@ -4481,7 +4482,7 @@
           <a:p>
             <a:fld id="{0C3A9CC2-761E-433C-A323-6D1ABF677EB6}" type="datetimeFigureOut">
               <a:rPr lang="en-US" smtClean="0"/>
-              <a:t>9/1/2020</a:t>
+              <a:t>9/2/2020</a:t>
             </a:fld>
             <a:endParaRPr lang="en-US"/>
           </a:p>
@@ -4594,7 +4595,7 @@
           <a:p>
             <a:fld id="{0C3A9CC2-761E-433C-A323-6D1ABF677EB6}" type="datetimeFigureOut">
               <a:rPr lang="en-US" smtClean="0"/>
-              <a:t>9/1/2020</a:t>
+              <a:t>9/2/2020</a:t>
             </a:fld>
             <a:endParaRPr lang="en-US"/>
           </a:p>
@@ -4905,7 +4906,7 @@
           <a:p>
             <a:fld id="{0C3A9CC2-761E-433C-A323-6D1ABF677EB6}" type="datetimeFigureOut">
               <a:rPr lang="en-US" smtClean="0"/>
-              <a:t>9/1/2020</a:t>
+              <a:t>9/2/2020</a:t>
             </a:fld>
             <a:endParaRPr lang="en-US"/>
           </a:p>
@@ -5193,7 +5194,7 @@
           <a:p>
             <a:fld id="{0C3A9CC2-761E-433C-A323-6D1ABF677EB6}" type="datetimeFigureOut">
               <a:rPr lang="en-US" smtClean="0"/>
-              <a:t>9/1/2020</a:t>
+              <a:t>9/2/2020</a:t>
             </a:fld>
             <a:endParaRPr lang="en-US"/>
           </a:p>
@@ -5434,7 +5435,7 @@
           <a:p>
             <a:fld id="{0C3A9CC2-761E-433C-A323-6D1ABF677EB6}" type="datetimeFigureOut">
               <a:rPr lang="en-US" smtClean="0"/>
-              <a:t>9/1/2020</a:t>
+              <a:t>9/2/2020</a:t>
             </a:fld>
             <a:endParaRPr lang="en-US"/>
           </a:p>
@@ -7589,6 +7590,36 @@
     <p:extLst>
       <p:ext uri="{BB962C8B-B14F-4D97-AF65-F5344CB8AC3E}">
         <p14:creationId xmlns:p14="http://schemas.microsoft.com/office/powerpoint/2010/main" val="550022243"/>
+      </p:ext>
+    </p:extLst>
+  </p:cSld>
+  <p:clrMapOvr>
+    <a:masterClrMapping/>
+  </p:clrMapOvr>
+</p:sld>
+</file>
+
+<file path=ppt/slides/slide13.xml><?xml version="1.0" encoding="utf-8"?>
+<p:sld xmlns:a="http://schemas.openxmlformats.org/drawingml/2006/main" xmlns:r="http://schemas.openxmlformats.org/officeDocument/2006/relationships" xmlns:p="http://schemas.openxmlformats.org/presentationml/2006/main">
+  <p:cSld>
+    <p:spTree>
+      <p:nvGrpSpPr>
+        <p:cNvPr id="1" name=""/>
+        <p:cNvGrpSpPr/>
+        <p:nvPr/>
+      </p:nvGrpSpPr>
+      <p:grpSpPr>
+        <a:xfrm>
+          <a:off x="0" y="0"/>
+          <a:ext cx="0" cy="0"/>
+          <a:chOff x="0" y="0"/>
+          <a:chExt cx="0" cy="0"/>
+        </a:xfrm>
+      </p:grpSpPr>
+    </p:spTree>
+    <p:extLst>
+      <p:ext uri="{BB962C8B-B14F-4D97-AF65-F5344CB8AC3E}">
+        <p14:creationId xmlns:p14="http://schemas.microsoft.com/office/powerpoint/2010/main" val="2832321994"/>
       </p:ext>
     </p:extLst>
   </p:cSld>

--- a/Sprint Cadence Diagrams.pptx
+++ b/Sprint Cadence Diagrams.pptx
@@ -2785,7 +2785,7 @@
           <a:p>
             <a:fld id="{0C3A9CC2-761E-433C-A323-6D1ABF677EB6}" type="datetimeFigureOut">
               <a:rPr lang="en-US" smtClean="0"/>
-              <a:t>9/2/2020</a:t>
+              <a:t>9/4/2020</a:t>
             </a:fld>
             <a:endParaRPr lang="en-US"/>
           </a:p>
@@ -2983,7 +2983,7 @@
           <a:p>
             <a:fld id="{0C3A9CC2-761E-433C-A323-6D1ABF677EB6}" type="datetimeFigureOut">
               <a:rPr lang="en-US" smtClean="0"/>
-              <a:t>9/2/2020</a:t>
+              <a:t>9/4/2020</a:t>
             </a:fld>
             <a:endParaRPr lang="en-US"/>
           </a:p>
@@ -3191,7 +3191,7 @@
           <a:p>
             <a:fld id="{0C3A9CC2-761E-433C-A323-6D1ABF677EB6}" type="datetimeFigureOut">
               <a:rPr lang="en-US" smtClean="0"/>
-              <a:t>9/2/2020</a:t>
+              <a:t>9/4/2020</a:t>
             </a:fld>
             <a:endParaRPr lang="en-US"/>
           </a:p>
@@ -3389,7 +3389,7 @@
           <a:p>
             <a:fld id="{0C3A9CC2-761E-433C-A323-6D1ABF677EB6}" type="datetimeFigureOut">
               <a:rPr lang="en-US" smtClean="0"/>
-              <a:t>9/2/2020</a:t>
+              <a:t>9/4/2020</a:t>
             </a:fld>
             <a:endParaRPr lang="en-US"/>
           </a:p>
@@ -3664,7 +3664,7 @@
           <a:p>
             <a:fld id="{0C3A9CC2-761E-433C-A323-6D1ABF677EB6}" type="datetimeFigureOut">
               <a:rPr lang="en-US" smtClean="0"/>
-              <a:t>9/2/2020</a:t>
+              <a:t>9/4/2020</a:t>
             </a:fld>
             <a:endParaRPr lang="en-US"/>
           </a:p>
@@ -3929,7 +3929,7 @@
           <a:p>
             <a:fld id="{0C3A9CC2-761E-433C-A323-6D1ABF677EB6}" type="datetimeFigureOut">
               <a:rPr lang="en-US" smtClean="0"/>
-              <a:t>9/2/2020</a:t>
+              <a:t>9/4/2020</a:t>
             </a:fld>
             <a:endParaRPr lang="en-US"/>
           </a:p>
@@ -4341,7 +4341,7 @@
           <a:p>
             <a:fld id="{0C3A9CC2-761E-433C-A323-6D1ABF677EB6}" type="datetimeFigureOut">
               <a:rPr lang="en-US" smtClean="0"/>
-              <a:t>9/2/2020</a:t>
+              <a:t>9/4/2020</a:t>
             </a:fld>
             <a:endParaRPr lang="en-US"/>
           </a:p>
@@ -4482,7 +4482,7 @@
           <a:p>
             <a:fld id="{0C3A9CC2-761E-433C-A323-6D1ABF677EB6}" type="datetimeFigureOut">
               <a:rPr lang="en-US" smtClean="0"/>
-              <a:t>9/2/2020</a:t>
+              <a:t>9/4/2020</a:t>
             </a:fld>
             <a:endParaRPr lang="en-US"/>
           </a:p>
@@ -4595,7 +4595,7 @@
           <a:p>
             <a:fld id="{0C3A9CC2-761E-433C-A323-6D1ABF677EB6}" type="datetimeFigureOut">
               <a:rPr lang="en-US" smtClean="0"/>
-              <a:t>9/2/2020</a:t>
+              <a:t>9/4/2020</a:t>
             </a:fld>
             <a:endParaRPr lang="en-US"/>
           </a:p>
@@ -4906,7 +4906,7 @@
           <a:p>
             <a:fld id="{0C3A9CC2-761E-433C-A323-6D1ABF677EB6}" type="datetimeFigureOut">
               <a:rPr lang="en-US" smtClean="0"/>
-              <a:t>9/2/2020</a:t>
+              <a:t>9/4/2020</a:t>
             </a:fld>
             <a:endParaRPr lang="en-US"/>
           </a:p>
@@ -5194,7 +5194,7 @@
           <a:p>
             <a:fld id="{0C3A9CC2-761E-433C-A323-6D1ABF677EB6}" type="datetimeFigureOut">
               <a:rPr lang="en-US" smtClean="0"/>
-              <a:t>9/2/2020</a:t>
+              <a:t>9/4/2020</a:t>
             </a:fld>
             <a:endParaRPr lang="en-US"/>
           </a:p>
@@ -5435,7 +5435,7 @@
           <a:p>
             <a:fld id="{0C3A9CC2-761E-433C-A323-6D1ABF677EB6}" type="datetimeFigureOut">
               <a:rPr lang="en-US" smtClean="0"/>
-              <a:t>9/2/2020</a:t>
+              <a:t>9/4/2020</a:t>
             </a:fld>
             <a:endParaRPr lang="en-US"/>
           </a:p>
@@ -7616,6 +7616,1909 @@
           <a:chExt cx="0" cy="0"/>
         </a:xfrm>
       </p:grpSpPr>
+      <p:sp>
+        <p:nvSpPr>
+          <p:cNvPr id="2" name="Rectangle 1">
+            <a:extLst>
+              <a:ext uri="{FF2B5EF4-FFF2-40B4-BE49-F238E27FC236}">
+                <a16:creationId xmlns:a16="http://schemas.microsoft.com/office/drawing/2014/main" id="{B241E9B1-6DAA-4A4E-9E6E-6163753589D2}"/>
+              </a:ext>
+            </a:extLst>
+          </p:cNvPr>
+          <p:cNvSpPr/>
+          <p:nvPr/>
+        </p:nvSpPr>
+        <p:spPr>
+          <a:xfrm>
+            <a:off x="230660" y="1120346"/>
+            <a:ext cx="3270422" cy="2026508"/>
+          </a:xfrm>
+          <a:prstGeom prst="rect">
+            <a:avLst/>
+          </a:prstGeom>
+        </p:spPr>
+        <p:style>
+          <a:lnRef idx="2">
+            <a:schemeClr val="accent1"/>
+          </a:lnRef>
+          <a:fillRef idx="1">
+            <a:schemeClr val="lt1"/>
+          </a:fillRef>
+          <a:effectRef idx="0">
+            <a:schemeClr val="accent1"/>
+          </a:effectRef>
+          <a:fontRef idx="minor">
+            <a:schemeClr val="dk1"/>
+          </a:fontRef>
+        </p:style>
+        <p:txBody>
+          <a:bodyPr rtlCol="0" anchor="ctr"/>
+          <a:lstStyle/>
+          <a:p>
+            <a:pPr algn="ctr"/>
+            <a:endParaRPr lang="en-US" dirty="0"/>
+          </a:p>
+        </p:txBody>
+      </p:sp>
+      <p:sp>
+        <p:nvSpPr>
+          <p:cNvPr id="4" name="Rectangle 3">
+            <a:extLst>
+              <a:ext uri="{FF2B5EF4-FFF2-40B4-BE49-F238E27FC236}">
+                <a16:creationId xmlns:a16="http://schemas.microsoft.com/office/drawing/2014/main" id="{43FB152F-CEFE-44FA-8CB8-C809F897D8E6}"/>
+              </a:ext>
+            </a:extLst>
+          </p:cNvPr>
+          <p:cNvSpPr/>
+          <p:nvPr/>
+        </p:nvSpPr>
+        <p:spPr>
+          <a:xfrm>
+            <a:off x="3571104" y="1120346"/>
+            <a:ext cx="3270422" cy="2026508"/>
+          </a:xfrm>
+          <a:prstGeom prst="rect">
+            <a:avLst/>
+          </a:prstGeom>
+        </p:spPr>
+        <p:style>
+          <a:lnRef idx="2">
+            <a:schemeClr val="accent1"/>
+          </a:lnRef>
+          <a:fillRef idx="1">
+            <a:schemeClr val="lt1"/>
+          </a:fillRef>
+          <a:effectRef idx="0">
+            <a:schemeClr val="accent1"/>
+          </a:effectRef>
+          <a:fontRef idx="minor">
+            <a:schemeClr val="dk1"/>
+          </a:fontRef>
+        </p:style>
+        <p:txBody>
+          <a:bodyPr rtlCol="0" anchor="ctr"/>
+          <a:lstStyle/>
+          <a:p>
+            <a:pPr algn="ctr"/>
+            <a:endParaRPr lang="en-US"/>
+          </a:p>
+        </p:txBody>
+      </p:sp>
+      <p:sp>
+        <p:nvSpPr>
+          <p:cNvPr id="6" name="Rectangle 5">
+            <a:extLst>
+              <a:ext uri="{FF2B5EF4-FFF2-40B4-BE49-F238E27FC236}">
+                <a16:creationId xmlns:a16="http://schemas.microsoft.com/office/drawing/2014/main" id="{8336345F-DC66-49A1-B4B9-92EA0B285216}"/>
+              </a:ext>
+            </a:extLst>
+          </p:cNvPr>
+          <p:cNvSpPr/>
+          <p:nvPr/>
+        </p:nvSpPr>
+        <p:spPr>
+          <a:xfrm>
+            <a:off x="230660" y="3266303"/>
+            <a:ext cx="3270422" cy="2026508"/>
+          </a:xfrm>
+          <a:prstGeom prst="rect">
+            <a:avLst/>
+          </a:prstGeom>
+        </p:spPr>
+        <p:style>
+          <a:lnRef idx="2">
+            <a:schemeClr val="accent1"/>
+          </a:lnRef>
+          <a:fillRef idx="1">
+            <a:schemeClr val="lt1"/>
+          </a:fillRef>
+          <a:effectRef idx="0">
+            <a:schemeClr val="accent1"/>
+          </a:effectRef>
+          <a:fontRef idx="minor">
+            <a:schemeClr val="dk1"/>
+          </a:fontRef>
+        </p:style>
+        <p:txBody>
+          <a:bodyPr rtlCol="0" anchor="ctr"/>
+          <a:lstStyle/>
+          <a:p>
+            <a:pPr algn="ctr"/>
+            <a:endParaRPr lang="en-US"/>
+          </a:p>
+        </p:txBody>
+      </p:sp>
+      <p:sp>
+        <p:nvSpPr>
+          <p:cNvPr id="8" name="Rectangle 7">
+            <a:extLst>
+              <a:ext uri="{FF2B5EF4-FFF2-40B4-BE49-F238E27FC236}">
+                <a16:creationId xmlns:a16="http://schemas.microsoft.com/office/drawing/2014/main" id="{FEEDAE0A-19AC-40C1-86B3-BA2D077E34A0}"/>
+              </a:ext>
+            </a:extLst>
+          </p:cNvPr>
+          <p:cNvSpPr/>
+          <p:nvPr/>
+        </p:nvSpPr>
+        <p:spPr>
+          <a:xfrm>
+            <a:off x="3571104" y="3266303"/>
+            <a:ext cx="3270422" cy="2026508"/>
+          </a:xfrm>
+          <a:prstGeom prst="rect">
+            <a:avLst/>
+          </a:prstGeom>
+        </p:spPr>
+        <p:style>
+          <a:lnRef idx="2">
+            <a:schemeClr val="accent1"/>
+          </a:lnRef>
+          <a:fillRef idx="1">
+            <a:schemeClr val="lt1"/>
+          </a:fillRef>
+          <a:effectRef idx="0">
+            <a:schemeClr val="accent1"/>
+          </a:effectRef>
+          <a:fontRef idx="minor">
+            <a:schemeClr val="dk1"/>
+          </a:fontRef>
+        </p:style>
+        <p:txBody>
+          <a:bodyPr rtlCol="0" anchor="ctr"/>
+          <a:lstStyle/>
+          <a:p>
+            <a:pPr algn="ctr"/>
+            <a:endParaRPr lang="en-US"/>
+          </a:p>
+        </p:txBody>
+      </p:sp>
+      <p:sp>
+        <p:nvSpPr>
+          <p:cNvPr id="9" name="TextBox 8">
+            <a:extLst>
+              <a:ext uri="{FF2B5EF4-FFF2-40B4-BE49-F238E27FC236}">
+                <a16:creationId xmlns:a16="http://schemas.microsoft.com/office/drawing/2014/main" id="{AB36B1D2-3C67-4517-9C05-8377C1919861}"/>
+              </a:ext>
+            </a:extLst>
+          </p:cNvPr>
+          <p:cNvSpPr txBox="1"/>
+          <p:nvPr/>
+        </p:nvSpPr>
+        <p:spPr>
+          <a:xfrm>
+            <a:off x="230660" y="1120346"/>
+            <a:ext cx="2059459" cy="276999"/>
+          </a:xfrm>
+          <a:prstGeom prst="rect">
+            <a:avLst/>
+          </a:prstGeom>
+          <a:noFill/>
+        </p:spPr>
+        <p:txBody>
+          <a:bodyPr wrap="square" rtlCol="0">
+            <a:spAutoFit/>
+          </a:bodyPr>
+          <a:lstStyle/>
+          <a:p>
+            <a:r>
+              <a:rPr lang="en-US" sz="1200" b="1" u="sng" dirty="0"/>
+              <a:t>Working Well</a:t>
+            </a:r>
+          </a:p>
+        </p:txBody>
+      </p:sp>
+      <p:sp>
+        <p:nvSpPr>
+          <p:cNvPr id="11" name="TextBox 10">
+            <a:extLst>
+              <a:ext uri="{FF2B5EF4-FFF2-40B4-BE49-F238E27FC236}">
+                <a16:creationId xmlns:a16="http://schemas.microsoft.com/office/drawing/2014/main" id="{59F7418E-E41A-4694-AECA-EBBB5EB68EFE}"/>
+              </a:ext>
+            </a:extLst>
+          </p:cNvPr>
+          <p:cNvSpPr txBox="1"/>
+          <p:nvPr/>
+        </p:nvSpPr>
+        <p:spPr>
+          <a:xfrm>
+            <a:off x="3587578" y="1120346"/>
+            <a:ext cx="2059459" cy="276999"/>
+          </a:xfrm>
+          <a:prstGeom prst="rect">
+            <a:avLst/>
+          </a:prstGeom>
+          <a:noFill/>
+        </p:spPr>
+        <p:txBody>
+          <a:bodyPr wrap="square" rtlCol="0">
+            <a:spAutoFit/>
+          </a:bodyPr>
+          <a:lstStyle/>
+          <a:p>
+            <a:r>
+              <a:rPr lang="en-US" sz="1200" b="1" u="sng" dirty="0"/>
+              <a:t>Needs Improvement</a:t>
+            </a:r>
+          </a:p>
+        </p:txBody>
+      </p:sp>
+      <p:sp>
+        <p:nvSpPr>
+          <p:cNvPr id="13" name="TextBox 12">
+            <a:extLst>
+              <a:ext uri="{FF2B5EF4-FFF2-40B4-BE49-F238E27FC236}">
+                <a16:creationId xmlns:a16="http://schemas.microsoft.com/office/drawing/2014/main" id="{3B6A6BF8-D6EF-443F-B5CA-D164957739E7}"/>
+              </a:ext>
+            </a:extLst>
+          </p:cNvPr>
+          <p:cNvSpPr txBox="1"/>
+          <p:nvPr/>
+        </p:nvSpPr>
+        <p:spPr>
+          <a:xfrm>
+            <a:off x="230660" y="3348681"/>
+            <a:ext cx="2059459" cy="276999"/>
+          </a:xfrm>
+          <a:prstGeom prst="rect">
+            <a:avLst/>
+          </a:prstGeom>
+          <a:noFill/>
+        </p:spPr>
+        <p:txBody>
+          <a:bodyPr wrap="square" rtlCol="0">
+            <a:spAutoFit/>
+          </a:bodyPr>
+          <a:lstStyle/>
+          <a:p>
+            <a:r>
+              <a:rPr lang="en-US" sz="1200" b="1" u="sng" dirty="0"/>
+              <a:t>Ideas</a:t>
+            </a:r>
+          </a:p>
+        </p:txBody>
+      </p:sp>
+      <p:sp>
+        <p:nvSpPr>
+          <p:cNvPr id="15" name="TextBox 14">
+            <a:extLst>
+              <a:ext uri="{FF2B5EF4-FFF2-40B4-BE49-F238E27FC236}">
+                <a16:creationId xmlns:a16="http://schemas.microsoft.com/office/drawing/2014/main" id="{379A2151-2722-4AD3-AC2F-F038113092C8}"/>
+              </a:ext>
+            </a:extLst>
+          </p:cNvPr>
+          <p:cNvSpPr txBox="1"/>
+          <p:nvPr/>
+        </p:nvSpPr>
+        <p:spPr>
+          <a:xfrm>
+            <a:off x="3637006" y="3348680"/>
+            <a:ext cx="2059459" cy="276999"/>
+          </a:xfrm>
+          <a:prstGeom prst="rect">
+            <a:avLst/>
+          </a:prstGeom>
+          <a:noFill/>
+        </p:spPr>
+        <p:txBody>
+          <a:bodyPr wrap="square" rtlCol="0">
+            <a:spAutoFit/>
+          </a:bodyPr>
+          <a:lstStyle/>
+          <a:p>
+            <a:r>
+              <a:rPr lang="en-US" sz="1200" b="1" u="sng" dirty="0"/>
+              <a:t>Actions</a:t>
+            </a:r>
+          </a:p>
+        </p:txBody>
+      </p:sp>
+      <p:sp>
+        <p:nvSpPr>
+          <p:cNvPr id="16" name="Rectangle 15">
+            <a:extLst>
+              <a:ext uri="{FF2B5EF4-FFF2-40B4-BE49-F238E27FC236}">
+                <a16:creationId xmlns:a16="http://schemas.microsoft.com/office/drawing/2014/main" id="{4EE75195-3C8B-42AB-8720-84AC68518C0C}"/>
+              </a:ext>
+            </a:extLst>
+          </p:cNvPr>
+          <p:cNvSpPr/>
+          <p:nvPr/>
+        </p:nvSpPr>
+        <p:spPr>
+          <a:xfrm>
+            <a:off x="914400" y="584885"/>
+            <a:ext cx="5025082" cy="362465"/>
+          </a:xfrm>
+          <a:prstGeom prst="rect">
+            <a:avLst/>
+          </a:prstGeom>
+        </p:spPr>
+        <p:style>
+          <a:lnRef idx="2">
+            <a:schemeClr val="accent1">
+              <a:shade val="50000"/>
+            </a:schemeClr>
+          </a:lnRef>
+          <a:fillRef idx="1">
+            <a:schemeClr val="accent1"/>
+          </a:fillRef>
+          <a:effectRef idx="0">
+            <a:schemeClr val="accent1"/>
+          </a:effectRef>
+          <a:fontRef idx="minor">
+            <a:schemeClr val="lt1"/>
+          </a:fontRef>
+        </p:style>
+        <p:txBody>
+          <a:bodyPr rtlCol="0" anchor="ctr"/>
+          <a:lstStyle/>
+          <a:p>
+            <a:pPr algn="ctr"/>
+            <a:r>
+              <a:rPr lang="en-US" dirty="0"/>
+              <a:t>Simple Retrospective Board</a:t>
+            </a:r>
+          </a:p>
+        </p:txBody>
+      </p:sp>
+      <p:sp>
+        <p:nvSpPr>
+          <p:cNvPr id="17" name="Flowchart: Document 16">
+            <a:extLst>
+              <a:ext uri="{FF2B5EF4-FFF2-40B4-BE49-F238E27FC236}">
+                <a16:creationId xmlns:a16="http://schemas.microsoft.com/office/drawing/2014/main" id="{22A2FCA3-9006-4885-B9F0-D4A6937DE86D}"/>
+              </a:ext>
+            </a:extLst>
+          </p:cNvPr>
+          <p:cNvSpPr/>
+          <p:nvPr/>
+        </p:nvSpPr>
+        <p:spPr>
+          <a:xfrm>
+            <a:off x="741406" y="1729946"/>
+            <a:ext cx="494270" cy="362465"/>
+          </a:xfrm>
+          <a:prstGeom prst="flowChartDocument">
+            <a:avLst/>
+          </a:prstGeom>
+          <a:solidFill>
+            <a:schemeClr val="accent4">
+              <a:alpha val="50000"/>
+            </a:schemeClr>
+          </a:solidFill>
+          <a:ln>
+            <a:noFill/>
+          </a:ln>
+        </p:spPr>
+        <p:style>
+          <a:lnRef idx="0">
+            <a:scrgbClr r="0" g="0" b="0"/>
+          </a:lnRef>
+          <a:fillRef idx="0">
+            <a:scrgbClr r="0" g="0" b="0"/>
+          </a:fillRef>
+          <a:effectRef idx="0">
+            <a:scrgbClr r="0" g="0" b="0"/>
+          </a:effectRef>
+          <a:fontRef idx="minor">
+            <a:schemeClr val="lt1"/>
+          </a:fontRef>
+        </p:style>
+        <p:txBody>
+          <a:bodyPr rtlCol="0" anchor="ctr"/>
+          <a:lstStyle/>
+          <a:p>
+            <a:pPr algn="ctr"/>
+            <a:endParaRPr lang="en-US"/>
+          </a:p>
+        </p:txBody>
+      </p:sp>
+      <p:sp>
+        <p:nvSpPr>
+          <p:cNvPr id="19" name="Flowchart: Document 18">
+            <a:extLst>
+              <a:ext uri="{FF2B5EF4-FFF2-40B4-BE49-F238E27FC236}">
+                <a16:creationId xmlns:a16="http://schemas.microsoft.com/office/drawing/2014/main" id="{A4021704-7FE9-4348-97F0-F2A9357D1B0D}"/>
+              </a:ext>
+            </a:extLst>
+          </p:cNvPr>
+          <p:cNvSpPr/>
+          <p:nvPr/>
+        </p:nvSpPr>
+        <p:spPr>
+          <a:xfrm>
+            <a:off x="1371601" y="1701113"/>
+            <a:ext cx="494270" cy="362465"/>
+          </a:xfrm>
+          <a:prstGeom prst="flowChartDocument">
+            <a:avLst/>
+          </a:prstGeom>
+          <a:solidFill>
+            <a:schemeClr val="accent4">
+              <a:alpha val="50000"/>
+            </a:schemeClr>
+          </a:solidFill>
+          <a:ln>
+            <a:noFill/>
+          </a:ln>
+        </p:spPr>
+        <p:style>
+          <a:lnRef idx="0">
+            <a:scrgbClr r="0" g="0" b="0"/>
+          </a:lnRef>
+          <a:fillRef idx="0">
+            <a:scrgbClr r="0" g="0" b="0"/>
+          </a:fillRef>
+          <a:effectRef idx="0">
+            <a:scrgbClr r="0" g="0" b="0"/>
+          </a:effectRef>
+          <a:fontRef idx="minor">
+            <a:schemeClr val="lt1"/>
+          </a:fontRef>
+        </p:style>
+        <p:txBody>
+          <a:bodyPr rtlCol="0" anchor="ctr"/>
+          <a:lstStyle/>
+          <a:p>
+            <a:pPr algn="ctr"/>
+            <a:endParaRPr lang="en-US"/>
+          </a:p>
+        </p:txBody>
+      </p:sp>
+      <p:sp>
+        <p:nvSpPr>
+          <p:cNvPr id="21" name="Flowchart: Document 20">
+            <a:extLst>
+              <a:ext uri="{FF2B5EF4-FFF2-40B4-BE49-F238E27FC236}">
+                <a16:creationId xmlns:a16="http://schemas.microsoft.com/office/drawing/2014/main" id="{0F8B83AB-D886-45A1-ADCD-91A184009F0B}"/>
+              </a:ext>
+            </a:extLst>
+          </p:cNvPr>
+          <p:cNvSpPr/>
+          <p:nvPr/>
+        </p:nvSpPr>
+        <p:spPr>
+          <a:xfrm>
+            <a:off x="867033" y="2211860"/>
+            <a:ext cx="494270" cy="362465"/>
+          </a:xfrm>
+          <a:prstGeom prst="flowChartDocument">
+            <a:avLst/>
+          </a:prstGeom>
+          <a:solidFill>
+            <a:schemeClr val="accent4">
+              <a:alpha val="50000"/>
+            </a:schemeClr>
+          </a:solidFill>
+          <a:ln>
+            <a:noFill/>
+          </a:ln>
+        </p:spPr>
+        <p:style>
+          <a:lnRef idx="0">
+            <a:scrgbClr r="0" g="0" b="0"/>
+          </a:lnRef>
+          <a:fillRef idx="0">
+            <a:scrgbClr r="0" g="0" b="0"/>
+          </a:fillRef>
+          <a:effectRef idx="0">
+            <a:scrgbClr r="0" g="0" b="0"/>
+          </a:effectRef>
+          <a:fontRef idx="minor">
+            <a:schemeClr val="lt1"/>
+          </a:fontRef>
+        </p:style>
+        <p:txBody>
+          <a:bodyPr rtlCol="0" anchor="ctr"/>
+          <a:lstStyle/>
+          <a:p>
+            <a:pPr algn="ctr"/>
+            <a:endParaRPr lang="en-US"/>
+          </a:p>
+        </p:txBody>
+      </p:sp>
+      <p:sp>
+        <p:nvSpPr>
+          <p:cNvPr id="23" name="Flowchart: Document 22">
+            <a:extLst>
+              <a:ext uri="{FF2B5EF4-FFF2-40B4-BE49-F238E27FC236}">
+                <a16:creationId xmlns:a16="http://schemas.microsoft.com/office/drawing/2014/main" id="{277717D5-C355-42B7-8A90-0359EB181073}"/>
+              </a:ext>
+            </a:extLst>
+          </p:cNvPr>
+          <p:cNvSpPr/>
+          <p:nvPr/>
+        </p:nvSpPr>
+        <p:spPr>
+          <a:xfrm>
+            <a:off x="2290119" y="2547553"/>
+            <a:ext cx="494270" cy="362465"/>
+          </a:xfrm>
+          <a:prstGeom prst="flowChartDocument">
+            <a:avLst/>
+          </a:prstGeom>
+          <a:solidFill>
+            <a:schemeClr val="accent4">
+              <a:alpha val="50000"/>
+            </a:schemeClr>
+          </a:solidFill>
+          <a:ln>
+            <a:noFill/>
+          </a:ln>
+        </p:spPr>
+        <p:style>
+          <a:lnRef idx="0">
+            <a:scrgbClr r="0" g="0" b="0"/>
+          </a:lnRef>
+          <a:fillRef idx="0">
+            <a:scrgbClr r="0" g="0" b="0"/>
+          </a:fillRef>
+          <a:effectRef idx="0">
+            <a:scrgbClr r="0" g="0" b="0"/>
+          </a:effectRef>
+          <a:fontRef idx="minor">
+            <a:schemeClr val="lt1"/>
+          </a:fontRef>
+        </p:style>
+        <p:txBody>
+          <a:bodyPr rtlCol="0" anchor="ctr"/>
+          <a:lstStyle/>
+          <a:p>
+            <a:pPr algn="ctr"/>
+            <a:endParaRPr lang="en-US"/>
+          </a:p>
+        </p:txBody>
+      </p:sp>
+      <p:sp>
+        <p:nvSpPr>
+          <p:cNvPr id="25" name="Flowchart: Document 24">
+            <a:extLst>
+              <a:ext uri="{FF2B5EF4-FFF2-40B4-BE49-F238E27FC236}">
+                <a16:creationId xmlns:a16="http://schemas.microsoft.com/office/drawing/2014/main" id="{70996D7C-2D19-46B9-98D0-97DA31E7E6C6}"/>
+              </a:ext>
+            </a:extLst>
+          </p:cNvPr>
+          <p:cNvSpPr/>
+          <p:nvPr/>
+        </p:nvSpPr>
+        <p:spPr>
+          <a:xfrm>
+            <a:off x="1578576" y="2160375"/>
+            <a:ext cx="494270" cy="362465"/>
+          </a:xfrm>
+          <a:prstGeom prst="flowChartDocument">
+            <a:avLst/>
+          </a:prstGeom>
+          <a:solidFill>
+            <a:schemeClr val="accent4">
+              <a:alpha val="50000"/>
+            </a:schemeClr>
+          </a:solidFill>
+          <a:ln>
+            <a:noFill/>
+          </a:ln>
+        </p:spPr>
+        <p:style>
+          <a:lnRef idx="0">
+            <a:scrgbClr r="0" g="0" b="0"/>
+          </a:lnRef>
+          <a:fillRef idx="0">
+            <a:scrgbClr r="0" g="0" b="0"/>
+          </a:fillRef>
+          <a:effectRef idx="0">
+            <a:scrgbClr r="0" g="0" b="0"/>
+          </a:effectRef>
+          <a:fontRef idx="minor">
+            <a:schemeClr val="lt1"/>
+          </a:fontRef>
+        </p:style>
+        <p:txBody>
+          <a:bodyPr rtlCol="0" anchor="ctr"/>
+          <a:lstStyle/>
+          <a:p>
+            <a:pPr algn="ctr"/>
+            <a:endParaRPr lang="en-US"/>
+          </a:p>
+        </p:txBody>
+      </p:sp>
+      <p:sp>
+        <p:nvSpPr>
+          <p:cNvPr id="27" name="Flowchart: Document 26">
+            <a:extLst>
+              <a:ext uri="{FF2B5EF4-FFF2-40B4-BE49-F238E27FC236}">
+                <a16:creationId xmlns:a16="http://schemas.microsoft.com/office/drawing/2014/main" id="{574811C5-5945-44DB-975C-2EDBD77A8E54}"/>
+              </a:ext>
+            </a:extLst>
+          </p:cNvPr>
+          <p:cNvSpPr/>
+          <p:nvPr/>
+        </p:nvSpPr>
+        <p:spPr>
+          <a:xfrm>
+            <a:off x="2189206" y="1561070"/>
+            <a:ext cx="494270" cy="362465"/>
+          </a:xfrm>
+          <a:prstGeom prst="flowChartDocument">
+            <a:avLst/>
+          </a:prstGeom>
+          <a:solidFill>
+            <a:schemeClr val="accent4">
+              <a:alpha val="50000"/>
+            </a:schemeClr>
+          </a:solidFill>
+          <a:ln>
+            <a:noFill/>
+          </a:ln>
+        </p:spPr>
+        <p:style>
+          <a:lnRef idx="0">
+            <a:scrgbClr r="0" g="0" b="0"/>
+          </a:lnRef>
+          <a:fillRef idx="0">
+            <a:scrgbClr r="0" g="0" b="0"/>
+          </a:fillRef>
+          <a:effectRef idx="0">
+            <a:scrgbClr r="0" g="0" b="0"/>
+          </a:effectRef>
+          <a:fontRef idx="minor">
+            <a:schemeClr val="lt1"/>
+          </a:fontRef>
+        </p:style>
+        <p:txBody>
+          <a:bodyPr rtlCol="0" anchor="ctr"/>
+          <a:lstStyle/>
+          <a:p>
+            <a:pPr algn="ctr"/>
+            <a:endParaRPr lang="en-US"/>
+          </a:p>
+        </p:txBody>
+      </p:sp>
+      <p:sp>
+        <p:nvSpPr>
+          <p:cNvPr id="29" name="Flowchart: Document 28">
+            <a:extLst>
+              <a:ext uri="{FF2B5EF4-FFF2-40B4-BE49-F238E27FC236}">
+                <a16:creationId xmlns:a16="http://schemas.microsoft.com/office/drawing/2014/main" id="{1317278B-72AD-456E-8A32-EC3F94D3B6E6}"/>
+              </a:ext>
+            </a:extLst>
+          </p:cNvPr>
+          <p:cNvSpPr/>
+          <p:nvPr/>
+        </p:nvSpPr>
+        <p:spPr>
+          <a:xfrm>
+            <a:off x="3678193" y="4667239"/>
+            <a:ext cx="494270" cy="362465"/>
+          </a:xfrm>
+          <a:prstGeom prst="flowChartDocument">
+            <a:avLst/>
+          </a:prstGeom>
+          <a:solidFill>
+            <a:schemeClr val="accent4">
+              <a:alpha val="50000"/>
+            </a:schemeClr>
+          </a:solidFill>
+          <a:ln>
+            <a:noFill/>
+          </a:ln>
+        </p:spPr>
+        <p:style>
+          <a:lnRef idx="0">
+            <a:scrgbClr r="0" g="0" b="0"/>
+          </a:lnRef>
+          <a:fillRef idx="0">
+            <a:scrgbClr r="0" g="0" b="0"/>
+          </a:fillRef>
+          <a:effectRef idx="0">
+            <a:scrgbClr r="0" g="0" b="0"/>
+          </a:effectRef>
+          <a:fontRef idx="minor">
+            <a:schemeClr val="lt1"/>
+          </a:fontRef>
+        </p:style>
+        <p:txBody>
+          <a:bodyPr rtlCol="0" anchor="ctr"/>
+          <a:lstStyle/>
+          <a:p>
+            <a:pPr algn="ctr"/>
+            <a:endParaRPr lang="en-US"/>
+          </a:p>
+        </p:txBody>
+      </p:sp>
+      <p:sp>
+        <p:nvSpPr>
+          <p:cNvPr id="31" name="Flowchart: Document 30">
+            <a:extLst>
+              <a:ext uri="{FF2B5EF4-FFF2-40B4-BE49-F238E27FC236}">
+                <a16:creationId xmlns:a16="http://schemas.microsoft.com/office/drawing/2014/main" id="{D6F89977-64DC-4B61-8ED1-2E3C6BBA6CF0}"/>
+              </a:ext>
+            </a:extLst>
+          </p:cNvPr>
+          <p:cNvSpPr/>
+          <p:nvPr/>
+        </p:nvSpPr>
+        <p:spPr>
+          <a:xfrm>
+            <a:off x="614749" y="3747191"/>
+            <a:ext cx="494270" cy="362465"/>
+          </a:xfrm>
+          <a:prstGeom prst="flowChartDocument">
+            <a:avLst/>
+          </a:prstGeom>
+          <a:solidFill>
+            <a:schemeClr val="accent4">
+              <a:alpha val="50000"/>
+            </a:schemeClr>
+          </a:solidFill>
+          <a:ln>
+            <a:noFill/>
+          </a:ln>
+        </p:spPr>
+        <p:style>
+          <a:lnRef idx="0">
+            <a:scrgbClr r="0" g="0" b="0"/>
+          </a:lnRef>
+          <a:fillRef idx="0">
+            <a:scrgbClr r="0" g="0" b="0"/>
+          </a:fillRef>
+          <a:effectRef idx="0">
+            <a:scrgbClr r="0" g="0" b="0"/>
+          </a:effectRef>
+          <a:fontRef idx="minor">
+            <a:schemeClr val="lt1"/>
+          </a:fontRef>
+        </p:style>
+        <p:txBody>
+          <a:bodyPr rtlCol="0" anchor="ctr"/>
+          <a:lstStyle/>
+          <a:p>
+            <a:pPr algn="ctr"/>
+            <a:endParaRPr lang="en-US"/>
+          </a:p>
+        </p:txBody>
+      </p:sp>
+      <p:sp>
+        <p:nvSpPr>
+          <p:cNvPr id="33" name="Flowchart: Document 32">
+            <a:extLst>
+              <a:ext uri="{FF2B5EF4-FFF2-40B4-BE49-F238E27FC236}">
+                <a16:creationId xmlns:a16="http://schemas.microsoft.com/office/drawing/2014/main" id="{B8E3F0CC-0075-4C83-9247-EF688B1BAC63}"/>
+              </a:ext>
+            </a:extLst>
+          </p:cNvPr>
+          <p:cNvSpPr/>
+          <p:nvPr/>
+        </p:nvSpPr>
+        <p:spPr>
+          <a:xfrm>
+            <a:off x="1472513" y="4213651"/>
+            <a:ext cx="494270" cy="362465"/>
+          </a:xfrm>
+          <a:prstGeom prst="flowChartDocument">
+            <a:avLst/>
+          </a:prstGeom>
+          <a:solidFill>
+            <a:schemeClr val="accent4">
+              <a:alpha val="50000"/>
+            </a:schemeClr>
+          </a:solidFill>
+          <a:ln>
+            <a:noFill/>
+          </a:ln>
+        </p:spPr>
+        <p:style>
+          <a:lnRef idx="0">
+            <a:scrgbClr r="0" g="0" b="0"/>
+          </a:lnRef>
+          <a:fillRef idx="0">
+            <a:scrgbClr r="0" g="0" b="0"/>
+          </a:fillRef>
+          <a:effectRef idx="0">
+            <a:scrgbClr r="0" g="0" b="0"/>
+          </a:effectRef>
+          <a:fontRef idx="minor">
+            <a:schemeClr val="lt1"/>
+          </a:fontRef>
+        </p:style>
+        <p:txBody>
+          <a:bodyPr rtlCol="0" anchor="ctr"/>
+          <a:lstStyle/>
+          <a:p>
+            <a:pPr algn="ctr"/>
+            <a:endParaRPr lang="en-US"/>
+          </a:p>
+        </p:txBody>
+      </p:sp>
+      <p:sp>
+        <p:nvSpPr>
+          <p:cNvPr id="35" name="Flowchart: Document 34">
+            <a:extLst>
+              <a:ext uri="{FF2B5EF4-FFF2-40B4-BE49-F238E27FC236}">
+                <a16:creationId xmlns:a16="http://schemas.microsoft.com/office/drawing/2014/main" id="{0590A11D-8291-4143-A98B-9D92E4A41E6C}"/>
+              </a:ext>
+            </a:extLst>
+          </p:cNvPr>
+          <p:cNvSpPr/>
+          <p:nvPr/>
+        </p:nvSpPr>
+        <p:spPr>
+          <a:xfrm>
+            <a:off x="764059" y="4396951"/>
+            <a:ext cx="494270" cy="362465"/>
+          </a:xfrm>
+          <a:prstGeom prst="flowChartDocument">
+            <a:avLst/>
+          </a:prstGeom>
+          <a:solidFill>
+            <a:schemeClr val="accent4">
+              <a:alpha val="50000"/>
+            </a:schemeClr>
+          </a:solidFill>
+          <a:ln>
+            <a:noFill/>
+          </a:ln>
+        </p:spPr>
+        <p:style>
+          <a:lnRef idx="0">
+            <a:scrgbClr r="0" g="0" b="0"/>
+          </a:lnRef>
+          <a:fillRef idx="0">
+            <a:scrgbClr r="0" g="0" b="0"/>
+          </a:fillRef>
+          <a:effectRef idx="0">
+            <a:scrgbClr r="0" g="0" b="0"/>
+          </a:effectRef>
+          <a:fontRef idx="minor">
+            <a:schemeClr val="lt1"/>
+          </a:fontRef>
+        </p:style>
+        <p:txBody>
+          <a:bodyPr rtlCol="0" anchor="ctr"/>
+          <a:lstStyle/>
+          <a:p>
+            <a:pPr algn="ctr"/>
+            <a:endParaRPr lang="en-US"/>
+          </a:p>
+        </p:txBody>
+      </p:sp>
+      <p:sp>
+        <p:nvSpPr>
+          <p:cNvPr id="37" name="Flowchart: Document 36">
+            <a:extLst>
+              <a:ext uri="{FF2B5EF4-FFF2-40B4-BE49-F238E27FC236}">
+                <a16:creationId xmlns:a16="http://schemas.microsoft.com/office/drawing/2014/main" id="{B16A0785-4D37-4FA8-B10B-9A6E371D55A2}"/>
+              </a:ext>
+            </a:extLst>
+          </p:cNvPr>
+          <p:cNvSpPr/>
+          <p:nvPr/>
+        </p:nvSpPr>
+        <p:spPr>
+          <a:xfrm>
+            <a:off x="1351005" y="3499026"/>
+            <a:ext cx="494270" cy="362465"/>
+          </a:xfrm>
+          <a:prstGeom prst="flowChartDocument">
+            <a:avLst/>
+          </a:prstGeom>
+          <a:solidFill>
+            <a:schemeClr val="accent4">
+              <a:alpha val="50000"/>
+            </a:schemeClr>
+          </a:solidFill>
+          <a:ln>
+            <a:noFill/>
+          </a:ln>
+        </p:spPr>
+        <p:style>
+          <a:lnRef idx="0">
+            <a:scrgbClr r="0" g="0" b="0"/>
+          </a:lnRef>
+          <a:fillRef idx="0">
+            <a:scrgbClr r="0" g="0" b="0"/>
+          </a:fillRef>
+          <a:effectRef idx="0">
+            <a:scrgbClr r="0" g="0" b="0"/>
+          </a:effectRef>
+          <a:fontRef idx="minor">
+            <a:schemeClr val="lt1"/>
+          </a:fontRef>
+        </p:style>
+        <p:txBody>
+          <a:bodyPr rtlCol="0" anchor="ctr"/>
+          <a:lstStyle/>
+          <a:p>
+            <a:pPr algn="ctr"/>
+            <a:endParaRPr lang="en-US"/>
+          </a:p>
+        </p:txBody>
+      </p:sp>
+      <p:sp>
+        <p:nvSpPr>
+          <p:cNvPr id="39" name="Flowchart: Document 38">
+            <a:extLst>
+              <a:ext uri="{FF2B5EF4-FFF2-40B4-BE49-F238E27FC236}">
+                <a16:creationId xmlns:a16="http://schemas.microsoft.com/office/drawing/2014/main" id="{4610DE9E-4DFC-4301-909E-0AF319975D54}"/>
+              </a:ext>
+            </a:extLst>
+          </p:cNvPr>
+          <p:cNvSpPr/>
+          <p:nvPr/>
+        </p:nvSpPr>
+        <p:spPr>
+          <a:xfrm>
+            <a:off x="2744745" y="3384726"/>
+            <a:ext cx="494270" cy="362465"/>
+          </a:xfrm>
+          <a:prstGeom prst="flowChartDocument">
+            <a:avLst/>
+          </a:prstGeom>
+          <a:solidFill>
+            <a:schemeClr val="accent4">
+              <a:alpha val="50000"/>
+            </a:schemeClr>
+          </a:solidFill>
+          <a:ln>
+            <a:noFill/>
+          </a:ln>
+        </p:spPr>
+        <p:style>
+          <a:lnRef idx="0">
+            <a:scrgbClr r="0" g="0" b="0"/>
+          </a:lnRef>
+          <a:fillRef idx="0">
+            <a:scrgbClr r="0" g="0" b="0"/>
+          </a:fillRef>
+          <a:effectRef idx="0">
+            <a:scrgbClr r="0" g="0" b="0"/>
+          </a:effectRef>
+          <a:fontRef idx="minor">
+            <a:schemeClr val="lt1"/>
+          </a:fontRef>
+        </p:style>
+        <p:txBody>
+          <a:bodyPr rtlCol="0" anchor="ctr"/>
+          <a:lstStyle/>
+          <a:p>
+            <a:pPr algn="ctr"/>
+            <a:endParaRPr lang="en-US"/>
+          </a:p>
+        </p:txBody>
+      </p:sp>
+      <p:sp>
+        <p:nvSpPr>
+          <p:cNvPr id="41" name="Flowchart: Document 40">
+            <a:extLst>
+              <a:ext uri="{FF2B5EF4-FFF2-40B4-BE49-F238E27FC236}">
+                <a16:creationId xmlns:a16="http://schemas.microsoft.com/office/drawing/2014/main" id="{F09AD3BE-9E55-4507-B50D-2828DDB52D11}"/>
+              </a:ext>
+            </a:extLst>
+          </p:cNvPr>
+          <p:cNvSpPr/>
+          <p:nvPr/>
+        </p:nvSpPr>
+        <p:spPr>
+          <a:xfrm>
+            <a:off x="2178908" y="3840376"/>
+            <a:ext cx="494270" cy="362465"/>
+          </a:xfrm>
+          <a:prstGeom prst="flowChartDocument">
+            <a:avLst/>
+          </a:prstGeom>
+          <a:solidFill>
+            <a:schemeClr val="accent4">
+              <a:alpha val="50000"/>
+            </a:schemeClr>
+          </a:solidFill>
+          <a:ln>
+            <a:noFill/>
+          </a:ln>
+        </p:spPr>
+        <p:style>
+          <a:lnRef idx="0">
+            <a:scrgbClr r="0" g="0" b="0"/>
+          </a:lnRef>
+          <a:fillRef idx="0">
+            <a:scrgbClr r="0" g="0" b="0"/>
+          </a:fillRef>
+          <a:effectRef idx="0">
+            <a:scrgbClr r="0" g="0" b="0"/>
+          </a:effectRef>
+          <a:fontRef idx="minor">
+            <a:schemeClr val="lt1"/>
+          </a:fontRef>
+        </p:style>
+        <p:txBody>
+          <a:bodyPr rtlCol="0" anchor="ctr"/>
+          <a:lstStyle/>
+          <a:p>
+            <a:pPr algn="ctr"/>
+            <a:endParaRPr lang="en-US" dirty="0"/>
+          </a:p>
+        </p:txBody>
+      </p:sp>
+      <p:sp>
+        <p:nvSpPr>
+          <p:cNvPr id="43" name="Flowchart: Document 42">
+            <a:extLst>
+              <a:ext uri="{FF2B5EF4-FFF2-40B4-BE49-F238E27FC236}">
+                <a16:creationId xmlns:a16="http://schemas.microsoft.com/office/drawing/2014/main" id="{CCC229D7-9DA2-4DBC-B1AA-B6398D394C34}"/>
+              </a:ext>
+            </a:extLst>
+          </p:cNvPr>
+          <p:cNvSpPr/>
+          <p:nvPr/>
+        </p:nvSpPr>
+        <p:spPr>
+          <a:xfrm>
+            <a:off x="2662880" y="4695568"/>
+            <a:ext cx="494270" cy="362465"/>
+          </a:xfrm>
+          <a:prstGeom prst="flowChartDocument">
+            <a:avLst/>
+          </a:prstGeom>
+          <a:solidFill>
+            <a:schemeClr val="accent4">
+              <a:alpha val="50000"/>
+            </a:schemeClr>
+          </a:solidFill>
+          <a:ln>
+            <a:noFill/>
+          </a:ln>
+        </p:spPr>
+        <p:style>
+          <a:lnRef idx="0">
+            <a:scrgbClr r="0" g="0" b="0"/>
+          </a:lnRef>
+          <a:fillRef idx="0">
+            <a:scrgbClr r="0" g="0" b="0"/>
+          </a:fillRef>
+          <a:effectRef idx="0">
+            <a:scrgbClr r="0" g="0" b="0"/>
+          </a:effectRef>
+          <a:fontRef idx="minor">
+            <a:schemeClr val="lt1"/>
+          </a:fontRef>
+        </p:style>
+        <p:txBody>
+          <a:bodyPr rtlCol="0" anchor="ctr"/>
+          <a:lstStyle/>
+          <a:p>
+            <a:pPr algn="ctr"/>
+            <a:endParaRPr lang="en-US"/>
+          </a:p>
+        </p:txBody>
+      </p:sp>
+      <p:sp>
+        <p:nvSpPr>
+          <p:cNvPr id="45" name="Flowchart: Document 44">
+            <a:extLst>
+              <a:ext uri="{FF2B5EF4-FFF2-40B4-BE49-F238E27FC236}">
+                <a16:creationId xmlns:a16="http://schemas.microsoft.com/office/drawing/2014/main" id="{46CB0148-0FA2-4744-AEE8-86C299FD28C9}"/>
+              </a:ext>
+            </a:extLst>
+          </p:cNvPr>
+          <p:cNvSpPr/>
+          <p:nvPr/>
+        </p:nvSpPr>
+        <p:spPr>
+          <a:xfrm>
+            <a:off x="1865871" y="4552942"/>
+            <a:ext cx="494270" cy="362465"/>
+          </a:xfrm>
+          <a:prstGeom prst="flowChartDocument">
+            <a:avLst/>
+          </a:prstGeom>
+          <a:solidFill>
+            <a:schemeClr val="accent4">
+              <a:alpha val="50000"/>
+            </a:schemeClr>
+          </a:solidFill>
+          <a:ln>
+            <a:noFill/>
+          </a:ln>
+        </p:spPr>
+        <p:style>
+          <a:lnRef idx="0">
+            <a:scrgbClr r="0" g="0" b="0"/>
+          </a:lnRef>
+          <a:fillRef idx="0">
+            <a:scrgbClr r="0" g="0" b="0"/>
+          </a:fillRef>
+          <a:effectRef idx="0">
+            <a:scrgbClr r="0" g="0" b="0"/>
+          </a:effectRef>
+          <a:fontRef idx="minor">
+            <a:schemeClr val="lt1"/>
+          </a:fontRef>
+        </p:style>
+        <p:txBody>
+          <a:bodyPr rtlCol="0" anchor="ctr"/>
+          <a:lstStyle/>
+          <a:p>
+            <a:pPr algn="ctr"/>
+            <a:endParaRPr lang="en-US"/>
+          </a:p>
+        </p:txBody>
+      </p:sp>
+      <p:sp>
+        <p:nvSpPr>
+          <p:cNvPr id="47" name="Flowchart: Document 46">
+            <a:extLst>
+              <a:ext uri="{FF2B5EF4-FFF2-40B4-BE49-F238E27FC236}">
+                <a16:creationId xmlns:a16="http://schemas.microsoft.com/office/drawing/2014/main" id="{A10EABF1-1765-4C5B-AAAF-79451F91A2FA}"/>
+              </a:ext>
+            </a:extLst>
+          </p:cNvPr>
+          <p:cNvSpPr/>
+          <p:nvPr/>
+        </p:nvSpPr>
+        <p:spPr>
+          <a:xfrm>
+            <a:off x="3838833" y="1631601"/>
+            <a:ext cx="494270" cy="362465"/>
+          </a:xfrm>
+          <a:prstGeom prst="flowChartDocument">
+            <a:avLst/>
+          </a:prstGeom>
+          <a:solidFill>
+            <a:schemeClr val="accent4">
+              <a:alpha val="50000"/>
+            </a:schemeClr>
+          </a:solidFill>
+          <a:ln>
+            <a:noFill/>
+          </a:ln>
+        </p:spPr>
+        <p:style>
+          <a:lnRef idx="0">
+            <a:scrgbClr r="0" g="0" b="0"/>
+          </a:lnRef>
+          <a:fillRef idx="0">
+            <a:scrgbClr r="0" g="0" b="0"/>
+          </a:fillRef>
+          <a:effectRef idx="0">
+            <a:scrgbClr r="0" g="0" b="0"/>
+          </a:effectRef>
+          <a:fontRef idx="minor">
+            <a:schemeClr val="lt1"/>
+          </a:fontRef>
+        </p:style>
+        <p:txBody>
+          <a:bodyPr rtlCol="0" anchor="ctr"/>
+          <a:lstStyle/>
+          <a:p>
+            <a:pPr algn="ctr"/>
+            <a:endParaRPr lang="en-US"/>
+          </a:p>
+        </p:txBody>
+      </p:sp>
+      <p:sp>
+        <p:nvSpPr>
+          <p:cNvPr id="49" name="Flowchart: Document 48">
+            <a:extLst>
+              <a:ext uri="{FF2B5EF4-FFF2-40B4-BE49-F238E27FC236}">
+                <a16:creationId xmlns:a16="http://schemas.microsoft.com/office/drawing/2014/main" id="{FD77824C-1709-499F-A92C-BA6FECFBE7AD}"/>
+              </a:ext>
+            </a:extLst>
+          </p:cNvPr>
+          <p:cNvSpPr/>
+          <p:nvPr/>
+        </p:nvSpPr>
+        <p:spPr>
+          <a:xfrm>
+            <a:off x="4843847" y="2368382"/>
+            <a:ext cx="494270" cy="362465"/>
+          </a:xfrm>
+          <a:prstGeom prst="flowChartDocument">
+            <a:avLst/>
+          </a:prstGeom>
+          <a:solidFill>
+            <a:schemeClr val="accent4">
+              <a:alpha val="50000"/>
+            </a:schemeClr>
+          </a:solidFill>
+          <a:ln>
+            <a:noFill/>
+          </a:ln>
+        </p:spPr>
+        <p:style>
+          <a:lnRef idx="0">
+            <a:scrgbClr r="0" g="0" b="0"/>
+          </a:lnRef>
+          <a:fillRef idx="0">
+            <a:scrgbClr r="0" g="0" b="0"/>
+          </a:fillRef>
+          <a:effectRef idx="0">
+            <a:scrgbClr r="0" g="0" b="0"/>
+          </a:effectRef>
+          <a:fontRef idx="minor">
+            <a:schemeClr val="lt1"/>
+          </a:fontRef>
+        </p:style>
+        <p:txBody>
+          <a:bodyPr rtlCol="0" anchor="ctr"/>
+          <a:lstStyle/>
+          <a:p>
+            <a:pPr algn="ctr"/>
+            <a:endParaRPr lang="en-US"/>
+          </a:p>
+        </p:txBody>
+      </p:sp>
+      <p:sp>
+        <p:nvSpPr>
+          <p:cNvPr id="51" name="Flowchart: Document 50">
+            <a:extLst>
+              <a:ext uri="{FF2B5EF4-FFF2-40B4-BE49-F238E27FC236}">
+                <a16:creationId xmlns:a16="http://schemas.microsoft.com/office/drawing/2014/main" id="{2E4E549B-4A6E-443A-80ED-3D6C02B6A29B}"/>
+              </a:ext>
+            </a:extLst>
+          </p:cNvPr>
+          <p:cNvSpPr/>
+          <p:nvPr/>
+        </p:nvSpPr>
+        <p:spPr>
+          <a:xfrm>
+            <a:off x="3899073" y="2341607"/>
+            <a:ext cx="494270" cy="362465"/>
+          </a:xfrm>
+          <a:prstGeom prst="flowChartDocument">
+            <a:avLst/>
+          </a:prstGeom>
+          <a:solidFill>
+            <a:schemeClr val="accent4">
+              <a:alpha val="50000"/>
+            </a:schemeClr>
+          </a:solidFill>
+          <a:ln>
+            <a:noFill/>
+          </a:ln>
+        </p:spPr>
+        <p:style>
+          <a:lnRef idx="0">
+            <a:scrgbClr r="0" g="0" b="0"/>
+          </a:lnRef>
+          <a:fillRef idx="0">
+            <a:scrgbClr r="0" g="0" b="0"/>
+          </a:fillRef>
+          <a:effectRef idx="0">
+            <a:scrgbClr r="0" g="0" b="0"/>
+          </a:effectRef>
+          <a:fontRef idx="minor">
+            <a:schemeClr val="lt1"/>
+          </a:fontRef>
+        </p:style>
+        <p:txBody>
+          <a:bodyPr rtlCol="0" anchor="ctr"/>
+          <a:lstStyle/>
+          <a:p>
+            <a:pPr algn="ctr"/>
+            <a:endParaRPr lang="en-US"/>
+          </a:p>
+        </p:txBody>
+      </p:sp>
+      <p:sp>
+        <p:nvSpPr>
+          <p:cNvPr id="53" name="Flowchart: Document 52">
+            <a:extLst>
+              <a:ext uri="{FF2B5EF4-FFF2-40B4-BE49-F238E27FC236}">
+                <a16:creationId xmlns:a16="http://schemas.microsoft.com/office/drawing/2014/main" id="{695E2FF4-86FC-4109-B7E4-693AED5213D0}"/>
+              </a:ext>
+            </a:extLst>
+          </p:cNvPr>
+          <p:cNvSpPr/>
+          <p:nvPr/>
+        </p:nvSpPr>
+        <p:spPr>
+          <a:xfrm>
+            <a:off x="5542006" y="1881313"/>
+            <a:ext cx="494270" cy="362465"/>
+          </a:xfrm>
+          <a:prstGeom prst="flowChartDocument">
+            <a:avLst/>
+          </a:prstGeom>
+          <a:solidFill>
+            <a:schemeClr val="accent4">
+              <a:alpha val="50000"/>
+            </a:schemeClr>
+          </a:solidFill>
+          <a:ln>
+            <a:noFill/>
+          </a:ln>
+        </p:spPr>
+        <p:style>
+          <a:lnRef idx="0">
+            <a:scrgbClr r="0" g="0" b="0"/>
+          </a:lnRef>
+          <a:fillRef idx="0">
+            <a:scrgbClr r="0" g="0" b="0"/>
+          </a:fillRef>
+          <a:effectRef idx="0">
+            <a:scrgbClr r="0" g="0" b="0"/>
+          </a:effectRef>
+          <a:fontRef idx="minor">
+            <a:schemeClr val="lt1"/>
+          </a:fontRef>
+        </p:style>
+        <p:txBody>
+          <a:bodyPr rtlCol="0" anchor="ctr"/>
+          <a:lstStyle/>
+          <a:p>
+            <a:pPr algn="ctr"/>
+            <a:endParaRPr lang="en-US"/>
+          </a:p>
+        </p:txBody>
+      </p:sp>
+      <p:sp>
+        <p:nvSpPr>
+          <p:cNvPr id="55" name="Flowchart: Document 54">
+            <a:extLst>
+              <a:ext uri="{FF2B5EF4-FFF2-40B4-BE49-F238E27FC236}">
+                <a16:creationId xmlns:a16="http://schemas.microsoft.com/office/drawing/2014/main" id="{D9AD1D32-C88C-49B6-AF30-451D3A37875E}"/>
+              </a:ext>
+            </a:extLst>
+          </p:cNvPr>
+          <p:cNvSpPr/>
+          <p:nvPr/>
+        </p:nvSpPr>
+        <p:spPr>
+          <a:xfrm>
+            <a:off x="4666735" y="1631600"/>
+            <a:ext cx="494270" cy="362465"/>
+          </a:xfrm>
+          <a:prstGeom prst="flowChartDocument">
+            <a:avLst/>
+          </a:prstGeom>
+          <a:solidFill>
+            <a:schemeClr val="accent4">
+              <a:alpha val="50000"/>
+            </a:schemeClr>
+          </a:solidFill>
+          <a:ln>
+            <a:noFill/>
+          </a:ln>
+        </p:spPr>
+        <p:style>
+          <a:lnRef idx="0">
+            <a:scrgbClr r="0" g="0" b="0"/>
+          </a:lnRef>
+          <a:fillRef idx="0">
+            <a:scrgbClr r="0" g="0" b="0"/>
+          </a:fillRef>
+          <a:effectRef idx="0">
+            <a:scrgbClr r="0" g="0" b="0"/>
+          </a:effectRef>
+          <a:fontRef idx="minor">
+            <a:schemeClr val="lt1"/>
+          </a:fontRef>
+        </p:style>
+        <p:txBody>
+          <a:bodyPr rtlCol="0" anchor="ctr"/>
+          <a:lstStyle/>
+          <a:p>
+            <a:pPr algn="ctr"/>
+            <a:endParaRPr lang="en-US"/>
+          </a:p>
+        </p:txBody>
+      </p:sp>
+      <p:sp>
+        <p:nvSpPr>
+          <p:cNvPr id="57" name="Flowchart: Document 56">
+            <a:extLst>
+              <a:ext uri="{FF2B5EF4-FFF2-40B4-BE49-F238E27FC236}">
+                <a16:creationId xmlns:a16="http://schemas.microsoft.com/office/drawing/2014/main" id="{E7EDAEF9-9B8E-4708-A2D2-6BDA4181C056}"/>
+              </a:ext>
+            </a:extLst>
+          </p:cNvPr>
+          <p:cNvSpPr/>
+          <p:nvPr/>
+        </p:nvSpPr>
+        <p:spPr>
+          <a:xfrm>
+            <a:off x="5541486" y="2464912"/>
+            <a:ext cx="494270" cy="362465"/>
+          </a:xfrm>
+          <a:prstGeom prst="flowChartDocument">
+            <a:avLst/>
+          </a:prstGeom>
+          <a:solidFill>
+            <a:schemeClr val="accent4">
+              <a:alpha val="50000"/>
+            </a:schemeClr>
+          </a:solidFill>
+          <a:ln>
+            <a:noFill/>
+          </a:ln>
+        </p:spPr>
+        <p:style>
+          <a:lnRef idx="0">
+            <a:scrgbClr r="0" g="0" b="0"/>
+          </a:lnRef>
+          <a:fillRef idx="0">
+            <a:scrgbClr r="0" g="0" b="0"/>
+          </a:fillRef>
+          <a:effectRef idx="0">
+            <a:scrgbClr r="0" g="0" b="0"/>
+          </a:effectRef>
+          <a:fontRef idx="minor">
+            <a:schemeClr val="lt1"/>
+          </a:fontRef>
+        </p:style>
+        <p:txBody>
+          <a:bodyPr rtlCol="0" anchor="ctr"/>
+          <a:lstStyle/>
+          <a:p>
+            <a:pPr algn="ctr"/>
+            <a:endParaRPr lang="en-US"/>
+          </a:p>
+        </p:txBody>
+      </p:sp>
+      <p:sp>
+        <p:nvSpPr>
+          <p:cNvPr id="59" name="Flowchart: Document 58">
+            <a:extLst>
+              <a:ext uri="{FF2B5EF4-FFF2-40B4-BE49-F238E27FC236}">
+                <a16:creationId xmlns:a16="http://schemas.microsoft.com/office/drawing/2014/main" id="{3EF46234-DC48-4BDE-9F2B-F11FB1250590}"/>
+              </a:ext>
+            </a:extLst>
+          </p:cNvPr>
+          <p:cNvSpPr/>
+          <p:nvPr/>
+        </p:nvSpPr>
+        <p:spPr>
+          <a:xfrm>
+            <a:off x="5595293" y="1335561"/>
+            <a:ext cx="494270" cy="362465"/>
+          </a:xfrm>
+          <a:prstGeom prst="flowChartDocument">
+            <a:avLst/>
+          </a:prstGeom>
+          <a:solidFill>
+            <a:schemeClr val="accent4">
+              <a:alpha val="50000"/>
+            </a:schemeClr>
+          </a:solidFill>
+          <a:ln>
+            <a:noFill/>
+          </a:ln>
+        </p:spPr>
+        <p:style>
+          <a:lnRef idx="0">
+            <a:scrgbClr r="0" g="0" b="0"/>
+          </a:lnRef>
+          <a:fillRef idx="0">
+            <a:scrgbClr r="0" g="0" b="0"/>
+          </a:fillRef>
+          <a:effectRef idx="0">
+            <a:scrgbClr r="0" g="0" b="0"/>
+          </a:effectRef>
+          <a:fontRef idx="minor">
+            <a:schemeClr val="lt1"/>
+          </a:fontRef>
+        </p:style>
+        <p:txBody>
+          <a:bodyPr rtlCol="0" anchor="ctr"/>
+          <a:lstStyle/>
+          <a:p>
+            <a:pPr algn="ctr"/>
+            <a:endParaRPr lang="en-US"/>
+          </a:p>
+        </p:txBody>
+      </p:sp>
+      <p:sp>
+        <p:nvSpPr>
+          <p:cNvPr id="61" name="Flowchart: Document 60">
+            <a:extLst>
+              <a:ext uri="{FF2B5EF4-FFF2-40B4-BE49-F238E27FC236}">
+                <a16:creationId xmlns:a16="http://schemas.microsoft.com/office/drawing/2014/main" id="{E3688E71-A1EE-4E8C-A001-16436FC9C40F}"/>
+              </a:ext>
+            </a:extLst>
+          </p:cNvPr>
+          <p:cNvSpPr/>
+          <p:nvPr/>
+        </p:nvSpPr>
+        <p:spPr>
+          <a:xfrm>
+            <a:off x="3669958" y="3682319"/>
+            <a:ext cx="494270" cy="362465"/>
+          </a:xfrm>
+          <a:prstGeom prst="flowChartDocument">
+            <a:avLst/>
+          </a:prstGeom>
+          <a:solidFill>
+            <a:schemeClr val="accent4">
+              <a:alpha val="50000"/>
+            </a:schemeClr>
+          </a:solidFill>
+          <a:ln>
+            <a:noFill/>
+          </a:ln>
+        </p:spPr>
+        <p:style>
+          <a:lnRef idx="0">
+            <a:scrgbClr r="0" g="0" b="0"/>
+          </a:lnRef>
+          <a:fillRef idx="0">
+            <a:scrgbClr r="0" g="0" b="0"/>
+          </a:fillRef>
+          <a:effectRef idx="0">
+            <a:scrgbClr r="0" g="0" b="0"/>
+          </a:effectRef>
+          <a:fontRef idx="minor">
+            <a:schemeClr val="lt1"/>
+          </a:fontRef>
+        </p:style>
+        <p:txBody>
+          <a:bodyPr rtlCol="0" anchor="ctr"/>
+          <a:lstStyle/>
+          <a:p>
+            <a:pPr algn="ctr"/>
+            <a:endParaRPr lang="en-US"/>
+          </a:p>
+        </p:txBody>
+      </p:sp>
+      <p:sp>
+        <p:nvSpPr>
+          <p:cNvPr id="63" name="Flowchart: Document 62">
+            <a:extLst>
+              <a:ext uri="{FF2B5EF4-FFF2-40B4-BE49-F238E27FC236}">
+                <a16:creationId xmlns:a16="http://schemas.microsoft.com/office/drawing/2014/main" id="{680973B6-7872-4FF7-B5D8-0FB176DC0A86}"/>
+              </a:ext>
+            </a:extLst>
+          </p:cNvPr>
+          <p:cNvSpPr/>
+          <p:nvPr/>
+        </p:nvSpPr>
+        <p:spPr>
+          <a:xfrm>
+            <a:off x="3674848" y="4185325"/>
+            <a:ext cx="494270" cy="362465"/>
+          </a:xfrm>
+          <a:prstGeom prst="flowChartDocument">
+            <a:avLst/>
+          </a:prstGeom>
+          <a:solidFill>
+            <a:schemeClr val="accent4">
+              <a:alpha val="50000"/>
+            </a:schemeClr>
+          </a:solidFill>
+          <a:ln>
+            <a:noFill/>
+          </a:ln>
+        </p:spPr>
+        <p:style>
+          <a:lnRef idx="0">
+            <a:scrgbClr r="0" g="0" b="0"/>
+          </a:lnRef>
+          <a:fillRef idx="0">
+            <a:scrgbClr r="0" g="0" b="0"/>
+          </a:fillRef>
+          <a:effectRef idx="0">
+            <a:scrgbClr r="0" g="0" b="0"/>
+          </a:effectRef>
+          <a:fontRef idx="minor">
+            <a:schemeClr val="lt1"/>
+          </a:fontRef>
+        </p:style>
+        <p:txBody>
+          <a:bodyPr rtlCol="0" anchor="ctr"/>
+          <a:lstStyle/>
+          <a:p>
+            <a:pPr algn="ctr"/>
+            <a:endParaRPr lang="en-US"/>
+          </a:p>
+        </p:txBody>
+      </p:sp>
+      <p:sp>
+        <p:nvSpPr>
+          <p:cNvPr id="65" name="Flowchart: Document 64">
+            <a:extLst>
+              <a:ext uri="{FF2B5EF4-FFF2-40B4-BE49-F238E27FC236}">
+                <a16:creationId xmlns:a16="http://schemas.microsoft.com/office/drawing/2014/main" id="{DE75B2BF-AD07-427A-9AFF-D79D2DDFD578}"/>
+              </a:ext>
+            </a:extLst>
+          </p:cNvPr>
+          <p:cNvSpPr/>
+          <p:nvPr/>
+        </p:nvSpPr>
+        <p:spPr>
+          <a:xfrm>
+            <a:off x="1258329" y="2609852"/>
+            <a:ext cx="494270" cy="362465"/>
+          </a:xfrm>
+          <a:prstGeom prst="flowChartDocument">
+            <a:avLst/>
+          </a:prstGeom>
+          <a:solidFill>
+            <a:schemeClr val="accent4">
+              <a:alpha val="50000"/>
+            </a:schemeClr>
+          </a:solidFill>
+          <a:ln>
+            <a:noFill/>
+          </a:ln>
+        </p:spPr>
+        <p:style>
+          <a:lnRef idx="0">
+            <a:scrgbClr r="0" g="0" b="0"/>
+          </a:lnRef>
+          <a:fillRef idx="0">
+            <a:scrgbClr r="0" g="0" b="0"/>
+          </a:fillRef>
+          <a:effectRef idx="0">
+            <a:scrgbClr r="0" g="0" b="0"/>
+          </a:effectRef>
+          <a:fontRef idx="minor">
+            <a:schemeClr val="lt1"/>
+          </a:fontRef>
+        </p:style>
+        <p:txBody>
+          <a:bodyPr rtlCol="0" anchor="ctr"/>
+          <a:lstStyle/>
+          <a:p>
+            <a:pPr algn="ctr"/>
+            <a:endParaRPr lang="en-US"/>
+          </a:p>
+        </p:txBody>
+      </p:sp>
+      <p:sp>
+        <p:nvSpPr>
+          <p:cNvPr id="67" name="Flowchart: Document 66">
+            <a:extLst>
+              <a:ext uri="{FF2B5EF4-FFF2-40B4-BE49-F238E27FC236}">
+                <a16:creationId xmlns:a16="http://schemas.microsoft.com/office/drawing/2014/main" id="{9CC7A01E-D8F6-4522-852D-A64318A674C9}"/>
+              </a:ext>
+            </a:extLst>
+          </p:cNvPr>
+          <p:cNvSpPr/>
+          <p:nvPr/>
+        </p:nvSpPr>
+        <p:spPr>
+          <a:xfrm>
+            <a:off x="4269262" y="3679223"/>
+            <a:ext cx="494270" cy="362465"/>
+          </a:xfrm>
+          <a:prstGeom prst="flowChartDocument">
+            <a:avLst/>
+          </a:prstGeom>
+          <a:solidFill>
+            <a:schemeClr val="accent4">
+              <a:alpha val="50000"/>
+            </a:schemeClr>
+          </a:solidFill>
+          <a:ln>
+            <a:noFill/>
+          </a:ln>
+        </p:spPr>
+        <p:style>
+          <a:lnRef idx="0">
+            <a:scrgbClr r="0" g="0" b="0"/>
+          </a:lnRef>
+          <a:fillRef idx="0">
+            <a:scrgbClr r="0" g="0" b="0"/>
+          </a:fillRef>
+          <a:effectRef idx="0">
+            <a:scrgbClr r="0" g="0" b="0"/>
+          </a:effectRef>
+          <a:fontRef idx="minor">
+            <a:schemeClr val="lt1"/>
+          </a:fontRef>
+        </p:style>
+        <p:txBody>
+          <a:bodyPr rtlCol="0" anchor="ctr"/>
+          <a:lstStyle/>
+          <a:p>
+            <a:pPr algn="ctr"/>
+            <a:endParaRPr lang="en-US"/>
+          </a:p>
+        </p:txBody>
+      </p:sp>
+      <p:sp>
+        <p:nvSpPr>
+          <p:cNvPr id="69" name="Flowchart: Document 68">
+            <a:extLst>
+              <a:ext uri="{FF2B5EF4-FFF2-40B4-BE49-F238E27FC236}">
+                <a16:creationId xmlns:a16="http://schemas.microsoft.com/office/drawing/2014/main" id="{91065A18-6758-4EC1-A850-CBF049FE1A98}"/>
+              </a:ext>
+            </a:extLst>
+          </p:cNvPr>
+          <p:cNvSpPr/>
+          <p:nvPr/>
+        </p:nvSpPr>
+        <p:spPr>
+          <a:xfrm>
+            <a:off x="4269262" y="4165263"/>
+            <a:ext cx="494270" cy="362465"/>
+          </a:xfrm>
+          <a:prstGeom prst="flowChartDocument">
+            <a:avLst/>
+          </a:prstGeom>
+          <a:solidFill>
+            <a:schemeClr val="accent4">
+              <a:alpha val="50000"/>
+            </a:schemeClr>
+          </a:solidFill>
+          <a:ln>
+            <a:noFill/>
+          </a:ln>
+        </p:spPr>
+        <p:style>
+          <a:lnRef idx="0">
+            <a:scrgbClr r="0" g="0" b="0"/>
+          </a:lnRef>
+          <a:fillRef idx="0">
+            <a:scrgbClr r="0" g="0" b="0"/>
+          </a:fillRef>
+          <a:effectRef idx="0">
+            <a:scrgbClr r="0" g="0" b="0"/>
+          </a:effectRef>
+          <a:fontRef idx="minor">
+            <a:schemeClr val="lt1"/>
+          </a:fontRef>
+        </p:style>
+        <p:txBody>
+          <a:bodyPr rtlCol="0" anchor="ctr"/>
+          <a:lstStyle/>
+          <a:p>
+            <a:pPr algn="ctr"/>
+            <a:endParaRPr lang="en-US"/>
+          </a:p>
+        </p:txBody>
+      </p:sp>
+      <p:sp>
+        <p:nvSpPr>
+          <p:cNvPr id="71" name="Flowchart: Document 70">
+            <a:extLst>
+              <a:ext uri="{FF2B5EF4-FFF2-40B4-BE49-F238E27FC236}">
+                <a16:creationId xmlns:a16="http://schemas.microsoft.com/office/drawing/2014/main" id="{42F4E2E8-07F9-461C-B431-63A2514818FF}"/>
+              </a:ext>
+            </a:extLst>
+          </p:cNvPr>
+          <p:cNvSpPr/>
+          <p:nvPr/>
+        </p:nvSpPr>
+        <p:spPr>
+          <a:xfrm>
+            <a:off x="4279552" y="4667238"/>
+            <a:ext cx="494270" cy="362465"/>
+          </a:xfrm>
+          <a:prstGeom prst="flowChartDocument">
+            <a:avLst/>
+          </a:prstGeom>
+          <a:solidFill>
+            <a:schemeClr val="accent4">
+              <a:alpha val="50000"/>
+            </a:schemeClr>
+          </a:solidFill>
+          <a:ln>
+            <a:noFill/>
+          </a:ln>
+        </p:spPr>
+        <p:style>
+          <a:lnRef idx="0">
+            <a:scrgbClr r="0" g="0" b="0"/>
+          </a:lnRef>
+          <a:fillRef idx="0">
+            <a:scrgbClr r="0" g="0" b="0"/>
+          </a:fillRef>
+          <a:effectRef idx="0">
+            <a:scrgbClr r="0" g="0" b="0"/>
+          </a:effectRef>
+          <a:fontRef idx="minor">
+            <a:schemeClr val="lt1"/>
+          </a:fontRef>
+        </p:style>
+        <p:txBody>
+          <a:bodyPr rtlCol="0" anchor="ctr"/>
+          <a:lstStyle/>
+          <a:p>
+            <a:pPr algn="ctr"/>
+            <a:endParaRPr lang="en-US"/>
+          </a:p>
+        </p:txBody>
+      </p:sp>
+      <p:sp>
+        <p:nvSpPr>
+          <p:cNvPr id="73" name="Flowchart: Document 72">
+            <a:extLst>
+              <a:ext uri="{FF2B5EF4-FFF2-40B4-BE49-F238E27FC236}">
+                <a16:creationId xmlns:a16="http://schemas.microsoft.com/office/drawing/2014/main" id="{D6566549-AE52-4254-8289-0D058BBE4E65}"/>
+              </a:ext>
+            </a:extLst>
+          </p:cNvPr>
+          <p:cNvSpPr/>
+          <p:nvPr/>
+        </p:nvSpPr>
+        <p:spPr>
+          <a:xfrm>
+            <a:off x="4419600" y="2047609"/>
+            <a:ext cx="494270" cy="362465"/>
+          </a:xfrm>
+          <a:prstGeom prst="flowChartDocument">
+            <a:avLst/>
+          </a:prstGeom>
+          <a:solidFill>
+            <a:schemeClr val="accent4">
+              <a:alpha val="50000"/>
+            </a:schemeClr>
+          </a:solidFill>
+          <a:ln>
+            <a:noFill/>
+          </a:ln>
+        </p:spPr>
+        <p:style>
+          <a:lnRef idx="0">
+            <a:scrgbClr r="0" g="0" b="0"/>
+          </a:lnRef>
+          <a:fillRef idx="0">
+            <a:scrgbClr r="0" g="0" b="0"/>
+          </a:fillRef>
+          <a:effectRef idx="0">
+            <a:scrgbClr r="0" g="0" b="0"/>
+          </a:effectRef>
+          <a:fontRef idx="minor">
+            <a:schemeClr val="lt1"/>
+          </a:fontRef>
+        </p:style>
+        <p:txBody>
+          <a:bodyPr rtlCol="0" anchor="ctr"/>
+          <a:lstStyle/>
+          <a:p>
+            <a:pPr algn="ctr"/>
+            <a:endParaRPr lang="en-US"/>
+          </a:p>
+        </p:txBody>
+      </p:sp>
+      <p:pic>
+        <p:nvPicPr>
+          <p:cNvPr id="74" name="Picture 73">
+            <a:extLst>
+              <a:ext uri="{FF2B5EF4-FFF2-40B4-BE49-F238E27FC236}">
+                <a16:creationId xmlns:a16="http://schemas.microsoft.com/office/drawing/2014/main" id="{65B6141D-21C5-44D4-B26C-3D71411AA9ED}"/>
+              </a:ext>
+            </a:extLst>
+          </p:cNvPr>
+          <p:cNvPicPr>
+            <a:picLocks noChangeAspect="1"/>
+          </p:cNvPicPr>
+          <p:nvPr/>
+        </p:nvPicPr>
+        <p:blipFill>
+          <a:blip r:embed="rId2"/>
+          <a:stretch>
+            <a:fillRect/>
+          </a:stretch>
+        </p:blipFill>
+        <p:spPr>
+          <a:xfrm>
+            <a:off x="7469662" y="1416608"/>
+            <a:ext cx="4071380" cy="2949949"/>
+          </a:xfrm>
+          <a:prstGeom prst="rect">
+            <a:avLst/>
+          </a:prstGeom>
+        </p:spPr>
+      </p:pic>
     </p:spTree>
     <p:extLst>
       <p:ext uri="{BB962C8B-B14F-4D97-AF65-F5344CB8AC3E}">

--- a/Sprint Cadence Diagrams.pptx
+++ b/Sprint Cadence Diagrams.pptx
@@ -18,6 +18,7 @@
     <p:sldId id="264" r:id="rId12"/>
     <p:sldId id="265" r:id="rId13"/>
     <p:sldId id="268" r:id="rId14"/>
+    <p:sldId id="269" r:id="rId15"/>
   </p:sldIdLst>
   <p:sldSz cx="12192000" cy="6858000"/>
   <p:notesSz cx="6858000" cy="9144000"/>
@@ -9532,6 +9533,1356 @@
 </p:sld>
 </file>
 
+<file path=ppt/slides/slide14.xml><?xml version="1.0" encoding="utf-8"?>
+<p:sld xmlns:a="http://schemas.openxmlformats.org/drawingml/2006/main" xmlns:r="http://schemas.openxmlformats.org/officeDocument/2006/relationships" xmlns:p="http://schemas.openxmlformats.org/presentationml/2006/main">
+  <p:cSld>
+    <p:spTree>
+      <p:nvGrpSpPr>
+        <p:cNvPr id="1" name=""/>
+        <p:cNvGrpSpPr/>
+        <p:nvPr/>
+      </p:nvGrpSpPr>
+      <p:grpSpPr>
+        <a:xfrm>
+          <a:off x="0" y="0"/>
+          <a:ext cx="0" cy="0"/>
+          <a:chOff x="0" y="0"/>
+          <a:chExt cx="0" cy="0"/>
+        </a:xfrm>
+      </p:grpSpPr>
+      <p:sp>
+        <p:nvSpPr>
+          <p:cNvPr id="2" name="Oval 1">
+            <a:extLst>
+              <a:ext uri="{FF2B5EF4-FFF2-40B4-BE49-F238E27FC236}">
+                <a16:creationId xmlns:a16="http://schemas.microsoft.com/office/drawing/2014/main" id="{BBC70977-6A8C-4DF0-8D13-A7C818FD4556}"/>
+              </a:ext>
+            </a:extLst>
+          </p:cNvPr>
+          <p:cNvSpPr/>
+          <p:nvPr/>
+        </p:nvSpPr>
+        <p:spPr>
+          <a:xfrm>
+            <a:off x="172994" y="912346"/>
+            <a:ext cx="6005383" cy="5675871"/>
+          </a:xfrm>
+          <a:prstGeom prst="ellipse">
+            <a:avLst/>
+          </a:prstGeom>
+        </p:spPr>
+        <p:style>
+          <a:lnRef idx="2">
+            <a:schemeClr val="accent1"/>
+          </a:lnRef>
+          <a:fillRef idx="1">
+            <a:schemeClr val="lt1"/>
+          </a:fillRef>
+          <a:effectRef idx="0">
+            <a:schemeClr val="accent1"/>
+          </a:effectRef>
+          <a:fontRef idx="minor">
+            <a:schemeClr val="dk1"/>
+          </a:fontRef>
+        </p:style>
+        <p:txBody>
+          <a:bodyPr rtlCol="0" anchor="ctr"/>
+          <a:lstStyle/>
+          <a:p>
+            <a:pPr algn="ctr"/>
+            <a:endParaRPr lang="en-US"/>
+          </a:p>
+        </p:txBody>
+      </p:sp>
+      <p:cxnSp>
+        <p:nvCxnSpPr>
+          <p:cNvPr id="4" name="Straight Connector 3">
+            <a:extLst>
+              <a:ext uri="{FF2B5EF4-FFF2-40B4-BE49-F238E27FC236}">
+                <a16:creationId xmlns:a16="http://schemas.microsoft.com/office/drawing/2014/main" id="{1942B58C-940D-4A25-9991-FAB4F73A204B}"/>
+              </a:ext>
+            </a:extLst>
+          </p:cNvPr>
+          <p:cNvCxnSpPr>
+            <a:cxnSpLocks/>
+          </p:cNvCxnSpPr>
+          <p:nvPr/>
+        </p:nvCxnSpPr>
+        <p:spPr>
+          <a:xfrm>
+            <a:off x="469556" y="2537260"/>
+            <a:ext cx="2718486" cy="1351006"/>
+          </a:xfrm>
+          <a:prstGeom prst="line">
+            <a:avLst/>
+          </a:prstGeom>
+        </p:spPr>
+        <p:style>
+          <a:lnRef idx="1">
+            <a:schemeClr val="accent1"/>
+          </a:lnRef>
+          <a:fillRef idx="0">
+            <a:schemeClr val="accent1"/>
+          </a:fillRef>
+          <a:effectRef idx="0">
+            <a:schemeClr val="accent1"/>
+          </a:effectRef>
+          <a:fontRef idx="minor">
+            <a:schemeClr val="tx1"/>
+          </a:fontRef>
+        </p:style>
+      </p:cxnSp>
+      <p:cxnSp>
+        <p:nvCxnSpPr>
+          <p:cNvPr id="6" name="Straight Connector 5">
+            <a:extLst>
+              <a:ext uri="{FF2B5EF4-FFF2-40B4-BE49-F238E27FC236}">
+                <a16:creationId xmlns:a16="http://schemas.microsoft.com/office/drawing/2014/main" id="{F8EFE49A-2D1D-444B-BC5A-8B7FC14A8BD4}"/>
+              </a:ext>
+            </a:extLst>
+          </p:cNvPr>
+          <p:cNvCxnSpPr>
+            <a:stCxn id="2" idx="0"/>
+          </p:cNvCxnSpPr>
+          <p:nvPr/>
+        </p:nvCxnSpPr>
+        <p:spPr>
+          <a:xfrm>
+            <a:off x="3175686" y="912346"/>
+            <a:ext cx="12356" cy="2975920"/>
+          </a:xfrm>
+          <a:prstGeom prst="line">
+            <a:avLst/>
+          </a:prstGeom>
+        </p:spPr>
+        <p:style>
+          <a:lnRef idx="1">
+            <a:schemeClr val="accent1"/>
+          </a:lnRef>
+          <a:fillRef idx="0">
+            <a:schemeClr val="accent1"/>
+          </a:fillRef>
+          <a:effectRef idx="0">
+            <a:schemeClr val="accent1"/>
+          </a:effectRef>
+          <a:fontRef idx="minor">
+            <a:schemeClr val="tx1"/>
+          </a:fontRef>
+        </p:style>
+      </p:cxnSp>
+      <p:cxnSp>
+        <p:nvCxnSpPr>
+          <p:cNvPr id="9" name="Straight Connector 8">
+            <a:extLst>
+              <a:ext uri="{FF2B5EF4-FFF2-40B4-BE49-F238E27FC236}">
+                <a16:creationId xmlns:a16="http://schemas.microsoft.com/office/drawing/2014/main" id="{E8D16943-04F9-464A-855E-89638B316E68}"/>
+              </a:ext>
+            </a:extLst>
+          </p:cNvPr>
+          <p:cNvCxnSpPr>
+            <a:cxnSpLocks/>
+          </p:cNvCxnSpPr>
+          <p:nvPr/>
+        </p:nvCxnSpPr>
+        <p:spPr>
+          <a:xfrm flipH="1">
+            <a:off x="3196282" y="2710255"/>
+            <a:ext cx="2784387" cy="1178011"/>
+          </a:xfrm>
+          <a:prstGeom prst="line">
+            <a:avLst/>
+          </a:prstGeom>
+        </p:spPr>
+        <p:style>
+          <a:lnRef idx="1">
+            <a:schemeClr val="accent1"/>
+          </a:lnRef>
+          <a:fillRef idx="0">
+            <a:schemeClr val="accent1"/>
+          </a:fillRef>
+          <a:effectRef idx="0">
+            <a:schemeClr val="accent1"/>
+          </a:effectRef>
+          <a:fontRef idx="minor">
+            <a:schemeClr val="tx1"/>
+          </a:fontRef>
+        </p:style>
+      </p:cxnSp>
+      <p:cxnSp>
+        <p:nvCxnSpPr>
+          <p:cNvPr id="11" name="Straight Connector 10">
+            <a:extLst>
+              <a:ext uri="{FF2B5EF4-FFF2-40B4-BE49-F238E27FC236}">
+                <a16:creationId xmlns:a16="http://schemas.microsoft.com/office/drawing/2014/main" id="{A89830C1-63B6-4DEA-8249-970AFE8D1DCD}"/>
+              </a:ext>
+            </a:extLst>
+          </p:cNvPr>
+          <p:cNvCxnSpPr>
+            <a:stCxn id="2" idx="3"/>
+          </p:cNvCxnSpPr>
+          <p:nvPr/>
+        </p:nvCxnSpPr>
+        <p:spPr>
+          <a:xfrm flipV="1">
+            <a:off x="1052462" y="3888266"/>
+            <a:ext cx="2135580" cy="1868739"/>
+          </a:xfrm>
+          <a:prstGeom prst="line">
+            <a:avLst/>
+          </a:prstGeom>
+        </p:spPr>
+        <p:style>
+          <a:lnRef idx="1">
+            <a:schemeClr val="accent1"/>
+          </a:lnRef>
+          <a:fillRef idx="0">
+            <a:schemeClr val="accent1"/>
+          </a:fillRef>
+          <a:effectRef idx="0">
+            <a:schemeClr val="accent1"/>
+          </a:effectRef>
+          <a:fontRef idx="minor">
+            <a:schemeClr val="tx1"/>
+          </a:fontRef>
+        </p:style>
+      </p:cxnSp>
+      <p:cxnSp>
+        <p:nvCxnSpPr>
+          <p:cNvPr id="13" name="Straight Connector 12">
+            <a:extLst>
+              <a:ext uri="{FF2B5EF4-FFF2-40B4-BE49-F238E27FC236}">
+                <a16:creationId xmlns:a16="http://schemas.microsoft.com/office/drawing/2014/main" id="{CE1F41A6-A51C-4163-BB42-D764130D132A}"/>
+              </a:ext>
+            </a:extLst>
+          </p:cNvPr>
+          <p:cNvCxnSpPr>
+            <a:endCxn id="2" idx="5"/>
+          </p:cNvCxnSpPr>
+          <p:nvPr/>
+        </p:nvCxnSpPr>
+        <p:spPr>
+          <a:xfrm>
+            <a:off x="3188042" y="3888266"/>
+            <a:ext cx="2110867" cy="1868739"/>
+          </a:xfrm>
+          <a:prstGeom prst="line">
+            <a:avLst/>
+          </a:prstGeom>
+        </p:spPr>
+        <p:style>
+          <a:lnRef idx="1">
+            <a:schemeClr val="accent1"/>
+          </a:lnRef>
+          <a:fillRef idx="0">
+            <a:schemeClr val="accent1"/>
+          </a:fillRef>
+          <a:effectRef idx="0">
+            <a:schemeClr val="accent1"/>
+          </a:effectRef>
+          <a:fontRef idx="minor">
+            <a:schemeClr val="tx1"/>
+          </a:fontRef>
+        </p:style>
+      </p:cxnSp>
+      <p:sp>
+        <p:nvSpPr>
+          <p:cNvPr id="18" name="TextBox 17">
+            <a:extLst>
+              <a:ext uri="{FF2B5EF4-FFF2-40B4-BE49-F238E27FC236}">
+                <a16:creationId xmlns:a16="http://schemas.microsoft.com/office/drawing/2014/main" id="{780038D0-2C4E-4837-B3D2-23DDF3A85606}"/>
+              </a:ext>
+            </a:extLst>
+          </p:cNvPr>
+          <p:cNvSpPr txBox="1"/>
+          <p:nvPr/>
+        </p:nvSpPr>
+        <p:spPr>
+          <a:xfrm>
+            <a:off x="1441621" y="1395802"/>
+            <a:ext cx="827909" cy="276999"/>
+          </a:xfrm>
+          <a:prstGeom prst="rect">
+            <a:avLst/>
+          </a:prstGeom>
+          <a:noFill/>
+        </p:spPr>
+        <p:txBody>
+          <a:bodyPr wrap="square" rtlCol="0">
+            <a:spAutoFit/>
+          </a:bodyPr>
+          <a:lstStyle/>
+          <a:p>
+            <a:r>
+              <a:rPr lang="en-US" sz="1200" b="1" u="sng" dirty="0"/>
+              <a:t>Keep</a:t>
+            </a:r>
+          </a:p>
+        </p:txBody>
+      </p:sp>
+      <p:sp>
+        <p:nvSpPr>
+          <p:cNvPr id="20" name="TextBox 19">
+            <a:extLst>
+              <a:ext uri="{FF2B5EF4-FFF2-40B4-BE49-F238E27FC236}">
+                <a16:creationId xmlns:a16="http://schemas.microsoft.com/office/drawing/2014/main" id="{1E759E5D-200B-4CDA-B38F-2E5830324E5B}"/>
+              </a:ext>
+            </a:extLst>
+          </p:cNvPr>
+          <p:cNvSpPr txBox="1"/>
+          <p:nvPr/>
+        </p:nvSpPr>
+        <p:spPr>
+          <a:xfrm>
+            <a:off x="3350743" y="1395801"/>
+            <a:ext cx="827909" cy="276999"/>
+          </a:xfrm>
+          <a:prstGeom prst="rect">
+            <a:avLst/>
+          </a:prstGeom>
+          <a:noFill/>
+        </p:spPr>
+        <p:txBody>
+          <a:bodyPr wrap="square" rtlCol="0">
+            <a:spAutoFit/>
+          </a:bodyPr>
+          <a:lstStyle/>
+          <a:p>
+            <a:r>
+              <a:rPr lang="en-US" sz="1200" b="1" u="sng" dirty="0"/>
+              <a:t>More</a:t>
+            </a:r>
+          </a:p>
+        </p:txBody>
+      </p:sp>
+      <p:sp>
+        <p:nvSpPr>
+          <p:cNvPr id="22" name="TextBox 21">
+            <a:extLst>
+              <a:ext uri="{FF2B5EF4-FFF2-40B4-BE49-F238E27FC236}">
+                <a16:creationId xmlns:a16="http://schemas.microsoft.com/office/drawing/2014/main" id="{CCD6B18B-4BCF-4212-BA4F-908349E68286}"/>
+              </a:ext>
+            </a:extLst>
+          </p:cNvPr>
+          <p:cNvSpPr txBox="1"/>
+          <p:nvPr/>
+        </p:nvSpPr>
+        <p:spPr>
+          <a:xfrm>
+            <a:off x="271848" y="3057054"/>
+            <a:ext cx="827909" cy="276999"/>
+          </a:xfrm>
+          <a:prstGeom prst="rect">
+            <a:avLst/>
+          </a:prstGeom>
+          <a:noFill/>
+        </p:spPr>
+        <p:txBody>
+          <a:bodyPr wrap="square" rtlCol="0">
+            <a:spAutoFit/>
+          </a:bodyPr>
+          <a:lstStyle/>
+          <a:p>
+            <a:r>
+              <a:rPr lang="en-US" sz="1200" b="1" u="sng" dirty="0"/>
+              <a:t>Stop</a:t>
+            </a:r>
+          </a:p>
+        </p:txBody>
+      </p:sp>
+      <p:sp>
+        <p:nvSpPr>
+          <p:cNvPr id="24" name="TextBox 23">
+            <a:extLst>
+              <a:ext uri="{FF2B5EF4-FFF2-40B4-BE49-F238E27FC236}">
+                <a16:creationId xmlns:a16="http://schemas.microsoft.com/office/drawing/2014/main" id="{B76D8626-4B3A-4507-881A-FCA4018328A5}"/>
+              </a:ext>
+            </a:extLst>
+          </p:cNvPr>
+          <p:cNvSpPr txBox="1"/>
+          <p:nvPr/>
+        </p:nvSpPr>
+        <p:spPr>
+          <a:xfrm>
+            <a:off x="2936788" y="4165480"/>
+            <a:ext cx="827909" cy="276999"/>
+          </a:xfrm>
+          <a:prstGeom prst="rect">
+            <a:avLst/>
+          </a:prstGeom>
+          <a:noFill/>
+        </p:spPr>
+        <p:txBody>
+          <a:bodyPr wrap="square" rtlCol="0">
+            <a:spAutoFit/>
+          </a:bodyPr>
+          <a:lstStyle/>
+          <a:p>
+            <a:r>
+              <a:rPr lang="en-US" sz="1200" b="1" u="sng" dirty="0"/>
+              <a:t>Less</a:t>
+            </a:r>
+          </a:p>
+        </p:txBody>
+      </p:sp>
+      <p:sp>
+        <p:nvSpPr>
+          <p:cNvPr id="26" name="TextBox 25">
+            <a:extLst>
+              <a:ext uri="{FF2B5EF4-FFF2-40B4-BE49-F238E27FC236}">
+                <a16:creationId xmlns:a16="http://schemas.microsoft.com/office/drawing/2014/main" id="{2DC1693D-86A9-4528-AE81-5E6AAA977AA6}"/>
+              </a:ext>
+            </a:extLst>
+          </p:cNvPr>
+          <p:cNvSpPr txBox="1"/>
+          <p:nvPr/>
+        </p:nvSpPr>
+        <p:spPr>
+          <a:xfrm>
+            <a:off x="5566714" y="3160760"/>
+            <a:ext cx="827909" cy="276999"/>
+          </a:xfrm>
+          <a:prstGeom prst="rect">
+            <a:avLst/>
+          </a:prstGeom>
+          <a:noFill/>
+        </p:spPr>
+        <p:txBody>
+          <a:bodyPr wrap="square" rtlCol="0">
+            <a:spAutoFit/>
+          </a:bodyPr>
+          <a:lstStyle/>
+          <a:p>
+            <a:r>
+              <a:rPr lang="en-US" sz="1200" b="1" u="sng" dirty="0"/>
+              <a:t>Start</a:t>
+            </a:r>
+          </a:p>
+        </p:txBody>
+      </p:sp>
+      <p:sp>
+        <p:nvSpPr>
+          <p:cNvPr id="28" name="Rectangle 27">
+            <a:extLst>
+              <a:ext uri="{FF2B5EF4-FFF2-40B4-BE49-F238E27FC236}">
+                <a16:creationId xmlns:a16="http://schemas.microsoft.com/office/drawing/2014/main" id="{EC598626-E7BB-40E3-8312-CA0813E9EA30}"/>
+              </a:ext>
+            </a:extLst>
+          </p:cNvPr>
+          <p:cNvSpPr/>
+          <p:nvPr/>
+        </p:nvSpPr>
+        <p:spPr>
+          <a:xfrm>
+            <a:off x="663144" y="350109"/>
+            <a:ext cx="5025082" cy="362465"/>
+          </a:xfrm>
+          <a:prstGeom prst="rect">
+            <a:avLst/>
+          </a:prstGeom>
+        </p:spPr>
+        <p:style>
+          <a:lnRef idx="2">
+            <a:schemeClr val="accent1">
+              <a:shade val="50000"/>
+            </a:schemeClr>
+          </a:lnRef>
+          <a:fillRef idx="1">
+            <a:schemeClr val="accent1"/>
+          </a:fillRef>
+          <a:effectRef idx="0">
+            <a:schemeClr val="accent1"/>
+          </a:effectRef>
+          <a:fontRef idx="minor">
+            <a:schemeClr val="lt1"/>
+          </a:fontRef>
+        </p:style>
+        <p:txBody>
+          <a:bodyPr rtlCol="0" anchor="ctr"/>
+          <a:lstStyle/>
+          <a:p>
+            <a:pPr algn="ctr"/>
+            <a:r>
+              <a:rPr lang="en-US" dirty="0"/>
+              <a:t>Starfish Retrospective Board</a:t>
+            </a:r>
+          </a:p>
+        </p:txBody>
+      </p:sp>
+      <p:sp>
+        <p:nvSpPr>
+          <p:cNvPr id="30" name="Flowchart: Document 29">
+            <a:extLst>
+              <a:ext uri="{FF2B5EF4-FFF2-40B4-BE49-F238E27FC236}">
+                <a16:creationId xmlns:a16="http://schemas.microsoft.com/office/drawing/2014/main" id="{2EF15817-6E23-4C18-B3B7-25E6A5B39B8D}"/>
+              </a:ext>
+            </a:extLst>
+          </p:cNvPr>
+          <p:cNvSpPr/>
+          <p:nvPr/>
+        </p:nvSpPr>
+        <p:spPr>
+          <a:xfrm>
+            <a:off x="1775260" y="2037841"/>
+            <a:ext cx="494270" cy="362465"/>
+          </a:xfrm>
+          <a:prstGeom prst="flowChartDocument">
+            <a:avLst/>
+          </a:prstGeom>
+          <a:solidFill>
+            <a:schemeClr val="accent4">
+              <a:alpha val="50000"/>
+            </a:schemeClr>
+          </a:solidFill>
+          <a:ln>
+            <a:noFill/>
+          </a:ln>
+        </p:spPr>
+        <p:style>
+          <a:lnRef idx="0">
+            <a:scrgbClr r="0" g="0" b="0"/>
+          </a:lnRef>
+          <a:fillRef idx="0">
+            <a:scrgbClr r="0" g="0" b="0"/>
+          </a:fillRef>
+          <a:effectRef idx="0">
+            <a:scrgbClr r="0" g="0" b="0"/>
+          </a:effectRef>
+          <a:fontRef idx="minor">
+            <a:schemeClr val="lt1"/>
+          </a:fontRef>
+        </p:style>
+        <p:txBody>
+          <a:bodyPr rtlCol="0" anchor="ctr"/>
+          <a:lstStyle/>
+          <a:p>
+            <a:pPr algn="ctr"/>
+            <a:endParaRPr lang="en-US"/>
+          </a:p>
+        </p:txBody>
+      </p:sp>
+      <p:sp>
+        <p:nvSpPr>
+          <p:cNvPr id="32" name="Flowchart: Document 31">
+            <a:extLst>
+              <a:ext uri="{FF2B5EF4-FFF2-40B4-BE49-F238E27FC236}">
+                <a16:creationId xmlns:a16="http://schemas.microsoft.com/office/drawing/2014/main" id="{1498F8F0-900A-4F43-A098-E961707A8663}"/>
+              </a:ext>
+            </a:extLst>
+          </p:cNvPr>
+          <p:cNvSpPr/>
+          <p:nvPr/>
+        </p:nvSpPr>
+        <p:spPr>
+          <a:xfrm>
+            <a:off x="2120252" y="2537260"/>
+            <a:ext cx="494270" cy="362465"/>
+          </a:xfrm>
+          <a:prstGeom prst="flowChartDocument">
+            <a:avLst/>
+          </a:prstGeom>
+          <a:solidFill>
+            <a:schemeClr val="accent4">
+              <a:alpha val="50000"/>
+            </a:schemeClr>
+          </a:solidFill>
+          <a:ln>
+            <a:noFill/>
+          </a:ln>
+        </p:spPr>
+        <p:style>
+          <a:lnRef idx="0">
+            <a:scrgbClr r="0" g="0" b="0"/>
+          </a:lnRef>
+          <a:fillRef idx="0">
+            <a:scrgbClr r="0" g="0" b="0"/>
+          </a:fillRef>
+          <a:effectRef idx="0">
+            <a:scrgbClr r="0" g="0" b="0"/>
+          </a:effectRef>
+          <a:fontRef idx="minor">
+            <a:schemeClr val="lt1"/>
+          </a:fontRef>
+        </p:style>
+        <p:txBody>
+          <a:bodyPr rtlCol="0" anchor="ctr"/>
+          <a:lstStyle/>
+          <a:p>
+            <a:pPr algn="ctr"/>
+            <a:endParaRPr lang="en-US"/>
+          </a:p>
+        </p:txBody>
+      </p:sp>
+      <p:sp>
+        <p:nvSpPr>
+          <p:cNvPr id="34" name="Flowchart: Document 33">
+            <a:extLst>
+              <a:ext uri="{FF2B5EF4-FFF2-40B4-BE49-F238E27FC236}">
+                <a16:creationId xmlns:a16="http://schemas.microsoft.com/office/drawing/2014/main" id="{E69BD509-C5F0-4157-920C-4FD1D407EC64}"/>
+              </a:ext>
+            </a:extLst>
+          </p:cNvPr>
+          <p:cNvSpPr/>
+          <p:nvPr/>
+        </p:nvSpPr>
+        <p:spPr>
+          <a:xfrm>
+            <a:off x="1064744" y="2115702"/>
+            <a:ext cx="494270" cy="362465"/>
+          </a:xfrm>
+          <a:prstGeom prst="flowChartDocument">
+            <a:avLst/>
+          </a:prstGeom>
+          <a:solidFill>
+            <a:schemeClr val="accent4">
+              <a:alpha val="50000"/>
+            </a:schemeClr>
+          </a:solidFill>
+          <a:ln>
+            <a:noFill/>
+          </a:ln>
+        </p:spPr>
+        <p:style>
+          <a:lnRef idx="0">
+            <a:scrgbClr r="0" g="0" b="0"/>
+          </a:lnRef>
+          <a:fillRef idx="0">
+            <a:scrgbClr r="0" g="0" b="0"/>
+          </a:fillRef>
+          <a:effectRef idx="0">
+            <a:scrgbClr r="0" g="0" b="0"/>
+          </a:effectRef>
+          <a:fontRef idx="minor">
+            <a:schemeClr val="lt1"/>
+          </a:fontRef>
+        </p:style>
+        <p:txBody>
+          <a:bodyPr rtlCol="0" anchor="ctr"/>
+          <a:lstStyle/>
+          <a:p>
+            <a:pPr algn="ctr"/>
+            <a:endParaRPr lang="en-US"/>
+          </a:p>
+        </p:txBody>
+      </p:sp>
+      <p:sp>
+        <p:nvSpPr>
+          <p:cNvPr id="36" name="Flowchart: Document 35">
+            <a:extLst>
+              <a:ext uri="{FF2B5EF4-FFF2-40B4-BE49-F238E27FC236}">
+                <a16:creationId xmlns:a16="http://schemas.microsoft.com/office/drawing/2014/main" id="{0747B086-C682-4352-8CE9-661AD8DCD9FF}"/>
+              </a:ext>
+            </a:extLst>
+          </p:cNvPr>
+          <p:cNvSpPr/>
+          <p:nvPr/>
+        </p:nvSpPr>
+        <p:spPr>
+          <a:xfrm>
+            <a:off x="679700" y="3603433"/>
+            <a:ext cx="494270" cy="362465"/>
+          </a:xfrm>
+          <a:prstGeom prst="flowChartDocument">
+            <a:avLst/>
+          </a:prstGeom>
+          <a:solidFill>
+            <a:schemeClr val="accent4">
+              <a:alpha val="50000"/>
+            </a:schemeClr>
+          </a:solidFill>
+          <a:ln>
+            <a:noFill/>
+          </a:ln>
+        </p:spPr>
+        <p:style>
+          <a:lnRef idx="0">
+            <a:scrgbClr r="0" g="0" b="0"/>
+          </a:lnRef>
+          <a:fillRef idx="0">
+            <a:scrgbClr r="0" g="0" b="0"/>
+          </a:fillRef>
+          <a:effectRef idx="0">
+            <a:scrgbClr r="0" g="0" b="0"/>
+          </a:effectRef>
+          <a:fontRef idx="minor">
+            <a:schemeClr val="lt1"/>
+          </a:fontRef>
+        </p:style>
+        <p:txBody>
+          <a:bodyPr rtlCol="0" anchor="ctr"/>
+          <a:lstStyle/>
+          <a:p>
+            <a:pPr algn="ctr"/>
+            <a:endParaRPr lang="en-US"/>
+          </a:p>
+        </p:txBody>
+      </p:sp>
+      <p:sp>
+        <p:nvSpPr>
+          <p:cNvPr id="38" name="Flowchart: Document 37">
+            <a:extLst>
+              <a:ext uri="{FF2B5EF4-FFF2-40B4-BE49-F238E27FC236}">
+                <a16:creationId xmlns:a16="http://schemas.microsoft.com/office/drawing/2014/main" id="{0A262992-251C-4290-8087-C41E38E3AB0E}"/>
+              </a:ext>
+            </a:extLst>
+          </p:cNvPr>
+          <p:cNvSpPr/>
+          <p:nvPr/>
+        </p:nvSpPr>
+        <p:spPr>
+          <a:xfrm>
+            <a:off x="1284117" y="4303979"/>
+            <a:ext cx="494270" cy="362465"/>
+          </a:xfrm>
+          <a:prstGeom prst="flowChartDocument">
+            <a:avLst/>
+          </a:prstGeom>
+          <a:solidFill>
+            <a:schemeClr val="accent4">
+              <a:alpha val="50000"/>
+            </a:schemeClr>
+          </a:solidFill>
+          <a:ln>
+            <a:noFill/>
+          </a:ln>
+        </p:spPr>
+        <p:style>
+          <a:lnRef idx="0">
+            <a:scrgbClr r="0" g="0" b="0"/>
+          </a:lnRef>
+          <a:fillRef idx="0">
+            <a:scrgbClr r="0" g="0" b="0"/>
+          </a:fillRef>
+          <a:effectRef idx="0">
+            <a:scrgbClr r="0" g="0" b="0"/>
+          </a:effectRef>
+          <a:fontRef idx="minor">
+            <a:schemeClr val="lt1"/>
+          </a:fontRef>
+        </p:style>
+        <p:txBody>
+          <a:bodyPr rtlCol="0" anchor="ctr"/>
+          <a:lstStyle/>
+          <a:p>
+            <a:pPr algn="ctr"/>
+            <a:endParaRPr lang="en-US"/>
+          </a:p>
+        </p:txBody>
+      </p:sp>
+      <p:sp>
+        <p:nvSpPr>
+          <p:cNvPr id="40" name="Flowchart: Document 39">
+            <a:extLst>
+              <a:ext uri="{FF2B5EF4-FFF2-40B4-BE49-F238E27FC236}">
+                <a16:creationId xmlns:a16="http://schemas.microsoft.com/office/drawing/2014/main" id="{23E58287-37FE-44E5-9F28-333A4DF09F3B}"/>
+              </a:ext>
+            </a:extLst>
+          </p:cNvPr>
+          <p:cNvSpPr/>
+          <p:nvPr/>
+        </p:nvSpPr>
+        <p:spPr>
+          <a:xfrm>
+            <a:off x="3313595" y="1851462"/>
+            <a:ext cx="494270" cy="362465"/>
+          </a:xfrm>
+          <a:prstGeom prst="flowChartDocument">
+            <a:avLst/>
+          </a:prstGeom>
+          <a:solidFill>
+            <a:schemeClr val="accent4">
+              <a:alpha val="50000"/>
+            </a:schemeClr>
+          </a:solidFill>
+          <a:ln>
+            <a:noFill/>
+          </a:ln>
+        </p:spPr>
+        <p:style>
+          <a:lnRef idx="0">
+            <a:scrgbClr r="0" g="0" b="0"/>
+          </a:lnRef>
+          <a:fillRef idx="0">
+            <a:scrgbClr r="0" g="0" b="0"/>
+          </a:fillRef>
+          <a:effectRef idx="0">
+            <a:scrgbClr r="0" g="0" b="0"/>
+          </a:effectRef>
+          <a:fontRef idx="minor">
+            <a:schemeClr val="lt1"/>
+          </a:fontRef>
+        </p:style>
+        <p:txBody>
+          <a:bodyPr rtlCol="0" anchor="ctr"/>
+          <a:lstStyle/>
+          <a:p>
+            <a:pPr algn="ctr"/>
+            <a:endParaRPr lang="en-US"/>
+          </a:p>
+        </p:txBody>
+      </p:sp>
+      <p:sp>
+        <p:nvSpPr>
+          <p:cNvPr id="42" name="Flowchart: Document 41">
+            <a:extLst>
+              <a:ext uri="{FF2B5EF4-FFF2-40B4-BE49-F238E27FC236}">
+                <a16:creationId xmlns:a16="http://schemas.microsoft.com/office/drawing/2014/main" id="{4CF2D9B2-DB19-433E-AD0F-A674DDE77D83}"/>
+              </a:ext>
+            </a:extLst>
+          </p:cNvPr>
+          <p:cNvSpPr/>
+          <p:nvPr/>
+        </p:nvSpPr>
+        <p:spPr>
+          <a:xfrm>
+            <a:off x="4098331" y="1670229"/>
+            <a:ext cx="494270" cy="362465"/>
+          </a:xfrm>
+          <a:prstGeom prst="flowChartDocument">
+            <a:avLst/>
+          </a:prstGeom>
+          <a:solidFill>
+            <a:schemeClr val="accent4">
+              <a:alpha val="50000"/>
+            </a:schemeClr>
+          </a:solidFill>
+          <a:ln>
+            <a:noFill/>
+          </a:ln>
+        </p:spPr>
+        <p:style>
+          <a:lnRef idx="0">
+            <a:scrgbClr r="0" g="0" b="0"/>
+          </a:lnRef>
+          <a:fillRef idx="0">
+            <a:scrgbClr r="0" g="0" b="0"/>
+          </a:fillRef>
+          <a:effectRef idx="0">
+            <a:scrgbClr r="0" g="0" b="0"/>
+          </a:effectRef>
+          <a:fontRef idx="minor">
+            <a:schemeClr val="lt1"/>
+          </a:fontRef>
+        </p:style>
+        <p:txBody>
+          <a:bodyPr rtlCol="0" anchor="ctr"/>
+          <a:lstStyle/>
+          <a:p>
+            <a:pPr algn="ctr"/>
+            <a:endParaRPr lang="en-US"/>
+          </a:p>
+        </p:txBody>
+      </p:sp>
+      <p:sp>
+        <p:nvSpPr>
+          <p:cNvPr id="44" name="Flowchart: Document 43">
+            <a:extLst>
+              <a:ext uri="{FF2B5EF4-FFF2-40B4-BE49-F238E27FC236}">
+                <a16:creationId xmlns:a16="http://schemas.microsoft.com/office/drawing/2014/main" id="{8976AD7D-2427-4A52-9D5D-3DE6E2772809}"/>
+              </a:ext>
+            </a:extLst>
+          </p:cNvPr>
+          <p:cNvSpPr/>
+          <p:nvPr/>
+        </p:nvSpPr>
+        <p:spPr>
+          <a:xfrm>
+            <a:off x="4121968" y="2710255"/>
+            <a:ext cx="494270" cy="362465"/>
+          </a:xfrm>
+          <a:prstGeom prst="flowChartDocument">
+            <a:avLst/>
+          </a:prstGeom>
+          <a:solidFill>
+            <a:schemeClr val="accent4">
+              <a:alpha val="50000"/>
+            </a:schemeClr>
+          </a:solidFill>
+          <a:ln>
+            <a:noFill/>
+          </a:ln>
+        </p:spPr>
+        <p:style>
+          <a:lnRef idx="0">
+            <a:scrgbClr r="0" g="0" b="0"/>
+          </a:lnRef>
+          <a:fillRef idx="0">
+            <a:scrgbClr r="0" g="0" b="0"/>
+          </a:fillRef>
+          <a:effectRef idx="0">
+            <a:scrgbClr r="0" g="0" b="0"/>
+          </a:effectRef>
+          <a:fontRef idx="minor">
+            <a:schemeClr val="lt1"/>
+          </a:fontRef>
+        </p:style>
+        <p:txBody>
+          <a:bodyPr rtlCol="0" anchor="ctr"/>
+          <a:lstStyle/>
+          <a:p>
+            <a:pPr algn="ctr"/>
+            <a:endParaRPr lang="en-US"/>
+          </a:p>
+        </p:txBody>
+      </p:sp>
+      <p:sp>
+        <p:nvSpPr>
+          <p:cNvPr id="46" name="Flowchart: Document 45">
+            <a:extLst>
+              <a:ext uri="{FF2B5EF4-FFF2-40B4-BE49-F238E27FC236}">
+                <a16:creationId xmlns:a16="http://schemas.microsoft.com/office/drawing/2014/main" id="{39C66A46-DB99-4FFC-9C7B-51ABCF875BF6}"/>
+              </a:ext>
+            </a:extLst>
+          </p:cNvPr>
+          <p:cNvSpPr/>
+          <p:nvPr/>
+        </p:nvSpPr>
+        <p:spPr>
+          <a:xfrm>
+            <a:off x="3736924" y="2270162"/>
+            <a:ext cx="494270" cy="362465"/>
+          </a:xfrm>
+          <a:prstGeom prst="flowChartDocument">
+            <a:avLst/>
+          </a:prstGeom>
+          <a:solidFill>
+            <a:schemeClr val="accent4">
+              <a:alpha val="50000"/>
+            </a:schemeClr>
+          </a:solidFill>
+          <a:ln>
+            <a:noFill/>
+          </a:ln>
+        </p:spPr>
+        <p:style>
+          <a:lnRef idx="0">
+            <a:scrgbClr r="0" g="0" b="0"/>
+          </a:lnRef>
+          <a:fillRef idx="0">
+            <a:scrgbClr r="0" g="0" b="0"/>
+          </a:fillRef>
+          <a:effectRef idx="0">
+            <a:scrgbClr r="0" g="0" b="0"/>
+          </a:effectRef>
+          <a:fontRef idx="minor">
+            <a:schemeClr val="lt1"/>
+          </a:fontRef>
+        </p:style>
+        <p:txBody>
+          <a:bodyPr rtlCol="0" anchor="ctr"/>
+          <a:lstStyle/>
+          <a:p>
+            <a:pPr algn="ctr"/>
+            <a:endParaRPr lang="en-US"/>
+          </a:p>
+        </p:txBody>
+      </p:sp>
+      <p:sp>
+        <p:nvSpPr>
+          <p:cNvPr id="48" name="Flowchart: Document 47">
+            <a:extLst>
+              <a:ext uri="{FF2B5EF4-FFF2-40B4-BE49-F238E27FC236}">
+                <a16:creationId xmlns:a16="http://schemas.microsoft.com/office/drawing/2014/main" id="{6387BE77-51B0-4A7D-9E69-171BDF6423B5}"/>
+              </a:ext>
+            </a:extLst>
+          </p:cNvPr>
+          <p:cNvSpPr/>
+          <p:nvPr/>
+        </p:nvSpPr>
+        <p:spPr>
+          <a:xfrm>
+            <a:off x="3941804" y="3688494"/>
+            <a:ext cx="494270" cy="362465"/>
+          </a:xfrm>
+          <a:prstGeom prst="flowChartDocument">
+            <a:avLst/>
+          </a:prstGeom>
+          <a:solidFill>
+            <a:schemeClr val="accent4">
+              <a:alpha val="50000"/>
+            </a:schemeClr>
+          </a:solidFill>
+          <a:ln>
+            <a:noFill/>
+          </a:ln>
+        </p:spPr>
+        <p:style>
+          <a:lnRef idx="0">
+            <a:scrgbClr r="0" g="0" b="0"/>
+          </a:lnRef>
+          <a:fillRef idx="0">
+            <a:scrgbClr r="0" g="0" b="0"/>
+          </a:fillRef>
+          <a:effectRef idx="0">
+            <a:scrgbClr r="0" g="0" b="0"/>
+          </a:effectRef>
+          <a:fontRef idx="minor">
+            <a:schemeClr val="lt1"/>
+          </a:fontRef>
+        </p:style>
+        <p:txBody>
+          <a:bodyPr rtlCol="0" anchor="ctr"/>
+          <a:lstStyle/>
+          <a:p>
+            <a:pPr algn="ctr"/>
+            <a:endParaRPr lang="en-US"/>
+          </a:p>
+        </p:txBody>
+      </p:sp>
+      <p:sp>
+        <p:nvSpPr>
+          <p:cNvPr id="50" name="Flowchart: Document 49">
+            <a:extLst>
+              <a:ext uri="{FF2B5EF4-FFF2-40B4-BE49-F238E27FC236}">
+                <a16:creationId xmlns:a16="http://schemas.microsoft.com/office/drawing/2014/main" id="{0F1E9028-8B65-4884-AD5A-BFBD83FD45C0}"/>
+              </a:ext>
+            </a:extLst>
+          </p:cNvPr>
+          <p:cNvSpPr/>
+          <p:nvPr/>
+        </p:nvSpPr>
+        <p:spPr>
+          <a:xfrm>
+            <a:off x="4830496" y="3353624"/>
+            <a:ext cx="494270" cy="362465"/>
+          </a:xfrm>
+          <a:prstGeom prst="flowChartDocument">
+            <a:avLst/>
+          </a:prstGeom>
+          <a:solidFill>
+            <a:schemeClr val="accent4">
+              <a:alpha val="50000"/>
+            </a:schemeClr>
+          </a:solidFill>
+          <a:ln>
+            <a:noFill/>
+          </a:ln>
+        </p:spPr>
+        <p:style>
+          <a:lnRef idx="0">
+            <a:scrgbClr r="0" g="0" b="0"/>
+          </a:lnRef>
+          <a:fillRef idx="0">
+            <a:scrgbClr r="0" g="0" b="0"/>
+          </a:fillRef>
+          <a:effectRef idx="0">
+            <a:scrgbClr r="0" g="0" b="0"/>
+          </a:effectRef>
+          <a:fontRef idx="minor">
+            <a:schemeClr val="lt1"/>
+          </a:fontRef>
+        </p:style>
+        <p:txBody>
+          <a:bodyPr rtlCol="0" anchor="ctr"/>
+          <a:lstStyle/>
+          <a:p>
+            <a:pPr algn="ctr"/>
+            <a:endParaRPr lang="en-US"/>
+          </a:p>
+        </p:txBody>
+      </p:sp>
+      <p:sp>
+        <p:nvSpPr>
+          <p:cNvPr id="52" name="Flowchart: Document 51">
+            <a:extLst>
+              <a:ext uri="{FF2B5EF4-FFF2-40B4-BE49-F238E27FC236}">
+                <a16:creationId xmlns:a16="http://schemas.microsoft.com/office/drawing/2014/main" id="{E6A1D8F5-5820-4300-9647-0AB0A085E780}"/>
+              </a:ext>
+            </a:extLst>
+          </p:cNvPr>
+          <p:cNvSpPr/>
+          <p:nvPr/>
+        </p:nvSpPr>
+        <p:spPr>
+          <a:xfrm>
+            <a:off x="4829352" y="4485211"/>
+            <a:ext cx="494270" cy="362465"/>
+          </a:xfrm>
+          <a:prstGeom prst="flowChartDocument">
+            <a:avLst/>
+          </a:prstGeom>
+          <a:solidFill>
+            <a:schemeClr val="accent4">
+              <a:alpha val="50000"/>
+            </a:schemeClr>
+          </a:solidFill>
+          <a:ln>
+            <a:noFill/>
+          </a:ln>
+        </p:spPr>
+        <p:style>
+          <a:lnRef idx="0">
+            <a:scrgbClr r="0" g="0" b="0"/>
+          </a:lnRef>
+          <a:fillRef idx="0">
+            <a:scrgbClr r="0" g="0" b="0"/>
+          </a:fillRef>
+          <a:effectRef idx="0">
+            <a:scrgbClr r="0" g="0" b="0"/>
+          </a:effectRef>
+          <a:fontRef idx="minor">
+            <a:schemeClr val="lt1"/>
+          </a:fontRef>
+        </p:style>
+        <p:txBody>
+          <a:bodyPr rtlCol="0" anchor="ctr"/>
+          <a:lstStyle/>
+          <a:p>
+            <a:pPr algn="ctr"/>
+            <a:endParaRPr lang="en-US"/>
+          </a:p>
+        </p:txBody>
+      </p:sp>
+      <p:sp>
+        <p:nvSpPr>
+          <p:cNvPr id="54" name="Flowchart: Document 53">
+            <a:extLst>
+              <a:ext uri="{FF2B5EF4-FFF2-40B4-BE49-F238E27FC236}">
+                <a16:creationId xmlns:a16="http://schemas.microsoft.com/office/drawing/2014/main" id="{DC9403C7-5FA3-4392-BFCA-426919F7E6F7}"/>
+              </a:ext>
+            </a:extLst>
+          </p:cNvPr>
+          <p:cNvSpPr/>
+          <p:nvPr/>
+        </p:nvSpPr>
+        <p:spPr>
+          <a:xfrm>
+            <a:off x="4525171" y="4036657"/>
+            <a:ext cx="494270" cy="362465"/>
+          </a:xfrm>
+          <a:prstGeom prst="flowChartDocument">
+            <a:avLst/>
+          </a:prstGeom>
+          <a:solidFill>
+            <a:schemeClr val="accent4">
+              <a:alpha val="50000"/>
+            </a:schemeClr>
+          </a:solidFill>
+          <a:ln>
+            <a:noFill/>
+          </a:ln>
+        </p:spPr>
+        <p:style>
+          <a:lnRef idx="0">
+            <a:scrgbClr r="0" g="0" b="0"/>
+          </a:lnRef>
+          <a:fillRef idx="0">
+            <a:scrgbClr r="0" g="0" b="0"/>
+          </a:fillRef>
+          <a:effectRef idx="0">
+            <a:scrgbClr r="0" g="0" b="0"/>
+          </a:effectRef>
+          <a:fontRef idx="minor">
+            <a:schemeClr val="lt1"/>
+          </a:fontRef>
+        </p:style>
+        <p:txBody>
+          <a:bodyPr rtlCol="0" anchor="ctr"/>
+          <a:lstStyle/>
+          <a:p>
+            <a:pPr algn="ctr"/>
+            <a:endParaRPr lang="en-US"/>
+          </a:p>
+        </p:txBody>
+      </p:sp>
+      <p:sp>
+        <p:nvSpPr>
+          <p:cNvPr id="56" name="Flowchart: Document 55">
+            <a:extLst>
+              <a:ext uri="{FF2B5EF4-FFF2-40B4-BE49-F238E27FC236}">
+                <a16:creationId xmlns:a16="http://schemas.microsoft.com/office/drawing/2014/main" id="{4C4428E4-48A9-4FF9-B3C4-6001CDB48D2D}"/>
+              </a:ext>
+            </a:extLst>
+          </p:cNvPr>
+          <p:cNvSpPr/>
+          <p:nvPr/>
+        </p:nvSpPr>
+        <p:spPr>
+          <a:xfrm>
+            <a:off x="2614522" y="4694544"/>
+            <a:ext cx="494270" cy="362465"/>
+          </a:xfrm>
+          <a:prstGeom prst="flowChartDocument">
+            <a:avLst/>
+          </a:prstGeom>
+          <a:solidFill>
+            <a:schemeClr val="accent4">
+              <a:alpha val="50000"/>
+            </a:schemeClr>
+          </a:solidFill>
+          <a:ln>
+            <a:noFill/>
+          </a:ln>
+        </p:spPr>
+        <p:style>
+          <a:lnRef idx="0">
+            <a:scrgbClr r="0" g="0" b="0"/>
+          </a:lnRef>
+          <a:fillRef idx="0">
+            <a:scrgbClr r="0" g="0" b="0"/>
+          </a:fillRef>
+          <a:effectRef idx="0">
+            <a:scrgbClr r="0" g="0" b="0"/>
+          </a:effectRef>
+          <a:fontRef idx="minor">
+            <a:schemeClr val="lt1"/>
+          </a:fontRef>
+        </p:style>
+        <p:txBody>
+          <a:bodyPr rtlCol="0" anchor="ctr"/>
+          <a:lstStyle/>
+          <a:p>
+            <a:pPr algn="ctr"/>
+            <a:endParaRPr lang="en-US"/>
+          </a:p>
+        </p:txBody>
+      </p:sp>
+      <p:sp>
+        <p:nvSpPr>
+          <p:cNvPr id="58" name="Flowchart: Document 57">
+            <a:extLst>
+              <a:ext uri="{FF2B5EF4-FFF2-40B4-BE49-F238E27FC236}">
+                <a16:creationId xmlns:a16="http://schemas.microsoft.com/office/drawing/2014/main" id="{64E124A6-A243-45AD-8310-A59545EE0D9A}"/>
+              </a:ext>
+            </a:extLst>
+          </p:cNvPr>
+          <p:cNvSpPr/>
+          <p:nvPr/>
+        </p:nvSpPr>
+        <p:spPr>
+          <a:xfrm>
+            <a:off x="3205598" y="5099734"/>
+            <a:ext cx="494270" cy="362465"/>
+          </a:xfrm>
+          <a:prstGeom prst="flowChartDocument">
+            <a:avLst/>
+          </a:prstGeom>
+          <a:solidFill>
+            <a:schemeClr val="accent4">
+              <a:alpha val="50000"/>
+            </a:schemeClr>
+          </a:solidFill>
+          <a:ln>
+            <a:noFill/>
+          </a:ln>
+        </p:spPr>
+        <p:style>
+          <a:lnRef idx="0">
+            <a:scrgbClr r="0" g="0" b="0"/>
+          </a:lnRef>
+          <a:fillRef idx="0">
+            <a:scrgbClr r="0" g="0" b="0"/>
+          </a:fillRef>
+          <a:effectRef idx="0">
+            <a:scrgbClr r="0" g="0" b="0"/>
+          </a:effectRef>
+          <a:fontRef idx="minor">
+            <a:schemeClr val="lt1"/>
+          </a:fontRef>
+        </p:style>
+        <p:txBody>
+          <a:bodyPr rtlCol="0" anchor="ctr"/>
+          <a:lstStyle/>
+          <a:p>
+            <a:pPr algn="ctr"/>
+            <a:endParaRPr lang="en-US"/>
+          </a:p>
+        </p:txBody>
+      </p:sp>
+      <p:sp>
+        <p:nvSpPr>
+          <p:cNvPr id="60" name="Flowchart: Document 59">
+            <a:extLst>
+              <a:ext uri="{FF2B5EF4-FFF2-40B4-BE49-F238E27FC236}">
+                <a16:creationId xmlns:a16="http://schemas.microsoft.com/office/drawing/2014/main" id="{5A13D383-6D34-485C-B401-59C8D92C687B}"/>
+              </a:ext>
+            </a:extLst>
+          </p:cNvPr>
+          <p:cNvSpPr/>
+          <p:nvPr/>
+        </p:nvSpPr>
+        <p:spPr>
+          <a:xfrm>
+            <a:off x="2311629" y="5513180"/>
+            <a:ext cx="494270" cy="362465"/>
+          </a:xfrm>
+          <a:prstGeom prst="flowChartDocument">
+            <a:avLst/>
+          </a:prstGeom>
+          <a:solidFill>
+            <a:schemeClr val="accent4">
+              <a:alpha val="50000"/>
+            </a:schemeClr>
+          </a:solidFill>
+          <a:ln>
+            <a:noFill/>
+          </a:ln>
+        </p:spPr>
+        <p:style>
+          <a:lnRef idx="0">
+            <a:scrgbClr r="0" g="0" b="0"/>
+          </a:lnRef>
+          <a:fillRef idx="0">
+            <a:scrgbClr r="0" g="0" b="0"/>
+          </a:fillRef>
+          <a:effectRef idx="0">
+            <a:scrgbClr r="0" g="0" b="0"/>
+          </a:effectRef>
+          <a:fontRef idx="minor">
+            <a:schemeClr val="lt1"/>
+          </a:fontRef>
+        </p:style>
+        <p:txBody>
+          <a:bodyPr rtlCol="0" anchor="ctr"/>
+          <a:lstStyle/>
+          <a:p>
+            <a:pPr algn="ctr"/>
+            <a:endParaRPr lang="en-US"/>
+          </a:p>
+        </p:txBody>
+      </p:sp>
+      <p:pic>
+        <p:nvPicPr>
+          <p:cNvPr id="62" name="Picture 61">
+            <a:extLst>
+              <a:ext uri="{FF2B5EF4-FFF2-40B4-BE49-F238E27FC236}">
+                <a16:creationId xmlns:a16="http://schemas.microsoft.com/office/drawing/2014/main" id="{710D936B-F1C9-4C94-BFCD-8D27147A4C3A}"/>
+              </a:ext>
+            </a:extLst>
+          </p:cNvPr>
+          <p:cNvPicPr>
+            <a:picLocks noChangeAspect="1"/>
+          </p:cNvPicPr>
+          <p:nvPr/>
+        </p:nvPicPr>
+        <p:blipFill>
+          <a:blip r:embed="rId2"/>
+          <a:stretch>
+            <a:fillRect/>
+          </a:stretch>
+        </p:blipFill>
+        <p:spPr>
+          <a:xfrm>
+            <a:off x="8058659" y="557946"/>
+            <a:ext cx="3666446" cy="3695146"/>
+          </a:xfrm>
+          <a:prstGeom prst="rect">
+            <a:avLst/>
+          </a:prstGeom>
+        </p:spPr>
+      </p:pic>
+    </p:spTree>
+    <p:extLst>
+      <p:ext uri="{BB962C8B-B14F-4D97-AF65-F5344CB8AC3E}">
+        <p14:creationId xmlns:p14="http://schemas.microsoft.com/office/powerpoint/2010/main" val="2785974703"/>
+      </p:ext>
+    </p:extLst>
+  </p:cSld>
+  <p:clrMapOvr>
+    <a:masterClrMapping/>
+  </p:clrMapOvr>
+</p:sld>
+</file>
+
 <file path=ppt/slides/slide2.xml><?xml version="1.0" encoding="utf-8"?>
 <p:sld xmlns:a="http://schemas.openxmlformats.org/drawingml/2006/main" xmlns:r="http://schemas.openxmlformats.org/officeDocument/2006/relationships" xmlns:p="http://schemas.openxmlformats.org/presentationml/2006/main">
   <p:cSld>
